--- a/BDTM/SQL/Unit-2 MySQL.pptx
+++ b/BDTM/SQL/Unit-2 MySQL.pptx
@@ -5,7 +5,7 @@
     <p:sldMasterId id="2147483659" r:id="rId1"/>
   </p:sldMasterIdLst>
   <p:notesMasterIdLst>
-    <p:notesMasterId r:id="rId14"/>
+    <p:notesMasterId r:id="rId15"/>
   </p:notesMasterIdLst>
   <p:sldIdLst>
     <p:sldId id="256" r:id="rId2"/>
@@ -20,6 +20,7 @@
     <p:sldId id="322" r:id="rId11"/>
     <p:sldId id="323" r:id="rId12"/>
     <p:sldId id="324" r:id="rId13"/>
+    <p:sldId id="325" r:id="rId14"/>
   </p:sldIdLst>
   <p:sldSz cx="9144000" cy="6858000" type="screen4x3"/>
   <p:notesSz cx="9144000" cy="6858000"/>
@@ -281,6 +282,1762 @@
 
 <file path=ppt/changesInfos/changesInfo1.xml><?xml version="1.0" encoding="utf-8"?>
 <pc:chgInfo xmlns:a="http://schemas.openxmlformats.org/drawingml/2006/main" xmlns:r="http://schemas.openxmlformats.org/officeDocument/2006/relationships" xmlns:ac="http://schemas.microsoft.com/office/drawing/2013/main/command" xmlns:pc="http://schemas.microsoft.com/office/powerpoint/2013/main/command">
+  <pc:docChgLst>
+    <pc:chgData name="Velani, Ankitkumar" userId="039f6639-35cd-4471-8ac8-1e78077ab1db" providerId="ADAL" clId="{84352D96-93B9-4F72-AE8C-18860CDEFF5B}"/>
+    <pc:docChg chg="undo custSel addSld delSld modSld sldOrd modNotesMaster">
+      <pc:chgData name="Velani, Ankitkumar" userId="039f6639-35cd-4471-8ac8-1e78077ab1db" providerId="ADAL" clId="{84352D96-93B9-4F72-AE8C-18860CDEFF5B}" dt="2022-07-15T17:08:30.945" v="14559" actId="14100"/>
+      <pc:docMkLst>
+        <pc:docMk/>
+      </pc:docMkLst>
+      <pc:sldChg chg="modNotes">
+        <pc:chgData name="Velani, Ankitkumar" userId="039f6639-35cd-4471-8ac8-1e78077ab1db" providerId="ADAL" clId="{84352D96-93B9-4F72-AE8C-18860CDEFF5B}" dt="2022-07-14T01:44:07.358" v="5163"/>
+        <pc:sldMkLst>
+          <pc:docMk/>
+          <pc:sldMk cId="0" sldId="256"/>
+        </pc:sldMkLst>
+      </pc:sldChg>
+      <pc:sldChg chg="modSp mod modNotes">
+        <pc:chgData name="Velani, Ankitkumar" userId="039f6639-35cd-4471-8ac8-1e78077ab1db" providerId="ADAL" clId="{84352D96-93B9-4F72-AE8C-18860CDEFF5B}" dt="2022-07-14T01:44:07.358" v="5163"/>
+        <pc:sldMkLst>
+          <pc:docMk/>
+          <pc:sldMk cId="0" sldId="257"/>
+        </pc:sldMkLst>
+        <pc:spChg chg="mod">
+          <ac:chgData name="Velani, Ankitkumar" userId="039f6639-35cd-4471-8ac8-1e78077ab1db" providerId="ADAL" clId="{84352D96-93B9-4F72-AE8C-18860CDEFF5B}" dt="2022-07-13T16:42:57.698" v="8" actId="20577"/>
+          <ac:spMkLst>
+            <pc:docMk/>
+            <pc:sldMk cId="0" sldId="257"/>
+            <ac:spMk id="100" creationId="{00000000-0000-0000-0000-000000000000}"/>
+          </ac:spMkLst>
+        </pc:spChg>
+      </pc:sldChg>
+      <pc:sldChg chg="addSp modSp mod modNotes">
+        <pc:chgData name="Velani, Ankitkumar" userId="039f6639-35cd-4471-8ac8-1e78077ab1db" providerId="ADAL" clId="{84352D96-93B9-4F72-AE8C-18860CDEFF5B}" dt="2022-07-14T01:44:07.358" v="5163"/>
+        <pc:sldMkLst>
+          <pc:docMk/>
+          <pc:sldMk cId="0" sldId="258"/>
+        </pc:sldMkLst>
+        <pc:spChg chg="mod">
+          <ac:chgData name="Velani, Ankitkumar" userId="039f6639-35cd-4471-8ac8-1e78077ab1db" providerId="ADAL" clId="{84352D96-93B9-4F72-AE8C-18860CDEFF5B}" dt="2022-07-13T16:48:25.128" v="25" actId="20577"/>
+          <ac:spMkLst>
+            <pc:docMk/>
+            <pc:sldMk cId="0" sldId="258"/>
+            <ac:spMk id="108" creationId="{00000000-0000-0000-0000-000000000000}"/>
+          </ac:spMkLst>
+        </pc:spChg>
+        <pc:spChg chg="mod">
+          <ac:chgData name="Velani, Ankitkumar" userId="039f6639-35cd-4471-8ac8-1e78077ab1db" providerId="ADAL" clId="{84352D96-93B9-4F72-AE8C-18860CDEFF5B}" dt="2022-07-13T16:56:52.985" v="409" actId="20577"/>
+          <ac:spMkLst>
+            <pc:docMk/>
+            <pc:sldMk cId="0" sldId="258"/>
+            <ac:spMk id="109" creationId="{00000000-0000-0000-0000-000000000000}"/>
+          </ac:spMkLst>
+        </pc:spChg>
+        <pc:picChg chg="add mod">
+          <ac:chgData name="Velani, Ankitkumar" userId="039f6639-35cd-4471-8ac8-1e78077ab1db" providerId="ADAL" clId="{84352D96-93B9-4F72-AE8C-18860CDEFF5B}" dt="2022-07-13T16:56:58.602" v="410" actId="1076"/>
+          <ac:picMkLst>
+            <pc:docMk/>
+            <pc:sldMk cId="0" sldId="258"/>
+            <ac:picMk id="7" creationId="{82D688DE-B6F5-4F65-9BCB-BA72C7FC1EB8}"/>
+          </ac:picMkLst>
+        </pc:picChg>
+      </pc:sldChg>
+      <pc:sldChg chg="del">
+        <pc:chgData name="Velani, Ankitkumar" userId="039f6639-35cd-4471-8ac8-1e78077ab1db" providerId="ADAL" clId="{84352D96-93B9-4F72-AE8C-18860CDEFF5B}" dt="2022-07-13T16:57:07.321" v="412" actId="47"/>
+        <pc:sldMkLst>
+          <pc:docMk/>
+          <pc:sldMk cId="0" sldId="259"/>
+        </pc:sldMkLst>
+      </pc:sldChg>
+      <pc:sldChg chg="del">
+        <pc:chgData name="Velani, Ankitkumar" userId="039f6639-35cd-4471-8ac8-1e78077ab1db" providerId="ADAL" clId="{84352D96-93B9-4F72-AE8C-18860CDEFF5B}" dt="2022-07-13T16:57:07.676" v="413" actId="47"/>
+        <pc:sldMkLst>
+          <pc:docMk/>
+          <pc:sldMk cId="0" sldId="260"/>
+        </pc:sldMkLst>
+      </pc:sldChg>
+      <pc:sldChg chg="del">
+        <pc:chgData name="Velani, Ankitkumar" userId="039f6639-35cd-4471-8ac8-1e78077ab1db" providerId="ADAL" clId="{84352D96-93B9-4F72-AE8C-18860CDEFF5B}" dt="2022-07-13T16:57:08.140" v="414" actId="47"/>
+        <pc:sldMkLst>
+          <pc:docMk/>
+          <pc:sldMk cId="0" sldId="261"/>
+        </pc:sldMkLst>
+      </pc:sldChg>
+      <pc:sldChg chg="del">
+        <pc:chgData name="Velani, Ankitkumar" userId="039f6639-35cd-4471-8ac8-1e78077ab1db" providerId="ADAL" clId="{84352D96-93B9-4F72-AE8C-18860CDEFF5B}" dt="2022-07-13T16:57:08.579" v="415" actId="47"/>
+        <pc:sldMkLst>
+          <pc:docMk/>
+          <pc:sldMk cId="0" sldId="262"/>
+        </pc:sldMkLst>
+      </pc:sldChg>
+      <pc:sldChg chg="del">
+        <pc:chgData name="Velani, Ankitkumar" userId="039f6639-35cd-4471-8ac8-1e78077ab1db" providerId="ADAL" clId="{84352D96-93B9-4F72-AE8C-18860CDEFF5B}" dt="2022-07-13T16:57:10.489" v="416" actId="47"/>
+        <pc:sldMkLst>
+          <pc:docMk/>
+          <pc:sldMk cId="0" sldId="263"/>
+        </pc:sldMkLst>
+      </pc:sldChg>
+      <pc:sldChg chg="del">
+        <pc:chgData name="Velani, Ankitkumar" userId="039f6639-35cd-4471-8ac8-1e78077ab1db" providerId="ADAL" clId="{84352D96-93B9-4F72-AE8C-18860CDEFF5B}" dt="2022-07-13T16:57:10.993" v="417" actId="47"/>
+        <pc:sldMkLst>
+          <pc:docMk/>
+          <pc:sldMk cId="0" sldId="264"/>
+        </pc:sldMkLst>
+      </pc:sldChg>
+      <pc:sldChg chg="del">
+        <pc:chgData name="Velani, Ankitkumar" userId="039f6639-35cd-4471-8ac8-1e78077ab1db" providerId="ADAL" clId="{84352D96-93B9-4F72-AE8C-18860CDEFF5B}" dt="2022-07-13T16:57:11.672" v="418" actId="47"/>
+        <pc:sldMkLst>
+          <pc:docMk/>
+          <pc:sldMk cId="0" sldId="265"/>
+        </pc:sldMkLst>
+      </pc:sldChg>
+      <pc:sldChg chg="del">
+        <pc:chgData name="Velani, Ankitkumar" userId="039f6639-35cd-4471-8ac8-1e78077ab1db" providerId="ADAL" clId="{84352D96-93B9-4F72-AE8C-18860CDEFF5B}" dt="2022-07-13T16:57:12.150" v="419" actId="47"/>
+        <pc:sldMkLst>
+          <pc:docMk/>
+          <pc:sldMk cId="0" sldId="266"/>
+        </pc:sldMkLst>
+      </pc:sldChg>
+      <pc:sldChg chg="del">
+        <pc:chgData name="Velani, Ankitkumar" userId="039f6639-35cd-4471-8ac8-1e78077ab1db" providerId="ADAL" clId="{84352D96-93B9-4F72-AE8C-18860CDEFF5B}" dt="2022-07-13T16:57:12.781" v="420" actId="47"/>
+        <pc:sldMkLst>
+          <pc:docMk/>
+          <pc:sldMk cId="0" sldId="267"/>
+        </pc:sldMkLst>
+      </pc:sldChg>
+      <pc:sldChg chg="del">
+        <pc:chgData name="Velani, Ankitkumar" userId="039f6639-35cd-4471-8ac8-1e78077ab1db" providerId="ADAL" clId="{84352D96-93B9-4F72-AE8C-18860CDEFF5B}" dt="2022-07-13T16:57:13.259" v="421" actId="47"/>
+        <pc:sldMkLst>
+          <pc:docMk/>
+          <pc:sldMk cId="0" sldId="268"/>
+        </pc:sldMkLst>
+      </pc:sldChg>
+      <pc:sldChg chg="del">
+        <pc:chgData name="Velani, Ankitkumar" userId="039f6639-35cd-4471-8ac8-1e78077ab1db" providerId="ADAL" clId="{84352D96-93B9-4F72-AE8C-18860CDEFF5B}" dt="2022-07-13T16:57:14.028" v="422" actId="47"/>
+        <pc:sldMkLst>
+          <pc:docMk/>
+          <pc:sldMk cId="0" sldId="269"/>
+        </pc:sldMkLst>
+      </pc:sldChg>
+      <pc:sldChg chg="del">
+        <pc:chgData name="Velani, Ankitkumar" userId="039f6639-35cd-4471-8ac8-1e78077ab1db" providerId="ADAL" clId="{84352D96-93B9-4F72-AE8C-18860CDEFF5B}" dt="2022-07-13T16:57:14.840" v="423" actId="47"/>
+        <pc:sldMkLst>
+          <pc:docMk/>
+          <pc:sldMk cId="0" sldId="270"/>
+        </pc:sldMkLst>
+      </pc:sldChg>
+      <pc:sldChg chg="del">
+        <pc:chgData name="Velani, Ankitkumar" userId="039f6639-35cd-4471-8ac8-1e78077ab1db" providerId="ADAL" clId="{84352D96-93B9-4F72-AE8C-18860CDEFF5B}" dt="2022-07-13T16:57:15.508" v="424" actId="47"/>
+        <pc:sldMkLst>
+          <pc:docMk/>
+          <pc:sldMk cId="0" sldId="271"/>
+        </pc:sldMkLst>
+      </pc:sldChg>
+      <pc:sldChg chg="addSp delSp modSp add mod modNotes">
+        <pc:chgData name="Velani, Ankitkumar" userId="039f6639-35cd-4471-8ac8-1e78077ab1db" providerId="ADAL" clId="{84352D96-93B9-4F72-AE8C-18860CDEFF5B}" dt="2022-07-14T06:53:05.951" v="5754" actId="20577"/>
+        <pc:sldMkLst>
+          <pc:docMk/>
+          <pc:sldMk cId="4065110562" sldId="272"/>
+        </pc:sldMkLst>
+        <pc:spChg chg="add del mod">
+          <ac:chgData name="Velani, Ankitkumar" userId="039f6639-35cd-4471-8ac8-1e78077ab1db" providerId="ADAL" clId="{84352D96-93B9-4F72-AE8C-18860CDEFF5B}" dt="2022-07-13T17:08:17.918" v="599" actId="478"/>
+          <ac:spMkLst>
+            <pc:docMk/>
+            <pc:sldMk cId="4065110562" sldId="272"/>
+            <ac:spMk id="2" creationId="{291FA58C-F360-48E1-9688-13F5293D514D}"/>
+          </ac:spMkLst>
+        </pc:spChg>
+        <pc:spChg chg="mod">
+          <ac:chgData name="Velani, Ankitkumar" userId="039f6639-35cd-4471-8ac8-1e78077ab1db" providerId="ADAL" clId="{84352D96-93B9-4F72-AE8C-18860CDEFF5B}" dt="2022-07-13T17:20:48.139" v="1137" actId="1076"/>
+          <ac:spMkLst>
+            <pc:docMk/>
+            <pc:sldMk cId="4065110562" sldId="272"/>
+            <ac:spMk id="108" creationId="{00000000-0000-0000-0000-000000000000}"/>
+          </ac:spMkLst>
+        </pc:spChg>
+        <pc:spChg chg="mod">
+          <ac:chgData name="Velani, Ankitkumar" userId="039f6639-35cd-4471-8ac8-1e78077ab1db" providerId="ADAL" clId="{84352D96-93B9-4F72-AE8C-18860CDEFF5B}" dt="2022-07-14T06:53:05.951" v="5754" actId="20577"/>
+          <ac:spMkLst>
+            <pc:docMk/>
+            <pc:sldMk cId="4065110562" sldId="272"/>
+            <ac:spMk id="109" creationId="{00000000-0000-0000-0000-000000000000}"/>
+          </ac:spMkLst>
+        </pc:spChg>
+        <pc:picChg chg="del">
+          <ac:chgData name="Velani, Ankitkumar" userId="039f6639-35cd-4471-8ac8-1e78077ab1db" providerId="ADAL" clId="{84352D96-93B9-4F72-AE8C-18860CDEFF5B}" dt="2022-07-13T17:08:23.499" v="601" actId="478"/>
+          <ac:picMkLst>
+            <pc:docMk/>
+            <pc:sldMk cId="4065110562" sldId="272"/>
+            <ac:picMk id="7" creationId="{82D688DE-B6F5-4F65-9BCB-BA72C7FC1EB8}"/>
+          </ac:picMkLst>
+        </pc:picChg>
+      </pc:sldChg>
+      <pc:sldChg chg="modSp add mod modNotes">
+        <pc:chgData name="Velani, Ankitkumar" userId="039f6639-35cd-4471-8ac8-1e78077ab1db" providerId="ADAL" clId="{84352D96-93B9-4F72-AE8C-18860CDEFF5B}" dt="2022-07-14T01:44:07.358" v="5163"/>
+        <pc:sldMkLst>
+          <pc:docMk/>
+          <pc:sldMk cId="114794549" sldId="273"/>
+        </pc:sldMkLst>
+        <pc:spChg chg="mod">
+          <ac:chgData name="Velani, Ankitkumar" userId="039f6639-35cd-4471-8ac8-1e78077ab1db" providerId="ADAL" clId="{84352D96-93B9-4F72-AE8C-18860CDEFF5B}" dt="2022-07-13T17:09:24.286" v="674" actId="20577"/>
+          <ac:spMkLst>
+            <pc:docMk/>
+            <pc:sldMk cId="114794549" sldId="273"/>
+            <ac:spMk id="108" creationId="{00000000-0000-0000-0000-000000000000}"/>
+          </ac:spMkLst>
+        </pc:spChg>
+        <pc:spChg chg="mod">
+          <ac:chgData name="Velani, Ankitkumar" userId="039f6639-35cd-4471-8ac8-1e78077ab1db" providerId="ADAL" clId="{84352D96-93B9-4F72-AE8C-18860CDEFF5B}" dt="2022-07-13T17:12:05.727" v="939" actId="20577"/>
+          <ac:spMkLst>
+            <pc:docMk/>
+            <pc:sldMk cId="114794549" sldId="273"/>
+            <ac:spMk id="109" creationId="{00000000-0000-0000-0000-000000000000}"/>
+          </ac:spMkLst>
+        </pc:spChg>
+      </pc:sldChg>
+      <pc:sldChg chg="addSp delSp modSp new mod">
+        <pc:chgData name="Velani, Ankitkumar" userId="039f6639-35cd-4471-8ac8-1e78077ab1db" providerId="ADAL" clId="{84352D96-93B9-4F72-AE8C-18860CDEFF5B}" dt="2022-07-15T17:08:30.945" v="14559" actId="14100"/>
+        <pc:sldMkLst>
+          <pc:docMk/>
+          <pc:sldMk cId="1592126093" sldId="274"/>
+        </pc:sldMkLst>
+        <pc:spChg chg="mod">
+          <ac:chgData name="Velani, Ankitkumar" userId="039f6639-35cd-4471-8ac8-1e78077ab1db" providerId="ADAL" clId="{84352D96-93B9-4F72-AE8C-18860CDEFF5B}" dt="2022-07-13T17:12:57.706" v="953" actId="20577"/>
+          <ac:spMkLst>
+            <pc:docMk/>
+            <pc:sldMk cId="1592126093" sldId="274"/>
+            <ac:spMk id="2" creationId="{816F87FA-2679-4AA9-A354-19DC3F157DF1}"/>
+          </ac:spMkLst>
+        </pc:spChg>
+        <pc:spChg chg="del">
+          <ac:chgData name="Velani, Ankitkumar" userId="039f6639-35cd-4471-8ac8-1e78077ab1db" providerId="ADAL" clId="{84352D96-93B9-4F72-AE8C-18860CDEFF5B}" dt="2022-07-13T17:14:11.917" v="954" actId="478"/>
+          <ac:spMkLst>
+            <pc:docMk/>
+            <pc:sldMk cId="1592126093" sldId="274"/>
+            <ac:spMk id="3" creationId="{3A3FA94E-50D4-485E-A463-B60E425121C8}"/>
+          </ac:spMkLst>
+        </pc:spChg>
+        <pc:picChg chg="add mod">
+          <ac:chgData name="Velani, Ankitkumar" userId="039f6639-35cd-4471-8ac8-1e78077ab1db" providerId="ADAL" clId="{84352D96-93B9-4F72-AE8C-18860CDEFF5B}" dt="2022-07-15T17:08:30.945" v="14559" actId="14100"/>
+          <ac:picMkLst>
+            <pc:docMk/>
+            <pc:sldMk cId="1592126093" sldId="274"/>
+            <ac:picMk id="7" creationId="{485AA240-F133-4718-B132-0B64228BC540}"/>
+          </ac:picMkLst>
+        </pc:picChg>
+        <pc:picChg chg="add del mod">
+          <ac:chgData name="Velani, Ankitkumar" userId="039f6639-35cd-4471-8ac8-1e78077ab1db" providerId="ADAL" clId="{84352D96-93B9-4F72-AE8C-18860CDEFF5B}" dt="2022-07-13T17:14:30.051" v="960"/>
+          <ac:picMkLst>
+            <pc:docMk/>
+            <pc:sldMk cId="1592126093" sldId="274"/>
+            <ac:picMk id="1026" creationId="{4905994D-77B5-459B-9237-A9D08C796225}"/>
+          </ac:picMkLst>
+        </pc:picChg>
+        <pc:picChg chg="add del mod">
+          <ac:chgData name="Velani, Ankitkumar" userId="039f6639-35cd-4471-8ac8-1e78077ab1db" providerId="ADAL" clId="{84352D96-93B9-4F72-AE8C-18860CDEFF5B}" dt="2022-07-15T17:08:05.682" v="14551" actId="478"/>
+          <ac:picMkLst>
+            <pc:docMk/>
+            <pc:sldMk cId="1592126093" sldId="274"/>
+            <ac:picMk id="1028" creationId="{FE4EDC87-835C-41E8-8824-8422588A696D}"/>
+          </ac:picMkLst>
+        </pc:picChg>
+      </pc:sldChg>
+      <pc:sldChg chg="modSp add mod ord modNotes">
+        <pc:chgData name="Velani, Ankitkumar" userId="039f6639-35cd-4471-8ac8-1e78077ab1db" providerId="ADAL" clId="{84352D96-93B9-4F72-AE8C-18860CDEFF5B}" dt="2022-07-14T01:44:07.358" v="5163"/>
+        <pc:sldMkLst>
+          <pc:docMk/>
+          <pc:sldMk cId="2959000939" sldId="275"/>
+        </pc:sldMkLst>
+        <pc:spChg chg="mod">
+          <ac:chgData name="Velani, Ankitkumar" userId="039f6639-35cd-4471-8ac8-1e78077ab1db" providerId="ADAL" clId="{84352D96-93B9-4F72-AE8C-18860CDEFF5B}" dt="2022-07-13T17:16:22.454" v="974" actId="20577"/>
+          <ac:spMkLst>
+            <pc:docMk/>
+            <pc:sldMk cId="2959000939" sldId="275"/>
+            <ac:spMk id="108" creationId="{00000000-0000-0000-0000-000000000000}"/>
+          </ac:spMkLst>
+        </pc:spChg>
+        <pc:spChg chg="mod">
+          <ac:chgData name="Velani, Ankitkumar" userId="039f6639-35cd-4471-8ac8-1e78077ab1db" providerId="ADAL" clId="{84352D96-93B9-4F72-AE8C-18860CDEFF5B}" dt="2022-07-13T17:18:08.872" v="1118" actId="113"/>
+          <ac:spMkLst>
+            <pc:docMk/>
+            <pc:sldMk cId="2959000939" sldId="275"/>
+            <ac:spMk id="109" creationId="{00000000-0000-0000-0000-000000000000}"/>
+          </ac:spMkLst>
+        </pc:spChg>
+      </pc:sldChg>
+      <pc:sldChg chg="addSp delSp modSp add mod setBg modNotes">
+        <pc:chgData name="Velani, Ankitkumar" userId="039f6639-35cd-4471-8ac8-1e78077ab1db" providerId="ADAL" clId="{84352D96-93B9-4F72-AE8C-18860CDEFF5B}" dt="2022-07-14T01:44:07.358" v="5163"/>
+        <pc:sldMkLst>
+          <pc:docMk/>
+          <pc:sldMk cId="1688761229" sldId="276"/>
+        </pc:sldMkLst>
+        <pc:spChg chg="add del mod">
+          <ac:chgData name="Velani, Ankitkumar" userId="039f6639-35cd-4471-8ac8-1e78077ab1db" providerId="ADAL" clId="{84352D96-93B9-4F72-AE8C-18860CDEFF5B}" dt="2022-07-13T17:18:27.322" v="1121" actId="478"/>
+          <ac:spMkLst>
+            <pc:docMk/>
+            <pc:sldMk cId="1688761229" sldId="276"/>
+            <ac:spMk id="3" creationId="{8AE7E905-B9B0-47EC-A2C4-698501C27BFC}"/>
+          </ac:spMkLst>
+        </pc:spChg>
+        <pc:spChg chg="add mod">
+          <ac:chgData name="Velani, Ankitkumar" userId="039f6639-35cd-4471-8ac8-1e78077ab1db" providerId="ADAL" clId="{84352D96-93B9-4F72-AE8C-18860CDEFF5B}" dt="2022-07-14T01:17:21.977" v="3817" actId="122"/>
+          <ac:spMkLst>
+            <pc:docMk/>
+            <pc:sldMk cId="1688761229" sldId="276"/>
+            <ac:spMk id="4" creationId="{982E6F4A-9E6F-4B1C-9647-38D9E6E0F5F7}"/>
+          </ac:spMkLst>
+        </pc:spChg>
+        <pc:spChg chg="add mod">
+          <ac:chgData name="Velani, Ankitkumar" userId="039f6639-35cd-4471-8ac8-1e78077ab1db" providerId="ADAL" clId="{84352D96-93B9-4F72-AE8C-18860CDEFF5B}" dt="2022-07-14T01:17:41.935" v="3845" actId="20577"/>
+          <ac:spMkLst>
+            <pc:docMk/>
+            <pc:sldMk cId="1688761229" sldId="276"/>
+            <ac:spMk id="11" creationId="{807EC4FA-74C2-4CA3-931D-61B86C2FD670}"/>
+          </ac:spMkLst>
+        </pc:spChg>
+        <pc:spChg chg="add mod">
+          <ac:chgData name="Velani, Ankitkumar" userId="039f6639-35cd-4471-8ac8-1e78077ab1db" providerId="ADAL" clId="{84352D96-93B9-4F72-AE8C-18860CDEFF5B}" dt="2022-07-14T01:18:05.206" v="3856" actId="20577"/>
+          <ac:spMkLst>
+            <pc:docMk/>
+            <pc:sldMk cId="1688761229" sldId="276"/>
+            <ac:spMk id="12" creationId="{E7D9E9A5-8CB6-4F66-8A52-C5D521062658}"/>
+          </ac:spMkLst>
+        </pc:spChg>
+        <pc:spChg chg="add mod">
+          <ac:chgData name="Velani, Ankitkumar" userId="039f6639-35cd-4471-8ac8-1e78077ab1db" providerId="ADAL" clId="{84352D96-93B9-4F72-AE8C-18860CDEFF5B}" dt="2022-07-14T01:18:33.603" v="3895" actId="20577"/>
+          <ac:spMkLst>
+            <pc:docMk/>
+            <pc:sldMk cId="1688761229" sldId="276"/>
+            <ac:spMk id="13" creationId="{9483B858-FDF8-450B-9C62-CB542C667B54}"/>
+          </ac:spMkLst>
+        </pc:spChg>
+        <pc:spChg chg="mod">
+          <ac:chgData name="Velani, Ankitkumar" userId="039f6639-35cd-4471-8ac8-1e78077ab1db" providerId="ADAL" clId="{84352D96-93B9-4F72-AE8C-18860CDEFF5B}" dt="2022-07-14T01:15:56.260" v="3790" actId="26606"/>
+          <ac:spMkLst>
+            <pc:docMk/>
+            <pc:sldMk cId="1688761229" sldId="276"/>
+            <ac:spMk id="105" creationId="{00000000-0000-0000-0000-000000000000}"/>
+          </ac:spMkLst>
+        </pc:spChg>
+        <pc:spChg chg="mod">
+          <ac:chgData name="Velani, Ankitkumar" userId="039f6639-35cd-4471-8ac8-1e78077ab1db" providerId="ADAL" clId="{84352D96-93B9-4F72-AE8C-18860CDEFF5B}" dt="2022-07-14T01:15:56.260" v="3790" actId="26606"/>
+          <ac:spMkLst>
+            <pc:docMk/>
+            <pc:sldMk cId="1688761229" sldId="276"/>
+            <ac:spMk id="106" creationId="{00000000-0000-0000-0000-000000000000}"/>
+          </ac:spMkLst>
+        </pc:spChg>
+        <pc:spChg chg="mod">
+          <ac:chgData name="Velani, Ankitkumar" userId="039f6639-35cd-4471-8ac8-1e78077ab1db" providerId="ADAL" clId="{84352D96-93B9-4F72-AE8C-18860CDEFF5B}" dt="2022-07-14T01:15:56.260" v="3790" actId="26606"/>
+          <ac:spMkLst>
+            <pc:docMk/>
+            <pc:sldMk cId="1688761229" sldId="276"/>
+            <ac:spMk id="107" creationId="{00000000-0000-0000-0000-000000000000}"/>
+          </ac:spMkLst>
+        </pc:spChg>
+        <pc:spChg chg="mod ord">
+          <ac:chgData name="Velani, Ankitkumar" userId="039f6639-35cd-4471-8ac8-1e78077ab1db" providerId="ADAL" clId="{84352D96-93B9-4F72-AE8C-18860CDEFF5B}" dt="2022-07-14T01:15:56.260" v="3790" actId="26606"/>
+          <ac:spMkLst>
+            <pc:docMk/>
+            <pc:sldMk cId="1688761229" sldId="276"/>
+            <ac:spMk id="108" creationId="{00000000-0000-0000-0000-000000000000}"/>
+          </ac:spMkLst>
+        </pc:spChg>
+        <pc:spChg chg="del">
+          <ac:chgData name="Velani, Ankitkumar" userId="039f6639-35cd-4471-8ac8-1e78077ab1db" providerId="ADAL" clId="{84352D96-93B9-4F72-AE8C-18860CDEFF5B}" dt="2022-07-13T17:18:25.064" v="1120" actId="478"/>
+          <ac:spMkLst>
+            <pc:docMk/>
+            <pc:sldMk cId="1688761229" sldId="276"/>
+            <ac:spMk id="109" creationId="{00000000-0000-0000-0000-000000000000}"/>
+          </ac:spMkLst>
+        </pc:spChg>
+        <pc:spChg chg="add del">
+          <ac:chgData name="Velani, Ankitkumar" userId="039f6639-35cd-4471-8ac8-1e78077ab1db" providerId="ADAL" clId="{84352D96-93B9-4F72-AE8C-18860CDEFF5B}" dt="2022-07-14T01:15:56.260" v="3790" actId="26606"/>
+          <ac:spMkLst>
+            <pc:docMk/>
+            <pc:sldMk cId="1688761229" sldId="276"/>
+            <ac:spMk id="113" creationId="{A4AC5506-6312-4701-8D3C-40187889A947}"/>
+          </ac:spMkLst>
+        </pc:spChg>
+        <pc:picChg chg="add mod ord">
+          <ac:chgData name="Velani, Ankitkumar" userId="039f6639-35cd-4471-8ac8-1e78077ab1db" providerId="ADAL" clId="{84352D96-93B9-4F72-AE8C-18860CDEFF5B}" dt="2022-07-14T01:16:55.511" v="3814" actId="1076"/>
+          <ac:picMkLst>
+            <pc:docMk/>
+            <pc:sldMk cId="1688761229" sldId="276"/>
+            <ac:picMk id="3" creationId="{BEC6C2A9-2EE2-4DB3-A947-7855FD3F6463}"/>
+          </ac:picMkLst>
+        </pc:picChg>
+        <pc:picChg chg="add del mod">
+          <ac:chgData name="Velani, Ankitkumar" userId="039f6639-35cd-4471-8ac8-1e78077ab1db" providerId="ADAL" clId="{84352D96-93B9-4F72-AE8C-18860CDEFF5B}" dt="2022-07-14T01:15:50.197" v="3786" actId="478"/>
+          <ac:picMkLst>
+            <pc:docMk/>
+            <pc:sldMk cId="1688761229" sldId="276"/>
+            <ac:picMk id="2050" creationId="{73C0D200-2519-44EA-8747-AF4B000416CE}"/>
+          </ac:picMkLst>
+        </pc:picChg>
+      </pc:sldChg>
+      <pc:sldChg chg="delSp modSp add mod modNotes">
+        <pc:chgData name="Velani, Ankitkumar" userId="039f6639-35cd-4471-8ac8-1e78077ab1db" providerId="ADAL" clId="{84352D96-93B9-4F72-AE8C-18860CDEFF5B}" dt="2022-07-14T01:44:07.358" v="5163"/>
+        <pc:sldMkLst>
+          <pc:docMk/>
+          <pc:sldMk cId="435176371" sldId="277"/>
+        </pc:sldMkLst>
+        <pc:spChg chg="mod">
+          <ac:chgData name="Velani, Ankitkumar" userId="039f6639-35cd-4471-8ac8-1e78077ab1db" providerId="ADAL" clId="{84352D96-93B9-4F72-AE8C-18860CDEFF5B}" dt="2022-07-14T00:43:11.509" v="1640" actId="115"/>
+          <ac:spMkLst>
+            <pc:docMk/>
+            <pc:sldMk cId="435176371" sldId="277"/>
+            <ac:spMk id="108" creationId="{00000000-0000-0000-0000-000000000000}"/>
+          </ac:spMkLst>
+        </pc:spChg>
+        <pc:spChg chg="mod">
+          <ac:chgData name="Velani, Ankitkumar" userId="039f6639-35cd-4471-8ac8-1e78077ab1db" providerId="ADAL" clId="{84352D96-93B9-4F72-AE8C-18860CDEFF5B}" dt="2022-07-14T00:44:29.303" v="1660" actId="1076"/>
+          <ac:spMkLst>
+            <pc:docMk/>
+            <pc:sldMk cId="435176371" sldId="277"/>
+            <ac:spMk id="109" creationId="{00000000-0000-0000-0000-000000000000}"/>
+          </ac:spMkLst>
+        </pc:spChg>
+        <pc:picChg chg="del">
+          <ac:chgData name="Velani, Ankitkumar" userId="039f6639-35cd-4471-8ac8-1e78077ab1db" providerId="ADAL" clId="{84352D96-93B9-4F72-AE8C-18860CDEFF5B}" dt="2022-07-13T17:23:27.159" v="1156" actId="478"/>
+          <ac:picMkLst>
+            <pc:docMk/>
+            <pc:sldMk cId="435176371" sldId="277"/>
+            <ac:picMk id="7" creationId="{82D688DE-B6F5-4F65-9BCB-BA72C7FC1EB8}"/>
+          </ac:picMkLst>
+        </pc:picChg>
+      </pc:sldChg>
+      <pc:sldChg chg="add del">
+        <pc:chgData name="Velani, Ankitkumar" userId="039f6639-35cd-4471-8ac8-1e78077ab1db" providerId="ADAL" clId="{84352D96-93B9-4F72-AE8C-18860CDEFF5B}" dt="2022-07-13T17:22:27.204" v="1140" actId="47"/>
+        <pc:sldMkLst>
+          <pc:docMk/>
+          <pc:sldMk cId="1661547983" sldId="277"/>
+        </pc:sldMkLst>
+      </pc:sldChg>
+      <pc:sldChg chg="modSp add mod modNotes">
+        <pc:chgData name="Velani, Ankitkumar" userId="039f6639-35cd-4471-8ac8-1e78077ab1db" providerId="ADAL" clId="{84352D96-93B9-4F72-AE8C-18860CDEFF5B}" dt="2022-07-14T01:44:07.358" v="5163"/>
+        <pc:sldMkLst>
+          <pc:docMk/>
+          <pc:sldMk cId="320955946" sldId="278"/>
+        </pc:sldMkLst>
+        <pc:spChg chg="mod">
+          <ac:chgData name="Velani, Ankitkumar" userId="039f6639-35cd-4471-8ac8-1e78077ab1db" providerId="ADAL" clId="{84352D96-93B9-4F72-AE8C-18860CDEFF5B}" dt="2022-07-14T00:55:16.307" v="2515"/>
+          <ac:spMkLst>
+            <pc:docMk/>
+            <pc:sldMk cId="320955946" sldId="278"/>
+            <ac:spMk id="108" creationId="{00000000-0000-0000-0000-000000000000}"/>
+          </ac:spMkLst>
+        </pc:spChg>
+        <pc:spChg chg="mod">
+          <ac:chgData name="Velani, Ankitkumar" userId="039f6639-35cd-4471-8ac8-1e78077ab1db" providerId="ADAL" clId="{84352D96-93B9-4F72-AE8C-18860CDEFF5B}" dt="2022-07-14T00:59:01.966" v="2916" actId="20577"/>
+          <ac:spMkLst>
+            <pc:docMk/>
+            <pc:sldMk cId="320955946" sldId="278"/>
+            <ac:spMk id="109" creationId="{00000000-0000-0000-0000-000000000000}"/>
+          </ac:spMkLst>
+        </pc:spChg>
+      </pc:sldChg>
+      <pc:sldChg chg="addSp delSp modSp add mod modNotes">
+        <pc:chgData name="Velani, Ankitkumar" userId="039f6639-35cd-4471-8ac8-1e78077ab1db" providerId="ADAL" clId="{84352D96-93B9-4F72-AE8C-18860CDEFF5B}" dt="2022-07-14T01:44:07.358" v="5163"/>
+        <pc:sldMkLst>
+          <pc:docMk/>
+          <pc:sldMk cId="2174626971" sldId="279"/>
+        </pc:sldMkLst>
+        <pc:spChg chg="add del">
+          <ac:chgData name="Velani, Ankitkumar" userId="039f6639-35cd-4471-8ac8-1e78077ab1db" providerId="ADAL" clId="{84352D96-93B9-4F72-AE8C-18860CDEFF5B}" dt="2022-07-13T17:23:49.952" v="1185" actId="22"/>
+          <ac:spMkLst>
+            <pc:docMk/>
+            <pc:sldMk cId="2174626971" sldId="279"/>
+            <ac:spMk id="8" creationId="{2FFC9474-EF97-4FF8-BAFB-C6A1497E152B}"/>
+          </ac:spMkLst>
+        </pc:spChg>
+        <pc:spChg chg="mod">
+          <ac:chgData name="Velani, Ankitkumar" userId="039f6639-35cd-4471-8ac8-1e78077ab1db" providerId="ADAL" clId="{84352D96-93B9-4F72-AE8C-18860CDEFF5B}" dt="2022-07-14T01:01:02.109" v="2917"/>
+          <ac:spMkLst>
+            <pc:docMk/>
+            <pc:sldMk cId="2174626971" sldId="279"/>
+            <ac:spMk id="108" creationId="{00000000-0000-0000-0000-000000000000}"/>
+          </ac:spMkLst>
+        </pc:spChg>
+        <pc:spChg chg="mod">
+          <ac:chgData name="Velani, Ankitkumar" userId="039f6639-35cd-4471-8ac8-1e78077ab1db" providerId="ADAL" clId="{84352D96-93B9-4F72-AE8C-18860CDEFF5B}" dt="2022-07-14T01:11:55.400" v="3700"/>
+          <ac:spMkLst>
+            <pc:docMk/>
+            <pc:sldMk cId="2174626971" sldId="279"/>
+            <ac:spMk id="109" creationId="{00000000-0000-0000-0000-000000000000}"/>
+          </ac:spMkLst>
+        </pc:spChg>
+      </pc:sldChg>
+      <pc:sldChg chg="modSp add mod modNotes">
+        <pc:chgData name="Velani, Ankitkumar" userId="039f6639-35cd-4471-8ac8-1e78077ab1db" providerId="ADAL" clId="{84352D96-93B9-4F72-AE8C-18860CDEFF5B}" dt="2022-07-15T15:13:27.498" v="14538" actId="20577"/>
+        <pc:sldMkLst>
+          <pc:docMk/>
+          <pc:sldMk cId="2469122854" sldId="280"/>
+        </pc:sldMkLst>
+        <pc:spChg chg="mod">
+          <ac:chgData name="Velani, Ankitkumar" userId="039f6639-35cd-4471-8ac8-1e78077ab1db" providerId="ADAL" clId="{84352D96-93B9-4F72-AE8C-18860CDEFF5B}" dt="2022-07-14T01:19:18.608" v="3896"/>
+          <ac:spMkLst>
+            <pc:docMk/>
+            <pc:sldMk cId="2469122854" sldId="280"/>
+            <ac:spMk id="108" creationId="{00000000-0000-0000-0000-000000000000}"/>
+          </ac:spMkLst>
+        </pc:spChg>
+        <pc:spChg chg="mod">
+          <ac:chgData name="Velani, Ankitkumar" userId="039f6639-35cd-4471-8ac8-1e78077ab1db" providerId="ADAL" clId="{84352D96-93B9-4F72-AE8C-18860CDEFF5B}" dt="2022-07-15T15:13:27.498" v="14538" actId="20577"/>
+          <ac:spMkLst>
+            <pc:docMk/>
+            <pc:sldMk cId="2469122854" sldId="280"/>
+            <ac:spMk id="109" creationId="{00000000-0000-0000-0000-000000000000}"/>
+          </ac:spMkLst>
+        </pc:spChg>
+      </pc:sldChg>
+      <pc:sldChg chg="modSp add mod modNotes">
+        <pc:chgData name="Velani, Ankitkumar" userId="039f6639-35cd-4471-8ac8-1e78077ab1db" providerId="ADAL" clId="{84352D96-93B9-4F72-AE8C-18860CDEFF5B}" dt="2022-07-15T14:53:18.624" v="14518" actId="20577"/>
+        <pc:sldMkLst>
+          <pc:docMk/>
+          <pc:sldMk cId="2792662973" sldId="281"/>
+        </pc:sldMkLst>
+        <pc:spChg chg="mod">
+          <ac:chgData name="Velani, Ankitkumar" userId="039f6639-35cd-4471-8ac8-1e78077ab1db" providerId="ADAL" clId="{84352D96-93B9-4F72-AE8C-18860CDEFF5B}" dt="2022-07-15T14:53:18.624" v="14518" actId="20577"/>
+          <ac:spMkLst>
+            <pc:docMk/>
+            <pc:sldMk cId="2792662973" sldId="281"/>
+            <ac:spMk id="109" creationId="{00000000-0000-0000-0000-000000000000}"/>
+          </ac:spMkLst>
+        </pc:spChg>
+      </pc:sldChg>
+      <pc:sldChg chg="addSp delSp modSp add mod modNotes">
+        <pc:chgData name="Velani, Ankitkumar" userId="039f6639-35cd-4471-8ac8-1e78077ab1db" providerId="ADAL" clId="{84352D96-93B9-4F72-AE8C-18860CDEFF5B}" dt="2022-07-14T01:44:07.358" v="5163"/>
+        <pc:sldMkLst>
+          <pc:docMk/>
+          <pc:sldMk cId="3132053676" sldId="282"/>
+        </pc:sldMkLst>
+        <pc:spChg chg="add del">
+          <ac:chgData name="Velani, Ankitkumar" userId="039f6639-35cd-4471-8ac8-1e78077ab1db" providerId="ADAL" clId="{84352D96-93B9-4F72-AE8C-18860CDEFF5B}" dt="2022-07-14T00:49:19.026" v="2218" actId="22"/>
+          <ac:spMkLst>
+            <pc:docMk/>
+            <pc:sldMk cId="3132053676" sldId="282"/>
+            <ac:spMk id="8" creationId="{EFC15BF3-E51C-4A0A-8087-F49DEA95C5C2}"/>
+          </ac:spMkLst>
+        </pc:spChg>
+        <pc:spChg chg="mod">
+          <ac:chgData name="Velani, Ankitkumar" userId="039f6639-35cd-4471-8ac8-1e78077ab1db" providerId="ADAL" clId="{84352D96-93B9-4F72-AE8C-18860CDEFF5B}" dt="2022-07-14T00:48:53.339" v="2216" actId="20577"/>
+          <ac:spMkLst>
+            <pc:docMk/>
+            <pc:sldMk cId="3132053676" sldId="282"/>
+            <ac:spMk id="109" creationId="{00000000-0000-0000-0000-000000000000}"/>
+          </ac:spMkLst>
+        </pc:spChg>
+      </pc:sldChg>
+      <pc:sldChg chg="addSp modSp add mod modNotes">
+        <pc:chgData name="Velani, Ankitkumar" userId="039f6639-35cd-4471-8ac8-1e78077ab1db" providerId="ADAL" clId="{84352D96-93B9-4F72-AE8C-18860CDEFF5B}" dt="2022-07-14T01:44:07.358" v="5163"/>
+        <pc:sldMkLst>
+          <pc:docMk/>
+          <pc:sldMk cId="575650393" sldId="283"/>
+        </pc:sldMkLst>
+        <pc:spChg chg="add mod">
+          <ac:chgData name="Velani, Ankitkumar" userId="039f6639-35cd-4471-8ac8-1e78077ab1db" providerId="ADAL" clId="{84352D96-93B9-4F72-AE8C-18860CDEFF5B}" dt="2022-07-14T00:51:54.464" v="2425" actId="208"/>
+          <ac:spMkLst>
+            <pc:docMk/>
+            <pc:sldMk cId="575650393" sldId="283"/>
+            <ac:spMk id="2" creationId="{A6F5A4F1-A0A0-4831-8271-4370B9096C96}"/>
+          </ac:spMkLst>
+        </pc:spChg>
+        <pc:spChg chg="add mod">
+          <ac:chgData name="Velani, Ankitkumar" userId="039f6639-35cd-4471-8ac8-1e78077ab1db" providerId="ADAL" clId="{84352D96-93B9-4F72-AE8C-18860CDEFF5B}" dt="2022-07-14T00:52:41.262" v="2458" actId="1076"/>
+          <ac:spMkLst>
+            <pc:docMk/>
+            <pc:sldMk cId="575650393" sldId="283"/>
+            <ac:spMk id="3" creationId="{E73AD39F-BCC9-4863-BE02-255428EA8BBF}"/>
+          </ac:spMkLst>
+        </pc:spChg>
+        <pc:spChg chg="add mod">
+          <ac:chgData name="Velani, Ankitkumar" userId="039f6639-35cd-4471-8ac8-1e78077ab1db" providerId="ADAL" clId="{84352D96-93B9-4F72-AE8C-18860CDEFF5B}" dt="2022-07-14T00:52:55.574" v="2462" actId="688"/>
+          <ac:spMkLst>
+            <pc:docMk/>
+            <pc:sldMk cId="575650393" sldId="283"/>
+            <ac:spMk id="8" creationId="{7DDDC53F-0FD4-43C6-ACC0-83BF5A7F1A61}"/>
+          </ac:spMkLst>
+        </pc:spChg>
+        <pc:spChg chg="add mod">
+          <ac:chgData name="Velani, Ankitkumar" userId="039f6639-35cd-4471-8ac8-1e78077ab1db" providerId="ADAL" clId="{84352D96-93B9-4F72-AE8C-18860CDEFF5B}" dt="2022-07-14T00:53:38.238" v="2514" actId="1076"/>
+          <ac:spMkLst>
+            <pc:docMk/>
+            <pc:sldMk cId="575650393" sldId="283"/>
+            <ac:spMk id="10" creationId="{768BC7B8-2B41-4F0A-8465-2245D588D34D}"/>
+          </ac:spMkLst>
+        </pc:spChg>
+        <pc:spChg chg="mod">
+          <ac:chgData name="Velani, Ankitkumar" userId="039f6639-35cd-4471-8ac8-1e78077ab1db" providerId="ADAL" clId="{84352D96-93B9-4F72-AE8C-18860CDEFF5B}" dt="2022-07-14T00:49:26.372" v="2224" actId="20577"/>
+          <ac:spMkLst>
+            <pc:docMk/>
+            <pc:sldMk cId="575650393" sldId="283"/>
+            <ac:spMk id="108" creationId="{00000000-0000-0000-0000-000000000000}"/>
+          </ac:spMkLst>
+        </pc:spChg>
+        <pc:spChg chg="mod">
+          <ac:chgData name="Velani, Ankitkumar" userId="039f6639-35cd-4471-8ac8-1e78077ab1db" providerId="ADAL" clId="{84352D96-93B9-4F72-AE8C-18860CDEFF5B}" dt="2022-07-14T00:51:17.255" v="2419" actId="403"/>
+          <ac:spMkLst>
+            <pc:docMk/>
+            <pc:sldMk cId="575650393" sldId="283"/>
+            <ac:spMk id="109" creationId="{00000000-0000-0000-0000-000000000000}"/>
+          </ac:spMkLst>
+        </pc:spChg>
+      </pc:sldChg>
+      <pc:sldChg chg="addSp delSp modSp add mod modNotes">
+        <pc:chgData name="Velani, Ankitkumar" userId="039f6639-35cd-4471-8ac8-1e78077ab1db" providerId="ADAL" clId="{84352D96-93B9-4F72-AE8C-18860CDEFF5B}" dt="2022-07-14T01:44:07.358" v="5163"/>
+        <pc:sldMkLst>
+          <pc:docMk/>
+          <pc:sldMk cId="3711818749" sldId="284"/>
+        </pc:sldMkLst>
+        <pc:spChg chg="add del">
+          <ac:chgData name="Velani, Ankitkumar" userId="039f6639-35cd-4471-8ac8-1e78077ab1db" providerId="ADAL" clId="{84352D96-93B9-4F72-AE8C-18860CDEFF5B}" dt="2022-07-14T01:12:32.019" v="3731"/>
+          <ac:spMkLst>
+            <pc:docMk/>
+            <pc:sldMk cId="3711818749" sldId="284"/>
+            <ac:spMk id="2" creationId="{0DA88B5D-4A37-4FD2-B7B2-58E4B9E8AF7F}"/>
+          </ac:spMkLst>
+        </pc:spChg>
+        <pc:spChg chg="add del">
+          <ac:chgData name="Velani, Ankitkumar" userId="039f6639-35cd-4471-8ac8-1e78077ab1db" providerId="ADAL" clId="{84352D96-93B9-4F72-AE8C-18860CDEFF5B}" dt="2022-07-14T01:12:33.739" v="3733"/>
+          <ac:spMkLst>
+            <pc:docMk/>
+            <pc:sldMk cId="3711818749" sldId="284"/>
+            <ac:spMk id="3" creationId="{E743ABA0-30AD-4485-80CD-DB91DD951679}"/>
+          </ac:spMkLst>
+        </pc:spChg>
+        <pc:spChg chg="mod">
+          <ac:chgData name="Velani, Ankitkumar" userId="039f6639-35cd-4471-8ac8-1e78077ab1db" providerId="ADAL" clId="{84352D96-93B9-4F72-AE8C-18860CDEFF5B}" dt="2022-07-14T01:14:02.520" v="3785" actId="20577"/>
+          <ac:spMkLst>
+            <pc:docMk/>
+            <pc:sldMk cId="3711818749" sldId="284"/>
+            <ac:spMk id="109" creationId="{00000000-0000-0000-0000-000000000000}"/>
+          </ac:spMkLst>
+        </pc:spChg>
+      </pc:sldChg>
+      <pc:sldChg chg="modSp add mod modNotes">
+        <pc:chgData name="Velani, Ankitkumar" userId="039f6639-35cd-4471-8ac8-1e78077ab1db" providerId="ADAL" clId="{84352D96-93B9-4F72-AE8C-18860CDEFF5B}" dt="2022-07-14T01:44:07.358" v="5163"/>
+        <pc:sldMkLst>
+          <pc:docMk/>
+          <pc:sldMk cId="1515200759" sldId="285"/>
+        </pc:sldMkLst>
+        <pc:spChg chg="mod">
+          <ac:chgData name="Velani, Ankitkumar" userId="039f6639-35cd-4471-8ac8-1e78077ab1db" providerId="ADAL" clId="{84352D96-93B9-4F72-AE8C-18860CDEFF5B}" dt="2022-07-14T01:30:49.923" v="4298" actId="1035"/>
+          <ac:spMkLst>
+            <pc:docMk/>
+            <pc:sldMk cId="1515200759" sldId="285"/>
+            <ac:spMk id="109" creationId="{00000000-0000-0000-0000-000000000000}"/>
+          </ac:spMkLst>
+        </pc:spChg>
+      </pc:sldChg>
+      <pc:sldChg chg="add modNotes">
+        <pc:chgData name="Velani, Ankitkumar" userId="039f6639-35cd-4471-8ac8-1e78077ab1db" providerId="ADAL" clId="{84352D96-93B9-4F72-AE8C-18860CDEFF5B}" dt="2022-07-14T01:44:07.358" v="5163"/>
+        <pc:sldMkLst>
+          <pc:docMk/>
+          <pc:sldMk cId="4111025725" sldId="286"/>
+        </pc:sldMkLst>
+      </pc:sldChg>
+      <pc:sldChg chg="addSp delSp modSp add mod modNotes">
+        <pc:chgData name="Velani, Ankitkumar" userId="039f6639-35cd-4471-8ac8-1e78077ab1db" providerId="ADAL" clId="{84352D96-93B9-4F72-AE8C-18860CDEFF5B}" dt="2022-07-14T06:03:37.871" v="5165" actId="22"/>
+        <pc:sldMkLst>
+          <pc:docMk/>
+          <pc:sldMk cId="2438622846" sldId="287"/>
+        </pc:sldMkLst>
+        <pc:spChg chg="add del">
+          <ac:chgData name="Velani, Ankitkumar" userId="039f6639-35cd-4471-8ac8-1e78077ab1db" providerId="ADAL" clId="{84352D96-93B9-4F72-AE8C-18860CDEFF5B}" dt="2022-07-14T06:03:37.871" v="5165" actId="22"/>
+          <ac:spMkLst>
+            <pc:docMk/>
+            <pc:sldMk cId="2438622846" sldId="287"/>
+            <ac:spMk id="8" creationId="{D3C83A48-71E9-4A65-9791-E322E1A171E2}"/>
+          </ac:spMkLst>
+        </pc:spChg>
+        <pc:spChg chg="mod">
+          <ac:chgData name="Velani, Ankitkumar" userId="039f6639-35cd-4471-8ac8-1e78077ab1db" providerId="ADAL" clId="{84352D96-93B9-4F72-AE8C-18860CDEFF5B}" dt="2022-07-14T01:39:50.938" v="5160" actId="115"/>
+          <ac:spMkLst>
+            <pc:docMk/>
+            <pc:sldMk cId="2438622846" sldId="287"/>
+            <ac:spMk id="108" creationId="{00000000-0000-0000-0000-000000000000}"/>
+          </ac:spMkLst>
+        </pc:spChg>
+        <pc:spChg chg="mod">
+          <ac:chgData name="Velani, Ankitkumar" userId="039f6639-35cd-4471-8ac8-1e78077ab1db" providerId="ADAL" clId="{84352D96-93B9-4F72-AE8C-18860CDEFF5B}" dt="2022-07-14T01:39:35.868" v="5158" actId="255"/>
+          <ac:spMkLst>
+            <pc:docMk/>
+            <pc:sldMk cId="2438622846" sldId="287"/>
+            <ac:spMk id="109" creationId="{00000000-0000-0000-0000-000000000000}"/>
+          </ac:spMkLst>
+        </pc:spChg>
+      </pc:sldChg>
+      <pc:sldChg chg="modSp add mod">
+        <pc:chgData name="Velani, Ankitkumar" userId="039f6639-35cd-4471-8ac8-1e78077ab1db" providerId="ADAL" clId="{84352D96-93B9-4F72-AE8C-18860CDEFF5B}" dt="2022-07-14T07:00:53.978" v="5823" actId="20577"/>
+        <pc:sldMkLst>
+          <pc:docMk/>
+          <pc:sldMk cId="1205780775" sldId="288"/>
+        </pc:sldMkLst>
+        <pc:spChg chg="mod">
+          <ac:chgData name="Velani, Ankitkumar" userId="039f6639-35cd-4471-8ac8-1e78077ab1db" providerId="ADAL" clId="{84352D96-93B9-4F72-AE8C-18860CDEFF5B}" dt="2022-07-14T06:06:53.288" v="5343" actId="20577"/>
+          <ac:spMkLst>
+            <pc:docMk/>
+            <pc:sldMk cId="1205780775" sldId="288"/>
+            <ac:spMk id="99" creationId="{00000000-0000-0000-0000-000000000000}"/>
+          </ac:spMkLst>
+        </pc:spChg>
+        <pc:spChg chg="mod">
+          <ac:chgData name="Velani, Ankitkumar" userId="039f6639-35cd-4471-8ac8-1e78077ab1db" providerId="ADAL" clId="{84352D96-93B9-4F72-AE8C-18860CDEFF5B}" dt="2022-07-14T07:00:53.978" v="5823" actId="20577"/>
+          <ac:spMkLst>
+            <pc:docMk/>
+            <pc:sldMk cId="1205780775" sldId="288"/>
+            <ac:spMk id="100" creationId="{00000000-0000-0000-0000-000000000000}"/>
+          </ac:spMkLst>
+        </pc:spChg>
+      </pc:sldChg>
+      <pc:sldChg chg="addSp delSp modSp add mod">
+        <pc:chgData name="Velani, Ankitkumar" userId="039f6639-35cd-4471-8ac8-1e78077ab1db" providerId="ADAL" clId="{84352D96-93B9-4F72-AE8C-18860CDEFF5B}" dt="2022-07-15T16:13:27.109" v="14550" actId="20577"/>
+        <pc:sldMkLst>
+          <pc:docMk/>
+          <pc:sldMk cId="2344059627" sldId="289"/>
+        </pc:sldMkLst>
+        <pc:spChg chg="add del">
+          <ac:chgData name="Velani, Ankitkumar" userId="039f6639-35cd-4471-8ac8-1e78077ab1db" providerId="ADAL" clId="{84352D96-93B9-4F72-AE8C-18860CDEFF5B}" dt="2022-07-14T06:09:19.007" v="5370" actId="22"/>
+          <ac:spMkLst>
+            <pc:docMk/>
+            <pc:sldMk cId="2344059627" sldId="289"/>
+            <ac:spMk id="8" creationId="{82E7E761-74BD-49C9-A986-89C93091C1A8}"/>
+          </ac:spMkLst>
+        </pc:spChg>
+        <pc:spChg chg="mod">
+          <ac:chgData name="Velani, Ankitkumar" userId="039f6639-35cd-4471-8ac8-1e78077ab1db" providerId="ADAL" clId="{84352D96-93B9-4F72-AE8C-18860CDEFF5B}" dt="2022-07-14T06:07:03.403" v="5359" actId="20577"/>
+          <ac:spMkLst>
+            <pc:docMk/>
+            <pc:sldMk cId="2344059627" sldId="289"/>
+            <ac:spMk id="108" creationId="{00000000-0000-0000-0000-000000000000}"/>
+          </ac:spMkLst>
+        </pc:spChg>
+        <pc:spChg chg="mod">
+          <ac:chgData name="Velani, Ankitkumar" userId="039f6639-35cd-4471-8ac8-1e78077ab1db" providerId="ADAL" clId="{84352D96-93B9-4F72-AE8C-18860CDEFF5B}" dt="2022-07-15T16:13:27.109" v="14550" actId="20577"/>
+          <ac:spMkLst>
+            <pc:docMk/>
+            <pc:sldMk cId="2344059627" sldId="289"/>
+            <ac:spMk id="109" creationId="{00000000-0000-0000-0000-000000000000}"/>
+          </ac:spMkLst>
+        </pc:spChg>
+      </pc:sldChg>
+      <pc:sldChg chg="addSp delSp modSp add del mod setBg">
+        <pc:chgData name="Velani, Ankitkumar" userId="039f6639-35cd-4471-8ac8-1e78077ab1db" providerId="ADAL" clId="{84352D96-93B9-4F72-AE8C-18860CDEFF5B}" dt="2022-07-14T06:16:28.819" v="5510" actId="2696"/>
+        <pc:sldMkLst>
+          <pc:docMk/>
+          <pc:sldMk cId="641190302" sldId="290"/>
+        </pc:sldMkLst>
+        <pc:spChg chg="add mod">
+          <ac:chgData name="Velani, Ankitkumar" userId="039f6639-35cd-4471-8ac8-1e78077ab1db" providerId="ADAL" clId="{84352D96-93B9-4F72-AE8C-18860CDEFF5B}" dt="2022-07-14T06:09:43.129" v="5375" actId="26606"/>
+          <ac:spMkLst>
+            <pc:docMk/>
+            <pc:sldMk cId="641190302" sldId="290"/>
+            <ac:spMk id="3" creationId="{8BCEEDEF-FCC8-462E-A372-A15B5405FA26}"/>
+          </ac:spMkLst>
+        </pc:spChg>
+        <pc:spChg chg="mod">
+          <ac:chgData name="Velani, Ankitkumar" userId="039f6639-35cd-4471-8ac8-1e78077ab1db" providerId="ADAL" clId="{84352D96-93B9-4F72-AE8C-18860CDEFF5B}" dt="2022-07-14T06:09:43.129" v="5375" actId="26606"/>
+          <ac:spMkLst>
+            <pc:docMk/>
+            <pc:sldMk cId="641190302" sldId="290"/>
+            <ac:spMk id="105" creationId="{00000000-0000-0000-0000-000000000000}"/>
+          </ac:spMkLst>
+        </pc:spChg>
+        <pc:spChg chg="mod">
+          <ac:chgData name="Velani, Ankitkumar" userId="039f6639-35cd-4471-8ac8-1e78077ab1db" providerId="ADAL" clId="{84352D96-93B9-4F72-AE8C-18860CDEFF5B}" dt="2022-07-14T06:09:43.129" v="5375" actId="26606"/>
+          <ac:spMkLst>
+            <pc:docMk/>
+            <pc:sldMk cId="641190302" sldId="290"/>
+            <ac:spMk id="106" creationId="{00000000-0000-0000-0000-000000000000}"/>
+          </ac:spMkLst>
+        </pc:spChg>
+        <pc:spChg chg="mod">
+          <ac:chgData name="Velani, Ankitkumar" userId="039f6639-35cd-4471-8ac8-1e78077ab1db" providerId="ADAL" clId="{84352D96-93B9-4F72-AE8C-18860CDEFF5B}" dt="2022-07-14T06:09:43.129" v="5375" actId="26606"/>
+          <ac:spMkLst>
+            <pc:docMk/>
+            <pc:sldMk cId="641190302" sldId="290"/>
+            <ac:spMk id="107" creationId="{00000000-0000-0000-0000-000000000000}"/>
+          </ac:spMkLst>
+        </pc:spChg>
+        <pc:spChg chg="mod ord">
+          <ac:chgData name="Velani, Ankitkumar" userId="039f6639-35cd-4471-8ac8-1e78077ab1db" providerId="ADAL" clId="{84352D96-93B9-4F72-AE8C-18860CDEFF5B}" dt="2022-07-14T06:10:33.718" v="5384" actId="1076"/>
+          <ac:spMkLst>
+            <pc:docMk/>
+            <pc:sldMk cId="641190302" sldId="290"/>
+            <ac:spMk id="108" creationId="{00000000-0000-0000-0000-000000000000}"/>
+          </ac:spMkLst>
+        </pc:spChg>
+        <pc:spChg chg="del mod">
+          <ac:chgData name="Velani, Ankitkumar" userId="039f6639-35cd-4471-8ac8-1e78077ab1db" providerId="ADAL" clId="{84352D96-93B9-4F72-AE8C-18860CDEFF5B}" dt="2022-07-14T06:09:36.618" v="5373" actId="478"/>
+          <ac:spMkLst>
+            <pc:docMk/>
+            <pc:sldMk cId="641190302" sldId="290"/>
+            <ac:spMk id="109" creationId="{00000000-0000-0000-0000-000000000000}"/>
+          </ac:spMkLst>
+        </pc:spChg>
+        <pc:spChg chg="add del">
+          <ac:chgData name="Velani, Ankitkumar" userId="039f6639-35cd-4471-8ac8-1e78077ab1db" providerId="ADAL" clId="{84352D96-93B9-4F72-AE8C-18860CDEFF5B}" dt="2022-07-14T06:09:57.967" v="5376" actId="26606"/>
+          <ac:spMkLst>
+            <pc:docMk/>
+            <pc:sldMk cId="641190302" sldId="290"/>
+            <ac:spMk id="113" creationId="{A3363022-C969-41E9-8EB2-E4C94908C1FA}"/>
+          </ac:spMkLst>
+        </pc:spChg>
+        <pc:spChg chg="add del">
+          <ac:chgData name="Velani, Ankitkumar" userId="039f6639-35cd-4471-8ac8-1e78077ab1db" providerId="ADAL" clId="{84352D96-93B9-4F72-AE8C-18860CDEFF5B}" dt="2022-07-14T06:09:57.967" v="5376" actId="26606"/>
+          <ac:spMkLst>
+            <pc:docMk/>
+            <pc:sldMk cId="641190302" sldId="290"/>
+            <ac:spMk id="115" creationId="{8D1AD6B3-BE88-4CEB-BA17-790657CC4729}"/>
+          </ac:spMkLst>
+        </pc:spChg>
+        <pc:spChg chg="add">
+          <ac:chgData name="Velani, Ankitkumar" userId="039f6639-35cd-4471-8ac8-1e78077ab1db" providerId="ADAL" clId="{84352D96-93B9-4F72-AE8C-18860CDEFF5B}" dt="2022-07-14T06:09:57.967" v="5376" actId="26606"/>
+          <ac:spMkLst>
+            <pc:docMk/>
+            <pc:sldMk cId="641190302" sldId="290"/>
+            <ac:spMk id="125" creationId="{BEBFA723-5A7B-472D-ABD7-1526B8D3A38B}"/>
+          </ac:spMkLst>
+        </pc:spChg>
+        <pc:spChg chg="add">
+          <ac:chgData name="Velani, Ankitkumar" userId="039f6639-35cd-4471-8ac8-1e78077ab1db" providerId="ADAL" clId="{84352D96-93B9-4F72-AE8C-18860CDEFF5B}" dt="2022-07-14T06:09:57.967" v="5376" actId="26606"/>
+          <ac:spMkLst>
+            <pc:docMk/>
+            <pc:sldMk cId="641190302" sldId="290"/>
+            <ac:spMk id="127" creationId="{A6B27065-399A-4CF7-BF70-CF79B9848FC1}"/>
+          </ac:spMkLst>
+        </pc:spChg>
+        <pc:grpChg chg="add del">
+          <ac:chgData name="Velani, Ankitkumar" userId="039f6639-35cd-4471-8ac8-1e78077ab1db" providerId="ADAL" clId="{84352D96-93B9-4F72-AE8C-18860CDEFF5B}" dt="2022-07-14T06:09:57.967" v="5376" actId="26606"/>
+          <ac:grpSpMkLst>
+            <pc:docMk/>
+            <pc:sldMk cId="641190302" sldId="290"/>
+            <ac:grpSpMk id="117" creationId="{89D1390B-7E13-4B4F-9CB2-391063412E54}"/>
+          </ac:grpSpMkLst>
+        </pc:grpChg>
+        <pc:grpChg chg="add">
+          <ac:chgData name="Velani, Ankitkumar" userId="039f6639-35cd-4471-8ac8-1e78077ab1db" providerId="ADAL" clId="{84352D96-93B9-4F72-AE8C-18860CDEFF5B}" dt="2022-07-14T06:09:57.967" v="5376" actId="26606"/>
+          <ac:grpSpMkLst>
+            <pc:docMk/>
+            <pc:sldMk cId="641190302" sldId="290"/>
+            <ac:grpSpMk id="129" creationId="{CF22986C-DDF7-4109-9D6A-006800D6B041}"/>
+          </ac:grpSpMkLst>
+        </pc:grpChg>
+        <pc:graphicFrameChg chg="add mod ord modGraphic">
+          <ac:chgData name="Velani, Ankitkumar" userId="039f6639-35cd-4471-8ac8-1e78077ab1db" providerId="ADAL" clId="{84352D96-93B9-4F72-AE8C-18860CDEFF5B}" dt="2022-07-14T06:16:22.086" v="5509" actId="14100"/>
+          <ac:graphicFrameMkLst>
+            <pc:docMk/>
+            <pc:sldMk cId="641190302" sldId="290"/>
+            <ac:graphicFrameMk id="2" creationId="{95E9052C-149B-4739-9DA6-93903CCF753C}"/>
+          </ac:graphicFrameMkLst>
+        </pc:graphicFrameChg>
+      </pc:sldChg>
+      <pc:sldChg chg="addSp delSp modSp add mod setBg setClrOvrMap">
+        <pc:chgData name="Velani, Ankitkumar" userId="039f6639-35cd-4471-8ac8-1e78077ab1db" providerId="ADAL" clId="{84352D96-93B9-4F72-AE8C-18860CDEFF5B}" dt="2022-07-14T06:24:32.221" v="5540" actId="20577"/>
+        <pc:sldMkLst>
+          <pc:docMk/>
+          <pc:sldMk cId="2673655364" sldId="290"/>
+        </pc:sldMkLst>
+        <pc:spChg chg="add del mod">
+          <ac:chgData name="Velani, Ankitkumar" userId="039f6639-35cd-4471-8ac8-1e78077ab1db" providerId="ADAL" clId="{84352D96-93B9-4F72-AE8C-18860CDEFF5B}" dt="2022-07-14T06:16:34.521" v="5513" actId="478"/>
+          <ac:spMkLst>
+            <pc:docMk/>
+            <pc:sldMk cId="2673655364" sldId="290"/>
+            <ac:spMk id="3" creationId="{41F7DA64-0EB9-4036-8FF7-0662D1D2E8D1}"/>
+          </ac:spMkLst>
+        </pc:spChg>
+        <pc:spChg chg="add del mod">
+          <ac:chgData name="Velani, Ankitkumar" userId="039f6639-35cd-4471-8ac8-1e78077ab1db" providerId="ADAL" clId="{84352D96-93B9-4F72-AE8C-18860CDEFF5B}" dt="2022-07-14T06:16:58.853" v="5516" actId="478"/>
+          <ac:spMkLst>
+            <pc:docMk/>
+            <pc:sldMk cId="2673655364" sldId="290"/>
+            <ac:spMk id="5" creationId="{C9521D45-E6B7-4794-9D99-0C721F74759D}"/>
+          </ac:spMkLst>
+        </pc:spChg>
+        <pc:spChg chg="mod">
+          <ac:chgData name="Velani, Ankitkumar" userId="039f6639-35cd-4471-8ac8-1e78077ab1db" providerId="ADAL" clId="{84352D96-93B9-4F72-AE8C-18860CDEFF5B}" dt="2022-07-14T06:17:48.306" v="5526" actId="26606"/>
+          <ac:spMkLst>
+            <pc:docMk/>
+            <pc:sldMk cId="2673655364" sldId="290"/>
+            <ac:spMk id="105" creationId="{00000000-0000-0000-0000-000000000000}"/>
+          </ac:spMkLst>
+        </pc:spChg>
+        <pc:spChg chg="mod ord">
+          <ac:chgData name="Velani, Ankitkumar" userId="039f6639-35cd-4471-8ac8-1e78077ab1db" providerId="ADAL" clId="{84352D96-93B9-4F72-AE8C-18860CDEFF5B}" dt="2022-07-14T06:17:48.306" v="5526" actId="26606"/>
+          <ac:spMkLst>
+            <pc:docMk/>
+            <pc:sldMk cId="2673655364" sldId="290"/>
+            <ac:spMk id="106" creationId="{00000000-0000-0000-0000-000000000000}"/>
+          </ac:spMkLst>
+        </pc:spChg>
+        <pc:spChg chg="mod">
+          <ac:chgData name="Velani, Ankitkumar" userId="039f6639-35cd-4471-8ac8-1e78077ab1db" providerId="ADAL" clId="{84352D96-93B9-4F72-AE8C-18860CDEFF5B}" dt="2022-07-14T06:17:48.306" v="5526" actId="26606"/>
+          <ac:spMkLst>
+            <pc:docMk/>
+            <pc:sldMk cId="2673655364" sldId="290"/>
+            <ac:spMk id="107" creationId="{00000000-0000-0000-0000-000000000000}"/>
+          </ac:spMkLst>
+        </pc:spChg>
+        <pc:spChg chg="mod ord">
+          <ac:chgData name="Velani, Ankitkumar" userId="039f6639-35cd-4471-8ac8-1e78077ab1db" providerId="ADAL" clId="{84352D96-93B9-4F72-AE8C-18860CDEFF5B}" dt="2022-07-14T06:18:31.356" v="5536" actId="113"/>
+          <ac:spMkLst>
+            <pc:docMk/>
+            <pc:sldMk cId="2673655364" sldId="290"/>
+            <ac:spMk id="108" creationId="{00000000-0000-0000-0000-000000000000}"/>
+          </ac:spMkLst>
+        </pc:spChg>
+        <pc:spChg chg="del">
+          <ac:chgData name="Velani, Ankitkumar" userId="039f6639-35cd-4471-8ac8-1e78077ab1db" providerId="ADAL" clId="{84352D96-93B9-4F72-AE8C-18860CDEFF5B}" dt="2022-07-14T06:16:32.703" v="5512" actId="478"/>
+          <ac:spMkLst>
+            <pc:docMk/>
+            <pc:sldMk cId="2673655364" sldId="290"/>
+            <ac:spMk id="109" creationId="{00000000-0000-0000-0000-000000000000}"/>
+          </ac:spMkLst>
+        </pc:spChg>
+        <pc:spChg chg="add del">
+          <ac:chgData name="Velani, Ankitkumar" userId="039f6639-35cd-4471-8ac8-1e78077ab1db" providerId="ADAL" clId="{84352D96-93B9-4F72-AE8C-18860CDEFF5B}" dt="2022-07-14T06:17:25.730" v="5518" actId="26606"/>
+          <ac:spMkLst>
+            <pc:docMk/>
+            <pc:sldMk cId="2673655364" sldId="290"/>
+            <ac:spMk id="113" creationId="{18AC8E79-ECD6-4F34-BE5A-9F5E850E850A}"/>
+          </ac:spMkLst>
+        </pc:spChg>
+        <pc:spChg chg="add del">
+          <ac:chgData name="Velani, Ankitkumar" userId="039f6639-35cd-4471-8ac8-1e78077ab1db" providerId="ADAL" clId="{84352D96-93B9-4F72-AE8C-18860CDEFF5B}" dt="2022-07-14T06:17:25.730" v="5518" actId="26606"/>
+          <ac:spMkLst>
+            <pc:docMk/>
+            <pc:sldMk cId="2673655364" sldId="290"/>
+            <ac:spMk id="115" creationId="{7D2BE1BB-2AB2-4D7E-9E27-8D245181B513}"/>
+          </ac:spMkLst>
+        </pc:spChg>
+        <pc:spChg chg="add del">
+          <ac:chgData name="Velani, Ankitkumar" userId="039f6639-35cd-4471-8ac8-1e78077ab1db" providerId="ADAL" clId="{84352D96-93B9-4F72-AE8C-18860CDEFF5B}" dt="2022-07-14T06:17:37.659" v="5522" actId="26606"/>
+          <ac:spMkLst>
+            <pc:docMk/>
+            <pc:sldMk cId="2673655364" sldId="290"/>
+            <ac:spMk id="119" creationId="{90F533E9-6690-41A8-A372-4C6C622D028D}"/>
+          </ac:spMkLst>
+        </pc:spChg>
+        <pc:spChg chg="add del">
+          <ac:chgData name="Velani, Ankitkumar" userId="039f6639-35cd-4471-8ac8-1e78077ab1db" providerId="ADAL" clId="{84352D96-93B9-4F72-AE8C-18860CDEFF5B}" dt="2022-07-14T06:17:30.106" v="5520" actId="26606"/>
+          <ac:spMkLst>
+            <pc:docMk/>
+            <pc:sldMk cId="2673655364" sldId="290"/>
+            <ac:spMk id="124" creationId="{65219498-D544-41AC-98FE-8F956EF66A62}"/>
+          </ac:spMkLst>
+        </pc:spChg>
+        <pc:spChg chg="add del">
+          <ac:chgData name="Velani, Ankitkumar" userId="039f6639-35cd-4471-8ac8-1e78077ab1db" providerId="ADAL" clId="{84352D96-93B9-4F72-AE8C-18860CDEFF5B}" dt="2022-07-14T06:17:30.106" v="5520" actId="26606"/>
+          <ac:spMkLst>
+            <pc:docMk/>
+            <pc:sldMk cId="2673655364" sldId="290"/>
+            <ac:spMk id="125" creationId="{F500DBFC-17A9-4E0A-AEE2-A49F9AEEF0FD}"/>
+          </ac:spMkLst>
+        </pc:spChg>
+        <pc:spChg chg="add del">
+          <ac:chgData name="Velani, Ankitkumar" userId="039f6639-35cd-4471-8ac8-1e78077ab1db" providerId="ADAL" clId="{84352D96-93B9-4F72-AE8C-18860CDEFF5B}" dt="2022-07-14T06:17:37.659" v="5522" actId="26606"/>
+          <ac:spMkLst>
+            <pc:docMk/>
+            <pc:sldMk cId="2673655364" sldId="290"/>
+            <ac:spMk id="132" creationId="{BA79A7CF-01AF-4178-9369-94E0C90EB046}"/>
+          </ac:spMkLst>
+        </pc:spChg>
+        <pc:spChg chg="add del">
+          <ac:chgData name="Velani, Ankitkumar" userId="039f6639-35cd-4471-8ac8-1e78077ab1db" providerId="ADAL" clId="{84352D96-93B9-4F72-AE8C-18860CDEFF5B}" dt="2022-07-14T06:17:37.659" v="5522" actId="26606"/>
+          <ac:spMkLst>
+            <pc:docMk/>
+            <pc:sldMk cId="2673655364" sldId="290"/>
+            <ac:spMk id="133" creationId="{99413ED5-9ED4-4772-BCE4-2BCAE6B12E35}"/>
+          </ac:spMkLst>
+        </pc:spChg>
+        <pc:spChg chg="add del">
+          <ac:chgData name="Velani, Ankitkumar" userId="039f6639-35cd-4471-8ac8-1e78077ab1db" providerId="ADAL" clId="{84352D96-93B9-4F72-AE8C-18860CDEFF5B}" dt="2022-07-14T06:17:37.659" v="5522" actId="26606"/>
+          <ac:spMkLst>
+            <pc:docMk/>
+            <pc:sldMk cId="2673655364" sldId="290"/>
+            <ac:spMk id="134" creationId="{04357C93-F0CB-4A1C-8F77-4E9063789819}"/>
+          </ac:spMkLst>
+        </pc:spChg>
+        <pc:spChg chg="add del">
+          <ac:chgData name="Velani, Ankitkumar" userId="039f6639-35cd-4471-8ac8-1e78077ab1db" providerId="ADAL" clId="{84352D96-93B9-4F72-AE8C-18860CDEFF5B}" dt="2022-07-14T06:17:48.304" v="5525" actId="26606"/>
+          <ac:spMkLst>
+            <pc:docMk/>
+            <pc:sldMk cId="2673655364" sldId="290"/>
+            <ac:spMk id="136" creationId="{C0B27210-D0CA-4654-B3E3-9ABB4F178EA1}"/>
+          </ac:spMkLst>
+        </pc:spChg>
+        <pc:spChg chg="add del">
+          <ac:chgData name="Velani, Ankitkumar" userId="039f6639-35cd-4471-8ac8-1e78077ab1db" providerId="ADAL" clId="{84352D96-93B9-4F72-AE8C-18860CDEFF5B}" dt="2022-07-14T06:17:48.304" v="5525" actId="26606"/>
+          <ac:spMkLst>
+            <pc:docMk/>
+            <pc:sldMk cId="2673655364" sldId="290"/>
+            <ac:spMk id="137" creationId="{1DB7C82F-AB7E-4F0C-B829-FA1B9C415180}"/>
+          </ac:spMkLst>
+        </pc:spChg>
+        <pc:spChg chg="add del">
+          <ac:chgData name="Velani, Ankitkumar" userId="039f6639-35cd-4471-8ac8-1e78077ab1db" providerId="ADAL" clId="{84352D96-93B9-4F72-AE8C-18860CDEFF5B}" dt="2022-07-14T06:17:48.304" v="5525" actId="26606"/>
+          <ac:spMkLst>
+            <pc:docMk/>
+            <pc:sldMk cId="2673655364" sldId="290"/>
+            <ac:spMk id="138" creationId="{70B66945-4967-4040-926D-DCA44313CDAB}"/>
+          </ac:spMkLst>
+        </pc:spChg>
+        <pc:spChg chg="add">
+          <ac:chgData name="Velani, Ankitkumar" userId="039f6639-35cd-4471-8ac8-1e78077ab1db" providerId="ADAL" clId="{84352D96-93B9-4F72-AE8C-18860CDEFF5B}" dt="2022-07-14T06:17:48.306" v="5526" actId="26606"/>
+          <ac:spMkLst>
+            <pc:docMk/>
+            <pc:sldMk cId="2673655364" sldId="290"/>
+            <ac:spMk id="140" creationId="{BA79A7CF-01AF-4178-9369-94E0C90EB046}"/>
+          </ac:spMkLst>
+        </pc:spChg>
+        <pc:spChg chg="add">
+          <ac:chgData name="Velani, Ankitkumar" userId="039f6639-35cd-4471-8ac8-1e78077ab1db" providerId="ADAL" clId="{84352D96-93B9-4F72-AE8C-18860CDEFF5B}" dt="2022-07-14T06:17:48.306" v="5526" actId="26606"/>
+          <ac:spMkLst>
+            <pc:docMk/>
+            <pc:sldMk cId="2673655364" sldId="290"/>
+            <ac:spMk id="141" creationId="{99413ED5-9ED4-4772-BCE4-2BCAE6B12E35}"/>
+          </ac:spMkLst>
+        </pc:spChg>
+        <pc:spChg chg="add">
+          <ac:chgData name="Velani, Ankitkumar" userId="039f6639-35cd-4471-8ac8-1e78077ab1db" providerId="ADAL" clId="{84352D96-93B9-4F72-AE8C-18860CDEFF5B}" dt="2022-07-14T06:17:48.306" v="5526" actId="26606"/>
+          <ac:spMkLst>
+            <pc:docMk/>
+            <pc:sldMk cId="2673655364" sldId="290"/>
+            <ac:spMk id="142" creationId="{04357C93-F0CB-4A1C-8F77-4E9063789819}"/>
+          </ac:spMkLst>
+        </pc:spChg>
+        <pc:spChg chg="add">
+          <ac:chgData name="Velani, Ankitkumar" userId="039f6639-35cd-4471-8ac8-1e78077ab1db" providerId="ADAL" clId="{84352D96-93B9-4F72-AE8C-18860CDEFF5B}" dt="2022-07-14T06:17:48.306" v="5526" actId="26606"/>
+          <ac:spMkLst>
+            <pc:docMk/>
+            <pc:sldMk cId="2673655364" sldId="290"/>
+            <ac:spMk id="143" creationId="{90F533E9-6690-41A8-A372-4C6C622D028D}"/>
+          </ac:spMkLst>
+        </pc:spChg>
+        <pc:grpChg chg="add del">
+          <ac:chgData name="Velani, Ankitkumar" userId="039f6639-35cd-4471-8ac8-1e78077ab1db" providerId="ADAL" clId="{84352D96-93B9-4F72-AE8C-18860CDEFF5B}" dt="2022-07-14T06:17:25.730" v="5518" actId="26606"/>
+          <ac:grpSpMkLst>
+            <pc:docMk/>
+            <pc:sldMk cId="2673655364" sldId="290"/>
+            <ac:grpSpMk id="117" creationId="{22A1615C-2156-4B15-BF3E-39794B37905E}"/>
+          </ac:grpSpMkLst>
+        </pc:grpChg>
+        <pc:grpChg chg="add del">
+          <ac:chgData name="Velani, Ankitkumar" userId="039f6639-35cd-4471-8ac8-1e78077ab1db" providerId="ADAL" clId="{84352D96-93B9-4F72-AE8C-18860CDEFF5B}" dt="2022-07-14T06:17:30.106" v="5520" actId="26606"/>
+          <ac:grpSpMkLst>
+            <pc:docMk/>
+            <pc:sldMk cId="2673655364" sldId="290"/>
+            <ac:grpSpMk id="126" creationId="{D74613BB-817C-4C4F-8A24-4936F2F064C0}"/>
+          </ac:grpSpMkLst>
+        </pc:grpChg>
+        <pc:graphicFrameChg chg="add del mod ord modGraphic">
+          <ac:chgData name="Velani, Ankitkumar" userId="039f6639-35cd-4471-8ac8-1e78077ab1db" providerId="ADAL" clId="{84352D96-93B9-4F72-AE8C-18860CDEFF5B}" dt="2022-07-14T06:24:32.221" v="5540" actId="20577"/>
+          <ac:graphicFrameMkLst>
+            <pc:docMk/>
+            <pc:sldMk cId="2673655364" sldId="290"/>
+            <ac:graphicFrameMk id="4" creationId="{B4E9F0A1-1566-4C4D-8933-839EB9F5BC82}"/>
+          </ac:graphicFrameMkLst>
+        </pc:graphicFrameChg>
+      </pc:sldChg>
+      <pc:sldChg chg="addSp delSp modSp add mod ord">
+        <pc:chgData name="Velani, Ankitkumar" userId="039f6639-35cd-4471-8ac8-1e78077ab1db" providerId="ADAL" clId="{84352D96-93B9-4F72-AE8C-18860CDEFF5B}" dt="2022-07-14T06:39:40.939" v="5751" actId="115"/>
+        <pc:sldMkLst>
+          <pc:docMk/>
+          <pc:sldMk cId="3671309648" sldId="291"/>
+        </pc:sldMkLst>
+        <pc:spChg chg="add del mod">
+          <ac:chgData name="Velani, Ankitkumar" userId="039f6639-35cd-4471-8ac8-1e78077ab1db" providerId="ADAL" clId="{84352D96-93B9-4F72-AE8C-18860CDEFF5B}" dt="2022-07-14T06:25:12.951" v="5592" actId="478"/>
+          <ac:spMkLst>
+            <pc:docMk/>
+            <pc:sldMk cId="3671309648" sldId="291"/>
+            <ac:spMk id="3" creationId="{69291159-4DEA-4D53-975E-DCACA168DE00}"/>
+          </ac:spMkLst>
+        </pc:spChg>
+        <pc:spChg chg="add mod">
+          <ac:chgData name="Velani, Ankitkumar" userId="039f6639-35cd-4471-8ac8-1e78077ab1db" providerId="ADAL" clId="{84352D96-93B9-4F72-AE8C-18860CDEFF5B}" dt="2022-07-14T06:39:40.939" v="5751" actId="115"/>
+          <ac:spMkLst>
+            <pc:docMk/>
+            <pc:sldMk cId="3671309648" sldId="291"/>
+            <ac:spMk id="10" creationId="{63F1B26F-E95C-4ED6-8A3D-F39A6A4D80C0}"/>
+          </ac:spMkLst>
+        </pc:spChg>
+        <pc:spChg chg="add del">
+          <ac:chgData name="Velani, Ankitkumar" userId="039f6639-35cd-4471-8ac8-1e78077ab1db" providerId="ADAL" clId="{84352D96-93B9-4F72-AE8C-18860CDEFF5B}" dt="2022-07-14T06:26:02.610" v="5599" actId="22"/>
+          <ac:spMkLst>
+            <pc:docMk/>
+            <pc:sldMk cId="3671309648" sldId="291"/>
+            <ac:spMk id="12" creationId="{CA968513-7954-443B-B994-C32A15C0CD45}"/>
+          </ac:spMkLst>
+        </pc:spChg>
+        <pc:spChg chg="mod">
+          <ac:chgData name="Velani, Ankitkumar" userId="039f6639-35cd-4471-8ac8-1e78077ab1db" providerId="ADAL" clId="{84352D96-93B9-4F72-AE8C-18860CDEFF5B}" dt="2022-07-14T06:25:10.262" v="5591" actId="20577"/>
+          <ac:spMkLst>
+            <pc:docMk/>
+            <pc:sldMk cId="3671309648" sldId="291"/>
+            <ac:spMk id="108" creationId="{00000000-0000-0000-0000-000000000000}"/>
+          </ac:spMkLst>
+        </pc:spChg>
+        <pc:spChg chg="del">
+          <ac:chgData name="Velani, Ankitkumar" userId="039f6639-35cd-4471-8ac8-1e78077ab1db" providerId="ADAL" clId="{84352D96-93B9-4F72-AE8C-18860CDEFF5B}" dt="2022-07-14T06:24:49.891" v="5544" actId="478"/>
+          <ac:spMkLst>
+            <pc:docMk/>
+            <pc:sldMk cId="3671309648" sldId="291"/>
+            <ac:spMk id="109" creationId="{00000000-0000-0000-0000-000000000000}"/>
+          </ac:spMkLst>
+        </pc:spChg>
+      </pc:sldChg>
+      <pc:sldChg chg="addSp modSp add mod">
+        <pc:chgData name="Velani, Ankitkumar" userId="039f6639-35cd-4471-8ac8-1e78077ab1db" providerId="ADAL" clId="{84352D96-93B9-4F72-AE8C-18860CDEFF5B}" dt="2022-07-14T06:39:21.403" v="5747" actId="113"/>
+        <pc:sldMkLst>
+          <pc:docMk/>
+          <pc:sldMk cId="981376725" sldId="292"/>
+        </pc:sldMkLst>
+        <pc:spChg chg="add mod">
+          <ac:chgData name="Velani, Ankitkumar" userId="039f6639-35cd-4471-8ac8-1e78077ab1db" providerId="ADAL" clId="{84352D96-93B9-4F72-AE8C-18860CDEFF5B}" dt="2022-07-14T06:39:21.403" v="5747" actId="113"/>
+          <ac:spMkLst>
+            <pc:docMk/>
+            <pc:sldMk cId="981376725" sldId="292"/>
+            <ac:spMk id="8" creationId="{4BAE92AF-8EAA-498B-91E2-1E5DFB897C6C}"/>
+          </ac:spMkLst>
+        </pc:spChg>
+        <pc:spChg chg="mod">
+          <ac:chgData name="Velani, Ankitkumar" userId="039f6639-35cd-4471-8ac8-1e78077ab1db" providerId="ADAL" clId="{84352D96-93B9-4F72-AE8C-18860CDEFF5B}" dt="2022-07-14T06:39:16.312" v="5746" actId="113"/>
+          <ac:spMkLst>
+            <pc:docMk/>
+            <pc:sldMk cId="981376725" sldId="292"/>
+            <ac:spMk id="10" creationId="{63F1B26F-E95C-4ED6-8A3D-F39A6A4D80C0}"/>
+          </ac:spMkLst>
+        </pc:spChg>
+      </pc:sldChg>
+      <pc:sldChg chg="add del">
+        <pc:chgData name="Velani, Ankitkumar" userId="039f6639-35cd-4471-8ac8-1e78077ab1db" providerId="ADAL" clId="{84352D96-93B9-4F72-AE8C-18860CDEFF5B}" dt="2022-07-14T06:25:59.379" v="5597" actId="2890"/>
+        <pc:sldMkLst>
+          <pc:docMk/>
+          <pc:sldMk cId="1179370041" sldId="292"/>
+        </pc:sldMkLst>
+      </pc:sldChg>
+      <pc:sldChg chg="modSp add mod">
+        <pc:chgData name="Velani, Ankitkumar" userId="039f6639-35cd-4471-8ac8-1e78077ab1db" providerId="ADAL" clId="{84352D96-93B9-4F72-AE8C-18860CDEFF5B}" dt="2022-07-14T07:39:01.062" v="6585" actId="207"/>
+        <pc:sldMkLst>
+          <pc:docMk/>
+          <pc:sldMk cId="2738354077" sldId="293"/>
+        </pc:sldMkLst>
+        <pc:spChg chg="mod">
+          <ac:chgData name="Velani, Ankitkumar" userId="039f6639-35cd-4471-8ac8-1e78077ab1db" providerId="ADAL" clId="{84352D96-93B9-4F72-AE8C-18860CDEFF5B}" dt="2022-07-14T07:00:15.739" v="5813" actId="120"/>
+          <ac:spMkLst>
+            <pc:docMk/>
+            <pc:sldMk cId="2738354077" sldId="293"/>
+            <ac:spMk id="108" creationId="{00000000-0000-0000-0000-000000000000}"/>
+          </ac:spMkLst>
+        </pc:spChg>
+        <pc:spChg chg="mod">
+          <ac:chgData name="Velani, Ankitkumar" userId="039f6639-35cd-4471-8ac8-1e78077ab1db" providerId="ADAL" clId="{84352D96-93B9-4F72-AE8C-18860CDEFF5B}" dt="2022-07-14T07:39:01.062" v="6585" actId="207"/>
+          <ac:spMkLst>
+            <pc:docMk/>
+            <pc:sldMk cId="2738354077" sldId="293"/>
+            <ac:spMk id="109" creationId="{00000000-0000-0000-0000-000000000000}"/>
+          </ac:spMkLst>
+        </pc:spChg>
+      </pc:sldChg>
+      <pc:sldChg chg="modSp add mod ord">
+        <pc:chgData name="Velani, Ankitkumar" userId="039f6639-35cd-4471-8ac8-1e78077ab1db" providerId="ADAL" clId="{84352D96-93B9-4F72-AE8C-18860CDEFF5B}" dt="2022-07-14T16:03:33.088" v="11912" actId="20577"/>
+        <pc:sldMkLst>
+          <pc:docMk/>
+          <pc:sldMk cId="3138019313" sldId="294"/>
+        </pc:sldMkLst>
+        <pc:spChg chg="mod">
+          <ac:chgData name="Velani, Ankitkumar" userId="039f6639-35cd-4471-8ac8-1e78077ab1db" providerId="ADAL" clId="{84352D96-93B9-4F72-AE8C-18860CDEFF5B}" dt="2022-07-14T07:00:24.453" v="5817" actId="120"/>
+          <ac:spMkLst>
+            <pc:docMk/>
+            <pc:sldMk cId="3138019313" sldId="294"/>
+            <ac:spMk id="108" creationId="{00000000-0000-0000-0000-000000000000}"/>
+          </ac:spMkLst>
+        </pc:spChg>
+        <pc:spChg chg="mod">
+          <ac:chgData name="Velani, Ankitkumar" userId="039f6639-35cd-4471-8ac8-1e78077ab1db" providerId="ADAL" clId="{84352D96-93B9-4F72-AE8C-18860CDEFF5B}" dt="2022-07-14T16:03:33.088" v="11912" actId="20577"/>
+          <ac:spMkLst>
+            <pc:docMk/>
+            <pc:sldMk cId="3138019313" sldId="294"/>
+            <ac:spMk id="109" creationId="{00000000-0000-0000-0000-000000000000}"/>
+          </ac:spMkLst>
+        </pc:spChg>
+      </pc:sldChg>
+      <pc:sldChg chg="modSp add mod">
+        <pc:chgData name="Velani, Ankitkumar" userId="039f6639-35cd-4471-8ac8-1e78077ab1db" providerId="ADAL" clId="{84352D96-93B9-4F72-AE8C-18860CDEFF5B}" dt="2022-07-14T07:54:05.674" v="6779" actId="207"/>
+        <pc:sldMkLst>
+          <pc:docMk/>
+          <pc:sldMk cId="1632705750" sldId="295"/>
+        </pc:sldMkLst>
+        <pc:spChg chg="mod">
+          <ac:chgData name="Velani, Ankitkumar" userId="039f6639-35cd-4471-8ac8-1e78077ab1db" providerId="ADAL" clId="{84352D96-93B9-4F72-AE8C-18860CDEFF5B}" dt="2022-07-14T07:01:34.483" v="5824"/>
+          <ac:spMkLst>
+            <pc:docMk/>
+            <pc:sldMk cId="1632705750" sldId="295"/>
+            <ac:spMk id="108" creationId="{00000000-0000-0000-0000-000000000000}"/>
+          </ac:spMkLst>
+        </pc:spChg>
+        <pc:spChg chg="mod">
+          <ac:chgData name="Velani, Ankitkumar" userId="039f6639-35cd-4471-8ac8-1e78077ab1db" providerId="ADAL" clId="{84352D96-93B9-4F72-AE8C-18860CDEFF5B}" dt="2022-07-14T07:54:05.674" v="6779" actId="207"/>
+          <ac:spMkLst>
+            <pc:docMk/>
+            <pc:sldMk cId="1632705750" sldId="295"/>
+            <ac:spMk id="109" creationId="{00000000-0000-0000-0000-000000000000}"/>
+          </ac:spMkLst>
+        </pc:spChg>
+      </pc:sldChg>
+      <pc:sldChg chg="addSp delSp modSp add del mod">
+        <pc:chgData name="Velani, Ankitkumar" userId="039f6639-35cd-4471-8ac8-1e78077ab1db" providerId="ADAL" clId="{84352D96-93B9-4F72-AE8C-18860CDEFF5B}" dt="2022-07-14T07:00:34.472" v="5819" actId="2696"/>
+        <pc:sldMkLst>
+          <pc:docMk/>
+          <pc:sldMk cId="2442772370" sldId="295"/>
+        </pc:sldMkLst>
+        <pc:spChg chg="add mod">
+          <ac:chgData name="Velani, Ankitkumar" userId="039f6639-35cd-4471-8ac8-1e78077ab1db" providerId="ADAL" clId="{84352D96-93B9-4F72-AE8C-18860CDEFF5B}" dt="2022-07-14T07:00:29.124" v="5818" actId="478"/>
+          <ac:spMkLst>
+            <pc:docMk/>
+            <pc:sldMk cId="2442772370" sldId="295"/>
+            <ac:spMk id="3" creationId="{F0602609-A2FC-44A7-9A8F-667CA829DB36}"/>
+          </ac:spMkLst>
+        </pc:spChg>
+        <pc:spChg chg="del mod">
+          <ac:chgData name="Velani, Ankitkumar" userId="039f6639-35cd-4471-8ac8-1e78077ab1db" providerId="ADAL" clId="{84352D96-93B9-4F72-AE8C-18860CDEFF5B}" dt="2022-07-14T07:00:29.124" v="5818" actId="478"/>
+          <ac:spMkLst>
+            <pc:docMk/>
+            <pc:sldMk cId="2442772370" sldId="295"/>
+            <ac:spMk id="108" creationId="{00000000-0000-0000-0000-000000000000}"/>
+          </ac:spMkLst>
+        </pc:spChg>
+      </pc:sldChg>
+      <pc:sldChg chg="modSp add mod">
+        <pc:chgData name="Velani, Ankitkumar" userId="039f6639-35cd-4471-8ac8-1e78077ab1db" providerId="ADAL" clId="{84352D96-93B9-4F72-AE8C-18860CDEFF5B}" dt="2022-07-14T15:45:48.362" v="10416" actId="113"/>
+        <pc:sldMkLst>
+          <pc:docMk/>
+          <pc:sldMk cId="1513836142" sldId="296"/>
+        </pc:sldMkLst>
+        <pc:spChg chg="mod">
+          <ac:chgData name="Velani, Ankitkumar" userId="039f6639-35cd-4471-8ac8-1e78077ab1db" providerId="ADAL" clId="{84352D96-93B9-4F72-AE8C-18860CDEFF5B}" dt="2022-07-14T07:01:42.142" v="5825"/>
+          <ac:spMkLst>
+            <pc:docMk/>
+            <pc:sldMk cId="1513836142" sldId="296"/>
+            <ac:spMk id="108" creationId="{00000000-0000-0000-0000-000000000000}"/>
+          </ac:spMkLst>
+        </pc:spChg>
+        <pc:spChg chg="mod">
+          <ac:chgData name="Velani, Ankitkumar" userId="039f6639-35cd-4471-8ac8-1e78077ab1db" providerId="ADAL" clId="{84352D96-93B9-4F72-AE8C-18860CDEFF5B}" dt="2022-07-14T15:45:48.362" v="10416" actId="113"/>
+          <ac:spMkLst>
+            <pc:docMk/>
+            <pc:sldMk cId="1513836142" sldId="296"/>
+            <ac:spMk id="109" creationId="{00000000-0000-0000-0000-000000000000}"/>
+          </ac:spMkLst>
+        </pc:spChg>
+      </pc:sldChg>
+      <pc:sldChg chg="modSp add del mod">
+        <pc:chgData name="Velani, Ankitkumar" userId="039f6639-35cd-4471-8ac8-1e78077ab1db" providerId="ADAL" clId="{84352D96-93B9-4F72-AE8C-18860CDEFF5B}" dt="2022-07-14T07:00:37.327" v="5820" actId="2696"/>
+        <pc:sldMkLst>
+          <pc:docMk/>
+          <pc:sldMk cId="3698080580" sldId="296"/>
+        </pc:sldMkLst>
+        <pc:spChg chg="mod">
+          <ac:chgData name="Velani, Ankitkumar" userId="039f6639-35cd-4471-8ac8-1e78077ab1db" providerId="ADAL" clId="{84352D96-93B9-4F72-AE8C-18860CDEFF5B}" dt="2022-07-14T07:00:00.277" v="5808"/>
+          <ac:spMkLst>
+            <pc:docMk/>
+            <pc:sldMk cId="3698080580" sldId="296"/>
+            <ac:spMk id="108" creationId="{00000000-0000-0000-0000-000000000000}"/>
+          </ac:spMkLst>
+        </pc:spChg>
+      </pc:sldChg>
+      <pc:sldChg chg="modSp add mod">
+        <pc:chgData name="Velani, Ankitkumar" userId="039f6639-35cd-4471-8ac8-1e78077ab1db" providerId="ADAL" clId="{84352D96-93B9-4F72-AE8C-18860CDEFF5B}" dt="2022-07-14T15:07:07.793" v="7614" actId="255"/>
+        <pc:sldMkLst>
+          <pc:docMk/>
+          <pc:sldMk cId="2077387241" sldId="297"/>
+        </pc:sldMkLst>
+        <pc:spChg chg="mod">
+          <ac:chgData name="Velani, Ankitkumar" userId="039f6639-35cd-4471-8ac8-1e78077ab1db" providerId="ADAL" clId="{84352D96-93B9-4F72-AE8C-18860CDEFF5B}" dt="2022-07-14T15:07:07.793" v="7614" actId="255"/>
+          <ac:spMkLst>
+            <pc:docMk/>
+            <pc:sldMk cId="2077387241" sldId="297"/>
+            <ac:spMk id="109" creationId="{00000000-0000-0000-0000-000000000000}"/>
+          </ac:spMkLst>
+        </pc:spChg>
+      </pc:sldChg>
+      <pc:sldChg chg="modSp add mod">
+        <pc:chgData name="Velani, Ankitkumar" userId="039f6639-35cd-4471-8ac8-1e78077ab1db" providerId="ADAL" clId="{84352D96-93B9-4F72-AE8C-18860CDEFF5B}" dt="2022-07-14T07:56:57.335" v="6879" actId="207"/>
+        <pc:sldMkLst>
+          <pc:docMk/>
+          <pc:sldMk cId="1149467149" sldId="298"/>
+        </pc:sldMkLst>
+        <pc:spChg chg="mod">
+          <ac:chgData name="Velani, Ankitkumar" userId="039f6639-35cd-4471-8ac8-1e78077ab1db" providerId="ADAL" clId="{84352D96-93B9-4F72-AE8C-18860CDEFF5B}" dt="2022-07-14T07:56:57.335" v="6879" actId="207"/>
+          <ac:spMkLst>
+            <pc:docMk/>
+            <pc:sldMk cId="1149467149" sldId="298"/>
+            <ac:spMk id="109" creationId="{00000000-0000-0000-0000-000000000000}"/>
+          </ac:spMkLst>
+        </pc:spChg>
+      </pc:sldChg>
+      <pc:sldChg chg="modSp add mod">
+        <pc:chgData name="Velani, Ankitkumar" userId="039f6639-35cd-4471-8ac8-1e78077ab1db" providerId="ADAL" clId="{84352D96-93B9-4F72-AE8C-18860CDEFF5B}" dt="2022-07-14T16:02:59.110" v="11899" actId="113"/>
+        <pc:sldMkLst>
+          <pc:docMk/>
+          <pc:sldMk cId="2809169825" sldId="299"/>
+        </pc:sldMkLst>
+        <pc:spChg chg="mod">
+          <ac:chgData name="Velani, Ankitkumar" userId="039f6639-35cd-4471-8ac8-1e78077ab1db" providerId="ADAL" clId="{84352D96-93B9-4F72-AE8C-18860CDEFF5B}" dt="2022-07-14T16:02:59.110" v="11899" actId="113"/>
+          <ac:spMkLst>
+            <pc:docMk/>
+            <pc:sldMk cId="2809169825" sldId="299"/>
+            <ac:spMk id="109" creationId="{00000000-0000-0000-0000-000000000000}"/>
+          </ac:spMkLst>
+        </pc:spChg>
+      </pc:sldChg>
+      <pc:sldChg chg="modSp add mod">
+        <pc:chgData name="Velani, Ankitkumar" userId="039f6639-35cd-4471-8ac8-1e78077ab1db" providerId="ADAL" clId="{84352D96-93B9-4F72-AE8C-18860CDEFF5B}" dt="2022-07-14T15:07:16.997" v="7615" actId="255"/>
+        <pc:sldMkLst>
+          <pc:docMk/>
+          <pc:sldMk cId="1642795635" sldId="300"/>
+        </pc:sldMkLst>
+        <pc:spChg chg="mod">
+          <ac:chgData name="Velani, Ankitkumar" userId="039f6639-35cd-4471-8ac8-1e78077ab1db" providerId="ADAL" clId="{84352D96-93B9-4F72-AE8C-18860CDEFF5B}" dt="2022-07-14T15:07:16.997" v="7615" actId="255"/>
+          <ac:spMkLst>
+            <pc:docMk/>
+            <pc:sldMk cId="1642795635" sldId="300"/>
+            <ac:spMk id="109" creationId="{00000000-0000-0000-0000-000000000000}"/>
+          </ac:spMkLst>
+        </pc:spChg>
+      </pc:sldChg>
+      <pc:sldChg chg="modSp add mod">
+        <pc:chgData name="Velani, Ankitkumar" userId="039f6639-35cd-4471-8ac8-1e78077ab1db" providerId="ADAL" clId="{84352D96-93B9-4F72-AE8C-18860CDEFF5B}" dt="2022-07-14T15:07:39.362" v="7637" actId="255"/>
+        <pc:sldMkLst>
+          <pc:docMk/>
+          <pc:sldMk cId="3179861112" sldId="301"/>
+        </pc:sldMkLst>
+        <pc:spChg chg="mod">
+          <ac:chgData name="Velani, Ankitkumar" userId="039f6639-35cd-4471-8ac8-1e78077ab1db" providerId="ADAL" clId="{84352D96-93B9-4F72-AE8C-18860CDEFF5B}" dt="2022-07-14T15:07:39.362" v="7637" actId="255"/>
+          <ac:spMkLst>
+            <pc:docMk/>
+            <pc:sldMk cId="3179861112" sldId="301"/>
+            <ac:spMk id="109" creationId="{00000000-0000-0000-0000-000000000000}"/>
+          </ac:spMkLst>
+        </pc:spChg>
+      </pc:sldChg>
+      <pc:sldChg chg="modSp add mod">
+        <pc:chgData name="Velani, Ankitkumar" userId="039f6639-35cd-4471-8ac8-1e78077ab1db" providerId="ADAL" clId="{84352D96-93B9-4F72-AE8C-18860CDEFF5B}" dt="2022-07-14T15:14:10.387" v="8079" actId="255"/>
+        <pc:sldMkLst>
+          <pc:docMk/>
+          <pc:sldMk cId="1531365578" sldId="302"/>
+        </pc:sldMkLst>
+        <pc:spChg chg="mod">
+          <ac:chgData name="Velani, Ankitkumar" userId="039f6639-35cd-4471-8ac8-1e78077ab1db" providerId="ADAL" clId="{84352D96-93B9-4F72-AE8C-18860CDEFF5B}" dt="2022-07-14T15:14:10.387" v="8079" actId="255"/>
+          <ac:spMkLst>
+            <pc:docMk/>
+            <pc:sldMk cId="1531365578" sldId="302"/>
+            <ac:spMk id="109" creationId="{00000000-0000-0000-0000-000000000000}"/>
+          </ac:spMkLst>
+        </pc:spChg>
+      </pc:sldChg>
+      <pc:sldChg chg="addSp delSp modSp add mod">
+        <pc:chgData name="Velani, Ankitkumar" userId="039f6639-35cd-4471-8ac8-1e78077ab1db" providerId="ADAL" clId="{84352D96-93B9-4F72-AE8C-18860CDEFF5B}" dt="2022-07-14T15:20:46.638" v="8495" actId="20577"/>
+        <pc:sldMkLst>
+          <pc:docMk/>
+          <pc:sldMk cId="1104195167" sldId="303"/>
+        </pc:sldMkLst>
+        <pc:spChg chg="add del mod">
+          <ac:chgData name="Velani, Ankitkumar" userId="039f6639-35cd-4471-8ac8-1e78077ab1db" providerId="ADAL" clId="{84352D96-93B9-4F72-AE8C-18860CDEFF5B}" dt="2022-07-14T15:19:35.970" v="8474" actId="478"/>
+          <ac:spMkLst>
+            <pc:docMk/>
+            <pc:sldMk cId="1104195167" sldId="303"/>
+            <ac:spMk id="7" creationId="{858BE6EC-9525-481B-AF06-32E4691920A6}"/>
+          </ac:spMkLst>
+        </pc:spChg>
+        <pc:spChg chg="add mod">
+          <ac:chgData name="Velani, Ankitkumar" userId="039f6639-35cd-4471-8ac8-1e78077ab1db" providerId="ADAL" clId="{84352D96-93B9-4F72-AE8C-18860CDEFF5B}" dt="2022-07-14T15:20:46.638" v="8495" actId="20577"/>
+          <ac:spMkLst>
+            <pc:docMk/>
+            <pc:sldMk cId="1104195167" sldId="303"/>
+            <ac:spMk id="8" creationId="{25C62930-5551-4B9B-8F35-EC23C2ADB091}"/>
+          </ac:spMkLst>
+        </pc:spChg>
+        <pc:spChg chg="mod">
+          <ac:chgData name="Velani, Ankitkumar" userId="039f6639-35cd-4471-8ac8-1e78077ab1db" providerId="ADAL" clId="{84352D96-93B9-4F72-AE8C-18860CDEFF5B}" dt="2022-07-14T15:19:57.064" v="8480" actId="1076"/>
+          <ac:spMkLst>
+            <pc:docMk/>
+            <pc:sldMk cId="1104195167" sldId="303"/>
+            <ac:spMk id="108" creationId="{00000000-0000-0000-0000-000000000000}"/>
+          </ac:spMkLst>
+        </pc:spChg>
+        <pc:spChg chg="mod">
+          <ac:chgData name="Velani, Ankitkumar" userId="039f6639-35cd-4471-8ac8-1e78077ab1db" providerId="ADAL" clId="{84352D96-93B9-4F72-AE8C-18860CDEFF5B}" dt="2022-07-14T15:19:45.306" v="8477" actId="14100"/>
+          <ac:spMkLst>
+            <pc:docMk/>
+            <pc:sldMk cId="1104195167" sldId="303"/>
+            <ac:spMk id="109" creationId="{00000000-0000-0000-0000-000000000000}"/>
+          </ac:spMkLst>
+        </pc:spChg>
+      </pc:sldChg>
+      <pc:sldChg chg="addSp modSp add mod ord">
+        <pc:chgData name="Velani, Ankitkumar" userId="039f6639-35cd-4471-8ac8-1e78077ab1db" providerId="ADAL" clId="{84352D96-93B9-4F72-AE8C-18860CDEFF5B}" dt="2022-07-14T15:26:32.745" v="8803" actId="113"/>
+        <pc:sldMkLst>
+          <pc:docMk/>
+          <pc:sldMk cId="2310146408" sldId="304"/>
+        </pc:sldMkLst>
+        <pc:spChg chg="add mod">
+          <ac:chgData name="Velani, Ankitkumar" userId="039f6639-35cd-4471-8ac8-1e78077ab1db" providerId="ADAL" clId="{84352D96-93B9-4F72-AE8C-18860CDEFF5B}" dt="2022-07-14T15:25:22.405" v="8777" actId="207"/>
+          <ac:spMkLst>
+            <pc:docMk/>
+            <pc:sldMk cId="2310146408" sldId="304"/>
+            <ac:spMk id="2" creationId="{47805E23-4C32-470E-8B5D-659BB6BE826E}"/>
+          </ac:spMkLst>
+        </pc:spChg>
+        <pc:spChg chg="add mod">
+          <ac:chgData name="Velani, Ankitkumar" userId="039f6639-35cd-4471-8ac8-1e78077ab1db" providerId="ADAL" clId="{84352D96-93B9-4F72-AE8C-18860CDEFF5B}" dt="2022-07-14T15:26:18.175" v="8801" actId="207"/>
+          <ac:spMkLst>
+            <pc:docMk/>
+            <pc:sldMk cId="2310146408" sldId="304"/>
+            <ac:spMk id="8" creationId="{AAD91693-171D-4765-BFB6-5272422B76BE}"/>
+          </ac:spMkLst>
+        </pc:spChg>
+        <pc:spChg chg="mod">
+          <ac:chgData name="Velani, Ankitkumar" userId="039f6639-35cd-4471-8ac8-1e78077ab1db" providerId="ADAL" clId="{84352D96-93B9-4F72-AE8C-18860CDEFF5B}" dt="2022-07-14T15:26:32.745" v="8803" actId="113"/>
+          <ac:spMkLst>
+            <pc:docMk/>
+            <pc:sldMk cId="2310146408" sldId="304"/>
+            <ac:spMk id="109" creationId="{00000000-0000-0000-0000-000000000000}"/>
+          </ac:spMkLst>
+        </pc:spChg>
+      </pc:sldChg>
+      <pc:sldChg chg="delSp modSp add mod">
+        <pc:chgData name="Velani, Ankitkumar" userId="039f6639-35cd-4471-8ac8-1e78077ab1db" providerId="ADAL" clId="{84352D96-93B9-4F72-AE8C-18860CDEFF5B}" dt="2022-07-14T15:28:06.742" v="9006" actId="113"/>
+        <pc:sldMkLst>
+          <pc:docMk/>
+          <pc:sldMk cId="3164702486" sldId="305"/>
+        </pc:sldMkLst>
+        <pc:spChg chg="del">
+          <ac:chgData name="Velani, Ankitkumar" userId="039f6639-35cd-4471-8ac8-1e78077ab1db" providerId="ADAL" clId="{84352D96-93B9-4F72-AE8C-18860CDEFF5B}" dt="2022-07-14T15:26:47.591" v="8806" actId="478"/>
+          <ac:spMkLst>
+            <pc:docMk/>
+            <pc:sldMk cId="3164702486" sldId="305"/>
+            <ac:spMk id="2" creationId="{47805E23-4C32-470E-8B5D-659BB6BE826E}"/>
+          </ac:spMkLst>
+        </pc:spChg>
+        <pc:spChg chg="del">
+          <ac:chgData name="Velani, Ankitkumar" userId="039f6639-35cd-4471-8ac8-1e78077ab1db" providerId="ADAL" clId="{84352D96-93B9-4F72-AE8C-18860CDEFF5B}" dt="2022-07-14T15:26:49.041" v="8807" actId="478"/>
+          <ac:spMkLst>
+            <pc:docMk/>
+            <pc:sldMk cId="3164702486" sldId="305"/>
+            <ac:spMk id="8" creationId="{AAD91693-171D-4765-BFB6-5272422B76BE}"/>
+          </ac:spMkLst>
+        </pc:spChg>
+        <pc:spChg chg="mod">
+          <ac:chgData name="Velani, Ankitkumar" userId="039f6639-35cd-4471-8ac8-1e78077ab1db" providerId="ADAL" clId="{84352D96-93B9-4F72-AE8C-18860CDEFF5B}" dt="2022-07-14T15:28:06.742" v="9006" actId="113"/>
+          <ac:spMkLst>
+            <pc:docMk/>
+            <pc:sldMk cId="3164702486" sldId="305"/>
+            <ac:spMk id="109" creationId="{00000000-0000-0000-0000-000000000000}"/>
+          </ac:spMkLst>
+        </pc:spChg>
+      </pc:sldChg>
+      <pc:sldChg chg="modSp add mod">
+        <pc:chgData name="Velani, Ankitkumar" userId="039f6639-35cd-4471-8ac8-1e78077ab1db" providerId="ADAL" clId="{84352D96-93B9-4F72-AE8C-18860CDEFF5B}" dt="2022-07-14T15:32:06.992" v="9386" actId="20577"/>
+        <pc:sldMkLst>
+          <pc:docMk/>
+          <pc:sldMk cId="3836807520" sldId="306"/>
+        </pc:sldMkLst>
+        <pc:spChg chg="mod">
+          <ac:chgData name="Velani, Ankitkumar" userId="039f6639-35cd-4471-8ac8-1e78077ab1db" providerId="ADAL" clId="{84352D96-93B9-4F72-AE8C-18860CDEFF5B}" dt="2022-07-14T15:32:06.992" v="9386" actId="20577"/>
+          <ac:spMkLst>
+            <pc:docMk/>
+            <pc:sldMk cId="3836807520" sldId="306"/>
+            <ac:spMk id="109" creationId="{00000000-0000-0000-0000-000000000000}"/>
+          </ac:spMkLst>
+        </pc:spChg>
+      </pc:sldChg>
+      <pc:sldChg chg="addSp delSp modSp add mod">
+        <pc:chgData name="Velani, Ankitkumar" userId="039f6639-35cd-4471-8ac8-1e78077ab1db" providerId="ADAL" clId="{84352D96-93B9-4F72-AE8C-18860CDEFF5B}" dt="2022-07-14T15:36:22.504" v="9574" actId="1036"/>
+        <pc:sldMkLst>
+          <pc:docMk/>
+          <pc:sldMk cId="2944235571" sldId="307"/>
+        </pc:sldMkLst>
+        <pc:spChg chg="add del mod">
+          <ac:chgData name="Velani, Ankitkumar" userId="039f6639-35cd-4471-8ac8-1e78077ab1db" providerId="ADAL" clId="{84352D96-93B9-4F72-AE8C-18860CDEFF5B}" dt="2022-07-14T15:33:58.012" v="9443" actId="478"/>
+          <ac:spMkLst>
+            <pc:docMk/>
+            <pc:sldMk cId="2944235571" sldId="307"/>
+            <ac:spMk id="2" creationId="{F9340464-7110-483D-9143-FFB8DB306AE3}"/>
+          </ac:spMkLst>
+        </pc:spChg>
+        <pc:spChg chg="add mod">
+          <ac:chgData name="Velani, Ankitkumar" userId="039f6639-35cd-4471-8ac8-1e78077ab1db" providerId="ADAL" clId="{84352D96-93B9-4F72-AE8C-18860CDEFF5B}" dt="2022-07-14T15:36:22.504" v="9574" actId="1036"/>
+          <ac:spMkLst>
+            <pc:docMk/>
+            <pc:sldMk cId="2944235571" sldId="307"/>
+            <ac:spMk id="3" creationId="{0EA967CB-E3D1-4BCE-8FE5-D24A466B837D}"/>
+          </ac:spMkLst>
+        </pc:spChg>
+        <pc:spChg chg="add del mod">
+          <ac:chgData name="Velani, Ankitkumar" userId="039f6639-35cd-4471-8ac8-1e78077ab1db" providerId="ADAL" clId="{84352D96-93B9-4F72-AE8C-18860CDEFF5B}" dt="2022-07-14T15:36:06.199" v="9563" actId="478"/>
+          <ac:spMkLst>
+            <pc:docMk/>
+            <pc:sldMk cId="2944235571" sldId="307"/>
+            <ac:spMk id="4" creationId="{843205DE-0072-4333-BEE7-0E7811529CBB}"/>
+          </ac:spMkLst>
+        </pc:spChg>
+        <pc:spChg chg="mod">
+          <ac:chgData name="Velani, Ankitkumar" userId="039f6639-35cd-4471-8ac8-1e78077ab1db" providerId="ADAL" clId="{84352D96-93B9-4F72-AE8C-18860CDEFF5B}" dt="2022-07-14T15:33:06.380" v="9402" actId="20577"/>
+          <ac:spMkLst>
+            <pc:docMk/>
+            <pc:sldMk cId="2944235571" sldId="307"/>
+            <ac:spMk id="108" creationId="{00000000-0000-0000-0000-000000000000}"/>
+          </ac:spMkLst>
+        </pc:spChg>
+        <pc:spChg chg="mod">
+          <ac:chgData name="Velani, Ankitkumar" userId="039f6639-35cd-4471-8ac8-1e78077ab1db" providerId="ADAL" clId="{84352D96-93B9-4F72-AE8C-18860CDEFF5B}" dt="2022-07-14T15:33:42.115" v="9435" actId="113"/>
+          <ac:spMkLst>
+            <pc:docMk/>
+            <pc:sldMk cId="2944235571" sldId="307"/>
+            <ac:spMk id="109" creationId="{00000000-0000-0000-0000-000000000000}"/>
+          </ac:spMkLst>
+        </pc:spChg>
+      </pc:sldChg>
+      <pc:sldChg chg="modSp add mod">
+        <pc:chgData name="Velani, Ankitkumar" userId="039f6639-35cd-4471-8ac8-1e78077ab1db" providerId="ADAL" clId="{84352D96-93B9-4F72-AE8C-18860CDEFF5B}" dt="2022-07-14T15:38:22.707" v="9742" actId="20577"/>
+        <pc:sldMkLst>
+          <pc:docMk/>
+          <pc:sldMk cId="3224482173" sldId="308"/>
+        </pc:sldMkLst>
+        <pc:spChg chg="mod">
+          <ac:chgData name="Velani, Ankitkumar" userId="039f6639-35cd-4471-8ac8-1e78077ab1db" providerId="ADAL" clId="{84352D96-93B9-4F72-AE8C-18860CDEFF5B}" dt="2022-07-14T15:38:22.707" v="9742" actId="20577"/>
+          <ac:spMkLst>
+            <pc:docMk/>
+            <pc:sldMk cId="3224482173" sldId="308"/>
+            <ac:spMk id="3" creationId="{0EA967CB-E3D1-4BCE-8FE5-D24A466B837D}"/>
+          </ac:spMkLst>
+        </pc:spChg>
+      </pc:sldChg>
+      <pc:sldChg chg="modSp add mod">
+        <pc:chgData name="Velani, Ankitkumar" userId="039f6639-35cd-4471-8ac8-1e78077ab1db" providerId="ADAL" clId="{84352D96-93B9-4F72-AE8C-18860CDEFF5B}" dt="2022-07-14T15:41:00.549" v="9926" actId="207"/>
+        <pc:sldMkLst>
+          <pc:docMk/>
+          <pc:sldMk cId="2995025662" sldId="309"/>
+        </pc:sldMkLst>
+        <pc:spChg chg="mod">
+          <ac:chgData name="Velani, Ankitkumar" userId="039f6639-35cd-4471-8ac8-1e78077ab1db" providerId="ADAL" clId="{84352D96-93B9-4F72-AE8C-18860CDEFF5B}" dt="2022-07-14T15:41:00.549" v="9926" actId="207"/>
+          <ac:spMkLst>
+            <pc:docMk/>
+            <pc:sldMk cId="2995025662" sldId="309"/>
+            <ac:spMk id="3" creationId="{0EA967CB-E3D1-4BCE-8FE5-D24A466B837D}"/>
+          </ac:spMkLst>
+        </pc:spChg>
+        <pc:spChg chg="mod">
+          <ac:chgData name="Velani, Ankitkumar" userId="039f6639-35cd-4471-8ac8-1e78077ab1db" providerId="ADAL" clId="{84352D96-93B9-4F72-AE8C-18860CDEFF5B}" dt="2022-07-14T15:38:51.756" v="9758" actId="20577"/>
+          <ac:spMkLst>
+            <pc:docMk/>
+            <pc:sldMk cId="2995025662" sldId="309"/>
+            <ac:spMk id="109" creationId="{00000000-0000-0000-0000-000000000000}"/>
+          </ac:spMkLst>
+        </pc:spChg>
+      </pc:sldChg>
+      <pc:sldChg chg="modSp add mod">
+        <pc:chgData name="Velani, Ankitkumar" userId="039f6639-35cd-4471-8ac8-1e78077ab1db" providerId="ADAL" clId="{84352D96-93B9-4F72-AE8C-18860CDEFF5B}" dt="2022-07-14T15:42:43.917" v="10053" actId="20577"/>
+        <pc:sldMkLst>
+          <pc:docMk/>
+          <pc:sldMk cId="3743774038" sldId="310"/>
+        </pc:sldMkLst>
+        <pc:spChg chg="mod">
+          <ac:chgData name="Velani, Ankitkumar" userId="039f6639-35cd-4471-8ac8-1e78077ab1db" providerId="ADAL" clId="{84352D96-93B9-4F72-AE8C-18860CDEFF5B}" dt="2022-07-14T15:42:43.917" v="10053" actId="20577"/>
+          <ac:spMkLst>
+            <pc:docMk/>
+            <pc:sldMk cId="3743774038" sldId="310"/>
+            <ac:spMk id="3" creationId="{0EA967CB-E3D1-4BCE-8FE5-D24A466B837D}"/>
+          </ac:spMkLst>
+        </pc:spChg>
+        <pc:spChg chg="mod">
+          <ac:chgData name="Velani, Ankitkumar" userId="039f6639-35cd-4471-8ac8-1e78077ab1db" providerId="ADAL" clId="{84352D96-93B9-4F72-AE8C-18860CDEFF5B}" dt="2022-07-14T15:41:38.062" v="9944" actId="20577"/>
+          <ac:spMkLst>
+            <pc:docMk/>
+            <pc:sldMk cId="3743774038" sldId="310"/>
+            <ac:spMk id="109" creationId="{00000000-0000-0000-0000-000000000000}"/>
+          </ac:spMkLst>
+        </pc:spChg>
+      </pc:sldChg>
+      <pc:sldChg chg="addSp modSp add mod">
+        <pc:chgData name="Velani, Ankitkumar" userId="039f6639-35cd-4471-8ac8-1e78077ab1db" providerId="ADAL" clId="{84352D96-93B9-4F72-AE8C-18860CDEFF5B}" dt="2022-07-14T15:50:01.653" v="10710" actId="255"/>
+        <pc:sldMkLst>
+          <pc:docMk/>
+          <pc:sldMk cId="3535413999" sldId="311"/>
+        </pc:sldMkLst>
+        <pc:spChg chg="add mod">
+          <ac:chgData name="Velani, Ankitkumar" userId="039f6639-35cd-4471-8ac8-1e78077ab1db" providerId="ADAL" clId="{84352D96-93B9-4F72-AE8C-18860CDEFF5B}" dt="2022-07-14T15:50:01.653" v="10710" actId="255"/>
+          <ac:spMkLst>
+            <pc:docMk/>
+            <pc:sldMk cId="3535413999" sldId="311"/>
+            <ac:spMk id="3" creationId="{992385E0-7579-4745-923A-A07F6FC70859}"/>
+          </ac:spMkLst>
+        </pc:spChg>
+        <pc:spChg chg="mod">
+          <ac:chgData name="Velani, Ankitkumar" userId="039f6639-35cd-4471-8ac8-1e78077ab1db" providerId="ADAL" clId="{84352D96-93B9-4F72-AE8C-18860CDEFF5B}" dt="2022-07-14T15:48:32.177" v="10654" actId="114"/>
+          <ac:spMkLst>
+            <pc:docMk/>
+            <pc:sldMk cId="3535413999" sldId="311"/>
+            <ac:spMk id="109" creationId="{00000000-0000-0000-0000-000000000000}"/>
+          </ac:spMkLst>
+        </pc:spChg>
+        <pc:graphicFrameChg chg="add mod modGraphic">
+          <ac:chgData name="Velani, Ankitkumar" userId="039f6639-35cd-4471-8ac8-1e78077ab1db" providerId="ADAL" clId="{84352D96-93B9-4F72-AE8C-18860CDEFF5B}" dt="2022-07-14T15:49:50.664" v="10700"/>
+          <ac:graphicFrameMkLst>
+            <pc:docMk/>
+            <pc:sldMk cId="3535413999" sldId="311"/>
+            <ac:graphicFrameMk id="2" creationId="{7EB3525F-8460-4683-9954-757464AB7594}"/>
+          </ac:graphicFrameMkLst>
+        </pc:graphicFrameChg>
+      </pc:sldChg>
+      <pc:sldChg chg="delSp modSp add mod">
+        <pc:chgData name="Velani, Ankitkumar" userId="039f6639-35cd-4471-8ac8-1e78077ab1db" providerId="ADAL" clId="{84352D96-93B9-4F72-AE8C-18860CDEFF5B}" dt="2022-07-14T15:53:14.918" v="11079" actId="113"/>
+        <pc:sldMkLst>
+          <pc:docMk/>
+          <pc:sldMk cId="2675418257" sldId="312"/>
+        </pc:sldMkLst>
+        <pc:spChg chg="del">
+          <ac:chgData name="Velani, Ankitkumar" userId="039f6639-35cd-4471-8ac8-1e78077ab1db" providerId="ADAL" clId="{84352D96-93B9-4F72-AE8C-18860CDEFF5B}" dt="2022-07-14T15:50:40.439" v="10746" actId="478"/>
+          <ac:spMkLst>
+            <pc:docMk/>
+            <pc:sldMk cId="2675418257" sldId="312"/>
+            <ac:spMk id="3" creationId="{992385E0-7579-4745-923A-A07F6FC70859}"/>
+          </ac:spMkLst>
+        </pc:spChg>
+        <pc:spChg chg="mod">
+          <ac:chgData name="Velani, Ankitkumar" userId="039f6639-35cd-4471-8ac8-1e78077ab1db" providerId="ADAL" clId="{84352D96-93B9-4F72-AE8C-18860CDEFF5B}" dt="2022-07-14T15:53:14.918" v="11079" actId="113"/>
+          <ac:spMkLst>
+            <pc:docMk/>
+            <pc:sldMk cId="2675418257" sldId="312"/>
+            <ac:spMk id="109" creationId="{00000000-0000-0000-0000-000000000000}"/>
+          </ac:spMkLst>
+        </pc:spChg>
+        <pc:graphicFrameChg chg="del">
+          <ac:chgData name="Velani, Ankitkumar" userId="039f6639-35cd-4471-8ac8-1e78077ab1db" providerId="ADAL" clId="{84352D96-93B9-4F72-AE8C-18860CDEFF5B}" dt="2022-07-14T15:50:38.753" v="10745" actId="478"/>
+          <ac:graphicFrameMkLst>
+            <pc:docMk/>
+            <pc:sldMk cId="2675418257" sldId="312"/>
+            <ac:graphicFrameMk id="2" creationId="{7EB3525F-8460-4683-9954-757464AB7594}"/>
+          </ac:graphicFrameMkLst>
+        </pc:graphicFrameChg>
+      </pc:sldChg>
+      <pc:sldChg chg="modSp add mod">
+        <pc:chgData name="Velani, Ankitkumar" userId="039f6639-35cd-4471-8ac8-1e78077ab1db" providerId="ADAL" clId="{84352D96-93B9-4F72-AE8C-18860CDEFF5B}" dt="2022-07-14T16:03:19.120" v="11901" actId="20577"/>
+        <pc:sldMkLst>
+          <pc:docMk/>
+          <pc:sldMk cId="2772585780" sldId="313"/>
+        </pc:sldMkLst>
+        <pc:spChg chg="mod">
+          <ac:chgData name="Velani, Ankitkumar" userId="039f6639-35cd-4471-8ac8-1e78077ab1db" providerId="ADAL" clId="{84352D96-93B9-4F72-AE8C-18860CDEFF5B}" dt="2022-07-14T16:03:19.120" v="11901" actId="20577"/>
+          <ac:spMkLst>
+            <pc:docMk/>
+            <pc:sldMk cId="2772585780" sldId="313"/>
+            <ac:spMk id="109" creationId="{00000000-0000-0000-0000-000000000000}"/>
+          </ac:spMkLst>
+        </pc:spChg>
+      </pc:sldChg>
+      <pc:sldChg chg="modSp add mod">
+        <pc:chgData name="Velani, Ankitkumar" userId="039f6639-35cd-4471-8ac8-1e78077ab1db" providerId="ADAL" clId="{84352D96-93B9-4F72-AE8C-18860CDEFF5B}" dt="2022-07-14T16:01:35.974" v="11897" actId="20577"/>
+        <pc:sldMkLst>
+          <pc:docMk/>
+          <pc:sldMk cId="967904056" sldId="314"/>
+        </pc:sldMkLst>
+        <pc:spChg chg="mod">
+          <ac:chgData name="Velani, Ankitkumar" userId="039f6639-35cd-4471-8ac8-1e78077ab1db" providerId="ADAL" clId="{84352D96-93B9-4F72-AE8C-18860CDEFF5B}" dt="2022-07-14T16:01:35.974" v="11897" actId="20577"/>
+          <ac:spMkLst>
+            <pc:docMk/>
+            <pc:sldMk cId="967904056" sldId="314"/>
+            <ac:spMk id="109" creationId="{00000000-0000-0000-0000-000000000000}"/>
+          </ac:spMkLst>
+        </pc:spChg>
+      </pc:sldChg>
+      <pc:sldChg chg="modSp add mod">
+        <pc:chgData name="Velani, Ankitkumar" userId="039f6639-35cd-4471-8ac8-1e78077ab1db" providerId="ADAL" clId="{84352D96-93B9-4F72-AE8C-18860CDEFF5B}" dt="2022-07-15T02:28:38.034" v="12795" actId="20577"/>
+        <pc:sldMkLst>
+          <pc:docMk/>
+          <pc:sldMk cId="1220571586" sldId="315"/>
+        </pc:sldMkLst>
+        <pc:spChg chg="mod">
+          <ac:chgData name="Velani, Ankitkumar" userId="039f6639-35cd-4471-8ac8-1e78077ab1db" providerId="ADAL" clId="{84352D96-93B9-4F72-AE8C-18860CDEFF5B}" dt="2022-07-15T02:20:53.298" v="11941" actId="20577"/>
+          <ac:spMkLst>
+            <pc:docMk/>
+            <pc:sldMk cId="1220571586" sldId="315"/>
+            <ac:spMk id="108" creationId="{00000000-0000-0000-0000-000000000000}"/>
+          </ac:spMkLst>
+        </pc:spChg>
+        <pc:spChg chg="mod">
+          <ac:chgData name="Velani, Ankitkumar" userId="039f6639-35cd-4471-8ac8-1e78077ab1db" providerId="ADAL" clId="{84352D96-93B9-4F72-AE8C-18860CDEFF5B}" dt="2022-07-15T02:28:38.034" v="12795" actId="20577"/>
+          <ac:spMkLst>
+            <pc:docMk/>
+            <pc:sldMk cId="1220571586" sldId="315"/>
+            <ac:spMk id="109" creationId="{00000000-0000-0000-0000-000000000000}"/>
+          </ac:spMkLst>
+        </pc:spChg>
+      </pc:sldChg>
+      <pc:sldChg chg="modSp add mod">
+        <pc:chgData name="Velani, Ankitkumar" userId="039f6639-35cd-4471-8ac8-1e78077ab1db" providerId="ADAL" clId="{84352D96-93B9-4F72-AE8C-18860CDEFF5B}" dt="2022-07-15T02:37:24.102" v="13828" actId="20577"/>
+        <pc:sldMkLst>
+          <pc:docMk/>
+          <pc:sldMk cId="1006699271" sldId="316"/>
+        </pc:sldMkLst>
+        <pc:spChg chg="mod">
+          <ac:chgData name="Velani, Ankitkumar" userId="039f6639-35cd-4471-8ac8-1e78077ab1db" providerId="ADAL" clId="{84352D96-93B9-4F72-AE8C-18860CDEFF5B}" dt="2022-07-15T02:37:24.102" v="13828" actId="20577"/>
+          <ac:spMkLst>
+            <pc:docMk/>
+            <pc:sldMk cId="1006699271" sldId="316"/>
+            <ac:spMk id="109" creationId="{00000000-0000-0000-0000-000000000000}"/>
+          </ac:spMkLst>
+        </pc:spChg>
+      </pc:sldChg>
+      <pc:sldChg chg="modSp add mod">
+        <pc:chgData name="Velani, Ankitkumar" userId="039f6639-35cd-4471-8ac8-1e78077ab1db" providerId="ADAL" clId="{84352D96-93B9-4F72-AE8C-18860CDEFF5B}" dt="2022-07-15T02:37:11.699" v="13825" actId="113"/>
+        <pc:sldMkLst>
+          <pc:docMk/>
+          <pc:sldMk cId="3804771162" sldId="317"/>
+        </pc:sldMkLst>
+        <pc:spChg chg="mod">
+          <ac:chgData name="Velani, Ankitkumar" userId="039f6639-35cd-4471-8ac8-1e78077ab1db" providerId="ADAL" clId="{84352D96-93B9-4F72-AE8C-18860CDEFF5B}" dt="2022-07-15T02:37:11.699" v="13825" actId="113"/>
+          <ac:spMkLst>
+            <pc:docMk/>
+            <pc:sldMk cId="3804771162" sldId="317"/>
+            <ac:spMk id="109" creationId="{00000000-0000-0000-0000-000000000000}"/>
+          </ac:spMkLst>
+        </pc:spChg>
+      </pc:sldChg>
+      <pc:sldChg chg="modSp add mod">
+        <pc:chgData name="Velani, Ankitkumar" userId="039f6639-35cd-4471-8ac8-1e78077ab1db" providerId="ADAL" clId="{84352D96-93B9-4F72-AE8C-18860CDEFF5B}" dt="2022-07-15T02:40:08.749" v="14051" actId="20577"/>
+        <pc:sldMkLst>
+          <pc:docMk/>
+          <pc:sldMk cId="882034974" sldId="318"/>
+        </pc:sldMkLst>
+        <pc:spChg chg="mod">
+          <ac:chgData name="Velani, Ankitkumar" userId="039f6639-35cd-4471-8ac8-1e78077ab1db" providerId="ADAL" clId="{84352D96-93B9-4F72-AE8C-18860CDEFF5B}" dt="2022-07-15T02:40:08.749" v="14051" actId="20577"/>
+          <ac:spMkLst>
+            <pc:docMk/>
+            <pc:sldMk cId="882034974" sldId="318"/>
+            <ac:spMk id="109" creationId="{00000000-0000-0000-0000-000000000000}"/>
+          </ac:spMkLst>
+        </pc:spChg>
+      </pc:sldChg>
+      <pc:sldChg chg="modSp add mod">
+        <pc:chgData name="Velani, Ankitkumar" userId="039f6639-35cd-4471-8ac8-1e78077ab1db" providerId="ADAL" clId="{84352D96-93B9-4F72-AE8C-18860CDEFF5B}" dt="2022-07-15T02:44:11.682" v="14517"/>
+        <pc:sldMkLst>
+          <pc:docMk/>
+          <pc:sldMk cId="2257831915" sldId="319"/>
+        </pc:sldMkLst>
+        <pc:spChg chg="mod">
+          <ac:chgData name="Velani, Ankitkumar" userId="039f6639-35cd-4471-8ac8-1e78077ab1db" providerId="ADAL" clId="{84352D96-93B9-4F72-AE8C-18860CDEFF5B}" dt="2022-07-15T02:44:11.682" v="14517"/>
+          <ac:spMkLst>
+            <pc:docMk/>
+            <pc:sldMk cId="2257831915" sldId="319"/>
+            <ac:spMk id="109" creationId="{00000000-0000-0000-0000-000000000000}"/>
+          </ac:spMkLst>
+        </pc:spChg>
+      </pc:sldChg>
+    </pc:docChg>
+  </pc:docChgLst>
   <pc:docChgLst>
     <pc:chgData name="Velani, Ankitkumar" userId="039f6639-35cd-4471-8ac8-1e78077ab1db" providerId="ADAL" clId="{6E7EBFA6-20D7-458D-8FE4-D4D9E95247FF}"/>
     <pc:docChg chg="undo custSel addSld delSld modSld">
@@ -1261,1762 +3018,6 @@
       </pc:sldChg>
     </pc:docChg>
   </pc:docChgLst>
-  <pc:docChgLst>
-    <pc:chgData name="Velani, Ankitkumar" userId="039f6639-35cd-4471-8ac8-1e78077ab1db" providerId="ADAL" clId="{84352D96-93B9-4F72-AE8C-18860CDEFF5B}"/>
-    <pc:docChg chg="undo custSel addSld delSld modSld sldOrd modNotesMaster">
-      <pc:chgData name="Velani, Ankitkumar" userId="039f6639-35cd-4471-8ac8-1e78077ab1db" providerId="ADAL" clId="{84352D96-93B9-4F72-AE8C-18860CDEFF5B}" dt="2022-07-15T17:08:30.945" v="14559" actId="14100"/>
-      <pc:docMkLst>
-        <pc:docMk/>
-      </pc:docMkLst>
-      <pc:sldChg chg="modNotes">
-        <pc:chgData name="Velani, Ankitkumar" userId="039f6639-35cd-4471-8ac8-1e78077ab1db" providerId="ADAL" clId="{84352D96-93B9-4F72-AE8C-18860CDEFF5B}" dt="2022-07-14T01:44:07.358" v="5163"/>
-        <pc:sldMkLst>
-          <pc:docMk/>
-          <pc:sldMk cId="0" sldId="256"/>
-        </pc:sldMkLst>
-      </pc:sldChg>
-      <pc:sldChg chg="modSp mod modNotes">
-        <pc:chgData name="Velani, Ankitkumar" userId="039f6639-35cd-4471-8ac8-1e78077ab1db" providerId="ADAL" clId="{84352D96-93B9-4F72-AE8C-18860CDEFF5B}" dt="2022-07-14T01:44:07.358" v="5163"/>
-        <pc:sldMkLst>
-          <pc:docMk/>
-          <pc:sldMk cId="0" sldId="257"/>
-        </pc:sldMkLst>
-        <pc:spChg chg="mod">
-          <ac:chgData name="Velani, Ankitkumar" userId="039f6639-35cd-4471-8ac8-1e78077ab1db" providerId="ADAL" clId="{84352D96-93B9-4F72-AE8C-18860CDEFF5B}" dt="2022-07-13T16:42:57.698" v="8" actId="20577"/>
-          <ac:spMkLst>
-            <pc:docMk/>
-            <pc:sldMk cId="0" sldId="257"/>
-            <ac:spMk id="100" creationId="{00000000-0000-0000-0000-000000000000}"/>
-          </ac:spMkLst>
-        </pc:spChg>
-      </pc:sldChg>
-      <pc:sldChg chg="addSp modSp mod modNotes">
-        <pc:chgData name="Velani, Ankitkumar" userId="039f6639-35cd-4471-8ac8-1e78077ab1db" providerId="ADAL" clId="{84352D96-93B9-4F72-AE8C-18860CDEFF5B}" dt="2022-07-14T01:44:07.358" v="5163"/>
-        <pc:sldMkLst>
-          <pc:docMk/>
-          <pc:sldMk cId="0" sldId="258"/>
-        </pc:sldMkLst>
-        <pc:spChg chg="mod">
-          <ac:chgData name="Velani, Ankitkumar" userId="039f6639-35cd-4471-8ac8-1e78077ab1db" providerId="ADAL" clId="{84352D96-93B9-4F72-AE8C-18860CDEFF5B}" dt="2022-07-13T16:48:25.128" v="25" actId="20577"/>
-          <ac:spMkLst>
-            <pc:docMk/>
-            <pc:sldMk cId="0" sldId="258"/>
-            <ac:spMk id="108" creationId="{00000000-0000-0000-0000-000000000000}"/>
-          </ac:spMkLst>
-        </pc:spChg>
-        <pc:spChg chg="mod">
-          <ac:chgData name="Velani, Ankitkumar" userId="039f6639-35cd-4471-8ac8-1e78077ab1db" providerId="ADAL" clId="{84352D96-93B9-4F72-AE8C-18860CDEFF5B}" dt="2022-07-13T16:56:52.985" v="409" actId="20577"/>
-          <ac:spMkLst>
-            <pc:docMk/>
-            <pc:sldMk cId="0" sldId="258"/>
-            <ac:spMk id="109" creationId="{00000000-0000-0000-0000-000000000000}"/>
-          </ac:spMkLst>
-        </pc:spChg>
-        <pc:picChg chg="add mod">
-          <ac:chgData name="Velani, Ankitkumar" userId="039f6639-35cd-4471-8ac8-1e78077ab1db" providerId="ADAL" clId="{84352D96-93B9-4F72-AE8C-18860CDEFF5B}" dt="2022-07-13T16:56:58.602" v="410" actId="1076"/>
-          <ac:picMkLst>
-            <pc:docMk/>
-            <pc:sldMk cId="0" sldId="258"/>
-            <ac:picMk id="7" creationId="{82D688DE-B6F5-4F65-9BCB-BA72C7FC1EB8}"/>
-          </ac:picMkLst>
-        </pc:picChg>
-      </pc:sldChg>
-      <pc:sldChg chg="del">
-        <pc:chgData name="Velani, Ankitkumar" userId="039f6639-35cd-4471-8ac8-1e78077ab1db" providerId="ADAL" clId="{84352D96-93B9-4F72-AE8C-18860CDEFF5B}" dt="2022-07-13T16:57:07.321" v="412" actId="47"/>
-        <pc:sldMkLst>
-          <pc:docMk/>
-          <pc:sldMk cId="0" sldId="259"/>
-        </pc:sldMkLst>
-      </pc:sldChg>
-      <pc:sldChg chg="del">
-        <pc:chgData name="Velani, Ankitkumar" userId="039f6639-35cd-4471-8ac8-1e78077ab1db" providerId="ADAL" clId="{84352D96-93B9-4F72-AE8C-18860CDEFF5B}" dt="2022-07-13T16:57:07.676" v="413" actId="47"/>
-        <pc:sldMkLst>
-          <pc:docMk/>
-          <pc:sldMk cId="0" sldId="260"/>
-        </pc:sldMkLst>
-      </pc:sldChg>
-      <pc:sldChg chg="del">
-        <pc:chgData name="Velani, Ankitkumar" userId="039f6639-35cd-4471-8ac8-1e78077ab1db" providerId="ADAL" clId="{84352D96-93B9-4F72-AE8C-18860CDEFF5B}" dt="2022-07-13T16:57:08.140" v="414" actId="47"/>
-        <pc:sldMkLst>
-          <pc:docMk/>
-          <pc:sldMk cId="0" sldId="261"/>
-        </pc:sldMkLst>
-      </pc:sldChg>
-      <pc:sldChg chg="del">
-        <pc:chgData name="Velani, Ankitkumar" userId="039f6639-35cd-4471-8ac8-1e78077ab1db" providerId="ADAL" clId="{84352D96-93B9-4F72-AE8C-18860CDEFF5B}" dt="2022-07-13T16:57:08.579" v="415" actId="47"/>
-        <pc:sldMkLst>
-          <pc:docMk/>
-          <pc:sldMk cId="0" sldId="262"/>
-        </pc:sldMkLst>
-      </pc:sldChg>
-      <pc:sldChg chg="del">
-        <pc:chgData name="Velani, Ankitkumar" userId="039f6639-35cd-4471-8ac8-1e78077ab1db" providerId="ADAL" clId="{84352D96-93B9-4F72-AE8C-18860CDEFF5B}" dt="2022-07-13T16:57:10.489" v="416" actId="47"/>
-        <pc:sldMkLst>
-          <pc:docMk/>
-          <pc:sldMk cId="0" sldId="263"/>
-        </pc:sldMkLst>
-      </pc:sldChg>
-      <pc:sldChg chg="del">
-        <pc:chgData name="Velani, Ankitkumar" userId="039f6639-35cd-4471-8ac8-1e78077ab1db" providerId="ADAL" clId="{84352D96-93B9-4F72-AE8C-18860CDEFF5B}" dt="2022-07-13T16:57:10.993" v="417" actId="47"/>
-        <pc:sldMkLst>
-          <pc:docMk/>
-          <pc:sldMk cId="0" sldId="264"/>
-        </pc:sldMkLst>
-      </pc:sldChg>
-      <pc:sldChg chg="del">
-        <pc:chgData name="Velani, Ankitkumar" userId="039f6639-35cd-4471-8ac8-1e78077ab1db" providerId="ADAL" clId="{84352D96-93B9-4F72-AE8C-18860CDEFF5B}" dt="2022-07-13T16:57:11.672" v="418" actId="47"/>
-        <pc:sldMkLst>
-          <pc:docMk/>
-          <pc:sldMk cId="0" sldId="265"/>
-        </pc:sldMkLst>
-      </pc:sldChg>
-      <pc:sldChg chg="del">
-        <pc:chgData name="Velani, Ankitkumar" userId="039f6639-35cd-4471-8ac8-1e78077ab1db" providerId="ADAL" clId="{84352D96-93B9-4F72-AE8C-18860CDEFF5B}" dt="2022-07-13T16:57:12.150" v="419" actId="47"/>
-        <pc:sldMkLst>
-          <pc:docMk/>
-          <pc:sldMk cId="0" sldId="266"/>
-        </pc:sldMkLst>
-      </pc:sldChg>
-      <pc:sldChg chg="del">
-        <pc:chgData name="Velani, Ankitkumar" userId="039f6639-35cd-4471-8ac8-1e78077ab1db" providerId="ADAL" clId="{84352D96-93B9-4F72-AE8C-18860CDEFF5B}" dt="2022-07-13T16:57:12.781" v="420" actId="47"/>
-        <pc:sldMkLst>
-          <pc:docMk/>
-          <pc:sldMk cId="0" sldId="267"/>
-        </pc:sldMkLst>
-      </pc:sldChg>
-      <pc:sldChg chg="del">
-        <pc:chgData name="Velani, Ankitkumar" userId="039f6639-35cd-4471-8ac8-1e78077ab1db" providerId="ADAL" clId="{84352D96-93B9-4F72-AE8C-18860CDEFF5B}" dt="2022-07-13T16:57:13.259" v="421" actId="47"/>
-        <pc:sldMkLst>
-          <pc:docMk/>
-          <pc:sldMk cId="0" sldId="268"/>
-        </pc:sldMkLst>
-      </pc:sldChg>
-      <pc:sldChg chg="del">
-        <pc:chgData name="Velani, Ankitkumar" userId="039f6639-35cd-4471-8ac8-1e78077ab1db" providerId="ADAL" clId="{84352D96-93B9-4F72-AE8C-18860CDEFF5B}" dt="2022-07-13T16:57:14.028" v="422" actId="47"/>
-        <pc:sldMkLst>
-          <pc:docMk/>
-          <pc:sldMk cId="0" sldId="269"/>
-        </pc:sldMkLst>
-      </pc:sldChg>
-      <pc:sldChg chg="del">
-        <pc:chgData name="Velani, Ankitkumar" userId="039f6639-35cd-4471-8ac8-1e78077ab1db" providerId="ADAL" clId="{84352D96-93B9-4F72-AE8C-18860CDEFF5B}" dt="2022-07-13T16:57:14.840" v="423" actId="47"/>
-        <pc:sldMkLst>
-          <pc:docMk/>
-          <pc:sldMk cId="0" sldId="270"/>
-        </pc:sldMkLst>
-      </pc:sldChg>
-      <pc:sldChg chg="del">
-        <pc:chgData name="Velani, Ankitkumar" userId="039f6639-35cd-4471-8ac8-1e78077ab1db" providerId="ADAL" clId="{84352D96-93B9-4F72-AE8C-18860CDEFF5B}" dt="2022-07-13T16:57:15.508" v="424" actId="47"/>
-        <pc:sldMkLst>
-          <pc:docMk/>
-          <pc:sldMk cId="0" sldId="271"/>
-        </pc:sldMkLst>
-      </pc:sldChg>
-      <pc:sldChg chg="addSp delSp modSp add mod modNotes">
-        <pc:chgData name="Velani, Ankitkumar" userId="039f6639-35cd-4471-8ac8-1e78077ab1db" providerId="ADAL" clId="{84352D96-93B9-4F72-AE8C-18860CDEFF5B}" dt="2022-07-14T06:53:05.951" v="5754" actId="20577"/>
-        <pc:sldMkLst>
-          <pc:docMk/>
-          <pc:sldMk cId="4065110562" sldId="272"/>
-        </pc:sldMkLst>
-        <pc:spChg chg="add del mod">
-          <ac:chgData name="Velani, Ankitkumar" userId="039f6639-35cd-4471-8ac8-1e78077ab1db" providerId="ADAL" clId="{84352D96-93B9-4F72-AE8C-18860CDEFF5B}" dt="2022-07-13T17:08:17.918" v="599" actId="478"/>
-          <ac:spMkLst>
-            <pc:docMk/>
-            <pc:sldMk cId="4065110562" sldId="272"/>
-            <ac:spMk id="2" creationId="{291FA58C-F360-48E1-9688-13F5293D514D}"/>
-          </ac:spMkLst>
-        </pc:spChg>
-        <pc:spChg chg="mod">
-          <ac:chgData name="Velani, Ankitkumar" userId="039f6639-35cd-4471-8ac8-1e78077ab1db" providerId="ADAL" clId="{84352D96-93B9-4F72-AE8C-18860CDEFF5B}" dt="2022-07-13T17:20:48.139" v="1137" actId="1076"/>
-          <ac:spMkLst>
-            <pc:docMk/>
-            <pc:sldMk cId="4065110562" sldId="272"/>
-            <ac:spMk id="108" creationId="{00000000-0000-0000-0000-000000000000}"/>
-          </ac:spMkLst>
-        </pc:spChg>
-        <pc:spChg chg="mod">
-          <ac:chgData name="Velani, Ankitkumar" userId="039f6639-35cd-4471-8ac8-1e78077ab1db" providerId="ADAL" clId="{84352D96-93B9-4F72-AE8C-18860CDEFF5B}" dt="2022-07-14T06:53:05.951" v="5754" actId="20577"/>
-          <ac:spMkLst>
-            <pc:docMk/>
-            <pc:sldMk cId="4065110562" sldId="272"/>
-            <ac:spMk id="109" creationId="{00000000-0000-0000-0000-000000000000}"/>
-          </ac:spMkLst>
-        </pc:spChg>
-        <pc:picChg chg="del">
-          <ac:chgData name="Velani, Ankitkumar" userId="039f6639-35cd-4471-8ac8-1e78077ab1db" providerId="ADAL" clId="{84352D96-93B9-4F72-AE8C-18860CDEFF5B}" dt="2022-07-13T17:08:23.499" v="601" actId="478"/>
-          <ac:picMkLst>
-            <pc:docMk/>
-            <pc:sldMk cId="4065110562" sldId="272"/>
-            <ac:picMk id="7" creationId="{82D688DE-B6F5-4F65-9BCB-BA72C7FC1EB8}"/>
-          </ac:picMkLst>
-        </pc:picChg>
-      </pc:sldChg>
-      <pc:sldChg chg="modSp add mod modNotes">
-        <pc:chgData name="Velani, Ankitkumar" userId="039f6639-35cd-4471-8ac8-1e78077ab1db" providerId="ADAL" clId="{84352D96-93B9-4F72-AE8C-18860CDEFF5B}" dt="2022-07-14T01:44:07.358" v="5163"/>
-        <pc:sldMkLst>
-          <pc:docMk/>
-          <pc:sldMk cId="114794549" sldId="273"/>
-        </pc:sldMkLst>
-        <pc:spChg chg="mod">
-          <ac:chgData name="Velani, Ankitkumar" userId="039f6639-35cd-4471-8ac8-1e78077ab1db" providerId="ADAL" clId="{84352D96-93B9-4F72-AE8C-18860CDEFF5B}" dt="2022-07-13T17:09:24.286" v="674" actId="20577"/>
-          <ac:spMkLst>
-            <pc:docMk/>
-            <pc:sldMk cId="114794549" sldId="273"/>
-            <ac:spMk id="108" creationId="{00000000-0000-0000-0000-000000000000}"/>
-          </ac:spMkLst>
-        </pc:spChg>
-        <pc:spChg chg="mod">
-          <ac:chgData name="Velani, Ankitkumar" userId="039f6639-35cd-4471-8ac8-1e78077ab1db" providerId="ADAL" clId="{84352D96-93B9-4F72-AE8C-18860CDEFF5B}" dt="2022-07-13T17:12:05.727" v="939" actId="20577"/>
-          <ac:spMkLst>
-            <pc:docMk/>
-            <pc:sldMk cId="114794549" sldId="273"/>
-            <ac:spMk id="109" creationId="{00000000-0000-0000-0000-000000000000}"/>
-          </ac:spMkLst>
-        </pc:spChg>
-      </pc:sldChg>
-      <pc:sldChg chg="addSp delSp modSp new mod">
-        <pc:chgData name="Velani, Ankitkumar" userId="039f6639-35cd-4471-8ac8-1e78077ab1db" providerId="ADAL" clId="{84352D96-93B9-4F72-AE8C-18860CDEFF5B}" dt="2022-07-15T17:08:30.945" v="14559" actId="14100"/>
-        <pc:sldMkLst>
-          <pc:docMk/>
-          <pc:sldMk cId="1592126093" sldId="274"/>
-        </pc:sldMkLst>
-        <pc:spChg chg="mod">
-          <ac:chgData name="Velani, Ankitkumar" userId="039f6639-35cd-4471-8ac8-1e78077ab1db" providerId="ADAL" clId="{84352D96-93B9-4F72-AE8C-18860CDEFF5B}" dt="2022-07-13T17:12:57.706" v="953" actId="20577"/>
-          <ac:spMkLst>
-            <pc:docMk/>
-            <pc:sldMk cId="1592126093" sldId="274"/>
-            <ac:spMk id="2" creationId="{816F87FA-2679-4AA9-A354-19DC3F157DF1}"/>
-          </ac:spMkLst>
-        </pc:spChg>
-        <pc:spChg chg="del">
-          <ac:chgData name="Velani, Ankitkumar" userId="039f6639-35cd-4471-8ac8-1e78077ab1db" providerId="ADAL" clId="{84352D96-93B9-4F72-AE8C-18860CDEFF5B}" dt="2022-07-13T17:14:11.917" v="954" actId="478"/>
-          <ac:spMkLst>
-            <pc:docMk/>
-            <pc:sldMk cId="1592126093" sldId="274"/>
-            <ac:spMk id="3" creationId="{3A3FA94E-50D4-485E-A463-B60E425121C8}"/>
-          </ac:spMkLst>
-        </pc:spChg>
-        <pc:picChg chg="add mod">
-          <ac:chgData name="Velani, Ankitkumar" userId="039f6639-35cd-4471-8ac8-1e78077ab1db" providerId="ADAL" clId="{84352D96-93B9-4F72-AE8C-18860CDEFF5B}" dt="2022-07-15T17:08:30.945" v="14559" actId="14100"/>
-          <ac:picMkLst>
-            <pc:docMk/>
-            <pc:sldMk cId="1592126093" sldId="274"/>
-            <ac:picMk id="7" creationId="{485AA240-F133-4718-B132-0B64228BC540}"/>
-          </ac:picMkLst>
-        </pc:picChg>
-        <pc:picChg chg="add del mod">
-          <ac:chgData name="Velani, Ankitkumar" userId="039f6639-35cd-4471-8ac8-1e78077ab1db" providerId="ADAL" clId="{84352D96-93B9-4F72-AE8C-18860CDEFF5B}" dt="2022-07-13T17:14:30.051" v="960"/>
-          <ac:picMkLst>
-            <pc:docMk/>
-            <pc:sldMk cId="1592126093" sldId="274"/>
-            <ac:picMk id="1026" creationId="{4905994D-77B5-459B-9237-A9D08C796225}"/>
-          </ac:picMkLst>
-        </pc:picChg>
-        <pc:picChg chg="add del mod">
-          <ac:chgData name="Velani, Ankitkumar" userId="039f6639-35cd-4471-8ac8-1e78077ab1db" providerId="ADAL" clId="{84352D96-93B9-4F72-AE8C-18860CDEFF5B}" dt="2022-07-15T17:08:05.682" v="14551" actId="478"/>
-          <ac:picMkLst>
-            <pc:docMk/>
-            <pc:sldMk cId="1592126093" sldId="274"/>
-            <ac:picMk id="1028" creationId="{FE4EDC87-835C-41E8-8824-8422588A696D}"/>
-          </ac:picMkLst>
-        </pc:picChg>
-      </pc:sldChg>
-      <pc:sldChg chg="modSp add mod ord modNotes">
-        <pc:chgData name="Velani, Ankitkumar" userId="039f6639-35cd-4471-8ac8-1e78077ab1db" providerId="ADAL" clId="{84352D96-93B9-4F72-AE8C-18860CDEFF5B}" dt="2022-07-14T01:44:07.358" v="5163"/>
-        <pc:sldMkLst>
-          <pc:docMk/>
-          <pc:sldMk cId="2959000939" sldId="275"/>
-        </pc:sldMkLst>
-        <pc:spChg chg="mod">
-          <ac:chgData name="Velani, Ankitkumar" userId="039f6639-35cd-4471-8ac8-1e78077ab1db" providerId="ADAL" clId="{84352D96-93B9-4F72-AE8C-18860CDEFF5B}" dt="2022-07-13T17:16:22.454" v="974" actId="20577"/>
-          <ac:spMkLst>
-            <pc:docMk/>
-            <pc:sldMk cId="2959000939" sldId="275"/>
-            <ac:spMk id="108" creationId="{00000000-0000-0000-0000-000000000000}"/>
-          </ac:spMkLst>
-        </pc:spChg>
-        <pc:spChg chg="mod">
-          <ac:chgData name="Velani, Ankitkumar" userId="039f6639-35cd-4471-8ac8-1e78077ab1db" providerId="ADAL" clId="{84352D96-93B9-4F72-AE8C-18860CDEFF5B}" dt="2022-07-13T17:18:08.872" v="1118" actId="113"/>
-          <ac:spMkLst>
-            <pc:docMk/>
-            <pc:sldMk cId="2959000939" sldId="275"/>
-            <ac:spMk id="109" creationId="{00000000-0000-0000-0000-000000000000}"/>
-          </ac:spMkLst>
-        </pc:spChg>
-      </pc:sldChg>
-      <pc:sldChg chg="addSp delSp modSp add mod setBg modNotes">
-        <pc:chgData name="Velani, Ankitkumar" userId="039f6639-35cd-4471-8ac8-1e78077ab1db" providerId="ADAL" clId="{84352D96-93B9-4F72-AE8C-18860CDEFF5B}" dt="2022-07-14T01:44:07.358" v="5163"/>
-        <pc:sldMkLst>
-          <pc:docMk/>
-          <pc:sldMk cId="1688761229" sldId="276"/>
-        </pc:sldMkLst>
-        <pc:spChg chg="add del mod">
-          <ac:chgData name="Velani, Ankitkumar" userId="039f6639-35cd-4471-8ac8-1e78077ab1db" providerId="ADAL" clId="{84352D96-93B9-4F72-AE8C-18860CDEFF5B}" dt="2022-07-13T17:18:27.322" v="1121" actId="478"/>
-          <ac:spMkLst>
-            <pc:docMk/>
-            <pc:sldMk cId="1688761229" sldId="276"/>
-            <ac:spMk id="3" creationId="{8AE7E905-B9B0-47EC-A2C4-698501C27BFC}"/>
-          </ac:spMkLst>
-        </pc:spChg>
-        <pc:spChg chg="add mod">
-          <ac:chgData name="Velani, Ankitkumar" userId="039f6639-35cd-4471-8ac8-1e78077ab1db" providerId="ADAL" clId="{84352D96-93B9-4F72-AE8C-18860CDEFF5B}" dt="2022-07-14T01:17:21.977" v="3817" actId="122"/>
-          <ac:spMkLst>
-            <pc:docMk/>
-            <pc:sldMk cId="1688761229" sldId="276"/>
-            <ac:spMk id="4" creationId="{982E6F4A-9E6F-4B1C-9647-38D9E6E0F5F7}"/>
-          </ac:spMkLst>
-        </pc:spChg>
-        <pc:spChg chg="add mod">
-          <ac:chgData name="Velani, Ankitkumar" userId="039f6639-35cd-4471-8ac8-1e78077ab1db" providerId="ADAL" clId="{84352D96-93B9-4F72-AE8C-18860CDEFF5B}" dt="2022-07-14T01:17:41.935" v="3845" actId="20577"/>
-          <ac:spMkLst>
-            <pc:docMk/>
-            <pc:sldMk cId="1688761229" sldId="276"/>
-            <ac:spMk id="11" creationId="{807EC4FA-74C2-4CA3-931D-61B86C2FD670}"/>
-          </ac:spMkLst>
-        </pc:spChg>
-        <pc:spChg chg="add mod">
-          <ac:chgData name="Velani, Ankitkumar" userId="039f6639-35cd-4471-8ac8-1e78077ab1db" providerId="ADAL" clId="{84352D96-93B9-4F72-AE8C-18860CDEFF5B}" dt="2022-07-14T01:18:05.206" v="3856" actId="20577"/>
-          <ac:spMkLst>
-            <pc:docMk/>
-            <pc:sldMk cId="1688761229" sldId="276"/>
-            <ac:spMk id="12" creationId="{E7D9E9A5-8CB6-4F66-8A52-C5D521062658}"/>
-          </ac:spMkLst>
-        </pc:spChg>
-        <pc:spChg chg="add mod">
-          <ac:chgData name="Velani, Ankitkumar" userId="039f6639-35cd-4471-8ac8-1e78077ab1db" providerId="ADAL" clId="{84352D96-93B9-4F72-AE8C-18860CDEFF5B}" dt="2022-07-14T01:18:33.603" v="3895" actId="20577"/>
-          <ac:spMkLst>
-            <pc:docMk/>
-            <pc:sldMk cId="1688761229" sldId="276"/>
-            <ac:spMk id="13" creationId="{9483B858-FDF8-450B-9C62-CB542C667B54}"/>
-          </ac:spMkLst>
-        </pc:spChg>
-        <pc:spChg chg="mod">
-          <ac:chgData name="Velani, Ankitkumar" userId="039f6639-35cd-4471-8ac8-1e78077ab1db" providerId="ADAL" clId="{84352D96-93B9-4F72-AE8C-18860CDEFF5B}" dt="2022-07-14T01:15:56.260" v="3790" actId="26606"/>
-          <ac:spMkLst>
-            <pc:docMk/>
-            <pc:sldMk cId="1688761229" sldId="276"/>
-            <ac:spMk id="105" creationId="{00000000-0000-0000-0000-000000000000}"/>
-          </ac:spMkLst>
-        </pc:spChg>
-        <pc:spChg chg="mod">
-          <ac:chgData name="Velani, Ankitkumar" userId="039f6639-35cd-4471-8ac8-1e78077ab1db" providerId="ADAL" clId="{84352D96-93B9-4F72-AE8C-18860CDEFF5B}" dt="2022-07-14T01:15:56.260" v="3790" actId="26606"/>
-          <ac:spMkLst>
-            <pc:docMk/>
-            <pc:sldMk cId="1688761229" sldId="276"/>
-            <ac:spMk id="106" creationId="{00000000-0000-0000-0000-000000000000}"/>
-          </ac:spMkLst>
-        </pc:spChg>
-        <pc:spChg chg="mod">
-          <ac:chgData name="Velani, Ankitkumar" userId="039f6639-35cd-4471-8ac8-1e78077ab1db" providerId="ADAL" clId="{84352D96-93B9-4F72-AE8C-18860CDEFF5B}" dt="2022-07-14T01:15:56.260" v="3790" actId="26606"/>
-          <ac:spMkLst>
-            <pc:docMk/>
-            <pc:sldMk cId="1688761229" sldId="276"/>
-            <ac:spMk id="107" creationId="{00000000-0000-0000-0000-000000000000}"/>
-          </ac:spMkLst>
-        </pc:spChg>
-        <pc:spChg chg="mod ord">
-          <ac:chgData name="Velani, Ankitkumar" userId="039f6639-35cd-4471-8ac8-1e78077ab1db" providerId="ADAL" clId="{84352D96-93B9-4F72-AE8C-18860CDEFF5B}" dt="2022-07-14T01:15:56.260" v="3790" actId="26606"/>
-          <ac:spMkLst>
-            <pc:docMk/>
-            <pc:sldMk cId="1688761229" sldId="276"/>
-            <ac:spMk id="108" creationId="{00000000-0000-0000-0000-000000000000}"/>
-          </ac:spMkLst>
-        </pc:spChg>
-        <pc:spChg chg="del">
-          <ac:chgData name="Velani, Ankitkumar" userId="039f6639-35cd-4471-8ac8-1e78077ab1db" providerId="ADAL" clId="{84352D96-93B9-4F72-AE8C-18860CDEFF5B}" dt="2022-07-13T17:18:25.064" v="1120" actId="478"/>
-          <ac:spMkLst>
-            <pc:docMk/>
-            <pc:sldMk cId="1688761229" sldId="276"/>
-            <ac:spMk id="109" creationId="{00000000-0000-0000-0000-000000000000}"/>
-          </ac:spMkLst>
-        </pc:spChg>
-        <pc:spChg chg="add del">
-          <ac:chgData name="Velani, Ankitkumar" userId="039f6639-35cd-4471-8ac8-1e78077ab1db" providerId="ADAL" clId="{84352D96-93B9-4F72-AE8C-18860CDEFF5B}" dt="2022-07-14T01:15:56.260" v="3790" actId="26606"/>
-          <ac:spMkLst>
-            <pc:docMk/>
-            <pc:sldMk cId="1688761229" sldId="276"/>
-            <ac:spMk id="113" creationId="{A4AC5506-6312-4701-8D3C-40187889A947}"/>
-          </ac:spMkLst>
-        </pc:spChg>
-        <pc:picChg chg="add mod ord">
-          <ac:chgData name="Velani, Ankitkumar" userId="039f6639-35cd-4471-8ac8-1e78077ab1db" providerId="ADAL" clId="{84352D96-93B9-4F72-AE8C-18860CDEFF5B}" dt="2022-07-14T01:16:55.511" v="3814" actId="1076"/>
-          <ac:picMkLst>
-            <pc:docMk/>
-            <pc:sldMk cId="1688761229" sldId="276"/>
-            <ac:picMk id="3" creationId="{BEC6C2A9-2EE2-4DB3-A947-7855FD3F6463}"/>
-          </ac:picMkLst>
-        </pc:picChg>
-        <pc:picChg chg="add del mod">
-          <ac:chgData name="Velani, Ankitkumar" userId="039f6639-35cd-4471-8ac8-1e78077ab1db" providerId="ADAL" clId="{84352D96-93B9-4F72-AE8C-18860CDEFF5B}" dt="2022-07-14T01:15:50.197" v="3786" actId="478"/>
-          <ac:picMkLst>
-            <pc:docMk/>
-            <pc:sldMk cId="1688761229" sldId="276"/>
-            <ac:picMk id="2050" creationId="{73C0D200-2519-44EA-8747-AF4B000416CE}"/>
-          </ac:picMkLst>
-        </pc:picChg>
-      </pc:sldChg>
-      <pc:sldChg chg="delSp modSp add mod modNotes">
-        <pc:chgData name="Velani, Ankitkumar" userId="039f6639-35cd-4471-8ac8-1e78077ab1db" providerId="ADAL" clId="{84352D96-93B9-4F72-AE8C-18860CDEFF5B}" dt="2022-07-14T01:44:07.358" v="5163"/>
-        <pc:sldMkLst>
-          <pc:docMk/>
-          <pc:sldMk cId="435176371" sldId="277"/>
-        </pc:sldMkLst>
-        <pc:spChg chg="mod">
-          <ac:chgData name="Velani, Ankitkumar" userId="039f6639-35cd-4471-8ac8-1e78077ab1db" providerId="ADAL" clId="{84352D96-93B9-4F72-AE8C-18860CDEFF5B}" dt="2022-07-14T00:43:11.509" v="1640" actId="115"/>
-          <ac:spMkLst>
-            <pc:docMk/>
-            <pc:sldMk cId="435176371" sldId="277"/>
-            <ac:spMk id="108" creationId="{00000000-0000-0000-0000-000000000000}"/>
-          </ac:spMkLst>
-        </pc:spChg>
-        <pc:spChg chg="mod">
-          <ac:chgData name="Velani, Ankitkumar" userId="039f6639-35cd-4471-8ac8-1e78077ab1db" providerId="ADAL" clId="{84352D96-93B9-4F72-AE8C-18860CDEFF5B}" dt="2022-07-14T00:44:29.303" v="1660" actId="1076"/>
-          <ac:spMkLst>
-            <pc:docMk/>
-            <pc:sldMk cId="435176371" sldId="277"/>
-            <ac:spMk id="109" creationId="{00000000-0000-0000-0000-000000000000}"/>
-          </ac:spMkLst>
-        </pc:spChg>
-        <pc:picChg chg="del">
-          <ac:chgData name="Velani, Ankitkumar" userId="039f6639-35cd-4471-8ac8-1e78077ab1db" providerId="ADAL" clId="{84352D96-93B9-4F72-AE8C-18860CDEFF5B}" dt="2022-07-13T17:23:27.159" v="1156" actId="478"/>
-          <ac:picMkLst>
-            <pc:docMk/>
-            <pc:sldMk cId="435176371" sldId="277"/>
-            <ac:picMk id="7" creationId="{82D688DE-B6F5-4F65-9BCB-BA72C7FC1EB8}"/>
-          </ac:picMkLst>
-        </pc:picChg>
-      </pc:sldChg>
-      <pc:sldChg chg="add del">
-        <pc:chgData name="Velani, Ankitkumar" userId="039f6639-35cd-4471-8ac8-1e78077ab1db" providerId="ADAL" clId="{84352D96-93B9-4F72-AE8C-18860CDEFF5B}" dt="2022-07-13T17:22:27.204" v="1140" actId="47"/>
-        <pc:sldMkLst>
-          <pc:docMk/>
-          <pc:sldMk cId="1661547983" sldId="277"/>
-        </pc:sldMkLst>
-      </pc:sldChg>
-      <pc:sldChg chg="modSp add mod modNotes">
-        <pc:chgData name="Velani, Ankitkumar" userId="039f6639-35cd-4471-8ac8-1e78077ab1db" providerId="ADAL" clId="{84352D96-93B9-4F72-AE8C-18860CDEFF5B}" dt="2022-07-14T01:44:07.358" v="5163"/>
-        <pc:sldMkLst>
-          <pc:docMk/>
-          <pc:sldMk cId="320955946" sldId="278"/>
-        </pc:sldMkLst>
-        <pc:spChg chg="mod">
-          <ac:chgData name="Velani, Ankitkumar" userId="039f6639-35cd-4471-8ac8-1e78077ab1db" providerId="ADAL" clId="{84352D96-93B9-4F72-AE8C-18860CDEFF5B}" dt="2022-07-14T00:55:16.307" v="2515"/>
-          <ac:spMkLst>
-            <pc:docMk/>
-            <pc:sldMk cId="320955946" sldId="278"/>
-            <ac:spMk id="108" creationId="{00000000-0000-0000-0000-000000000000}"/>
-          </ac:spMkLst>
-        </pc:spChg>
-        <pc:spChg chg="mod">
-          <ac:chgData name="Velani, Ankitkumar" userId="039f6639-35cd-4471-8ac8-1e78077ab1db" providerId="ADAL" clId="{84352D96-93B9-4F72-AE8C-18860CDEFF5B}" dt="2022-07-14T00:59:01.966" v="2916" actId="20577"/>
-          <ac:spMkLst>
-            <pc:docMk/>
-            <pc:sldMk cId="320955946" sldId="278"/>
-            <ac:spMk id="109" creationId="{00000000-0000-0000-0000-000000000000}"/>
-          </ac:spMkLst>
-        </pc:spChg>
-      </pc:sldChg>
-      <pc:sldChg chg="addSp delSp modSp add mod modNotes">
-        <pc:chgData name="Velani, Ankitkumar" userId="039f6639-35cd-4471-8ac8-1e78077ab1db" providerId="ADAL" clId="{84352D96-93B9-4F72-AE8C-18860CDEFF5B}" dt="2022-07-14T01:44:07.358" v="5163"/>
-        <pc:sldMkLst>
-          <pc:docMk/>
-          <pc:sldMk cId="2174626971" sldId="279"/>
-        </pc:sldMkLst>
-        <pc:spChg chg="add del">
-          <ac:chgData name="Velani, Ankitkumar" userId="039f6639-35cd-4471-8ac8-1e78077ab1db" providerId="ADAL" clId="{84352D96-93B9-4F72-AE8C-18860CDEFF5B}" dt="2022-07-13T17:23:49.952" v="1185" actId="22"/>
-          <ac:spMkLst>
-            <pc:docMk/>
-            <pc:sldMk cId="2174626971" sldId="279"/>
-            <ac:spMk id="8" creationId="{2FFC9474-EF97-4FF8-BAFB-C6A1497E152B}"/>
-          </ac:spMkLst>
-        </pc:spChg>
-        <pc:spChg chg="mod">
-          <ac:chgData name="Velani, Ankitkumar" userId="039f6639-35cd-4471-8ac8-1e78077ab1db" providerId="ADAL" clId="{84352D96-93B9-4F72-AE8C-18860CDEFF5B}" dt="2022-07-14T01:01:02.109" v="2917"/>
-          <ac:spMkLst>
-            <pc:docMk/>
-            <pc:sldMk cId="2174626971" sldId="279"/>
-            <ac:spMk id="108" creationId="{00000000-0000-0000-0000-000000000000}"/>
-          </ac:spMkLst>
-        </pc:spChg>
-        <pc:spChg chg="mod">
-          <ac:chgData name="Velani, Ankitkumar" userId="039f6639-35cd-4471-8ac8-1e78077ab1db" providerId="ADAL" clId="{84352D96-93B9-4F72-AE8C-18860CDEFF5B}" dt="2022-07-14T01:11:55.400" v="3700"/>
-          <ac:spMkLst>
-            <pc:docMk/>
-            <pc:sldMk cId="2174626971" sldId="279"/>
-            <ac:spMk id="109" creationId="{00000000-0000-0000-0000-000000000000}"/>
-          </ac:spMkLst>
-        </pc:spChg>
-      </pc:sldChg>
-      <pc:sldChg chg="modSp add mod modNotes">
-        <pc:chgData name="Velani, Ankitkumar" userId="039f6639-35cd-4471-8ac8-1e78077ab1db" providerId="ADAL" clId="{84352D96-93B9-4F72-AE8C-18860CDEFF5B}" dt="2022-07-15T15:13:27.498" v="14538" actId="20577"/>
-        <pc:sldMkLst>
-          <pc:docMk/>
-          <pc:sldMk cId="2469122854" sldId="280"/>
-        </pc:sldMkLst>
-        <pc:spChg chg="mod">
-          <ac:chgData name="Velani, Ankitkumar" userId="039f6639-35cd-4471-8ac8-1e78077ab1db" providerId="ADAL" clId="{84352D96-93B9-4F72-AE8C-18860CDEFF5B}" dt="2022-07-14T01:19:18.608" v="3896"/>
-          <ac:spMkLst>
-            <pc:docMk/>
-            <pc:sldMk cId="2469122854" sldId="280"/>
-            <ac:spMk id="108" creationId="{00000000-0000-0000-0000-000000000000}"/>
-          </ac:spMkLst>
-        </pc:spChg>
-        <pc:spChg chg="mod">
-          <ac:chgData name="Velani, Ankitkumar" userId="039f6639-35cd-4471-8ac8-1e78077ab1db" providerId="ADAL" clId="{84352D96-93B9-4F72-AE8C-18860CDEFF5B}" dt="2022-07-15T15:13:27.498" v="14538" actId="20577"/>
-          <ac:spMkLst>
-            <pc:docMk/>
-            <pc:sldMk cId="2469122854" sldId="280"/>
-            <ac:spMk id="109" creationId="{00000000-0000-0000-0000-000000000000}"/>
-          </ac:spMkLst>
-        </pc:spChg>
-      </pc:sldChg>
-      <pc:sldChg chg="modSp add mod modNotes">
-        <pc:chgData name="Velani, Ankitkumar" userId="039f6639-35cd-4471-8ac8-1e78077ab1db" providerId="ADAL" clId="{84352D96-93B9-4F72-AE8C-18860CDEFF5B}" dt="2022-07-15T14:53:18.624" v="14518" actId="20577"/>
-        <pc:sldMkLst>
-          <pc:docMk/>
-          <pc:sldMk cId="2792662973" sldId="281"/>
-        </pc:sldMkLst>
-        <pc:spChg chg="mod">
-          <ac:chgData name="Velani, Ankitkumar" userId="039f6639-35cd-4471-8ac8-1e78077ab1db" providerId="ADAL" clId="{84352D96-93B9-4F72-AE8C-18860CDEFF5B}" dt="2022-07-15T14:53:18.624" v="14518" actId="20577"/>
-          <ac:spMkLst>
-            <pc:docMk/>
-            <pc:sldMk cId="2792662973" sldId="281"/>
-            <ac:spMk id="109" creationId="{00000000-0000-0000-0000-000000000000}"/>
-          </ac:spMkLst>
-        </pc:spChg>
-      </pc:sldChg>
-      <pc:sldChg chg="addSp delSp modSp add mod modNotes">
-        <pc:chgData name="Velani, Ankitkumar" userId="039f6639-35cd-4471-8ac8-1e78077ab1db" providerId="ADAL" clId="{84352D96-93B9-4F72-AE8C-18860CDEFF5B}" dt="2022-07-14T01:44:07.358" v="5163"/>
-        <pc:sldMkLst>
-          <pc:docMk/>
-          <pc:sldMk cId="3132053676" sldId="282"/>
-        </pc:sldMkLst>
-        <pc:spChg chg="add del">
-          <ac:chgData name="Velani, Ankitkumar" userId="039f6639-35cd-4471-8ac8-1e78077ab1db" providerId="ADAL" clId="{84352D96-93B9-4F72-AE8C-18860CDEFF5B}" dt="2022-07-14T00:49:19.026" v="2218" actId="22"/>
-          <ac:spMkLst>
-            <pc:docMk/>
-            <pc:sldMk cId="3132053676" sldId="282"/>
-            <ac:spMk id="8" creationId="{EFC15BF3-E51C-4A0A-8087-F49DEA95C5C2}"/>
-          </ac:spMkLst>
-        </pc:spChg>
-        <pc:spChg chg="mod">
-          <ac:chgData name="Velani, Ankitkumar" userId="039f6639-35cd-4471-8ac8-1e78077ab1db" providerId="ADAL" clId="{84352D96-93B9-4F72-AE8C-18860CDEFF5B}" dt="2022-07-14T00:48:53.339" v="2216" actId="20577"/>
-          <ac:spMkLst>
-            <pc:docMk/>
-            <pc:sldMk cId="3132053676" sldId="282"/>
-            <ac:spMk id="109" creationId="{00000000-0000-0000-0000-000000000000}"/>
-          </ac:spMkLst>
-        </pc:spChg>
-      </pc:sldChg>
-      <pc:sldChg chg="addSp modSp add mod modNotes">
-        <pc:chgData name="Velani, Ankitkumar" userId="039f6639-35cd-4471-8ac8-1e78077ab1db" providerId="ADAL" clId="{84352D96-93B9-4F72-AE8C-18860CDEFF5B}" dt="2022-07-14T01:44:07.358" v="5163"/>
-        <pc:sldMkLst>
-          <pc:docMk/>
-          <pc:sldMk cId="575650393" sldId="283"/>
-        </pc:sldMkLst>
-        <pc:spChg chg="add mod">
-          <ac:chgData name="Velani, Ankitkumar" userId="039f6639-35cd-4471-8ac8-1e78077ab1db" providerId="ADAL" clId="{84352D96-93B9-4F72-AE8C-18860CDEFF5B}" dt="2022-07-14T00:51:54.464" v="2425" actId="208"/>
-          <ac:spMkLst>
-            <pc:docMk/>
-            <pc:sldMk cId="575650393" sldId="283"/>
-            <ac:spMk id="2" creationId="{A6F5A4F1-A0A0-4831-8271-4370B9096C96}"/>
-          </ac:spMkLst>
-        </pc:spChg>
-        <pc:spChg chg="add mod">
-          <ac:chgData name="Velani, Ankitkumar" userId="039f6639-35cd-4471-8ac8-1e78077ab1db" providerId="ADAL" clId="{84352D96-93B9-4F72-AE8C-18860CDEFF5B}" dt="2022-07-14T00:52:41.262" v="2458" actId="1076"/>
-          <ac:spMkLst>
-            <pc:docMk/>
-            <pc:sldMk cId="575650393" sldId="283"/>
-            <ac:spMk id="3" creationId="{E73AD39F-BCC9-4863-BE02-255428EA8BBF}"/>
-          </ac:spMkLst>
-        </pc:spChg>
-        <pc:spChg chg="add mod">
-          <ac:chgData name="Velani, Ankitkumar" userId="039f6639-35cd-4471-8ac8-1e78077ab1db" providerId="ADAL" clId="{84352D96-93B9-4F72-AE8C-18860CDEFF5B}" dt="2022-07-14T00:52:55.574" v="2462" actId="688"/>
-          <ac:spMkLst>
-            <pc:docMk/>
-            <pc:sldMk cId="575650393" sldId="283"/>
-            <ac:spMk id="8" creationId="{7DDDC53F-0FD4-43C6-ACC0-83BF5A7F1A61}"/>
-          </ac:spMkLst>
-        </pc:spChg>
-        <pc:spChg chg="add mod">
-          <ac:chgData name="Velani, Ankitkumar" userId="039f6639-35cd-4471-8ac8-1e78077ab1db" providerId="ADAL" clId="{84352D96-93B9-4F72-AE8C-18860CDEFF5B}" dt="2022-07-14T00:53:38.238" v="2514" actId="1076"/>
-          <ac:spMkLst>
-            <pc:docMk/>
-            <pc:sldMk cId="575650393" sldId="283"/>
-            <ac:spMk id="10" creationId="{768BC7B8-2B41-4F0A-8465-2245D588D34D}"/>
-          </ac:spMkLst>
-        </pc:spChg>
-        <pc:spChg chg="mod">
-          <ac:chgData name="Velani, Ankitkumar" userId="039f6639-35cd-4471-8ac8-1e78077ab1db" providerId="ADAL" clId="{84352D96-93B9-4F72-AE8C-18860CDEFF5B}" dt="2022-07-14T00:49:26.372" v="2224" actId="20577"/>
-          <ac:spMkLst>
-            <pc:docMk/>
-            <pc:sldMk cId="575650393" sldId="283"/>
-            <ac:spMk id="108" creationId="{00000000-0000-0000-0000-000000000000}"/>
-          </ac:spMkLst>
-        </pc:spChg>
-        <pc:spChg chg="mod">
-          <ac:chgData name="Velani, Ankitkumar" userId="039f6639-35cd-4471-8ac8-1e78077ab1db" providerId="ADAL" clId="{84352D96-93B9-4F72-AE8C-18860CDEFF5B}" dt="2022-07-14T00:51:17.255" v="2419" actId="403"/>
-          <ac:spMkLst>
-            <pc:docMk/>
-            <pc:sldMk cId="575650393" sldId="283"/>
-            <ac:spMk id="109" creationId="{00000000-0000-0000-0000-000000000000}"/>
-          </ac:spMkLst>
-        </pc:spChg>
-      </pc:sldChg>
-      <pc:sldChg chg="addSp delSp modSp add mod modNotes">
-        <pc:chgData name="Velani, Ankitkumar" userId="039f6639-35cd-4471-8ac8-1e78077ab1db" providerId="ADAL" clId="{84352D96-93B9-4F72-AE8C-18860CDEFF5B}" dt="2022-07-14T01:44:07.358" v="5163"/>
-        <pc:sldMkLst>
-          <pc:docMk/>
-          <pc:sldMk cId="3711818749" sldId="284"/>
-        </pc:sldMkLst>
-        <pc:spChg chg="add del">
-          <ac:chgData name="Velani, Ankitkumar" userId="039f6639-35cd-4471-8ac8-1e78077ab1db" providerId="ADAL" clId="{84352D96-93B9-4F72-AE8C-18860CDEFF5B}" dt="2022-07-14T01:12:32.019" v="3731"/>
-          <ac:spMkLst>
-            <pc:docMk/>
-            <pc:sldMk cId="3711818749" sldId="284"/>
-            <ac:spMk id="2" creationId="{0DA88B5D-4A37-4FD2-B7B2-58E4B9E8AF7F}"/>
-          </ac:spMkLst>
-        </pc:spChg>
-        <pc:spChg chg="add del">
-          <ac:chgData name="Velani, Ankitkumar" userId="039f6639-35cd-4471-8ac8-1e78077ab1db" providerId="ADAL" clId="{84352D96-93B9-4F72-AE8C-18860CDEFF5B}" dt="2022-07-14T01:12:33.739" v="3733"/>
-          <ac:spMkLst>
-            <pc:docMk/>
-            <pc:sldMk cId="3711818749" sldId="284"/>
-            <ac:spMk id="3" creationId="{E743ABA0-30AD-4485-80CD-DB91DD951679}"/>
-          </ac:spMkLst>
-        </pc:spChg>
-        <pc:spChg chg="mod">
-          <ac:chgData name="Velani, Ankitkumar" userId="039f6639-35cd-4471-8ac8-1e78077ab1db" providerId="ADAL" clId="{84352D96-93B9-4F72-AE8C-18860CDEFF5B}" dt="2022-07-14T01:14:02.520" v="3785" actId="20577"/>
-          <ac:spMkLst>
-            <pc:docMk/>
-            <pc:sldMk cId="3711818749" sldId="284"/>
-            <ac:spMk id="109" creationId="{00000000-0000-0000-0000-000000000000}"/>
-          </ac:spMkLst>
-        </pc:spChg>
-      </pc:sldChg>
-      <pc:sldChg chg="modSp add mod modNotes">
-        <pc:chgData name="Velani, Ankitkumar" userId="039f6639-35cd-4471-8ac8-1e78077ab1db" providerId="ADAL" clId="{84352D96-93B9-4F72-AE8C-18860CDEFF5B}" dt="2022-07-14T01:44:07.358" v="5163"/>
-        <pc:sldMkLst>
-          <pc:docMk/>
-          <pc:sldMk cId="1515200759" sldId="285"/>
-        </pc:sldMkLst>
-        <pc:spChg chg="mod">
-          <ac:chgData name="Velani, Ankitkumar" userId="039f6639-35cd-4471-8ac8-1e78077ab1db" providerId="ADAL" clId="{84352D96-93B9-4F72-AE8C-18860CDEFF5B}" dt="2022-07-14T01:30:49.923" v="4298" actId="1035"/>
-          <ac:spMkLst>
-            <pc:docMk/>
-            <pc:sldMk cId="1515200759" sldId="285"/>
-            <ac:spMk id="109" creationId="{00000000-0000-0000-0000-000000000000}"/>
-          </ac:spMkLst>
-        </pc:spChg>
-      </pc:sldChg>
-      <pc:sldChg chg="add modNotes">
-        <pc:chgData name="Velani, Ankitkumar" userId="039f6639-35cd-4471-8ac8-1e78077ab1db" providerId="ADAL" clId="{84352D96-93B9-4F72-AE8C-18860CDEFF5B}" dt="2022-07-14T01:44:07.358" v="5163"/>
-        <pc:sldMkLst>
-          <pc:docMk/>
-          <pc:sldMk cId="4111025725" sldId="286"/>
-        </pc:sldMkLst>
-      </pc:sldChg>
-      <pc:sldChg chg="addSp delSp modSp add mod modNotes">
-        <pc:chgData name="Velani, Ankitkumar" userId="039f6639-35cd-4471-8ac8-1e78077ab1db" providerId="ADAL" clId="{84352D96-93B9-4F72-AE8C-18860CDEFF5B}" dt="2022-07-14T06:03:37.871" v="5165" actId="22"/>
-        <pc:sldMkLst>
-          <pc:docMk/>
-          <pc:sldMk cId="2438622846" sldId="287"/>
-        </pc:sldMkLst>
-        <pc:spChg chg="add del">
-          <ac:chgData name="Velani, Ankitkumar" userId="039f6639-35cd-4471-8ac8-1e78077ab1db" providerId="ADAL" clId="{84352D96-93B9-4F72-AE8C-18860CDEFF5B}" dt="2022-07-14T06:03:37.871" v="5165" actId="22"/>
-          <ac:spMkLst>
-            <pc:docMk/>
-            <pc:sldMk cId="2438622846" sldId="287"/>
-            <ac:spMk id="8" creationId="{D3C83A48-71E9-4A65-9791-E322E1A171E2}"/>
-          </ac:spMkLst>
-        </pc:spChg>
-        <pc:spChg chg="mod">
-          <ac:chgData name="Velani, Ankitkumar" userId="039f6639-35cd-4471-8ac8-1e78077ab1db" providerId="ADAL" clId="{84352D96-93B9-4F72-AE8C-18860CDEFF5B}" dt="2022-07-14T01:39:50.938" v="5160" actId="115"/>
-          <ac:spMkLst>
-            <pc:docMk/>
-            <pc:sldMk cId="2438622846" sldId="287"/>
-            <ac:spMk id="108" creationId="{00000000-0000-0000-0000-000000000000}"/>
-          </ac:spMkLst>
-        </pc:spChg>
-        <pc:spChg chg="mod">
-          <ac:chgData name="Velani, Ankitkumar" userId="039f6639-35cd-4471-8ac8-1e78077ab1db" providerId="ADAL" clId="{84352D96-93B9-4F72-AE8C-18860CDEFF5B}" dt="2022-07-14T01:39:35.868" v="5158" actId="255"/>
-          <ac:spMkLst>
-            <pc:docMk/>
-            <pc:sldMk cId="2438622846" sldId="287"/>
-            <ac:spMk id="109" creationId="{00000000-0000-0000-0000-000000000000}"/>
-          </ac:spMkLst>
-        </pc:spChg>
-      </pc:sldChg>
-      <pc:sldChg chg="modSp add mod">
-        <pc:chgData name="Velani, Ankitkumar" userId="039f6639-35cd-4471-8ac8-1e78077ab1db" providerId="ADAL" clId="{84352D96-93B9-4F72-AE8C-18860CDEFF5B}" dt="2022-07-14T07:00:53.978" v="5823" actId="20577"/>
-        <pc:sldMkLst>
-          <pc:docMk/>
-          <pc:sldMk cId="1205780775" sldId="288"/>
-        </pc:sldMkLst>
-        <pc:spChg chg="mod">
-          <ac:chgData name="Velani, Ankitkumar" userId="039f6639-35cd-4471-8ac8-1e78077ab1db" providerId="ADAL" clId="{84352D96-93B9-4F72-AE8C-18860CDEFF5B}" dt="2022-07-14T06:06:53.288" v="5343" actId="20577"/>
-          <ac:spMkLst>
-            <pc:docMk/>
-            <pc:sldMk cId="1205780775" sldId="288"/>
-            <ac:spMk id="99" creationId="{00000000-0000-0000-0000-000000000000}"/>
-          </ac:spMkLst>
-        </pc:spChg>
-        <pc:spChg chg="mod">
-          <ac:chgData name="Velani, Ankitkumar" userId="039f6639-35cd-4471-8ac8-1e78077ab1db" providerId="ADAL" clId="{84352D96-93B9-4F72-AE8C-18860CDEFF5B}" dt="2022-07-14T07:00:53.978" v="5823" actId="20577"/>
-          <ac:spMkLst>
-            <pc:docMk/>
-            <pc:sldMk cId="1205780775" sldId="288"/>
-            <ac:spMk id="100" creationId="{00000000-0000-0000-0000-000000000000}"/>
-          </ac:spMkLst>
-        </pc:spChg>
-      </pc:sldChg>
-      <pc:sldChg chg="addSp delSp modSp add mod">
-        <pc:chgData name="Velani, Ankitkumar" userId="039f6639-35cd-4471-8ac8-1e78077ab1db" providerId="ADAL" clId="{84352D96-93B9-4F72-AE8C-18860CDEFF5B}" dt="2022-07-15T16:13:27.109" v="14550" actId="20577"/>
-        <pc:sldMkLst>
-          <pc:docMk/>
-          <pc:sldMk cId="2344059627" sldId="289"/>
-        </pc:sldMkLst>
-        <pc:spChg chg="add del">
-          <ac:chgData name="Velani, Ankitkumar" userId="039f6639-35cd-4471-8ac8-1e78077ab1db" providerId="ADAL" clId="{84352D96-93B9-4F72-AE8C-18860CDEFF5B}" dt="2022-07-14T06:09:19.007" v="5370" actId="22"/>
-          <ac:spMkLst>
-            <pc:docMk/>
-            <pc:sldMk cId="2344059627" sldId="289"/>
-            <ac:spMk id="8" creationId="{82E7E761-74BD-49C9-A986-89C93091C1A8}"/>
-          </ac:spMkLst>
-        </pc:spChg>
-        <pc:spChg chg="mod">
-          <ac:chgData name="Velani, Ankitkumar" userId="039f6639-35cd-4471-8ac8-1e78077ab1db" providerId="ADAL" clId="{84352D96-93B9-4F72-AE8C-18860CDEFF5B}" dt="2022-07-14T06:07:03.403" v="5359" actId="20577"/>
-          <ac:spMkLst>
-            <pc:docMk/>
-            <pc:sldMk cId="2344059627" sldId="289"/>
-            <ac:spMk id="108" creationId="{00000000-0000-0000-0000-000000000000}"/>
-          </ac:spMkLst>
-        </pc:spChg>
-        <pc:spChg chg="mod">
-          <ac:chgData name="Velani, Ankitkumar" userId="039f6639-35cd-4471-8ac8-1e78077ab1db" providerId="ADAL" clId="{84352D96-93B9-4F72-AE8C-18860CDEFF5B}" dt="2022-07-15T16:13:27.109" v="14550" actId="20577"/>
-          <ac:spMkLst>
-            <pc:docMk/>
-            <pc:sldMk cId="2344059627" sldId="289"/>
-            <ac:spMk id="109" creationId="{00000000-0000-0000-0000-000000000000}"/>
-          </ac:spMkLst>
-        </pc:spChg>
-      </pc:sldChg>
-      <pc:sldChg chg="addSp delSp modSp add del mod setBg">
-        <pc:chgData name="Velani, Ankitkumar" userId="039f6639-35cd-4471-8ac8-1e78077ab1db" providerId="ADAL" clId="{84352D96-93B9-4F72-AE8C-18860CDEFF5B}" dt="2022-07-14T06:16:28.819" v="5510" actId="2696"/>
-        <pc:sldMkLst>
-          <pc:docMk/>
-          <pc:sldMk cId="641190302" sldId="290"/>
-        </pc:sldMkLst>
-        <pc:spChg chg="add mod">
-          <ac:chgData name="Velani, Ankitkumar" userId="039f6639-35cd-4471-8ac8-1e78077ab1db" providerId="ADAL" clId="{84352D96-93B9-4F72-AE8C-18860CDEFF5B}" dt="2022-07-14T06:09:43.129" v="5375" actId="26606"/>
-          <ac:spMkLst>
-            <pc:docMk/>
-            <pc:sldMk cId="641190302" sldId="290"/>
-            <ac:spMk id="3" creationId="{8BCEEDEF-FCC8-462E-A372-A15B5405FA26}"/>
-          </ac:spMkLst>
-        </pc:spChg>
-        <pc:spChg chg="mod">
-          <ac:chgData name="Velani, Ankitkumar" userId="039f6639-35cd-4471-8ac8-1e78077ab1db" providerId="ADAL" clId="{84352D96-93B9-4F72-AE8C-18860CDEFF5B}" dt="2022-07-14T06:09:43.129" v="5375" actId="26606"/>
-          <ac:spMkLst>
-            <pc:docMk/>
-            <pc:sldMk cId="641190302" sldId="290"/>
-            <ac:spMk id="105" creationId="{00000000-0000-0000-0000-000000000000}"/>
-          </ac:spMkLst>
-        </pc:spChg>
-        <pc:spChg chg="mod">
-          <ac:chgData name="Velani, Ankitkumar" userId="039f6639-35cd-4471-8ac8-1e78077ab1db" providerId="ADAL" clId="{84352D96-93B9-4F72-AE8C-18860CDEFF5B}" dt="2022-07-14T06:09:43.129" v="5375" actId="26606"/>
-          <ac:spMkLst>
-            <pc:docMk/>
-            <pc:sldMk cId="641190302" sldId="290"/>
-            <ac:spMk id="106" creationId="{00000000-0000-0000-0000-000000000000}"/>
-          </ac:spMkLst>
-        </pc:spChg>
-        <pc:spChg chg="mod">
-          <ac:chgData name="Velani, Ankitkumar" userId="039f6639-35cd-4471-8ac8-1e78077ab1db" providerId="ADAL" clId="{84352D96-93B9-4F72-AE8C-18860CDEFF5B}" dt="2022-07-14T06:09:43.129" v="5375" actId="26606"/>
-          <ac:spMkLst>
-            <pc:docMk/>
-            <pc:sldMk cId="641190302" sldId="290"/>
-            <ac:spMk id="107" creationId="{00000000-0000-0000-0000-000000000000}"/>
-          </ac:spMkLst>
-        </pc:spChg>
-        <pc:spChg chg="mod ord">
-          <ac:chgData name="Velani, Ankitkumar" userId="039f6639-35cd-4471-8ac8-1e78077ab1db" providerId="ADAL" clId="{84352D96-93B9-4F72-AE8C-18860CDEFF5B}" dt="2022-07-14T06:10:33.718" v="5384" actId="1076"/>
-          <ac:spMkLst>
-            <pc:docMk/>
-            <pc:sldMk cId="641190302" sldId="290"/>
-            <ac:spMk id="108" creationId="{00000000-0000-0000-0000-000000000000}"/>
-          </ac:spMkLst>
-        </pc:spChg>
-        <pc:spChg chg="del mod">
-          <ac:chgData name="Velani, Ankitkumar" userId="039f6639-35cd-4471-8ac8-1e78077ab1db" providerId="ADAL" clId="{84352D96-93B9-4F72-AE8C-18860CDEFF5B}" dt="2022-07-14T06:09:36.618" v="5373" actId="478"/>
-          <ac:spMkLst>
-            <pc:docMk/>
-            <pc:sldMk cId="641190302" sldId="290"/>
-            <ac:spMk id="109" creationId="{00000000-0000-0000-0000-000000000000}"/>
-          </ac:spMkLst>
-        </pc:spChg>
-        <pc:spChg chg="add del">
-          <ac:chgData name="Velani, Ankitkumar" userId="039f6639-35cd-4471-8ac8-1e78077ab1db" providerId="ADAL" clId="{84352D96-93B9-4F72-AE8C-18860CDEFF5B}" dt="2022-07-14T06:09:57.967" v="5376" actId="26606"/>
-          <ac:spMkLst>
-            <pc:docMk/>
-            <pc:sldMk cId="641190302" sldId="290"/>
-            <ac:spMk id="113" creationId="{A3363022-C969-41E9-8EB2-E4C94908C1FA}"/>
-          </ac:spMkLst>
-        </pc:spChg>
-        <pc:spChg chg="add del">
-          <ac:chgData name="Velani, Ankitkumar" userId="039f6639-35cd-4471-8ac8-1e78077ab1db" providerId="ADAL" clId="{84352D96-93B9-4F72-AE8C-18860CDEFF5B}" dt="2022-07-14T06:09:57.967" v="5376" actId="26606"/>
-          <ac:spMkLst>
-            <pc:docMk/>
-            <pc:sldMk cId="641190302" sldId="290"/>
-            <ac:spMk id="115" creationId="{8D1AD6B3-BE88-4CEB-BA17-790657CC4729}"/>
-          </ac:spMkLst>
-        </pc:spChg>
-        <pc:spChg chg="add">
-          <ac:chgData name="Velani, Ankitkumar" userId="039f6639-35cd-4471-8ac8-1e78077ab1db" providerId="ADAL" clId="{84352D96-93B9-4F72-AE8C-18860CDEFF5B}" dt="2022-07-14T06:09:57.967" v="5376" actId="26606"/>
-          <ac:spMkLst>
-            <pc:docMk/>
-            <pc:sldMk cId="641190302" sldId="290"/>
-            <ac:spMk id="125" creationId="{BEBFA723-5A7B-472D-ABD7-1526B8D3A38B}"/>
-          </ac:spMkLst>
-        </pc:spChg>
-        <pc:spChg chg="add">
-          <ac:chgData name="Velani, Ankitkumar" userId="039f6639-35cd-4471-8ac8-1e78077ab1db" providerId="ADAL" clId="{84352D96-93B9-4F72-AE8C-18860CDEFF5B}" dt="2022-07-14T06:09:57.967" v="5376" actId="26606"/>
-          <ac:spMkLst>
-            <pc:docMk/>
-            <pc:sldMk cId="641190302" sldId="290"/>
-            <ac:spMk id="127" creationId="{A6B27065-399A-4CF7-BF70-CF79B9848FC1}"/>
-          </ac:spMkLst>
-        </pc:spChg>
-        <pc:grpChg chg="add del">
-          <ac:chgData name="Velani, Ankitkumar" userId="039f6639-35cd-4471-8ac8-1e78077ab1db" providerId="ADAL" clId="{84352D96-93B9-4F72-AE8C-18860CDEFF5B}" dt="2022-07-14T06:09:57.967" v="5376" actId="26606"/>
-          <ac:grpSpMkLst>
-            <pc:docMk/>
-            <pc:sldMk cId="641190302" sldId="290"/>
-            <ac:grpSpMk id="117" creationId="{89D1390B-7E13-4B4F-9CB2-391063412E54}"/>
-          </ac:grpSpMkLst>
-        </pc:grpChg>
-        <pc:grpChg chg="add">
-          <ac:chgData name="Velani, Ankitkumar" userId="039f6639-35cd-4471-8ac8-1e78077ab1db" providerId="ADAL" clId="{84352D96-93B9-4F72-AE8C-18860CDEFF5B}" dt="2022-07-14T06:09:57.967" v="5376" actId="26606"/>
-          <ac:grpSpMkLst>
-            <pc:docMk/>
-            <pc:sldMk cId="641190302" sldId="290"/>
-            <ac:grpSpMk id="129" creationId="{CF22986C-DDF7-4109-9D6A-006800D6B041}"/>
-          </ac:grpSpMkLst>
-        </pc:grpChg>
-        <pc:graphicFrameChg chg="add mod ord modGraphic">
-          <ac:chgData name="Velani, Ankitkumar" userId="039f6639-35cd-4471-8ac8-1e78077ab1db" providerId="ADAL" clId="{84352D96-93B9-4F72-AE8C-18860CDEFF5B}" dt="2022-07-14T06:16:22.086" v="5509" actId="14100"/>
-          <ac:graphicFrameMkLst>
-            <pc:docMk/>
-            <pc:sldMk cId="641190302" sldId="290"/>
-            <ac:graphicFrameMk id="2" creationId="{95E9052C-149B-4739-9DA6-93903CCF753C}"/>
-          </ac:graphicFrameMkLst>
-        </pc:graphicFrameChg>
-      </pc:sldChg>
-      <pc:sldChg chg="addSp delSp modSp add mod setBg setClrOvrMap">
-        <pc:chgData name="Velani, Ankitkumar" userId="039f6639-35cd-4471-8ac8-1e78077ab1db" providerId="ADAL" clId="{84352D96-93B9-4F72-AE8C-18860CDEFF5B}" dt="2022-07-14T06:24:32.221" v="5540" actId="20577"/>
-        <pc:sldMkLst>
-          <pc:docMk/>
-          <pc:sldMk cId="2673655364" sldId="290"/>
-        </pc:sldMkLst>
-        <pc:spChg chg="add del mod">
-          <ac:chgData name="Velani, Ankitkumar" userId="039f6639-35cd-4471-8ac8-1e78077ab1db" providerId="ADAL" clId="{84352D96-93B9-4F72-AE8C-18860CDEFF5B}" dt="2022-07-14T06:16:34.521" v="5513" actId="478"/>
-          <ac:spMkLst>
-            <pc:docMk/>
-            <pc:sldMk cId="2673655364" sldId="290"/>
-            <ac:spMk id="3" creationId="{41F7DA64-0EB9-4036-8FF7-0662D1D2E8D1}"/>
-          </ac:spMkLst>
-        </pc:spChg>
-        <pc:spChg chg="add del mod">
-          <ac:chgData name="Velani, Ankitkumar" userId="039f6639-35cd-4471-8ac8-1e78077ab1db" providerId="ADAL" clId="{84352D96-93B9-4F72-AE8C-18860CDEFF5B}" dt="2022-07-14T06:16:58.853" v="5516" actId="478"/>
-          <ac:spMkLst>
-            <pc:docMk/>
-            <pc:sldMk cId="2673655364" sldId="290"/>
-            <ac:spMk id="5" creationId="{C9521D45-E6B7-4794-9D99-0C721F74759D}"/>
-          </ac:spMkLst>
-        </pc:spChg>
-        <pc:spChg chg="mod">
-          <ac:chgData name="Velani, Ankitkumar" userId="039f6639-35cd-4471-8ac8-1e78077ab1db" providerId="ADAL" clId="{84352D96-93B9-4F72-AE8C-18860CDEFF5B}" dt="2022-07-14T06:17:48.306" v="5526" actId="26606"/>
-          <ac:spMkLst>
-            <pc:docMk/>
-            <pc:sldMk cId="2673655364" sldId="290"/>
-            <ac:spMk id="105" creationId="{00000000-0000-0000-0000-000000000000}"/>
-          </ac:spMkLst>
-        </pc:spChg>
-        <pc:spChg chg="mod ord">
-          <ac:chgData name="Velani, Ankitkumar" userId="039f6639-35cd-4471-8ac8-1e78077ab1db" providerId="ADAL" clId="{84352D96-93B9-4F72-AE8C-18860CDEFF5B}" dt="2022-07-14T06:17:48.306" v="5526" actId="26606"/>
-          <ac:spMkLst>
-            <pc:docMk/>
-            <pc:sldMk cId="2673655364" sldId="290"/>
-            <ac:spMk id="106" creationId="{00000000-0000-0000-0000-000000000000}"/>
-          </ac:spMkLst>
-        </pc:spChg>
-        <pc:spChg chg="mod">
-          <ac:chgData name="Velani, Ankitkumar" userId="039f6639-35cd-4471-8ac8-1e78077ab1db" providerId="ADAL" clId="{84352D96-93B9-4F72-AE8C-18860CDEFF5B}" dt="2022-07-14T06:17:48.306" v="5526" actId="26606"/>
-          <ac:spMkLst>
-            <pc:docMk/>
-            <pc:sldMk cId="2673655364" sldId="290"/>
-            <ac:spMk id="107" creationId="{00000000-0000-0000-0000-000000000000}"/>
-          </ac:spMkLst>
-        </pc:spChg>
-        <pc:spChg chg="mod ord">
-          <ac:chgData name="Velani, Ankitkumar" userId="039f6639-35cd-4471-8ac8-1e78077ab1db" providerId="ADAL" clId="{84352D96-93B9-4F72-AE8C-18860CDEFF5B}" dt="2022-07-14T06:18:31.356" v="5536" actId="113"/>
-          <ac:spMkLst>
-            <pc:docMk/>
-            <pc:sldMk cId="2673655364" sldId="290"/>
-            <ac:spMk id="108" creationId="{00000000-0000-0000-0000-000000000000}"/>
-          </ac:spMkLst>
-        </pc:spChg>
-        <pc:spChg chg="del">
-          <ac:chgData name="Velani, Ankitkumar" userId="039f6639-35cd-4471-8ac8-1e78077ab1db" providerId="ADAL" clId="{84352D96-93B9-4F72-AE8C-18860CDEFF5B}" dt="2022-07-14T06:16:32.703" v="5512" actId="478"/>
-          <ac:spMkLst>
-            <pc:docMk/>
-            <pc:sldMk cId="2673655364" sldId="290"/>
-            <ac:spMk id="109" creationId="{00000000-0000-0000-0000-000000000000}"/>
-          </ac:spMkLst>
-        </pc:spChg>
-        <pc:spChg chg="add del">
-          <ac:chgData name="Velani, Ankitkumar" userId="039f6639-35cd-4471-8ac8-1e78077ab1db" providerId="ADAL" clId="{84352D96-93B9-4F72-AE8C-18860CDEFF5B}" dt="2022-07-14T06:17:25.730" v="5518" actId="26606"/>
-          <ac:spMkLst>
-            <pc:docMk/>
-            <pc:sldMk cId="2673655364" sldId="290"/>
-            <ac:spMk id="113" creationId="{18AC8E79-ECD6-4F34-BE5A-9F5E850E850A}"/>
-          </ac:spMkLst>
-        </pc:spChg>
-        <pc:spChg chg="add del">
-          <ac:chgData name="Velani, Ankitkumar" userId="039f6639-35cd-4471-8ac8-1e78077ab1db" providerId="ADAL" clId="{84352D96-93B9-4F72-AE8C-18860CDEFF5B}" dt="2022-07-14T06:17:25.730" v="5518" actId="26606"/>
-          <ac:spMkLst>
-            <pc:docMk/>
-            <pc:sldMk cId="2673655364" sldId="290"/>
-            <ac:spMk id="115" creationId="{7D2BE1BB-2AB2-4D7E-9E27-8D245181B513}"/>
-          </ac:spMkLst>
-        </pc:spChg>
-        <pc:spChg chg="add del">
-          <ac:chgData name="Velani, Ankitkumar" userId="039f6639-35cd-4471-8ac8-1e78077ab1db" providerId="ADAL" clId="{84352D96-93B9-4F72-AE8C-18860CDEFF5B}" dt="2022-07-14T06:17:37.659" v="5522" actId="26606"/>
-          <ac:spMkLst>
-            <pc:docMk/>
-            <pc:sldMk cId="2673655364" sldId="290"/>
-            <ac:spMk id="119" creationId="{90F533E9-6690-41A8-A372-4C6C622D028D}"/>
-          </ac:spMkLst>
-        </pc:spChg>
-        <pc:spChg chg="add del">
-          <ac:chgData name="Velani, Ankitkumar" userId="039f6639-35cd-4471-8ac8-1e78077ab1db" providerId="ADAL" clId="{84352D96-93B9-4F72-AE8C-18860CDEFF5B}" dt="2022-07-14T06:17:30.106" v="5520" actId="26606"/>
-          <ac:spMkLst>
-            <pc:docMk/>
-            <pc:sldMk cId="2673655364" sldId="290"/>
-            <ac:spMk id="124" creationId="{65219498-D544-41AC-98FE-8F956EF66A62}"/>
-          </ac:spMkLst>
-        </pc:spChg>
-        <pc:spChg chg="add del">
-          <ac:chgData name="Velani, Ankitkumar" userId="039f6639-35cd-4471-8ac8-1e78077ab1db" providerId="ADAL" clId="{84352D96-93B9-4F72-AE8C-18860CDEFF5B}" dt="2022-07-14T06:17:30.106" v="5520" actId="26606"/>
-          <ac:spMkLst>
-            <pc:docMk/>
-            <pc:sldMk cId="2673655364" sldId="290"/>
-            <ac:spMk id="125" creationId="{F500DBFC-17A9-4E0A-AEE2-A49F9AEEF0FD}"/>
-          </ac:spMkLst>
-        </pc:spChg>
-        <pc:spChg chg="add del">
-          <ac:chgData name="Velani, Ankitkumar" userId="039f6639-35cd-4471-8ac8-1e78077ab1db" providerId="ADAL" clId="{84352D96-93B9-4F72-AE8C-18860CDEFF5B}" dt="2022-07-14T06:17:37.659" v="5522" actId="26606"/>
-          <ac:spMkLst>
-            <pc:docMk/>
-            <pc:sldMk cId="2673655364" sldId="290"/>
-            <ac:spMk id="132" creationId="{BA79A7CF-01AF-4178-9369-94E0C90EB046}"/>
-          </ac:spMkLst>
-        </pc:spChg>
-        <pc:spChg chg="add del">
-          <ac:chgData name="Velani, Ankitkumar" userId="039f6639-35cd-4471-8ac8-1e78077ab1db" providerId="ADAL" clId="{84352D96-93B9-4F72-AE8C-18860CDEFF5B}" dt="2022-07-14T06:17:37.659" v="5522" actId="26606"/>
-          <ac:spMkLst>
-            <pc:docMk/>
-            <pc:sldMk cId="2673655364" sldId="290"/>
-            <ac:spMk id="133" creationId="{99413ED5-9ED4-4772-BCE4-2BCAE6B12E35}"/>
-          </ac:spMkLst>
-        </pc:spChg>
-        <pc:spChg chg="add del">
-          <ac:chgData name="Velani, Ankitkumar" userId="039f6639-35cd-4471-8ac8-1e78077ab1db" providerId="ADAL" clId="{84352D96-93B9-4F72-AE8C-18860CDEFF5B}" dt="2022-07-14T06:17:37.659" v="5522" actId="26606"/>
-          <ac:spMkLst>
-            <pc:docMk/>
-            <pc:sldMk cId="2673655364" sldId="290"/>
-            <ac:spMk id="134" creationId="{04357C93-F0CB-4A1C-8F77-4E9063789819}"/>
-          </ac:spMkLst>
-        </pc:spChg>
-        <pc:spChg chg="add del">
-          <ac:chgData name="Velani, Ankitkumar" userId="039f6639-35cd-4471-8ac8-1e78077ab1db" providerId="ADAL" clId="{84352D96-93B9-4F72-AE8C-18860CDEFF5B}" dt="2022-07-14T06:17:48.304" v="5525" actId="26606"/>
-          <ac:spMkLst>
-            <pc:docMk/>
-            <pc:sldMk cId="2673655364" sldId="290"/>
-            <ac:spMk id="136" creationId="{C0B27210-D0CA-4654-B3E3-9ABB4F178EA1}"/>
-          </ac:spMkLst>
-        </pc:spChg>
-        <pc:spChg chg="add del">
-          <ac:chgData name="Velani, Ankitkumar" userId="039f6639-35cd-4471-8ac8-1e78077ab1db" providerId="ADAL" clId="{84352D96-93B9-4F72-AE8C-18860CDEFF5B}" dt="2022-07-14T06:17:48.304" v="5525" actId="26606"/>
-          <ac:spMkLst>
-            <pc:docMk/>
-            <pc:sldMk cId="2673655364" sldId="290"/>
-            <ac:spMk id="137" creationId="{1DB7C82F-AB7E-4F0C-B829-FA1B9C415180}"/>
-          </ac:spMkLst>
-        </pc:spChg>
-        <pc:spChg chg="add del">
-          <ac:chgData name="Velani, Ankitkumar" userId="039f6639-35cd-4471-8ac8-1e78077ab1db" providerId="ADAL" clId="{84352D96-93B9-4F72-AE8C-18860CDEFF5B}" dt="2022-07-14T06:17:48.304" v="5525" actId="26606"/>
-          <ac:spMkLst>
-            <pc:docMk/>
-            <pc:sldMk cId="2673655364" sldId="290"/>
-            <ac:spMk id="138" creationId="{70B66945-4967-4040-926D-DCA44313CDAB}"/>
-          </ac:spMkLst>
-        </pc:spChg>
-        <pc:spChg chg="add">
-          <ac:chgData name="Velani, Ankitkumar" userId="039f6639-35cd-4471-8ac8-1e78077ab1db" providerId="ADAL" clId="{84352D96-93B9-4F72-AE8C-18860CDEFF5B}" dt="2022-07-14T06:17:48.306" v="5526" actId="26606"/>
-          <ac:spMkLst>
-            <pc:docMk/>
-            <pc:sldMk cId="2673655364" sldId="290"/>
-            <ac:spMk id="140" creationId="{BA79A7CF-01AF-4178-9369-94E0C90EB046}"/>
-          </ac:spMkLst>
-        </pc:spChg>
-        <pc:spChg chg="add">
-          <ac:chgData name="Velani, Ankitkumar" userId="039f6639-35cd-4471-8ac8-1e78077ab1db" providerId="ADAL" clId="{84352D96-93B9-4F72-AE8C-18860CDEFF5B}" dt="2022-07-14T06:17:48.306" v="5526" actId="26606"/>
-          <ac:spMkLst>
-            <pc:docMk/>
-            <pc:sldMk cId="2673655364" sldId="290"/>
-            <ac:spMk id="141" creationId="{99413ED5-9ED4-4772-BCE4-2BCAE6B12E35}"/>
-          </ac:spMkLst>
-        </pc:spChg>
-        <pc:spChg chg="add">
-          <ac:chgData name="Velani, Ankitkumar" userId="039f6639-35cd-4471-8ac8-1e78077ab1db" providerId="ADAL" clId="{84352D96-93B9-4F72-AE8C-18860CDEFF5B}" dt="2022-07-14T06:17:48.306" v="5526" actId="26606"/>
-          <ac:spMkLst>
-            <pc:docMk/>
-            <pc:sldMk cId="2673655364" sldId="290"/>
-            <ac:spMk id="142" creationId="{04357C93-F0CB-4A1C-8F77-4E9063789819}"/>
-          </ac:spMkLst>
-        </pc:spChg>
-        <pc:spChg chg="add">
-          <ac:chgData name="Velani, Ankitkumar" userId="039f6639-35cd-4471-8ac8-1e78077ab1db" providerId="ADAL" clId="{84352D96-93B9-4F72-AE8C-18860CDEFF5B}" dt="2022-07-14T06:17:48.306" v="5526" actId="26606"/>
-          <ac:spMkLst>
-            <pc:docMk/>
-            <pc:sldMk cId="2673655364" sldId="290"/>
-            <ac:spMk id="143" creationId="{90F533E9-6690-41A8-A372-4C6C622D028D}"/>
-          </ac:spMkLst>
-        </pc:spChg>
-        <pc:grpChg chg="add del">
-          <ac:chgData name="Velani, Ankitkumar" userId="039f6639-35cd-4471-8ac8-1e78077ab1db" providerId="ADAL" clId="{84352D96-93B9-4F72-AE8C-18860CDEFF5B}" dt="2022-07-14T06:17:25.730" v="5518" actId="26606"/>
-          <ac:grpSpMkLst>
-            <pc:docMk/>
-            <pc:sldMk cId="2673655364" sldId="290"/>
-            <ac:grpSpMk id="117" creationId="{22A1615C-2156-4B15-BF3E-39794B37905E}"/>
-          </ac:grpSpMkLst>
-        </pc:grpChg>
-        <pc:grpChg chg="add del">
-          <ac:chgData name="Velani, Ankitkumar" userId="039f6639-35cd-4471-8ac8-1e78077ab1db" providerId="ADAL" clId="{84352D96-93B9-4F72-AE8C-18860CDEFF5B}" dt="2022-07-14T06:17:30.106" v="5520" actId="26606"/>
-          <ac:grpSpMkLst>
-            <pc:docMk/>
-            <pc:sldMk cId="2673655364" sldId="290"/>
-            <ac:grpSpMk id="126" creationId="{D74613BB-817C-4C4F-8A24-4936F2F064C0}"/>
-          </ac:grpSpMkLst>
-        </pc:grpChg>
-        <pc:graphicFrameChg chg="add del mod ord modGraphic">
-          <ac:chgData name="Velani, Ankitkumar" userId="039f6639-35cd-4471-8ac8-1e78077ab1db" providerId="ADAL" clId="{84352D96-93B9-4F72-AE8C-18860CDEFF5B}" dt="2022-07-14T06:24:32.221" v="5540" actId="20577"/>
-          <ac:graphicFrameMkLst>
-            <pc:docMk/>
-            <pc:sldMk cId="2673655364" sldId="290"/>
-            <ac:graphicFrameMk id="4" creationId="{B4E9F0A1-1566-4C4D-8933-839EB9F5BC82}"/>
-          </ac:graphicFrameMkLst>
-        </pc:graphicFrameChg>
-      </pc:sldChg>
-      <pc:sldChg chg="addSp delSp modSp add mod ord">
-        <pc:chgData name="Velani, Ankitkumar" userId="039f6639-35cd-4471-8ac8-1e78077ab1db" providerId="ADAL" clId="{84352D96-93B9-4F72-AE8C-18860CDEFF5B}" dt="2022-07-14T06:39:40.939" v="5751" actId="115"/>
-        <pc:sldMkLst>
-          <pc:docMk/>
-          <pc:sldMk cId="3671309648" sldId="291"/>
-        </pc:sldMkLst>
-        <pc:spChg chg="add del mod">
-          <ac:chgData name="Velani, Ankitkumar" userId="039f6639-35cd-4471-8ac8-1e78077ab1db" providerId="ADAL" clId="{84352D96-93B9-4F72-AE8C-18860CDEFF5B}" dt="2022-07-14T06:25:12.951" v="5592" actId="478"/>
-          <ac:spMkLst>
-            <pc:docMk/>
-            <pc:sldMk cId="3671309648" sldId="291"/>
-            <ac:spMk id="3" creationId="{69291159-4DEA-4D53-975E-DCACA168DE00}"/>
-          </ac:spMkLst>
-        </pc:spChg>
-        <pc:spChg chg="add mod">
-          <ac:chgData name="Velani, Ankitkumar" userId="039f6639-35cd-4471-8ac8-1e78077ab1db" providerId="ADAL" clId="{84352D96-93B9-4F72-AE8C-18860CDEFF5B}" dt="2022-07-14T06:39:40.939" v="5751" actId="115"/>
-          <ac:spMkLst>
-            <pc:docMk/>
-            <pc:sldMk cId="3671309648" sldId="291"/>
-            <ac:spMk id="10" creationId="{63F1B26F-E95C-4ED6-8A3D-F39A6A4D80C0}"/>
-          </ac:spMkLst>
-        </pc:spChg>
-        <pc:spChg chg="add del">
-          <ac:chgData name="Velani, Ankitkumar" userId="039f6639-35cd-4471-8ac8-1e78077ab1db" providerId="ADAL" clId="{84352D96-93B9-4F72-AE8C-18860CDEFF5B}" dt="2022-07-14T06:26:02.610" v="5599" actId="22"/>
-          <ac:spMkLst>
-            <pc:docMk/>
-            <pc:sldMk cId="3671309648" sldId="291"/>
-            <ac:spMk id="12" creationId="{CA968513-7954-443B-B994-C32A15C0CD45}"/>
-          </ac:spMkLst>
-        </pc:spChg>
-        <pc:spChg chg="mod">
-          <ac:chgData name="Velani, Ankitkumar" userId="039f6639-35cd-4471-8ac8-1e78077ab1db" providerId="ADAL" clId="{84352D96-93B9-4F72-AE8C-18860CDEFF5B}" dt="2022-07-14T06:25:10.262" v="5591" actId="20577"/>
-          <ac:spMkLst>
-            <pc:docMk/>
-            <pc:sldMk cId="3671309648" sldId="291"/>
-            <ac:spMk id="108" creationId="{00000000-0000-0000-0000-000000000000}"/>
-          </ac:spMkLst>
-        </pc:spChg>
-        <pc:spChg chg="del">
-          <ac:chgData name="Velani, Ankitkumar" userId="039f6639-35cd-4471-8ac8-1e78077ab1db" providerId="ADAL" clId="{84352D96-93B9-4F72-AE8C-18860CDEFF5B}" dt="2022-07-14T06:24:49.891" v="5544" actId="478"/>
-          <ac:spMkLst>
-            <pc:docMk/>
-            <pc:sldMk cId="3671309648" sldId="291"/>
-            <ac:spMk id="109" creationId="{00000000-0000-0000-0000-000000000000}"/>
-          </ac:spMkLst>
-        </pc:spChg>
-      </pc:sldChg>
-      <pc:sldChg chg="addSp modSp add mod">
-        <pc:chgData name="Velani, Ankitkumar" userId="039f6639-35cd-4471-8ac8-1e78077ab1db" providerId="ADAL" clId="{84352D96-93B9-4F72-AE8C-18860CDEFF5B}" dt="2022-07-14T06:39:21.403" v="5747" actId="113"/>
-        <pc:sldMkLst>
-          <pc:docMk/>
-          <pc:sldMk cId="981376725" sldId="292"/>
-        </pc:sldMkLst>
-        <pc:spChg chg="add mod">
-          <ac:chgData name="Velani, Ankitkumar" userId="039f6639-35cd-4471-8ac8-1e78077ab1db" providerId="ADAL" clId="{84352D96-93B9-4F72-AE8C-18860CDEFF5B}" dt="2022-07-14T06:39:21.403" v="5747" actId="113"/>
-          <ac:spMkLst>
-            <pc:docMk/>
-            <pc:sldMk cId="981376725" sldId="292"/>
-            <ac:spMk id="8" creationId="{4BAE92AF-8EAA-498B-91E2-1E5DFB897C6C}"/>
-          </ac:spMkLst>
-        </pc:spChg>
-        <pc:spChg chg="mod">
-          <ac:chgData name="Velani, Ankitkumar" userId="039f6639-35cd-4471-8ac8-1e78077ab1db" providerId="ADAL" clId="{84352D96-93B9-4F72-AE8C-18860CDEFF5B}" dt="2022-07-14T06:39:16.312" v="5746" actId="113"/>
-          <ac:spMkLst>
-            <pc:docMk/>
-            <pc:sldMk cId="981376725" sldId="292"/>
-            <ac:spMk id="10" creationId="{63F1B26F-E95C-4ED6-8A3D-F39A6A4D80C0}"/>
-          </ac:spMkLst>
-        </pc:spChg>
-      </pc:sldChg>
-      <pc:sldChg chg="add del">
-        <pc:chgData name="Velani, Ankitkumar" userId="039f6639-35cd-4471-8ac8-1e78077ab1db" providerId="ADAL" clId="{84352D96-93B9-4F72-AE8C-18860CDEFF5B}" dt="2022-07-14T06:25:59.379" v="5597" actId="2890"/>
-        <pc:sldMkLst>
-          <pc:docMk/>
-          <pc:sldMk cId="1179370041" sldId="292"/>
-        </pc:sldMkLst>
-      </pc:sldChg>
-      <pc:sldChg chg="modSp add mod">
-        <pc:chgData name="Velani, Ankitkumar" userId="039f6639-35cd-4471-8ac8-1e78077ab1db" providerId="ADAL" clId="{84352D96-93B9-4F72-AE8C-18860CDEFF5B}" dt="2022-07-14T07:39:01.062" v="6585" actId="207"/>
-        <pc:sldMkLst>
-          <pc:docMk/>
-          <pc:sldMk cId="2738354077" sldId="293"/>
-        </pc:sldMkLst>
-        <pc:spChg chg="mod">
-          <ac:chgData name="Velani, Ankitkumar" userId="039f6639-35cd-4471-8ac8-1e78077ab1db" providerId="ADAL" clId="{84352D96-93B9-4F72-AE8C-18860CDEFF5B}" dt="2022-07-14T07:00:15.739" v="5813" actId="120"/>
-          <ac:spMkLst>
-            <pc:docMk/>
-            <pc:sldMk cId="2738354077" sldId="293"/>
-            <ac:spMk id="108" creationId="{00000000-0000-0000-0000-000000000000}"/>
-          </ac:spMkLst>
-        </pc:spChg>
-        <pc:spChg chg="mod">
-          <ac:chgData name="Velani, Ankitkumar" userId="039f6639-35cd-4471-8ac8-1e78077ab1db" providerId="ADAL" clId="{84352D96-93B9-4F72-AE8C-18860CDEFF5B}" dt="2022-07-14T07:39:01.062" v="6585" actId="207"/>
-          <ac:spMkLst>
-            <pc:docMk/>
-            <pc:sldMk cId="2738354077" sldId="293"/>
-            <ac:spMk id="109" creationId="{00000000-0000-0000-0000-000000000000}"/>
-          </ac:spMkLst>
-        </pc:spChg>
-      </pc:sldChg>
-      <pc:sldChg chg="modSp add mod ord">
-        <pc:chgData name="Velani, Ankitkumar" userId="039f6639-35cd-4471-8ac8-1e78077ab1db" providerId="ADAL" clId="{84352D96-93B9-4F72-AE8C-18860CDEFF5B}" dt="2022-07-14T16:03:33.088" v="11912" actId="20577"/>
-        <pc:sldMkLst>
-          <pc:docMk/>
-          <pc:sldMk cId="3138019313" sldId="294"/>
-        </pc:sldMkLst>
-        <pc:spChg chg="mod">
-          <ac:chgData name="Velani, Ankitkumar" userId="039f6639-35cd-4471-8ac8-1e78077ab1db" providerId="ADAL" clId="{84352D96-93B9-4F72-AE8C-18860CDEFF5B}" dt="2022-07-14T07:00:24.453" v="5817" actId="120"/>
-          <ac:spMkLst>
-            <pc:docMk/>
-            <pc:sldMk cId="3138019313" sldId="294"/>
-            <ac:spMk id="108" creationId="{00000000-0000-0000-0000-000000000000}"/>
-          </ac:spMkLst>
-        </pc:spChg>
-        <pc:spChg chg="mod">
-          <ac:chgData name="Velani, Ankitkumar" userId="039f6639-35cd-4471-8ac8-1e78077ab1db" providerId="ADAL" clId="{84352D96-93B9-4F72-AE8C-18860CDEFF5B}" dt="2022-07-14T16:03:33.088" v="11912" actId="20577"/>
-          <ac:spMkLst>
-            <pc:docMk/>
-            <pc:sldMk cId="3138019313" sldId="294"/>
-            <ac:spMk id="109" creationId="{00000000-0000-0000-0000-000000000000}"/>
-          </ac:spMkLst>
-        </pc:spChg>
-      </pc:sldChg>
-      <pc:sldChg chg="modSp add mod">
-        <pc:chgData name="Velani, Ankitkumar" userId="039f6639-35cd-4471-8ac8-1e78077ab1db" providerId="ADAL" clId="{84352D96-93B9-4F72-AE8C-18860CDEFF5B}" dt="2022-07-14T07:54:05.674" v="6779" actId="207"/>
-        <pc:sldMkLst>
-          <pc:docMk/>
-          <pc:sldMk cId="1632705750" sldId="295"/>
-        </pc:sldMkLst>
-        <pc:spChg chg="mod">
-          <ac:chgData name="Velani, Ankitkumar" userId="039f6639-35cd-4471-8ac8-1e78077ab1db" providerId="ADAL" clId="{84352D96-93B9-4F72-AE8C-18860CDEFF5B}" dt="2022-07-14T07:01:34.483" v="5824"/>
-          <ac:spMkLst>
-            <pc:docMk/>
-            <pc:sldMk cId="1632705750" sldId="295"/>
-            <ac:spMk id="108" creationId="{00000000-0000-0000-0000-000000000000}"/>
-          </ac:spMkLst>
-        </pc:spChg>
-        <pc:spChg chg="mod">
-          <ac:chgData name="Velani, Ankitkumar" userId="039f6639-35cd-4471-8ac8-1e78077ab1db" providerId="ADAL" clId="{84352D96-93B9-4F72-AE8C-18860CDEFF5B}" dt="2022-07-14T07:54:05.674" v="6779" actId="207"/>
-          <ac:spMkLst>
-            <pc:docMk/>
-            <pc:sldMk cId="1632705750" sldId="295"/>
-            <ac:spMk id="109" creationId="{00000000-0000-0000-0000-000000000000}"/>
-          </ac:spMkLst>
-        </pc:spChg>
-      </pc:sldChg>
-      <pc:sldChg chg="addSp delSp modSp add del mod">
-        <pc:chgData name="Velani, Ankitkumar" userId="039f6639-35cd-4471-8ac8-1e78077ab1db" providerId="ADAL" clId="{84352D96-93B9-4F72-AE8C-18860CDEFF5B}" dt="2022-07-14T07:00:34.472" v="5819" actId="2696"/>
-        <pc:sldMkLst>
-          <pc:docMk/>
-          <pc:sldMk cId="2442772370" sldId="295"/>
-        </pc:sldMkLst>
-        <pc:spChg chg="add mod">
-          <ac:chgData name="Velani, Ankitkumar" userId="039f6639-35cd-4471-8ac8-1e78077ab1db" providerId="ADAL" clId="{84352D96-93B9-4F72-AE8C-18860CDEFF5B}" dt="2022-07-14T07:00:29.124" v="5818" actId="478"/>
-          <ac:spMkLst>
-            <pc:docMk/>
-            <pc:sldMk cId="2442772370" sldId="295"/>
-            <ac:spMk id="3" creationId="{F0602609-A2FC-44A7-9A8F-667CA829DB36}"/>
-          </ac:spMkLst>
-        </pc:spChg>
-        <pc:spChg chg="del mod">
-          <ac:chgData name="Velani, Ankitkumar" userId="039f6639-35cd-4471-8ac8-1e78077ab1db" providerId="ADAL" clId="{84352D96-93B9-4F72-AE8C-18860CDEFF5B}" dt="2022-07-14T07:00:29.124" v="5818" actId="478"/>
-          <ac:spMkLst>
-            <pc:docMk/>
-            <pc:sldMk cId="2442772370" sldId="295"/>
-            <ac:spMk id="108" creationId="{00000000-0000-0000-0000-000000000000}"/>
-          </ac:spMkLst>
-        </pc:spChg>
-      </pc:sldChg>
-      <pc:sldChg chg="modSp add mod">
-        <pc:chgData name="Velani, Ankitkumar" userId="039f6639-35cd-4471-8ac8-1e78077ab1db" providerId="ADAL" clId="{84352D96-93B9-4F72-AE8C-18860CDEFF5B}" dt="2022-07-14T15:45:48.362" v="10416" actId="113"/>
-        <pc:sldMkLst>
-          <pc:docMk/>
-          <pc:sldMk cId="1513836142" sldId="296"/>
-        </pc:sldMkLst>
-        <pc:spChg chg="mod">
-          <ac:chgData name="Velani, Ankitkumar" userId="039f6639-35cd-4471-8ac8-1e78077ab1db" providerId="ADAL" clId="{84352D96-93B9-4F72-AE8C-18860CDEFF5B}" dt="2022-07-14T07:01:42.142" v="5825"/>
-          <ac:spMkLst>
-            <pc:docMk/>
-            <pc:sldMk cId="1513836142" sldId="296"/>
-            <ac:spMk id="108" creationId="{00000000-0000-0000-0000-000000000000}"/>
-          </ac:spMkLst>
-        </pc:spChg>
-        <pc:spChg chg="mod">
-          <ac:chgData name="Velani, Ankitkumar" userId="039f6639-35cd-4471-8ac8-1e78077ab1db" providerId="ADAL" clId="{84352D96-93B9-4F72-AE8C-18860CDEFF5B}" dt="2022-07-14T15:45:48.362" v="10416" actId="113"/>
-          <ac:spMkLst>
-            <pc:docMk/>
-            <pc:sldMk cId="1513836142" sldId="296"/>
-            <ac:spMk id="109" creationId="{00000000-0000-0000-0000-000000000000}"/>
-          </ac:spMkLst>
-        </pc:spChg>
-      </pc:sldChg>
-      <pc:sldChg chg="modSp add del mod">
-        <pc:chgData name="Velani, Ankitkumar" userId="039f6639-35cd-4471-8ac8-1e78077ab1db" providerId="ADAL" clId="{84352D96-93B9-4F72-AE8C-18860CDEFF5B}" dt="2022-07-14T07:00:37.327" v="5820" actId="2696"/>
-        <pc:sldMkLst>
-          <pc:docMk/>
-          <pc:sldMk cId="3698080580" sldId="296"/>
-        </pc:sldMkLst>
-        <pc:spChg chg="mod">
-          <ac:chgData name="Velani, Ankitkumar" userId="039f6639-35cd-4471-8ac8-1e78077ab1db" providerId="ADAL" clId="{84352D96-93B9-4F72-AE8C-18860CDEFF5B}" dt="2022-07-14T07:00:00.277" v="5808"/>
-          <ac:spMkLst>
-            <pc:docMk/>
-            <pc:sldMk cId="3698080580" sldId="296"/>
-            <ac:spMk id="108" creationId="{00000000-0000-0000-0000-000000000000}"/>
-          </ac:spMkLst>
-        </pc:spChg>
-      </pc:sldChg>
-      <pc:sldChg chg="modSp add mod">
-        <pc:chgData name="Velani, Ankitkumar" userId="039f6639-35cd-4471-8ac8-1e78077ab1db" providerId="ADAL" clId="{84352D96-93B9-4F72-AE8C-18860CDEFF5B}" dt="2022-07-14T15:07:07.793" v="7614" actId="255"/>
-        <pc:sldMkLst>
-          <pc:docMk/>
-          <pc:sldMk cId="2077387241" sldId="297"/>
-        </pc:sldMkLst>
-        <pc:spChg chg="mod">
-          <ac:chgData name="Velani, Ankitkumar" userId="039f6639-35cd-4471-8ac8-1e78077ab1db" providerId="ADAL" clId="{84352D96-93B9-4F72-AE8C-18860CDEFF5B}" dt="2022-07-14T15:07:07.793" v="7614" actId="255"/>
-          <ac:spMkLst>
-            <pc:docMk/>
-            <pc:sldMk cId="2077387241" sldId="297"/>
-            <ac:spMk id="109" creationId="{00000000-0000-0000-0000-000000000000}"/>
-          </ac:spMkLst>
-        </pc:spChg>
-      </pc:sldChg>
-      <pc:sldChg chg="modSp add mod">
-        <pc:chgData name="Velani, Ankitkumar" userId="039f6639-35cd-4471-8ac8-1e78077ab1db" providerId="ADAL" clId="{84352D96-93B9-4F72-AE8C-18860CDEFF5B}" dt="2022-07-14T07:56:57.335" v="6879" actId="207"/>
-        <pc:sldMkLst>
-          <pc:docMk/>
-          <pc:sldMk cId="1149467149" sldId="298"/>
-        </pc:sldMkLst>
-        <pc:spChg chg="mod">
-          <ac:chgData name="Velani, Ankitkumar" userId="039f6639-35cd-4471-8ac8-1e78077ab1db" providerId="ADAL" clId="{84352D96-93B9-4F72-AE8C-18860CDEFF5B}" dt="2022-07-14T07:56:57.335" v="6879" actId="207"/>
-          <ac:spMkLst>
-            <pc:docMk/>
-            <pc:sldMk cId="1149467149" sldId="298"/>
-            <ac:spMk id="109" creationId="{00000000-0000-0000-0000-000000000000}"/>
-          </ac:spMkLst>
-        </pc:spChg>
-      </pc:sldChg>
-      <pc:sldChg chg="modSp add mod">
-        <pc:chgData name="Velani, Ankitkumar" userId="039f6639-35cd-4471-8ac8-1e78077ab1db" providerId="ADAL" clId="{84352D96-93B9-4F72-AE8C-18860CDEFF5B}" dt="2022-07-14T16:02:59.110" v="11899" actId="113"/>
-        <pc:sldMkLst>
-          <pc:docMk/>
-          <pc:sldMk cId="2809169825" sldId="299"/>
-        </pc:sldMkLst>
-        <pc:spChg chg="mod">
-          <ac:chgData name="Velani, Ankitkumar" userId="039f6639-35cd-4471-8ac8-1e78077ab1db" providerId="ADAL" clId="{84352D96-93B9-4F72-AE8C-18860CDEFF5B}" dt="2022-07-14T16:02:59.110" v="11899" actId="113"/>
-          <ac:spMkLst>
-            <pc:docMk/>
-            <pc:sldMk cId="2809169825" sldId="299"/>
-            <ac:spMk id="109" creationId="{00000000-0000-0000-0000-000000000000}"/>
-          </ac:spMkLst>
-        </pc:spChg>
-      </pc:sldChg>
-      <pc:sldChg chg="modSp add mod">
-        <pc:chgData name="Velani, Ankitkumar" userId="039f6639-35cd-4471-8ac8-1e78077ab1db" providerId="ADAL" clId="{84352D96-93B9-4F72-AE8C-18860CDEFF5B}" dt="2022-07-14T15:07:16.997" v="7615" actId="255"/>
-        <pc:sldMkLst>
-          <pc:docMk/>
-          <pc:sldMk cId="1642795635" sldId="300"/>
-        </pc:sldMkLst>
-        <pc:spChg chg="mod">
-          <ac:chgData name="Velani, Ankitkumar" userId="039f6639-35cd-4471-8ac8-1e78077ab1db" providerId="ADAL" clId="{84352D96-93B9-4F72-AE8C-18860CDEFF5B}" dt="2022-07-14T15:07:16.997" v="7615" actId="255"/>
-          <ac:spMkLst>
-            <pc:docMk/>
-            <pc:sldMk cId="1642795635" sldId="300"/>
-            <ac:spMk id="109" creationId="{00000000-0000-0000-0000-000000000000}"/>
-          </ac:spMkLst>
-        </pc:spChg>
-      </pc:sldChg>
-      <pc:sldChg chg="modSp add mod">
-        <pc:chgData name="Velani, Ankitkumar" userId="039f6639-35cd-4471-8ac8-1e78077ab1db" providerId="ADAL" clId="{84352D96-93B9-4F72-AE8C-18860CDEFF5B}" dt="2022-07-14T15:07:39.362" v="7637" actId="255"/>
-        <pc:sldMkLst>
-          <pc:docMk/>
-          <pc:sldMk cId="3179861112" sldId="301"/>
-        </pc:sldMkLst>
-        <pc:spChg chg="mod">
-          <ac:chgData name="Velani, Ankitkumar" userId="039f6639-35cd-4471-8ac8-1e78077ab1db" providerId="ADAL" clId="{84352D96-93B9-4F72-AE8C-18860CDEFF5B}" dt="2022-07-14T15:07:39.362" v="7637" actId="255"/>
-          <ac:spMkLst>
-            <pc:docMk/>
-            <pc:sldMk cId="3179861112" sldId="301"/>
-            <ac:spMk id="109" creationId="{00000000-0000-0000-0000-000000000000}"/>
-          </ac:spMkLst>
-        </pc:spChg>
-      </pc:sldChg>
-      <pc:sldChg chg="modSp add mod">
-        <pc:chgData name="Velani, Ankitkumar" userId="039f6639-35cd-4471-8ac8-1e78077ab1db" providerId="ADAL" clId="{84352D96-93B9-4F72-AE8C-18860CDEFF5B}" dt="2022-07-14T15:14:10.387" v="8079" actId="255"/>
-        <pc:sldMkLst>
-          <pc:docMk/>
-          <pc:sldMk cId="1531365578" sldId="302"/>
-        </pc:sldMkLst>
-        <pc:spChg chg="mod">
-          <ac:chgData name="Velani, Ankitkumar" userId="039f6639-35cd-4471-8ac8-1e78077ab1db" providerId="ADAL" clId="{84352D96-93B9-4F72-AE8C-18860CDEFF5B}" dt="2022-07-14T15:14:10.387" v="8079" actId="255"/>
-          <ac:spMkLst>
-            <pc:docMk/>
-            <pc:sldMk cId="1531365578" sldId="302"/>
-            <ac:spMk id="109" creationId="{00000000-0000-0000-0000-000000000000}"/>
-          </ac:spMkLst>
-        </pc:spChg>
-      </pc:sldChg>
-      <pc:sldChg chg="addSp delSp modSp add mod">
-        <pc:chgData name="Velani, Ankitkumar" userId="039f6639-35cd-4471-8ac8-1e78077ab1db" providerId="ADAL" clId="{84352D96-93B9-4F72-AE8C-18860CDEFF5B}" dt="2022-07-14T15:20:46.638" v="8495" actId="20577"/>
-        <pc:sldMkLst>
-          <pc:docMk/>
-          <pc:sldMk cId="1104195167" sldId="303"/>
-        </pc:sldMkLst>
-        <pc:spChg chg="add del mod">
-          <ac:chgData name="Velani, Ankitkumar" userId="039f6639-35cd-4471-8ac8-1e78077ab1db" providerId="ADAL" clId="{84352D96-93B9-4F72-AE8C-18860CDEFF5B}" dt="2022-07-14T15:19:35.970" v="8474" actId="478"/>
-          <ac:spMkLst>
-            <pc:docMk/>
-            <pc:sldMk cId="1104195167" sldId="303"/>
-            <ac:spMk id="7" creationId="{858BE6EC-9525-481B-AF06-32E4691920A6}"/>
-          </ac:spMkLst>
-        </pc:spChg>
-        <pc:spChg chg="add mod">
-          <ac:chgData name="Velani, Ankitkumar" userId="039f6639-35cd-4471-8ac8-1e78077ab1db" providerId="ADAL" clId="{84352D96-93B9-4F72-AE8C-18860CDEFF5B}" dt="2022-07-14T15:20:46.638" v="8495" actId="20577"/>
-          <ac:spMkLst>
-            <pc:docMk/>
-            <pc:sldMk cId="1104195167" sldId="303"/>
-            <ac:spMk id="8" creationId="{25C62930-5551-4B9B-8F35-EC23C2ADB091}"/>
-          </ac:spMkLst>
-        </pc:spChg>
-        <pc:spChg chg="mod">
-          <ac:chgData name="Velani, Ankitkumar" userId="039f6639-35cd-4471-8ac8-1e78077ab1db" providerId="ADAL" clId="{84352D96-93B9-4F72-AE8C-18860CDEFF5B}" dt="2022-07-14T15:19:57.064" v="8480" actId="1076"/>
-          <ac:spMkLst>
-            <pc:docMk/>
-            <pc:sldMk cId="1104195167" sldId="303"/>
-            <ac:spMk id="108" creationId="{00000000-0000-0000-0000-000000000000}"/>
-          </ac:spMkLst>
-        </pc:spChg>
-        <pc:spChg chg="mod">
-          <ac:chgData name="Velani, Ankitkumar" userId="039f6639-35cd-4471-8ac8-1e78077ab1db" providerId="ADAL" clId="{84352D96-93B9-4F72-AE8C-18860CDEFF5B}" dt="2022-07-14T15:19:45.306" v="8477" actId="14100"/>
-          <ac:spMkLst>
-            <pc:docMk/>
-            <pc:sldMk cId="1104195167" sldId="303"/>
-            <ac:spMk id="109" creationId="{00000000-0000-0000-0000-000000000000}"/>
-          </ac:spMkLst>
-        </pc:spChg>
-      </pc:sldChg>
-      <pc:sldChg chg="addSp modSp add mod ord">
-        <pc:chgData name="Velani, Ankitkumar" userId="039f6639-35cd-4471-8ac8-1e78077ab1db" providerId="ADAL" clId="{84352D96-93B9-4F72-AE8C-18860CDEFF5B}" dt="2022-07-14T15:26:32.745" v="8803" actId="113"/>
-        <pc:sldMkLst>
-          <pc:docMk/>
-          <pc:sldMk cId="2310146408" sldId="304"/>
-        </pc:sldMkLst>
-        <pc:spChg chg="add mod">
-          <ac:chgData name="Velani, Ankitkumar" userId="039f6639-35cd-4471-8ac8-1e78077ab1db" providerId="ADAL" clId="{84352D96-93B9-4F72-AE8C-18860CDEFF5B}" dt="2022-07-14T15:25:22.405" v="8777" actId="207"/>
-          <ac:spMkLst>
-            <pc:docMk/>
-            <pc:sldMk cId="2310146408" sldId="304"/>
-            <ac:spMk id="2" creationId="{47805E23-4C32-470E-8B5D-659BB6BE826E}"/>
-          </ac:spMkLst>
-        </pc:spChg>
-        <pc:spChg chg="add mod">
-          <ac:chgData name="Velani, Ankitkumar" userId="039f6639-35cd-4471-8ac8-1e78077ab1db" providerId="ADAL" clId="{84352D96-93B9-4F72-AE8C-18860CDEFF5B}" dt="2022-07-14T15:26:18.175" v="8801" actId="207"/>
-          <ac:spMkLst>
-            <pc:docMk/>
-            <pc:sldMk cId="2310146408" sldId="304"/>
-            <ac:spMk id="8" creationId="{AAD91693-171D-4765-BFB6-5272422B76BE}"/>
-          </ac:spMkLst>
-        </pc:spChg>
-        <pc:spChg chg="mod">
-          <ac:chgData name="Velani, Ankitkumar" userId="039f6639-35cd-4471-8ac8-1e78077ab1db" providerId="ADAL" clId="{84352D96-93B9-4F72-AE8C-18860CDEFF5B}" dt="2022-07-14T15:26:32.745" v="8803" actId="113"/>
-          <ac:spMkLst>
-            <pc:docMk/>
-            <pc:sldMk cId="2310146408" sldId="304"/>
-            <ac:spMk id="109" creationId="{00000000-0000-0000-0000-000000000000}"/>
-          </ac:spMkLst>
-        </pc:spChg>
-      </pc:sldChg>
-      <pc:sldChg chg="delSp modSp add mod">
-        <pc:chgData name="Velani, Ankitkumar" userId="039f6639-35cd-4471-8ac8-1e78077ab1db" providerId="ADAL" clId="{84352D96-93B9-4F72-AE8C-18860CDEFF5B}" dt="2022-07-14T15:28:06.742" v="9006" actId="113"/>
-        <pc:sldMkLst>
-          <pc:docMk/>
-          <pc:sldMk cId="3164702486" sldId="305"/>
-        </pc:sldMkLst>
-        <pc:spChg chg="del">
-          <ac:chgData name="Velani, Ankitkumar" userId="039f6639-35cd-4471-8ac8-1e78077ab1db" providerId="ADAL" clId="{84352D96-93B9-4F72-AE8C-18860CDEFF5B}" dt="2022-07-14T15:26:47.591" v="8806" actId="478"/>
-          <ac:spMkLst>
-            <pc:docMk/>
-            <pc:sldMk cId="3164702486" sldId="305"/>
-            <ac:spMk id="2" creationId="{47805E23-4C32-470E-8B5D-659BB6BE826E}"/>
-          </ac:spMkLst>
-        </pc:spChg>
-        <pc:spChg chg="del">
-          <ac:chgData name="Velani, Ankitkumar" userId="039f6639-35cd-4471-8ac8-1e78077ab1db" providerId="ADAL" clId="{84352D96-93B9-4F72-AE8C-18860CDEFF5B}" dt="2022-07-14T15:26:49.041" v="8807" actId="478"/>
-          <ac:spMkLst>
-            <pc:docMk/>
-            <pc:sldMk cId="3164702486" sldId="305"/>
-            <ac:spMk id="8" creationId="{AAD91693-171D-4765-BFB6-5272422B76BE}"/>
-          </ac:spMkLst>
-        </pc:spChg>
-        <pc:spChg chg="mod">
-          <ac:chgData name="Velani, Ankitkumar" userId="039f6639-35cd-4471-8ac8-1e78077ab1db" providerId="ADAL" clId="{84352D96-93B9-4F72-AE8C-18860CDEFF5B}" dt="2022-07-14T15:28:06.742" v="9006" actId="113"/>
-          <ac:spMkLst>
-            <pc:docMk/>
-            <pc:sldMk cId="3164702486" sldId="305"/>
-            <ac:spMk id="109" creationId="{00000000-0000-0000-0000-000000000000}"/>
-          </ac:spMkLst>
-        </pc:spChg>
-      </pc:sldChg>
-      <pc:sldChg chg="modSp add mod">
-        <pc:chgData name="Velani, Ankitkumar" userId="039f6639-35cd-4471-8ac8-1e78077ab1db" providerId="ADAL" clId="{84352D96-93B9-4F72-AE8C-18860CDEFF5B}" dt="2022-07-14T15:32:06.992" v="9386" actId="20577"/>
-        <pc:sldMkLst>
-          <pc:docMk/>
-          <pc:sldMk cId="3836807520" sldId="306"/>
-        </pc:sldMkLst>
-        <pc:spChg chg="mod">
-          <ac:chgData name="Velani, Ankitkumar" userId="039f6639-35cd-4471-8ac8-1e78077ab1db" providerId="ADAL" clId="{84352D96-93B9-4F72-AE8C-18860CDEFF5B}" dt="2022-07-14T15:32:06.992" v="9386" actId="20577"/>
-          <ac:spMkLst>
-            <pc:docMk/>
-            <pc:sldMk cId="3836807520" sldId="306"/>
-            <ac:spMk id="109" creationId="{00000000-0000-0000-0000-000000000000}"/>
-          </ac:spMkLst>
-        </pc:spChg>
-      </pc:sldChg>
-      <pc:sldChg chg="addSp delSp modSp add mod">
-        <pc:chgData name="Velani, Ankitkumar" userId="039f6639-35cd-4471-8ac8-1e78077ab1db" providerId="ADAL" clId="{84352D96-93B9-4F72-AE8C-18860CDEFF5B}" dt="2022-07-14T15:36:22.504" v="9574" actId="1036"/>
-        <pc:sldMkLst>
-          <pc:docMk/>
-          <pc:sldMk cId="2944235571" sldId="307"/>
-        </pc:sldMkLst>
-        <pc:spChg chg="add del mod">
-          <ac:chgData name="Velani, Ankitkumar" userId="039f6639-35cd-4471-8ac8-1e78077ab1db" providerId="ADAL" clId="{84352D96-93B9-4F72-AE8C-18860CDEFF5B}" dt="2022-07-14T15:33:58.012" v="9443" actId="478"/>
-          <ac:spMkLst>
-            <pc:docMk/>
-            <pc:sldMk cId="2944235571" sldId="307"/>
-            <ac:spMk id="2" creationId="{F9340464-7110-483D-9143-FFB8DB306AE3}"/>
-          </ac:spMkLst>
-        </pc:spChg>
-        <pc:spChg chg="add mod">
-          <ac:chgData name="Velani, Ankitkumar" userId="039f6639-35cd-4471-8ac8-1e78077ab1db" providerId="ADAL" clId="{84352D96-93B9-4F72-AE8C-18860CDEFF5B}" dt="2022-07-14T15:36:22.504" v="9574" actId="1036"/>
-          <ac:spMkLst>
-            <pc:docMk/>
-            <pc:sldMk cId="2944235571" sldId="307"/>
-            <ac:spMk id="3" creationId="{0EA967CB-E3D1-4BCE-8FE5-D24A466B837D}"/>
-          </ac:spMkLst>
-        </pc:spChg>
-        <pc:spChg chg="add del mod">
-          <ac:chgData name="Velani, Ankitkumar" userId="039f6639-35cd-4471-8ac8-1e78077ab1db" providerId="ADAL" clId="{84352D96-93B9-4F72-AE8C-18860CDEFF5B}" dt="2022-07-14T15:36:06.199" v="9563" actId="478"/>
-          <ac:spMkLst>
-            <pc:docMk/>
-            <pc:sldMk cId="2944235571" sldId="307"/>
-            <ac:spMk id="4" creationId="{843205DE-0072-4333-BEE7-0E7811529CBB}"/>
-          </ac:spMkLst>
-        </pc:spChg>
-        <pc:spChg chg="mod">
-          <ac:chgData name="Velani, Ankitkumar" userId="039f6639-35cd-4471-8ac8-1e78077ab1db" providerId="ADAL" clId="{84352D96-93B9-4F72-AE8C-18860CDEFF5B}" dt="2022-07-14T15:33:06.380" v="9402" actId="20577"/>
-          <ac:spMkLst>
-            <pc:docMk/>
-            <pc:sldMk cId="2944235571" sldId="307"/>
-            <ac:spMk id="108" creationId="{00000000-0000-0000-0000-000000000000}"/>
-          </ac:spMkLst>
-        </pc:spChg>
-        <pc:spChg chg="mod">
-          <ac:chgData name="Velani, Ankitkumar" userId="039f6639-35cd-4471-8ac8-1e78077ab1db" providerId="ADAL" clId="{84352D96-93B9-4F72-AE8C-18860CDEFF5B}" dt="2022-07-14T15:33:42.115" v="9435" actId="113"/>
-          <ac:spMkLst>
-            <pc:docMk/>
-            <pc:sldMk cId="2944235571" sldId="307"/>
-            <ac:spMk id="109" creationId="{00000000-0000-0000-0000-000000000000}"/>
-          </ac:spMkLst>
-        </pc:spChg>
-      </pc:sldChg>
-      <pc:sldChg chg="modSp add mod">
-        <pc:chgData name="Velani, Ankitkumar" userId="039f6639-35cd-4471-8ac8-1e78077ab1db" providerId="ADAL" clId="{84352D96-93B9-4F72-AE8C-18860CDEFF5B}" dt="2022-07-14T15:38:22.707" v="9742" actId="20577"/>
-        <pc:sldMkLst>
-          <pc:docMk/>
-          <pc:sldMk cId="3224482173" sldId="308"/>
-        </pc:sldMkLst>
-        <pc:spChg chg="mod">
-          <ac:chgData name="Velani, Ankitkumar" userId="039f6639-35cd-4471-8ac8-1e78077ab1db" providerId="ADAL" clId="{84352D96-93B9-4F72-AE8C-18860CDEFF5B}" dt="2022-07-14T15:38:22.707" v="9742" actId="20577"/>
-          <ac:spMkLst>
-            <pc:docMk/>
-            <pc:sldMk cId="3224482173" sldId="308"/>
-            <ac:spMk id="3" creationId="{0EA967CB-E3D1-4BCE-8FE5-D24A466B837D}"/>
-          </ac:spMkLst>
-        </pc:spChg>
-      </pc:sldChg>
-      <pc:sldChg chg="modSp add mod">
-        <pc:chgData name="Velani, Ankitkumar" userId="039f6639-35cd-4471-8ac8-1e78077ab1db" providerId="ADAL" clId="{84352D96-93B9-4F72-AE8C-18860CDEFF5B}" dt="2022-07-14T15:41:00.549" v="9926" actId="207"/>
-        <pc:sldMkLst>
-          <pc:docMk/>
-          <pc:sldMk cId="2995025662" sldId="309"/>
-        </pc:sldMkLst>
-        <pc:spChg chg="mod">
-          <ac:chgData name="Velani, Ankitkumar" userId="039f6639-35cd-4471-8ac8-1e78077ab1db" providerId="ADAL" clId="{84352D96-93B9-4F72-AE8C-18860CDEFF5B}" dt="2022-07-14T15:41:00.549" v="9926" actId="207"/>
-          <ac:spMkLst>
-            <pc:docMk/>
-            <pc:sldMk cId="2995025662" sldId="309"/>
-            <ac:spMk id="3" creationId="{0EA967CB-E3D1-4BCE-8FE5-D24A466B837D}"/>
-          </ac:spMkLst>
-        </pc:spChg>
-        <pc:spChg chg="mod">
-          <ac:chgData name="Velani, Ankitkumar" userId="039f6639-35cd-4471-8ac8-1e78077ab1db" providerId="ADAL" clId="{84352D96-93B9-4F72-AE8C-18860CDEFF5B}" dt="2022-07-14T15:38:51.756" v="9758" actId="20577"/>
-          <ac:spMkLst>
-            <pc:docMk/>
-            <pc:sldMk cId="2995025662" sldId="309"/>
-            <ac:spMk id="109" creationId="{00000000-0000-0000-0000-000000000000}"/>
-          </ac:spMkLst>
-        </pc:spChg>
-      </pc:sldChg>
-      <pc:sldChg chg="modSp add mod">
-        <pc:chgData name="Velani, Ankitkumar" userId="039f6639-35cd-4471-8ac8-1e78077ab1db" providerId="ADAL" clId="{84352D96-93B9-4F72-AE8C-18860CDEFF5B}" dt="2022-07-14T15:42:43.917" v="10053" actId="20577"/>
-        <pc:sldMkLst>
-          <pc:docMk/>
-          <pc:sldMk cId="3743774038" sldId="310"/>
-        </pc:sldMkLst>
-        <pc:spChg chg="mod">
-          <ac:chgData name="Velani, Ankitkumar" userId="039f6639-35cd-4471-8ac8-1e78077ab1db" providerId="ADAL" clId="{84352D96-93B9-4F72-AE8C-18860CDEFF5B}" dt="2022-07-14T15:42:43.917" v="10053" actId="20577"/>
-          <ac:spMkLst>
-            <pc:docMk/>
-            <pc:sldMk cId="3743774038" sldId="310"/>
-            <ac:spMk id="3" creationId="{0EA967CB-E3D1-4BCE-8FE5-D24A466B837D}"/>
-          </ac:spMkLst>
-        </pc:spChg>
-        <pc:spChg chg="mod">
-          <ac:chgData name="Velani, Ankitkumar" userId="039f6639-35cd-4471-8ac8-1e78077ab1db" providerId="ADAL" clId="{84352D96-93B9-4F72-AE8C-18860CDEFF5B}" dt="2022-07-14T15:41:38.062" v="9944" actId="20577"/>
-          <ac:spMkLst>
-            <pc:docMk/>
-            <pc:sldMk cId="3743774038" sldId="310"/>
-            <ac:spMk id="109" creationId="{00000000-0000-0000-0000-000000000000}"/>
-          </ac:spMkLst>
-        </pc:spChg>
-      </pc:sldChg>
-      <pc:sldChg chg="addSp modSp add mod">
-        <pc:chgData name="Velani, Ankitkumar" userId="039f6639-35cd-4471-8ac8-1e78077ab1db" providerId="ADAL" clId="{84352D96-93B9-4F72-AE8C-18860CDEFF5B}" dt="2022-07-14T15:50:01.653" v="10710" actId="255"/>
-        <pc:sldMkLst>
-          <pc:docMk/>
-          <pc:sldMk cId="3535413999" sldId="311"/>
-        </pc:sldMkLst>
-        <pc:spChg chg="add mod">
-          <ac:chgData name="Velani, Ankitkumar" userId="039f6639-35cd-4471-8ac8-1e78077ab1db" providerId="ADAL" clId="{84352D96-93B9-4F72-AE8C-18860CDEFF5B}" dt="2022-07-14T15:50:01.653" v="10710" actId="255"/>
-          <ac:spMkLst>
-            <pc:docMk/>
-            <pc:sldMk cId="3535413999" sldId="311"/>
-            <ac:spMk id="3" creationId="{992385E0-7579-4745-923A-A07F6FC70859}"/>
-          </ac:spMkLst>
-        </pc:spChg>
-        <pc:spChg chg="mod">
-          <ac:chgData name="Velani, Ankitkumar" userId="039f6639-35cd-4471-8ac8-1e78077ab1db" providerId="ADAL" clId="{84352D96-93B9-4F72-AE8C-18860CDEFF5B}" dt="2022-07-14T15:48:32.177" v="10654" actId="114"/>
-          <ac:spMkLst>
-            <pc:docMk/>
-            <pc:sldMk cId="3535413999" sldId="311"/>
-            <ac:spMk id="109" creationId="{00000000-0000-0000-0000-000000000000}"/>
-          </ac:spMkLst>
-        </pc:spChg>
-        <pc:graphicFrameChg chg="add mod modGraphic">
-          <ac:chgData name="Velani, Ankitkumar" userId="039f6639-35cd-4471-8ac8-1e78077ab1db" providerId="ADAL" clId="{84352D96-93B9-4F72-AE8C-18860CDEFF5B}" dt="2022-07-14T15:49:50.664" v="10700"/>
-          <ac:graphicFrameMkLst>
-            <pc:docMk/>
-            <pc:sldMk cId="3535413999" sldId="311"/>
-            <ac:graphicFrameMk id="2" creationId="{7EB3525F-8460-4683-9954-757464AB7594}"/>
-          </ac:graphicFrameMkLst>
-        </pc:graphicFrameChg>
-      </pc:sldChg>
-      <pc:sldChg chg="delSp modSp add mod">
-        <pc:chgData name="Velani, Ankitkumar" userId="039f6639-35cd-4471-8ac8-1e78077ab1db" providerId="ADAL" clId="{84352D96-93B9-4F72-AE8C-18860CDEFF5B}" dt="2022-07-14T15:53:14.918" v="11079" actId="113"/>
-        <pc:sldMkLst>
-          <pc:docMk/>
-          <pc:sldMk cId="2675418257" sldId="312"/>
-        </pc:sldMkLst>
-        <pc:spChg chg="del">
-          <ac:chgData name="Velani, Ankitkumar" userId="039f6639-35cd-4471-8ac8-1e78077ab1db" providerId="ADAL" clId="{84352D96-93B9-4F72-AE8C-18860CDEFF5B}" dt="2022-07-14T15:50:40.439" v="10746" actId="478"/>
-          <ac:spMkLst>
-            <pc:docMk/>
-            <pc:sldMk cId="2675418257" sldId="312"/>
-            <ac:spMk id="3" creationId="{992385E0-7579-4745-923A-A07F6FC70859}"/>
-          </ac:spMkLst>
-        </pc:spChg>
-        <pc:spChg chg="mod">
-          <ac:chgData name="Velani, Ankitkumar" userId="039f6639-35cd-4471-8ac8-1e78077ab1db" providerId="ADAL" clId="{84352D96-93B9-4F72-AE8C-18860CDEFF5B}" dt="2022-07-14T15:53:14.918" v="11079" actId="113"/>
-          <ac:spMkLst>
-            <pc:docMk/>
-            <pc:sldMk cId="2675418257" sldId="312"/>
-            <ac:spMk id="109" creationId="{00000000-0000-0000-0000-000000000000}"/>
-          </ac:spMkLst>
-        </pc:spChg>
-        <pc:graphicFrameChg chg="del">
-          <ac:chgData name="Velani, Ankitkumar" userId="039f6639-35cd-4471-8ac8-1e78077ab1db" providerId="ADAL" clId="{84352D96-93B9-4F72-AE8C-18860CDEFF5B}" dt="2022-07-14T15:50:38.753" v="10745" actId="478"/>
-          <ac:graphicFrameMkLst>
-            <pc:docMk/>
-            <pc:sldMk cId="2675418257" sldId="312"/>
-            <ac:graphicFrameMk id="2" creationId="{7EB3525F-8460-4683-9954-757464AB7594}"/>
-          </ac:graphicFrameMkLst>
-        </pc:graphicFrameChg>
-      </pc:sldChg>
-      <pc:sldChg chg="modSp add mod">
-        <pc:chgData name="Velani, Ankitkumar" userId="039f6639-35cd-4471-8ac8-1e78077ab1db" providerId="ADAL" clId="{84352D96-93B9-4F72-AE8C-18860CDEFF5B}" dt="2022-07-14T16:03:19.120" v="11901" actId="20577"/>
-        <pc:sldMkLst>
-          <pc:docMk/>
-          <pc:sldMk cId="2772585780" sldId="313"/>
-        </pc:sldMkLst>
-        <pc:spChg chg="mod">
-          <ac:chgData name="Velani, Ankitkumar" userId="039f6639-35cd-4471-8ac8-1e78077ab1db" providerId="ADAL" clId="{84352D96-93B9-4F72-AE8C-18860CDEFF5B}" dt="2022-07-14T16:03:19.120" v="11901" actId="20577"/>
-          <ac:spMkLst>
-            <pc:docMk/>
-            <pc:sldMk cId="2772585780" sldId="313"/>
-            <ac:spMk id="109" creationId="{00000000-0000-0000-0000-000000000000}"/>
-          </ac:spMkLst>
-        </pc:spChg>
-      </pc:sldChg>
-      <pc:sldChg chg="modSp add mod">
-        <pc:chgData name="Velani, Ankitkumar" userId="039f6639-35cd-4471-8ac8-1e78077ab1db" providerId="ADAL" clId="{84352D96-93B9-4F72-AE8C-18860CDEFF5B}" dt="2022-07-14T16:01:35.974" v="11897" actId="20577"/>
-        <pc:sldMkLst>
-          <pc:docMk/>
-          <pc:sldMk cId="967904056" sldId="314"/>
-        </pc:sldMkLst>
-        <pc:spChg chg="mod">
-          <ac:chgData name="Velani, Ankitkumar" userId="039f6639-35cd-4471-8ac8-1e78077ab1db" providerId="ADAL" clId="{84352D96-93B9-4F72-AE8C-18860CDEFF5B}" dt="2022-07-14T16:01:35.974" v="11897" actId="20577"/>
-          <ac:spMkLst>
-            <pc:docMk/>
-            <pc:sldMk cId="967904056" sldId="314"/>
-            <ac:spMk id="109" creationId="{00000000-0000-0000-0000-000000000000}"/>
-          </ac:spMkLst>
-        </pc:spChg>
-      </pc:sldChg>
-      <pc:sldChg chg="modSp add mod">
-        <pc:chgData name="Velani, Ankitkumar" userId="039f6639-35cd-4471-8ac8-1e78077ab1db" providerId="ADAL" clId="{84352D96-93B9-4F72-AE8C-18860CDEFF5B}" dt="2022-07-15T02:28:38.034" v="12795" actId="20577"/>
-        <pc:sldMkLst>
-          <pc:docMk/>
-          <pc:sldMk cId="1220571586" sldId="315"/>
-        </pc:sldMkLst>
-        <pc:spChg chg="mod">
-          <ac:chgData name="Velani, Ankitkumar" userId="039f6639-35cd-4471-8ac8-1e78077ab1db" providerId="ADAL" clId="{84352D96-93B9-4F72-AE8C-18860CDEFF5B}" dt="2022-07-15T02:20:53.298" v="11941" actId="20577"/>
-          <ac:spMkLst>
-            <pc:docMk/>
-            <pc:sldMk cId="1220571586" sldId="315"/>
-            <ac:spMk id="108" creationId="{00000000-0000-0000-0000-000000000000}"/>
-          </ac:spMkLst>
-        </pc:spChg>
-        <pc:spChg chg="mod">
-          <ac:chgData name="Velani, Ankitkumar" userId="039f6639-35cd-4471-8ac8-1e78077ab1db" providerId="ADAL" clId="{84352D96-93B9-4F72-AE8C-18860CDEFF5B}" dt="2022-07-15T02:28:38.034" v="12795" actId="20577"/>
-          <ac:spMkLst>
-            <pc:docMk/>
-            <pc:sldMk cId="1220571586" sldId="315"/>
-            <ac:spMk id="109" creationId="{00000000-0000-0000-0000-000000000000}"/>
-          </ac:spMkLst>
-        </pc:spChg>
-      </pc:sldChg>
-      <pc:sldChg chg="modSp add mod">
-        <pc:chgData name="Velani, Ankitkumar" userId="039f6639-35cd-4471-8ac8-1e78077ab1db" providerId="ADAL" clId="{84352D96-93B9-4F72-AE8C-18860CDEFF5B}" dt="2022-07-15T02:37:24.102" v="13828" actId="20577"/>
-        <pc:sldMkLst>
-          <pc:docMk/>
-          <pc:sldMk cId="1006699271" sldId="316"/>
-        </pc:sldMkLst>
-        <pc:spChg chg="mod">
-          <ac:chgData name="Velani, Ankitkumar" userId="039f6639-35cd-4471-8ac8-1e78077ab1db" providerId="ADAL" clId="{84352D96-93B9-4F72-AE8C-18860CDEFF5B}" dt="2022-07-15T02:37:24.102" v="13828" actId="20577"/>
-          <ac:spMkLst>
-            <pc:docMk/>
-            <pc:sldMk cId="1006699271" sldId="316"/>
-            <ac:spMk id="109" creationId="{00000000-0000-0000-0000-000000000000}"/>
-          </ac:spMkLst>
-        </pc:spChg>
-      </pc:sldChg>
-      <pc:sldChg chg="modSp add mod">
-        <pc:chgData name="Velani, Ankitkumar" userId="039f6639-35cd-4471-8ac8-1e78077ab1db" providerId="ADAL" clId="{84352D96-93B9-4F72-AE8C-18860CDEFF5B}" dt="2022-07-15T02:37:11.699" v="13825" actId="113"/>
-        <pc:sldMkLst>
-          <pc:docMk/>
-          <pc:sldMk cId="3804771162" sldId="317"/>
-        </pc:sldMkLst>
-        <pc:spChg chg="mod">
-          <ac:chgData name="Velani, Ankitkumar" userId="039f6639-35cd-4471-8ac8-1e78077ab1db" providerId="ADAL" clId="{84352D96-93B9-4F72-AE8C-18860CDEFF5B}" dt="2022-07-15T02:37:11.699" v="13825" actId="113"/>
-          <ac:spMkLst>
-            <pc:docMk/>
-            <pc:sldMk cId="3804771162" sldId="317"/>
-            <ac:spMk id="109" creationId="{00000000-0000-0000-0000-000000000000}"/>
-          </ac:spMkLst>
-        </pc:spChg>
-      </pc:sldChg>
-      <pc:sldChg chg="modSp add mod">
-        <pc:chgData name="Velani, Ankitkumar" userId="039f6639-35cd-4471-8ac8-1e78077ab1db" providerId="ADAL" clId="{84352D96-93B9-4F72-AE8C-18860CDEFF5B}" dt="2022-07-15T02:40:08.749" v="14051" actId="20577"/>
-        <pc:sldMkLst>
-          <pc:docMk/>
-          <pc:sldMk cId="882034974" sldId="318"/>
-        </pc:sldMkLst>
-        <pc:spChg chg="mod">
-          <ac:chgData name="Velani, Ankitkumar" userId="039f6639-35cd-4471-8ac8-1e78077ab1db" providerId="ADAL" clId="{84352D96-93B9-4F72-AE8C-18860CDEFF5B}" dt="2022-07-15T02:40:08.749" v="14051" actId="20577"/>
-          <ac:spMkLst>
-            <pc:docMk/>
-            <pc:sldMk cId="882034974" sldId="318"/>
-            <ac:spMk id="109" creationId="{00000000-0000-0000-0000-000000000000}"/>
-          </ac:spMkLst>
-        </pc:spChg>
-      </pc:sldChg>
-      <pc:sldChg chg="modSp add mod">
-        <pc:chgData name="Velani, Ankitkumar" userId="039f6639-35cd-4471-8ac8-1e78077ab1db" providerId="ADAL" clId="{84352D96-93B9-4F72-AE8C-18860CDEFF5B}" dt="2022-07-15T02:44:11.682" v="14517"/>
-        <pc:sldMkLst>
-          <pc:docMk/>
-          <pc:sldMk cId="2257831915" sldId="319"/>
-        </pc:sldMkLst>
-        <pc:spChg chg="mod">
-          <ac:chgData name="Velani, Ankitkumar" userId="039f6639-35cd-4471-8ac8-1e78077ab1db" providerId="ADAL" clId="{84352D96-93B9-4F72-AE8C-18860CDEFF5B}" dt="2022-07-15T02:44:11.682" v="14517"/>
-          <ac:spMkLst>
-            <pc:docMk/>
-            <pc:sldMk cId="2257831915" sldId="319"/>
-            <ac:spMk id="109" creationId="{00000000-0000-0000-0000-000000000000}"/>
-          </ac:spMkLst>
-        </pc:spChg>
-      </pc:sldChg>
-    </pc:docChg>
-  </pc:docChgLst>
 </pc:chgInfo>
 </file>
 
@@ -5421,7 +5422,7 @@
           <a:p>
             <a:fld id="{9C7CBA4D-D1BF-4799-AFB6-DEAFC6EDC389}" type="datetime1">
               <a:rPr lang="en-US" smtClean="0"/>
-              <a:t>8/12/2022</a:t>
+              <a:t>8/13/2022</a:t>
             </a:fld>
             <a:endParaRPr/>
           </a:p>
@@ -6222,7 +6223,7 @@
           <a:p>
             <a:fld id="{D2142BB5-71BA-4403-ACBC-AC0ADABE599D}" type="datetime1">
               <a:rPr lang="en-US" smtClean="0"/>
-              <a:t>8/12/2022</a:t>
+              <a:t>8/13/2022</a:t>
             </a:fld>
             <a:endParaRPr/>
           </a:p>
@@ -7023,7 +7024,7 @@
           <a:p>
             <a:fld id="{E3162F0C-96E0-40FF-9E1B-9D227A4A314C}" type="datetime1">
               <a:rPr lang="en-US" smtClean="0"/>
-              <a:t>8/12/2022</a:t>
+              <a:t>8/13/2022</a:t>
             </a:fld>
             <a:endParaRPr/>
           </a:p>
@@ -7824,7 +7825,7 @@
           <a:p>
             <a:fld id="{0C62BD34-D5E2-4C87-AA2A-F8D5808875C3}" type="datetime1">
               <a:rPr lang="en-US" smtClean="0"/>
-              <a:t>8/12/2022</a:t>
+              <a:t>8/13/2022</a:t>
             </a:fld>
             <a:endParaRPr/>
           </a:p>
@@ -8634,7 +8635,7 @@
           <a:p>
             <a:fld id="{1599DCB5-5EA8-40ED-B6F6-94DEA97C34A4}" type="datetime1">
               <a:rPr lang="en-US" smtClean="0"/>
-              <a:t>8/12/2022</a:t>
+              <a:t>8/13/2022</a:t>
             </a:fld>
             <a:endParaRPr/>
           </a:p>
@@ -9613,7 +9614,7 @@
           <a:p>
             <a:fld id="{52BE42F2-D6E8-4175-AB2C-D0ED52518F51}" type="datetime1">
               <a:rPr lang="en-US" smtClean="0"/>
-              <a:t>8/12/2022</a:t>
+              <a:t>8/13/2022</a:t>
             </a:fld>
             <a:endParaRPr/>
           </a:p>
@@ -10930,7 +10931,7 @@
           <a:p>
             <a:fld id="{8E08C2CB-A4F7-4ED3-B68D-00B974296F17}" type="datetime1">
               <a:rPr lang="en-US" smtClean="0"/>
-              <a:t>8/12/2022</a:t>
+              <a:t>8/13/2022</a:t>
             </a:fld>
             <a:endParaRPr/>
           </a:p>
@@ -11571,7 +11572,7 @@
           <a:p>
             <a:fld id="{215C33B7-3119-4F7E-9A47-39575B828DEA}" type="datetime1">
               <a:rPr lang="en-US" smtClean="0"/>
-              <a:t>8/12/2022</a:t>
+              <a:t>8/13/2022</a:t>
             </a:fld>
             <a:endParaRPr/>
           </a:p>
@@ -12079,7 +12080,7 @@
           <a:p>
             <a:fld id="{06729030-588F-4AB5-8600-A0779876BA82}" type="datetime1">
               <a:rPr lang="en-US" smtClean="0"/>
-              <a:t>8/12/2022</a:t>
+              <a:t>8/13/2022</a:t>
             </a:fld>
             <a:endParaRPr/>
           </a:p>
@@ -13058,7 +13059,7 @@
           <a:p>
             <a:fld id="{6E094DC0-DFD9-4438-AAB3-6F0EAD517DD1}" type="datetime1">
               <a:rPr lang="en-US" smtClean="0"/>
-              <a:t>8/12/2022</a:t>
+              <a:t>8/13/2022</a:t>
             </a:fld>
             <a:endParaRPr/>
           </a:p>
@@ -13892,7 +13893,7 @@
           <a:p>
             <a:fld id="{E9E74B8F-DD15-4D57-890A-1843ABE3D877}" type="datetime1">
               <a:rPr lang="en-US" smtClean="0"/>
-              <a:t>8/12/2022</a:t>
+              <a:t>8/13/2022</a:t>
             </a:fld>
             <a:endParaRPr/>
           </a:p>
@@ -14926,7 +14927,7 @@
           <a:p>
             <a:fld id="{010FDBE2-1077-4F25-BEBD-151DC496D77A}" type="datetime1">
               <a:rPr lang="en-US" smtClean="0"/>
-              <a:t>8/12/2022</a:t>
+              <a:t>8/13/2022</a:t>
             </a:fld>
             <a:endParaRPr/>
           </a:p>
@@ -16433,7 +16434,7 @@
           <a:p>
             <a:fld id="{0C62BD34-D5E2-4C87-AA2A-F8D5808875C3}" type="datetime1">
               <a:rPr lang="en-US" smtClean="0"/>
-              <a:t>8/12/2022</a:t>
+              <a:t>8/13/2022</a:t>
             </a:fld>
             <a:endParaRPr lang="en-US"/>
           </a:p>
@@ -16788,7 +16789,7 @@
           <a:p>
             <a:fld id="{0C62BD34-D5E2-4C87-AA2A-F8D5808875C3}" type="datetime1">
               <a:rPr lang="en-US" smtClean="0"/>
-              <a:t>8/12/2022</a:t>
+              <a:t>8/13/2022</a:t>
             </a:fld>
             <a:endParaRPr lang="en-US"/>
           </a:p>
@@ -17095,7 +17096,7 @@
           <a:p>
             <a:fld id="{0C62BD34-D5E2-4C87-AA2A-F8D5808875C3}" type="datetime1">
               <a:rPr lang="en-US" smtClean="0"/>
-              <a:t>8/12/2022</a:t>
+              <a:t>8/13/2022</a:t>
             </a:fld>
             <a:endParaRPr lang="en-US"/>
           </a:p>
@@ -17442,6 +17443,195 @@
     <p:extLst>
       <p:ext uri="{BB962C8B-B14F-4D97-AF65-F5344CB8AC3E}">
         <p14:creationId xmlns:p14="http://schemas.microsoft.com/office/powerpoint/2010/main" val="708030352"/>
+      </p:ext>
+    </p:extLst>
+  </p:cSld>
+  <p:clrMapOvr>
+    <a:masterClrMapping/>
+  </p:clrMapOvr>
+</p:sld>
+</file>
+
+<file path=ppt/slides/slide13.xml><?xml version="1.0" encoding="utf-8"?>
+<p:sld xmlns:a="http://schemas.openxmlformats.org/drawingml/2006/main" xmlns:r="http://schemas.openxmlformats.org/officeDocument/2006/relationships" xmlns:p="http://schemas.openxmlformats.org/presentationml/2006/main">
+  <p:cSld>
+    <p:spTree>
+      <p:nvGrpSpPr>
+        <p:cNvPr id="1" name=""/>
+        <p:cNvGrpSpPr/>
+        <p:nvPr/>
+      </p:nvGrpSpPr>
+      <p:grpSpPr>
+        <a:xfrm>
+          <a:off x="0" y="0"/>
+          <a:ext cx="0" cy="0"/>
+          <a:chOff x="0" y="0"/>
+          <a:chExt cx="0" cy="0"/>
+        </a:xfrm>
+      </p:grpSpPr>
+      <p:sp>
+        <p:nvSpPr>
+          <p:cNvPr id="2" name="Title 1">
+            <a:extLst>
+              <a:ext uri="{FF2B5EF4-FFF2-40B4-BE49-F238E27FC236}">
+                <a16:creationId xmlns:a16="http://schemas.microsoft.com/office/drawing/2014/main" id="{FF31093D-43D3-481D-BB13-406C1F3D2483}"/>
+              </a:ext>
+            </a:extLst>
+          </p:cNvPr>
+          <p:cNvSpPr>
+            <a:spLocks noGrp="1"/>
+          </p:cNvSpPr>
+          <p:nvPr>
+            <p:ph type="title"/>
+          </p:nvPr>
+        </p:nvSpPr>
+        <p:spPr>
+          <a:xfrm>
+            <a:off x="323850" y="136375"/>
+            <a:ext cx="8229600" cy="1143000"/>
+          </a:xfrm>
+        </p:spPr>
+        <p:txBody>
+          <a:bodyPr/>
+          <a:lstStyle/>
+          <a:p>
+            <a:pPr algn="l"/>
+            <a:r>
+              <a:rPr lang="en-US" sz="4000" dirty="0"/>
+              <a:t>Create Employee_2 table in SQL</a:t>
+            </a:r>
+          </a:p>
+        </p:txBody>
+      </p:sp>
+      <p:sp>
+        <p:nvSpPr>
+          <p:cNvPr id="4" name="Date Placeholder 3">
+            <a:extLst>
+              <a:ext uri="{FF2B5EF4-FFF2-40B4-BE49-F238E27FC236}">
+                <a16:creationId xmlns:a16="http://schemas.microsoft.com/office/drawing/2014/main" id="{03772C69-5EF8-4D42-B948-1D9846B98CFB}"/>
+              </a:ext>
+            </a:extLst>
+          </p:cNvPr>
+          <p:cNvSpPr>
+            <a:spLocks noGrp="1"/>
+          </p:cNvSpPr>
+          <p:nvPr>
+            <p:ph type="dt" idx="10"/>
+          </p:nvPr>
+        </p:nvSpPr>
+        <p:spPr/>
+        <p:txBody>
+          <a:bodyPr/>
+          <a:lstStyle/>
+          <a:p>
+            <a:fld id="{0C62BD34-D5E2-4C87-AA2A-F8D5808875C3}" type="datetime1">
+              <a:rPr lang="en-US" smtClean="0"/>
+              <a:t>8/13/2022</a:t>
+            </a:fld>
+            <a:endParaRPr lang="en-US"/>
+          </a:p>
+        </p:txBody>
+      </p:sp>
+      <p:sp>
+        <p:nvSpPr>
+          <p:cNvPr id="5" name="Footer Placeholder 4">
+            <a:extLst>
+              <a:ext uri="{FF2B5EF4-FFF2-40B4-BE49-F238E27FC236}">
+                <a16:creationId xmlns:a16="http://schemas.microsoft.com/office/drawing/2014/main" id="{21CB6589-677E-4050-A120-D8E5CE7FB013}"/>
+              </a:ext>
+            </a:extLst>
+          </p:cNvPr>
+          <p:cNvSpPr>
+            <a:spLocks noGrp="1"/>
+          </p:cNvSpPr>
+          <p:nvPr>
+            <p:ph type="ftr" idx="11"/>
+          </p:nvPr>
+        </p:nvSpPr>
+        <p:spPr/>
+        <p:txBody>
+          <a:bodyPr/>
+          <a:lstStyle/>
+          <a:p>
+            <a:r>
+              <a:rPr lang="en-US"/>
+              <a:t>Ankit Velani, MBA-SIT,Tumkur</a:t>
+            </a:r>
+          </a:p>
+        </p:txBody>
+      </p:sp>
+      <p:sp>
+        <p:nvSpPr>
+          <p:cNvPr id="6" name="Slide Number Placeholder 5">
+            <a:extLst>
+              <a:ext uri="{FF2B5EF4-FFF2-40B4-BE49-F238E27FC236}">
+                <a16:creationId xmlns:a16="http://schemas.microsoft.com/office/drawing/2014/main" id="{5B034EDB-77DB-4A54-A01A-4E48B34CB53F}"/>
+              </a:ext>
+            </a:extLst>
+          </p:cNvPr>
+          <p:cNvSpPr>
+            <a:spLocks noGrp="1"/>
+          </p:cNvSpPr>
+          <p:nvPr>
+            <p:ph type="sldNum" idx="12"/>
+          </p:nvPr>
+        </p:nvSpPr>
+        <p:spPr/>
+        <p:txBody>
+          <a:bodyPr/>
+          <a:lstStyle/>
+          <a:p>
+            <a:pPr marL="0" lvl="0" indent="0" algn="r" rtl="0">
+              <a:spcBef>
+                <a:spcPts val="0"/>
+              </a:spcBef>
+              <a:spcAft>
+                <a:spcPts val="0"/>
+              </a:spcAft>
+              <a:buNone/>
+            </a:pPr>
+            <a:fld id="{00000000-1234-1234-1234-123412341234}" type="slidenum">
+              <a:rPr lang="en-US" smtClean="0"/>
+              <a:t>13</a:t>
+            </a:fld>
+            <a:endParaRPr lang="en-US"/>
+          </a:p>
+        </p:txBody>
+      </p:sp>
+      <p:pic>
+        <p:nvPicPr>
+          <p:cNvPr id="8" name="Picture 7">
+            <a:extLst>
+              <a:ext uri="{FF2B5EF4-FFF2-40B4-BE49-F238E27FC236}">
+                <a16:creationId xmlns:a16="http://schemas.microsoft.com/office/drawing/2014/main" id="{63E2BD5C-FA2D-4BFB-ABCF-C7AEEAE05C94}"/>
+              </a:ext>
+            </a:extLst>
+          </p:cNvPr>
+          <p:cNvPicPr>
+            <a:picLocks noChangeAspect="1"/>
+          </p:cNvPicPr>
+          <p:nvPr/>
+        </p:nvPicPr>
+        <p:blipFill>
+          <a:blip r:embed="rId2"/>
+          <a:stretch>
+            <a:fillRect/>
+          </a:stretch>
+        </p:blipFill>
+        <p:spPr>
+          <a:xfrm>
+            <a:off x="323850" y="1417638"/>
+            <a:ext cx="8496300" cy="5286375"/>
+          </a:xfrm>
+          <a:prstGeom prst="rect">
+            <a:avLst/>
+          </a:prstGeom>
+        </p:spPr>
+      </p:pic>
+    </p:spTree>
+    <p:extLst>
+      <p:ext uri="{BB962C8B-B14F-4D97-AF65-F5344CB8AC3E}">
+        <p14:creationId xmlns:p14="http://schemas.microsoft.com/office/powerpoint/2010/main" val="987387969"/>
       </p:ext>
     </p:extLst>
   </p:cSld>
@@ -17508,7 +17698,7 @@
             </a:pPr>
             <a:fld id="{8325990E-89A1-418C-BAD2-0015B9725131}" type="datetime1">
               <a:rPr lang="en-US" smtClean="0"/>
-              <a:t>8/12/2022</a:t>
+              <a:t>8/13/2022</a:t>
             </a:fld>
             <a:endParaRPr/>
           </a:p>
@@ -17805,7 +17995,7 @@
             </a:pPr>
             <a:fld id="{8325990E-89A1-418C-BAD2-0015B9725131}" type="datetime1">
               <a:rPr lang="en-US" smtClean="0"/>
-              <a:t>8/12/2022</a:t>
+              <a:t>8/13/2022</a:t>
             </a:fld>
             <a:endParaRPr/>
           </a:p>
@@ -18469,7 +18659,7 @@
             </a:pPr>
             <a:fld id="{8325990E-89A1-418C-BAD2-0015B9725131}" type="datetime1">
               <a:rPr lang="en-US" smtClean="0"/>
-              <a:t>8/12/2022</a:t>
+              <a:t>8/13/2022</a:t>
             </a:fld>
             <a:endParaRPr/>
           </a:p>
@@ -18800,7 +18990,7 @@
             </a:pPr>
             <a:fld id="{8325990E-89A1-418C-BAD2-0015B9725131}" type="datetime1">
               <a:rPr lang="en-US" smtClean="0"/>
-              <a:t>8/12/2022</a:t>
+              <a:t>8/13/2022</a:t>
             </a:fld>
             <a:endParaRPr/>
           </a:p>
@@ -19129,7 +19319,7 @@
             </a:pPr>
             <a:fld id="{8325990E-89A1-418C-BAD2-0015B9725131}" type="datetime1">
               <a:rPr lang="en-US" smtClean="0"/>
-              <a:t>8/12/2022</a:t>
+              <a:t>8/13/2022</a:t>
             </a:fld>
             <a:endParaRPr/>
           </a:p>
@@ -19694,7 +19884,7 @@
             </a:pPr>
             <a:fld id="{8325990E-89A1-418C-BAD2-0015B9725131}" type="datetime1">
               <a:rPr lang="en-US" smtClean="0"/>
-              <a:t>8/12/2022</a:t>
+              <a:t>8/13/2022</a:t>
             </a:fld>
             <a:endParaRPr/>
           </a:p>
@@ -20772,7 +20962,7 @@
           <a:p>
             <a:fld id="{0C62BD34-D5E2-4C87-AA2A-F8D5808875C3}" type="datetime1">
               <a:rPr lang="en-US" smtClean="0"/>
-              <a:t>8/12/2022</a:t>
+              <a:t>8/13/2022</a:t>
             </a:fld>
             <a:endParaRPr lang="en-US"/>
           </a:p>
@@ -21014,7 +21204,7 @@
           <a:p>
             <a:fld id="{0C62BD34-D5E2-4C87-AA2A-F8D5808875C3}" type="datetime1">
               <a:rPr lang="en-US" smtClean="0"/>
-              <a:t>8/12/2022</a:t>
+              <a:t>8/13/2022</a:t>
             </a:fld>
             <a:endParaRPr lang="en-US"/>
           </a:p>

--- a/BDTM/SQL/Unit-2 MySQL.pptx
+++ b/BDTM/SQL/Unit-2 MySQL.pptx
@@ -5,7 +5,7 @@
     <p:sldMasterId id="2147483659" r:id="rId1"/>
   </p:sldMasterIdLst>
   <p:notesMasterIdLst>
-    <p:notesMasterId r:id="rId84"/>
+    <p:notesMasterId r:id="rId83"/>
   </p:notesMasterIdLst>
   <p:sldIdLst>
     <p:sldId id="256" r:id="rId2"/>
@@ -61,35 +61,34 @@
     <p:sldId id="356" r:id="rId52"/>
     <p:sldId id="357" r:id="rId53"/>
     <p:sldId id="368" r:id="rId54"/>
-    <p:sldId id="369" r:id="rId55"/>
-    <p:sldId id="372" r:id="rId56"/>
-    <p:sldId id="358" r:id="rId57"/>
-    <p:sldId id="373" r:id="rId58"/>
-    <p:sldId id="359" r:id="rId59"/>
-    <p:sldId id="374" r:id="rId60"/>
-    <p:sldId id="360" r:id="rId61"/>
-    <p:sldId id="375" r:id="rId62"/>
-    <p:sldId id="361" r:id="rId63"/>
-    <p:sldId id="362" r:id="rId64"/>
-    <p:sldId id="378" r:id="rId65"/>
-    <p:sldId id="379" r:id="rId66"/>
-    <p:sldId id="363" r:id="rId67"/>
-    <p:sldId id="355" r:id="rId68"/>
-    <p:sldId id="364" r:id="rId69"/>
-    <p:sldId id="380" r:id="rId70"/>
-    <p:sldId id="381" r:id="rId71"/>
-    <p:sldId id="382" r:id="rId72"/>
-    <p:sldId id="383" r:id="rId73"/>
-    <p:sldId id="385" r:id="rId74"/>
-    <p:sldId id="365" r:id="rId75"/>
-    <p:sldId id="387" r:id="rId76"/>
-    <p:sldId id="388" r:id="rId77"/>
-    <p:sldId id="389" r:id="rId78"/>
-    <p:sldId id="390" r:id="rId79"/>
-    <p:sldId id="366" r:id="rId80"/>
-    <p:sldId id="391" r:id="rId81"/>
-    <p:sldId id="392" r:id="rId82"/>
-    <p:sldId id="367" r:id="rId83"/>
+    <p:sldId id="372" r:id="rId55"/>
+    <p:sldId id="358" r:id="rId56"/>
+    <p:sldId id="373" r:id="rId57"/>
+    <p:sldId id="359" r:id="rId58"/>
+    <p:sldId id="374" r:id="rId59"/>
+    <p:sldId id="360" r:id="rId60"/>
+    <p:sldId id="375" r:id="rId61"/>
+    <p:sldId id="361" r:id="rId62"/>
+    <p:sldId id="362" r:id="rId63"/>
+    <p:sldId id="378" r:id="rId64"/>
+    <p:sldId id="379" r:id="rId65"/>
+    <p:sldId id="363" r:id="rId66"/>
+    <p:sldId id="355" r:id="rId67"/>
+    <p:sldId id="364" r:id="rId68"/>
+    <p:sldId id="380" r:id="rId69"/>
+    <p:sldId id="381" r:id="rId70"/>
+    <p:sldId id="382" r:id="rId71"/>
+    <p:sldId id="383" r:id="rId72"/>
+    <p:sldId id="385" r:id="rId73"/>
+    <p:sldId id="365" r:id="rId74"/>
+    <p:sldId id="387" r:id="rId75"/>
+    <p:sldId id="388" r:id="rId76"/>
+    <p:sldId id="389" r:id="rId77"/>
+    <p:sldId id="390" r:id="rId78"/>
+    <p:sldId id="366" r:id="rId79"/>
+    <p:sldId id="391" r:id="rId80"/>
+    <p:sldId id="392" r:id="rId81"/>
+    <p:sldId id="367" r:id="rId82"/>
   </p:sldIdLst>
   <p:sldSz cx="9144000" cy="6858000" type="screen4x3"/>
   <p:notesSz cx="9144000" cy="6858000"/>
@@ -354,7 +353,7 @@
   <pc:docChgLst>
     <pc:chgData name="Velani, Ankitkumar" userId="039f6639-35cd-4471-8ac8-1e78077ab1db" providerId="ADAL" clId="{6E7EBFA6-20D7-458D-8FE4-D4D9E95247FF}"/>
     <pc:docChg chg="undo redo custSel addSld delSld modSld sldOrd">
-      <pc:chgData name="Velani, Ankitkumar" userId="039f6639-35cd-4471-8ac8-1e78077ab1db" providerId="ADAL" clId="{6E7EBFA6-20D7-458D-8FE4-D4D9E95247FF}" dt="2022-09-02T17:01:04.337" v="8706" actId="2696"/>
+      <pc:chgData name="Velani, Ankitkumar" userId="039f6639-35cd-4471-8ac8-1e78077ab1db" providerId="ADAL" clId="{6E7EBFA6-20D7-458D-8FE4-D4D9E95247FF}" dt="2022-09-03T02:50:34.206" v="8709" actId="47"/>
       <pc:docMkLst>
         <pc:docMk/>
       </pc:docMkLst>
@@ -2078,7 +2077,7 @@
         </pc:spChg>
       </pc:sldChg>
       <pc:sldChg chg="delSp modSp add mod">
-        <pc:chgData name="Velani, Ankitkumar" userId="039f6639-35cd-4471-8ac8-1e78077ab1db" providerId="ADAL" clId="{6E7EBFA6-20D7-458D-8FE4-D4D9E95247FF}" dt="2022-09-02T16:54:57.849" v="8613" actId="20577"/>
+        <pc:chgData name="Velani, Ankitkumar" userId="039f6639-35cd-4471-8ac8-1e78077ab1db" providerId="ADAL" clId="{6E7EBFA6-20D7-458D-8FE4-D4D9E95247FF}" dt="2022-09-03T02:49:57.450" v="8708" actId="20577"/>
         <pc:sldMkLst>
           <pc:docMk/>
           <pc:sldMk cId="1927055290" sldId="352"/>
@@ -2092,7 +2091,7 @@
           </ac:spMkLst>
         </pc:spChg>
         <pc:spChg chg="mod">
-          <ac:chgData name="Velani, Ankitkumar" userId="039f6639-35cd-4471-8ac8-1e78077ab1db" providerId="ADAL" clId="{6E7EBFA6-20D7-458D-8FE4-D4D9E95247FF}" dt="2022-09-02T16:54:57.849" v="8613" actId="20577"/>
+          <ac:chgData name="Velani, Ankitkumar" userId="039f6639-35cd-4471-8ac8-1e78077ab1db" providerId="ADAL" clId="{6E7EBFA6-20D7-458D-8FE4-D4D9E95247FF}" dt="2022-09-03T02:49:57.450" v="8708" actId="20577"/>
           <ac:spMkLst>
             <pc:docMk/>
             <pc:sldMk cId="1927055290" sldId="352"/>
@@ -2803,8 +2802,8 @@
           </ac:picMkLst>
         </pc:picChg>
       </pc:sldChg>
-      <pc:sldChg chg="modSp add mod">
-        <pc:chgData name="Velani, Ankitkumar" userId="039f6639-35cd-4471-8ac8-1e78077ab1db" providerId="ADAL" clId="{6E7EBFA6-20D7-458D-8FE4-D4D9E95247FF}" dt="2022-09-02T15:05:56.690" v="7182" actId="113"/>
+      <pc:sldChg chg="modSp add del mod">
+        <pc:chgData name="Velani, Ankitkumar" userId="039f6639-35cd-4471-8ac8-1e78077ab1db" providerId="ADAL" clId="{6E7EBFA6-20D7-458D-8FE4-D4D9E95247FF}" dt="2022-09-03T02:50:34.206" v="8709" actId="47"/>
         <pc:sldMkLst>
           <pc:docMk/>
           <pc:sldMk cId="300499276" sldId="369"/>
@@ -8097,7 +8096,7 @@
           <a:p>
             <a:fld id="{9C7CBA4D-D1BF-4799-AFB6-DEAFC6EDC389}" type="datetime1">
               <a:rPr lang="en-US" smtClean="0"/>
-              <a:t>9/2/2022</a:t>
+              <a:t>9/3/2022</a:t>
             </a:fld>
             <a:endParaRPr/>
           </a:p>
@@ -8898,7 +8897,7 @@
           <a:p>
             <a:fld id="{D2142BB5-71BA-4403-ACBC-AC0ADABE599D}" type="datetime1">
               <a:rPr lang="en-US" smtClean="0"/>
-              <a:t>9/2/2022</a:t>
+              <a:t>9/3/2022</a:t>
             </a:fld>
             <a:endParaRPr/>
           </a:p>
@@ -9699,7 +9698,7 @@
           <a:p>
             <a:fld id="{E3162F0C-96E0-40FF-9E1B-9D227A4A314C}" type="datetime1">
               <a:rPr lang="en-US" smtClean="0"/>
-              <a:t>9/2/2022</a:t>
+              <a:t>9/3/2022</a:t>
             </a:fld>
             <a:endParaRPr/>
           </a:p>
@@ -10500,7 +10499,7 @@
           <a:p>
             <a:fld id="{0C62BD34-D5E2-4C87-AA2A-F8D5808875C3}" type="datetime1">
               <a:rPr lang="en-US" smtClean="0"/>
-              <a:t>9/2/2022</a:t>
+              <a:t>9/3/2022</a:t>
             </a:fld>
             <a:endParaRPr/>
           </a:p>
@@ -11310,7 +11309,7 @@
           <a:p>
             <a:fld id="{1599DCB5-5EA8-40ED-B6F6-94DEA97C34A4}" type="datetime1">
               <a:rPr lang="en-US" smtClean="0"/>
-              <a:t>9/2/2022</a:t>
+              <a:t>9/3/2022</a:t>
             </a:fld>
             <a:endParaRPr/>
           </a:p>
@@ -12289,7 +12288,7 @@
           <a:p>
             <a:fld id="{52BE42F2-D6E8-4175-AB2C-D0ED52518F51}" type="datetime1">
               <a:rPr lang="en-US" smtClean="0"/>
-              <a:t>9/2/2022</a:t>
+              <a:t>9/3/2022</a:t>
             </a:fld>
             <a:endParaRPr/>
           </a:p>
@@ -13606,7 +13605,7 @@
           <a:p>
             <a:fld id="{8E08C2CB-A4F7-4ED3-B68D-00B974296F17}" type="datetime1">
               <a:rPr lang="en-US" smtClean="0"/>
-              <a:t>9/2/2022</a:t>
+              <a:t>9/3/2022</a:t>
             </a:fld>
             <a:endParaRPr/>
           </a:p>
@@ -14247,7 +14246,7 @@
           <a:p>
             <a:fld id="{215C33B7-3119-4F7E-9A47-39575B828DEA}" type="datetime1">
               <a:rPr lang="en-US" smtClean="0"/>
-              <a:t>9/2/2022</a:t>
+              <a:t>9/3/2022</a:t>
             </a:fld>
             <a:endParaRPr/>
           </a:p>
@@ -14755,7 +14754,7 @@
           <a:p>
             <a:fld id="{06729030-588F-4AB5-8600-A0779876BA82}" type="datetime1">
               <a:rPr lang="en-US" smtClean="0"/>
-              <a:t>9/2/2022</a:t>
+              <a:t>9/3/2022</a:t>
             </a:fld>
             <a:endParaRPr/>
           </a:p>
@@ -15734,7 +15733,7 @@
           <a:p>
             <a:fld id="{6E094DC0-DFD9-4438-AAB3-6F0EAD517DD1}" type="datetime1">
               <a:rPr lang="en-US" smtClean="0"/>
-              <a:t>9/2/2022</a:t>
+              <a:t>9/3/2022</a:t>
             </a:fld>
             <a:endParaRPr/>
           </a:p>
@@ -16568,7 +16567,7 @@
           <a:p>
             <a:fld id="{E9E74B8F-DD15-4D57-890A-1843ABE3D877}" type="datetime1">
               <a:rPr lang="en-US" smtClean="0"/>
-              <a:t>9/2/2022</a:t>
+              <a:t>9/3/2022</a:t>
             </a:fld>
             <a:endParaRPr/>
           </a:p>
@@ -17602,7 +17601,7 @@
           <a:p>
             <a:fld id="{010FDBE2-1077-4F25-BEBD-151DC496D77A}" type="datetime1">
               <a:rPr lang="en-US" smtClean="0"/>
-              <a:t>9/2/2022</a:t>
+              <a:t>9/3/2022</a:t>
             </a:fld>
             <a:endParaRPr/>
           </a:p>
@@ -19109,7 +19108,7 @@
           <a:p>
             <a:fld id="{0C62BD34-D5E2-4C87-AA2A-F8D5808875C3}" type="datetime1">
               <a:rPr lang="en-US" smtClean="0"/>
-              <a:t>9/2/2022</a:t>
+              <a:t>9/3/2022</a:t>
             </a:fld>
             <a:endParaRPr lang="en-US"/>
           </a:p>
@@ -19464,7 +19463,7 @@
           <a:p>
             <a:fld id="{0C62BD34-D5E2-4C87-AA2A-F8D5808875C3}" type="datetime1">
               <a:rPr lang="en-US" smtClean="0"/>
-              <a:t>9/2/2022</a:t>
+              <a:t>9/3/2022</a:t>
             </a:fld>
             <a:endParaRPr lang="en-US"/>
           </a:p>
@@ -19771,7 +19770,7 @@
           <a:p>
             <a:fld id="{0C62BD34-D5E2-4C87-AA2A-F8D5808875C3}" type="datetime1">
               <a:rPr lang="en-US" smtClean="0"/>
-              <a:t>9/2/2022</a:t>
+              <a:t>9/3/2022</a:t>
             </a:fld>
             <a:endParaRPr lang="en-US"/>
           </a:p>
@@ -20201,7 +20200,7 @@
           <a:p>
             <a:fld id="{0C62BD34-D5E2-4C87-AA2A-F8D5808875C3}" type="datetime1">
               <a:rPr lang="en-US" smtClean="0"/>
-              <a:t>9/2/2022</a:t>
+              <a:t>9/3/2022</a:t>
             </a:fld>
             <a:endParaRPr lang="en-US"/>
           </a:p>
@@ -20454,7 +20453,7 @@
           <a:p>
             <a:fld id="{0C62BD34-D5E2-4C87-AA2A-F8D5808875C3}" type="datetime1">
               <a:rPr lang="en-US" smtClean="0"/>
-              <a:t>9/2/2022</a:t>
+              <a:t>9/3/2022</a:t>
             </a:fld>
             <a:endParaRPr lang="en-US"/>
           </a:p>
@@ -20752,7 +20751,7 @@
           <a:p>
             <a:fld id="{0C62BD34-D5E2-4C87-AA2A-F8D5808875C3}" type="datetime1">
               <a:rPr lang="en-US" smtClean="0"/>
-              <a:t>9/2/2022</a:t>
+              <a:t>9/3/2022</a:t>
             </a:fld>
             <a:endParaRPr lang="en-US"/>
           </a:p>
@@ -21059,7 +21058,7 @@
           <a:p>
             <a:fld id="{0C62BD34-D5E2-4C87-AA2A-F8D5808875C3}" type="datetime1">
               <a:rPr lang="en-US" smtClean="0"/>
-              <a:t>9/2/2022</a:t>
+              <a:t>9/3/2022</a:t>
             </a:fld>
             <a:endParaRPr lang="en-US"/>
           </a:p>
@@ -21350,7 +21349,7 @@
           <a:p>
             <a:fld id="{0C62BD34-D5E2-4C87-AA2A-F8D5808875C3}" type="datetime1">
               <a:rPr lang="en-US" smtClean="0"/>
-              <a:t>9/2/2022</a:t>
+              <a:t>9/3/2022</a:t>
             </a:fld>
             <a:endParaRPr lang="en-US"/>
           </a:p>
@@ -21894,7 +21893,7 @@
           <a:p>
             <a:fld id="{0C62BD34-D5E2-4C87-AA2A-F8D5808875C3}" type="datetime1">
               <a:rPr lang="en-US" smtClean="0"/>
-              <a:t>9/2/2022</a:t>
+              <a:t>9/3/2022</a:t>
             </a:fld>
             <a:endParaRPr lang="en-US"/>
           </a:p>
@@ -22063,7 +22062,7 @@
           <a:p>
             <a:fld id="{0C62BD34-D5E2-4C87-AA2A-F8D5808875C3}" type="datetime1">
               <a:rPr lang="en-US" smtClean="0"/>
-              <a:t>9/2/2022</a:t>
+              <a:t>9/3/2022</a:t>
             </a:fld>
             <a:endParaRPr lang="en-US"/>
           </a:p>
@@ -22847,7 +22846,7 @@
             </a:pPr>
             <a:fld id="{8325990E-89A1-418C-BAD2-0015B9725131}" type="datetime1">
               <a:rPr lang="en-US" smtClean="0"/>
-              <a:t>9/2/2022</a:t>
+              <a:t>9/3/2022</a:t>
             </a:fld>
             <a:endParaRPr/>
           </a:p>
@@ -23174,7 +23173,7 @@
           <a:p>
             <a:fld id="{0C62BD34-D5E2-4C87-AA2A-F8D5808875C3}" type="datetime1">
               <a:rPr lang="en-US" smtClean="0"/>
-              <a:t>9/2/2022</a:t>
+              <a:t>9/3/2022</a:t>
             </a:fld>
             <a:endParaRPr lang="en-US"/>
           </a:p>
@@ -23691,7 +23690,7 @@
           <a:p>
             <a:fld id="{0C62BD34-D5E2-4C87-AA2A-F8D5808875C3}" type="datetime1">
               <a:rPr lang="en-US" smtClean="0"/>
-              <a:t>9/2/2022</a:t>
+              <a:t>9/3/2022</a:t>
             </a:fld>
             <a:endParaRPr lang="en-US"/>
           </a:p>
@@ -24797,7 +24796,7 @@
           <a:p>
             <a:fld id="{0C62BD34-D5E2-4C87-AA2A-F8D5808875C3}" type="datetime1">
               <a:rPr lang="en-US" smtClean="0"/>
-              <a:t>9/2/2022</a:t>
+              <a:t>9/3/2022</a:t>
             </a:fld>
             <a:endParaRPr lang="en-US"/>
           </a:p>
@@ -25324,7 +25323,7 @@
           <a:p>
             <a:fld id="{0C62BD34-D5E2-4C87-AA2A-F8D5808875C3}" type="datetime1">
               <a:rPr lang="en-US" smtClean="0"/>
-              <a:t>9/2/2022</a:t>
+              <a:t>9/3/2022</a:t>
             </a:fld>
             <a:endParaRPr lang="en-US"/>
           </a:p>
@@ -25755,7 +25754,7 @@
           <a:p>
             <a:fld id="{0C62BD34-D5E2-4C87-AA2A-F8D5808875C3}" type="datetime1">
               <a:rPr lang="en-US" smtClean="0"/>
-              <a:t>9/2/2022</a:t>
+              <a:t>9/3/2022</a:t>
             </a:fld>
             <a:endParaRPr lang="en-US"/>
           </a:p>
@@ -26255,7 +26254,7 @@
           <a:p>
             <a:fld id="{0C62BD34-D5E2-4C87-AA2A-F8D5808875C3}" type="datetime1">
               <a:rPr lang="en-US" smtClean="0"/>
-              <a:t>9/2/2022</a:t>
+              <a:t>9/3/2022</a:t>
             </a:fld>
             <a:endParaRPr lang="en-US"/>
           </a:p>
@@ -26593,7 +26592,7 @@
           <a:p>
             <a:fld id="{0C62BD34-D5E2-4C87-AA2A-F8D5808875C3}" type="datetime1">
               <a:rPr lang="en-US" smtClean="0"/>
-              <a:t>9/2/2022</a:t>
+              <a:t>9/3/2022</a:t>
             </a:fld>
             <a:endParaRPr lang="en-US"/>
           </a:p>
@@ -27022,7 +27021,7 @@
           <a:p>
             <a:fld id="{0C62BD34-D5E2-4C87-AA2A-F8D5808875C3}" type="datetime1">
               <a:rPr lang="en-US" smtClean="0"/>
-              <a:t>9/2/2022</a:t>
+              <a:t>9/3/2022</a:t>
             </a:fld>
             <a:endParaRPr lang="en-US"/>
           </a:p>
@@ -27393,7 +27392,7 @@
           <a:p>
             <a:fld id="{0C62BD34-D5E2-4C87-AA2A-F8D5808875C3}" type="datetime1">
               <a:rPr lang="en-US" smtClean="0"/>
-              <a:t>9/2/2022</a:t>
+              <a:t>9/3/2022</a:t>
             </a:fld>
             <a:endParaRPr lang="en-US"/>
           </a:p>
@@ -27819,7 +27818,7 @@
           <a:p>
             <a:fld id="{0C62BD34-D5E2-4C87-AA2A-F8D5808875C3}" type="datetime1">
               <a:rPr lang="en-US" smtClean="0"/>
-              <a:t>9/2/2022</a:t>
+              <a:t>9/3/2022</a:t>
             </a:fld>
             <a:endParaRPr lang="en-US"/>
           </a:p>
@@ -27961,7 +27960,7 @@
             </a:pPr>
             <a:fld id="{8325990E-89A1-418C-BAD2-0015B9725131}" type="datetime1">
               <a:rPr lang="en-US" smtClean="0"/>
-              <a:t>9/2/2022</a:t>
+              <a:t>9/3/2022</a:t>
             </a:fld>
             <a:endParaRPr/>
           </a:p>
@@ -28926,7 +28925,7 @@
           <a:p>
             <a:fld id="{0C62BD34-D5E2-4C87-AA2A-F8D5808875C3}" type="datetime1">
               <a:rPr lang="en-US" smtClean="0"/>
-              <a:t>9/2/2022</a:t>
+              <a:t>9/3/2022</a:t>
             </a:fld>
             <a:endParaRPr lang="en-US"/>
           </a:p>
@@ -29241,7 +29240,7 @@
           <a:p>
             <a:fld id="{0C62BD34-D5E2-4C87-AA2A-F8D5808875C3}" type="datetime1">
               <a:rPr lang="en-US" smtClean="0"/>
-              <a:t>9/2/2022</a:t>
+              <a:t>9/3/2022</a:t>
             </a:fld>
             <a:endParaRPr lang="en-US"/>
           </a:p>
@@ -29557,7 +29556,7 @@
           <a:p>
             <a:fld id="{0C62BD34-D5E2-4C87-AA2A-F8D5808875C3}" type="datetime1">
               <a:rPr lang="en-US" smtClean="0"/>
-              <a:t>9/2/2022</a:t>
+              <a:t>9/3/2022</a:t>
             </a:fld>
             <a:endParaRPr lang="en-US"/>
           </a:p>
@@ -29853,7 +29852,7 @@
           <a:p>
             <a:fld id="{0C62BD34-D5E2-4C87-AA2A-F8D5808875C3}" type="datetime1">
               <a:rPr lang="en-US" smtClean="0"/>
-              <a:t>9/2/2022</a:t>
+              <a:t>9/3/2022</a:t>
             </a:fld>
             <a:endParaRPr lang="en-US"/>
           </a:p>
@@ -30149,7 +30148,7 @@
           <a:p>
             <a:fld id="{0C62BD34-D5E2-4C87-AA2A-F8D5808875C3}" type="datetime1">
               <a:rPr lang="en-US" smtClean="0"/>
-              <a:t>9/2/2022</a:t>
+              <a:t>9/3/2022</a:t>
             </a:fld>
             <a:endParaRPr lang="en-US"/>
           </a:p>
@@ -30302,7 +30301,7 @@
           <a:p>
             <a:fld id="{0C62BD34-D5E2-4C87-AA2A-F8D5808875C3}" type="datetime1">
               <a:rPr lang="en-US" smtClean="0"/>
-              <a:t>9/2/2022</a:t>
+              <a:t>9/3/2022</a:t>
             </a:fld>
             <a:endParaRPr lang="en-US"/>
           </a:p>
@@ -31939,7 +31938,7 @@
           <a:p>
             <a:fld id="{0C62BD34-D5E2-4C87-AA2A-F8D5808875C3}" type="datetime1">
               <a:rPr lang="en-US" smtClean="0"/>
-              <a:t>9/2/2022</a:t>
+              <a:t>9/3/2022</a:t>
             </a:fld>
             <a:endParaRPr lang="en-US"/>
           </a:p>
@@ -32522,7 +32521,7 @@
           <a:p>
             <a:fld id="{0C62BD34-D5E2-4C87-AA2A-F8D5808875C3}" type="datetime1">
               <a:rPr lang="en-US" smtClean="0"/>
-              <a:t>9/2/2022</a:t>
+              <a:t>9/3/2022</a:t>
             </a:fld>
             <a:endParaRPr lang="en-US"/>
           </a:p>
@@ -32734,7 +32733,7 @@
           <a:p>
             <a:fld id="{0C62BD34-D5E2-4C87-AA2A-F8D5808875C3}" type="datetime1">
               <a:rPr lang="en-US" smtClean="0"/>
-              <a:t>9/2/2022</a:t>
+              <a:t>9/3/2022</a:t>
             </a:fld>
             <a:endParaRPr lang="en-US"/>
           </a:p>
@@ -33019,7 +33018,7 @@
           <a:p>
             <a:fld id="{0C62BD34-D5E2-4C87-AA2A-F8D5808875C3}" type="datetime1">
               <a:rPr lang="en-US" smtClean="0"/>
-              <a:t>9/2/2022</a:t>
+              <a:t>9/3/2022</a:t>
             </a:fld>
             <a:endParaRPr lang="en-US"/>
           </a:p>
@@ -33244,7 +33243,7 @@
             </a:pPr>
             <a:fld id="{8325990E-89A1-418C-BAD2-0015B9725131}" type="datetime1">
               <a:rPr lang="en-US" smtClean="0"/>
-              <a:t>9/2/2022</a:t>
+              <a:t>9/3/2022</a:t>
             </a:fld>
             <a:endParaRPr/>
           </a:p>
@@ -33697,7 +33696,7 @@
           <a:p>
             <a:fld id="{0C62BD34-D5E2-4C87-AA2A-F8D5808875C3}" type="datetime1">
               <a:rPr lang="en-US" smtClean="0"/>
-              <a:t>9/2/2022</a:t>
+              <a:t>9/3/2022</a:t>
             </a:fld>
             <a:endParaRPr lang="en-US"/>
           </a:p>
@@ -34093,7 +34092,7 @@
           <a:p>
             <a:fld id="{0C62BD34-D5E2-4C87-AA2A-F8D5808875C3}" type="datetime1">
               <a:rPr lang="en-US" smtClean="0"/>
-              <a:t>9/2/2022</a:t>
+              <a:t>9/3/2022</a:t>
             </a:fld>
             <a:endParaRPr lang="en-US"/>
           </a:p>
@@ -34325,7 +34324,7 @@
           <a:p>
             <a:fld id="{0C62BD34-D5E2-4C87-AA2A-F8D5808875C3}" type="datetime1">
               <a:rPr lang="en-US" smtClean="0"/>
-              <a:t>9/2/2022</a:t>
+              <a:t>9/3/2022</a:t>
             </a:fld>
             <a:endParaRPr lang="en-US"/>
           </a:p>
@@ -34645,7 +34644,7 @@
           <a:p>
             <a:fld id="{0C62BD34-D5E2-4C87-AA2A-F8D5808875C3}" type="datetime1">
               <a:rPr lang="en-US" smtClean="0"/>
-              <a:t>9/2/2022</a:t>
+              <a:t>9/3/2022</a:t>
             </a:fld>
             <a:endParaRPr lang="en-US"/>
           </a:p>
@@ -34877,7 +34876,7 @@
           <a:p>
             <a:fld id="{0C62BD34-D5E2-4C87-AA2A-F8D5808875C3}" type="datetime1">
               <a:rPr lang="en-US" smtClean="0"/>
-              <a:t>9/2/2022</a:t>
+              <a:t>9/3/2022</a:t>
             </a:fld>
             <a:endParaRPr lang="en-US"/>
           </a:p>
@@ -35064,7 +35063,7 @@
             </a:pPr>
             <a:r>
               <a:rPr lang="en-US" sz="2400" dirty="0"/>
-              <a:t>The UPDATE statement is used to modify the existing records in a table.</a:t>
+              <a:t>The DELETE statement is used to delete existing records in a table.</a:t>
             </a:r>
           </a:p>
           <a:p>
@@ -35178,7 +35177,7 @@
           <a:p>
             <a:fld id="{0C62BD34-D5E2-4C87-AA2A-F8D5808875C3}" type="datetime1">
               <a:rPr lang="en-US" smtClean="0"/>
-              <a:t>9/2/2022</a:t>
+              <a:t>9/3/2022</a:t>
             </a:fld>
             <a:endParaRPr lang="en-US"/>
           </a:p>
@@ -35468,7 +35467,7 @@
           <a:p>
             <a:fld id="{0C62BD34-D5E2-4C87-AA2A-F8D5808875C3}" type="datetime1">
               <a:rPr lang="en-US" smtClean="0"/>
-              <a:t>9/2/2022</a:t>
+              <a:t>9/3/2022</a:t>
             </a:fld>
             <a:endParaRPr lang="en-US"/>
           </a:p>
@@ -35700,7 +35699,7 @@
           <a:p>
             <a:fld id="{0C62BD34-D5E2-4C87-AA2A-F8D5808875C3}" type="datetime1">
               <a:rPr lang="en-US" smtClean="0"/>
-              <a:t>9/2/2022</a:t>
+              <a:t>9/3/2022</a:t>
             </a:fld>
             <a:endParaRPr lang="en-US"/>
           </a:p>
@@ -35974,7 +35973,7 @@
           <a:p>
             <a:fld id="{0C62BD34-D5E2-4C87-AA2A-F8D5808875C3}" type="datetime1">
               <a:rPr lang="en-US" smtClean="0"/>
-              <a:t>9/2/2022</a:t>
+              <a:t>9/3/2022</a:t>
             </a:fld>
             <a:endParaRPr lang="en-US"/>
           </a:p>
@@ -36275,7 +36274,7 @@
           <a:p>
             <a:fld id="{0C62BD34-D5E2-4C87-AA2A-F8D5808875C3}" type="datetime1">
               <a:rPr lang="en-US" smtClean="0"/>
-              <a:t>9/2/2022</a:t>
+              <a:t>9/3/2022</a:t>
             </a:fld>
             <a:endParaRPr lang="en-US"/>
           </a:p>
@@ -36417,7 +36416,7 @@
             </a:pPr>
             <a:fld id="{8325990E-89A1-418C-BAD2-0015B9725131}" type="datetime1">
               <a:rPr lang="en-US" smtClean="0"/>
-              <a:t>9/2/2022</a:t>
+              <a:t>9/3/2022</a:t>
             </a:fld>
             <a:endParaRPr/>
           </a:p>
@@ -36901,7 +36900,7 @@
           <a:p>
             <a:fld id="{0C62BD34-D5E2-4C87-AA2A-F8D5808875C3}" type="datetime1">
               <a:rPr lang="en-US" smtClean="0"/>
-              <a:t>9/2/2022</a:t>
+              <a:t>9/3/2022</a:t>
             </a:fld>
             <a:endParaRPr lang="en-US"/>
           </a:p>
@@ -37082,7 +37081,7 @@
           <a:p>
             <a:fld id="{0C62BD34-D5E2-4C87-AA2A-F8D5808875C3}" type="datetime1">
               <a:rPr lang="en-US" smtClean="0"/>
-              <a:t>9/2/2022</a:t>
+              <a:t>9/3/2022</a:t>
             </a:fld>
             <a:endParaRPr lang="en-US"/>
           </a:p>
@@ -38914,7 +38913,7 @@
           <a:p>
             <a:fld id="{0C62BD34-D5E2-4C87-AA2A-F8D5808875C3}" type="datetime1">
               <a:rPr lang="en-US" smtClean="0"/>
-              <a:t>9/2/2022</a:t>
+              <a:t>9/3/2022</a:t>
             </a:fld>
             <a:endParaRPr lang="en-US"/>
           </a:p>
@@ -39512,7 +39511,7 @@
           <a:p>
             <a:fld id="{0C62BD34-D5E2-4C87-AA2A-F8D5808875C3}" type="datetime1">
               <a:rPr lang="en-US" smtClean="0"/>
-              <a:t>9/2/2022</a:t>
+              <a:t>9/3/2022</a:t>
             </a:fld>
             <a:endParaRPr lang="en-US"/>
           </a:p>
@@ -39598,401 +39597,6 @@
 </file>
 
 <file path=ppt/slides/slide54.xml><?xml version="1.0" encoding="utf-8"?>
-<p:sld xmlns:a="http://schemas.openxmlformats.org/drawingml/2006/main" xmlns:r="http://schemas.openxmlformats.org/officeDocument/2006/relationships" xmlns:p="http://schemas.openxmlformats.org/presentationml/2006/main">
-  <p:cSld>
-    <p:spTree>
-      <p:nvGrpSpPr>
-        <p:cNvPr id="1" name=""/>
-        <p:cNvGrpSpPr/>
-        <p:nvPr/>
-      </p:nvGrpSpPr>
-      <p:grpSpPr>
-        <a:xfrm>
-          <a:off x="0" y="0"/>
-          <a:ext cx="0" cy="0"/>
-          <a:chOff x="0" y="0"/>
-          <a:chExt cx="0" cy="0"/>
-        </a:xfrm>
-      </p:grpSpPr>
-      <p:sp>
-        <p:nvSpPr>
-          <p:cNvPr id="2" name="Title 1">
-            <a:extLst>
-              <a:ext uri="{FF2B5EF4-FFF2-40B4-BE49-F238E27FC236}">
-                <a16:creationId xmlns:a16="http://schemas.microsoft.com/office/drawing/2014/main" id="{E48B3E39-BF9F-414E-8996-FE28138A5AA4}"/>
-              </a:ext>
-            </a:extLst>
-          </p:cNvPr>
-          <p:cNvSpPr>
-            <a:spLocks noGrp="1"/>
-          </p:cNvSpPr>
-          <p:nvPr>
-            <p:ph type="title"/>
-          </p:nvPr>
-        </p:nvSpPr>
-        <p:spPr/>
-        <p:txBody>
-          <a:bodyPr/>
-          <a:lstStyle/>
-          <a:p>
-            <a:r>
-              <a:rPr lang="en-US" dirty="0"/>
-              <a:t>INNER JOIN</a:t>
-            </a:r>
-          </a:p>
-        </p:txBody>
-      </p:sp>
-      <p:sp>
-        <p:nvSpPr>
-          <p:cNvPr id="3" name="Text Placeholder 2">
-            <a:extLst>
-              <a:ext uri="{FF2B5EF4-FFF2-40B4-BE49-F238E27FC236}">
-                <a16:creationId xmlns:a16="http://schemas.microsoft.com/office/drawing/2014/main" id="{875C4111-4481-4FAB-A8C7-B4187361950B}"/>
-              </a:ext>
-            </a:extLst>
-          </p:cNvPr>
-          <p:cNvSpPr>
-            <a:spLocks noGrp="1"/>
-          </p:cNvSpPr>
-          <p:nvPr>
-            <p:ph type="body" idx="1"/>
-          </p:nvPr>
-        </p:nvSpPr>
-        <p:spPr/>
-        <p:txBody>
-          <a:bodyPr/>
-          <a:lstStyle/>
-          <a:p>
-            <a:pPr marL="114300" indent="0">
-              <a:buNone/>
-            </a:pPr>
-            <a:r>
-              <a:rPr lang="en-US" sz="2400" u="sng" dirty="0"/>
-              <a:t>Example: Selecting specified columns from tables.</a:t>
-            </a:r>
-          </a:p>
-          <a:p>
-            <a:pPr marL="114300" indent="0">
-              <a:buNone/>
-            </a:pPr>
-            <a:endParaRPr lang="en-US" sz="2400" dirty="0"/>
-          </a:p>
-          <a:p>
-            <a:pPr marL="114300" indent="0">
-              <a:buNone/>
-            </a:pPr>
-            <a:r>
-              <a:rPr lang="en-US" sz="2400" dirty="0"/>
-              <a:t>SELECT </a:t>
-            </a:r>
-            <a:r>
-              <a:rPr lang="en-US" sz="2400" dirty="0" err="1">
-                <a:solidFill>
-                  <a:srgbClr val="FF0000"/>
-                </a:solidFill>
-              </a:rPr>
-              <a:t>orders.CustomerID</a:t>
-            </a:r>
-            <a:r>
-              <a:rPr lang="en-US" sz="2400" dirty="0"/>
-              <a:t>, </a:t>
-            </a:r>
-          </a:p>
-          <a:p>
-            <a:pPr marL="114300" indent="0">
-              <a:buNone/>
-            </a:pPr>
-            <a:r>
-              <a:rPr lang="en-US" sz="2400" dirty="0"/>
-              <a:t>	     </a:t>
-            </a:r>
-            <a:r>
-              <a:rPr lang="en-US" sz="2400" dirty="0" err="1">
-                <a:solidFill>
-                  <a:srgbClr val="FF0000"/>
-                </a:solidFill>
-              </a:rPr>
-              <a:t>orders.OrderID</a:t>
-            </a:r>
-            <a:r>
-              <a:rPr lang="en-US" sz="2400" dirty="0">
-                <a:solidFill>
-                  <a:srgbClr val="FF0000"/>
-                </a:solidFill>
-              </a:rPr>
-              <a:t>,</a:t>
-            </a:r>
-          </a:p>
-          <a:p>
-            <a:pPr marL="114300" indent="0">
-              <a:buNone/>
-            </a:pPr>
-            <a:r>
-              <a:rPr lang="en-US" sz="2400" dirty="0">
-                <a:solidFill>
-                  <a:srgbClr val="FF0000"/>
-                </a:solidFill>
-              </a:rPr>
-              <a:t>	     </a:t>
-            </a:r>
-            <a:r>
-              <a:rPr lang="en-US" sz="2400" dirty="0" err="1">
-                <a:solidFill>
-                  <a:srgbClr val="FF0000"/>
-                </a:solidFill>
-              </a:rPr>
-              <a:t>orders.OrderDate</a:t>
-            </a:r>
-            <a:r>
-              <a:rPr lang="en-US" sz="2400" dirty="0">
-                <a:solidFill>
-                  <a:srgbClr val="FF0000"/>
-                </a:solidFill>
-              </a:rPr>
-              <a:t>,</a:t>
-            </a:r>
-          </a:p>
-          <a:p>
-            <a:pPr marL="114300" indent="0">
-              <a:buNone/>
-            </a:pPr>
-            <a:r>
-              <a:rPr lang="en-US" sz="2400" dirty="0">
-                <a:solidFill>
-                  <a:srgbClr val="FF0000"/>
-                </a:solidFill>
-              </a:rPr>
-              <a:t>	     </a:t>
-            </a:r>
-            <a:r>
-              <a:rPr lang="en-US" sz="2400" dirty="0" err="1">
-                <a:solidFill>
-                  <a:srgbClr val="FF0000"/>
-                </a:solidFill>
-              </a:rPr>
-              <a:t>customers.CustomerName</a:t>
-            </a:r>
-            <a:r>
-              <a:rPr lang="en-US" sz="2400" dirty="0">
-                <a:solidFill>
-                  <a:srgbClr val="FF0000"/>
-                </a:solidFill>
-              </a:rPr>
-              <a:t>,</a:t>
-            </a:r>
-          </a:p>
-          <a:p>
-            <a:pPr marL="114300" indent="0">
-              <a:buNone/>
-            </a:pPr>
-            <a:r>
-              <a:rPr lang="en-US" sz="2400" dirty="0">
-                <a:solidFill>
-                  <a:srgbClr val="FF0000"/>
-                </a:solidFill>
-              </a:rPr>
-              <a:t>	     </a:t>
-            </a:r>
-            <a:r>
-              <a:rPr lang="en-US" sz="2400" dirty="0" err="1">
-                <a:solidFill>
-                  <a:srgbClr val="FF0000"/>
-                </a:solidFill>
-              </a:rPr>
-              <a:t>customers.Country</a:t>
-            </a:r>
-            <a:endParaRPr lang="en-US" sz="2400" dirty="0">
-              <a:solidFill>
-                <a:srgbClr val="FF0000"/>
-              </a:solidFill>
-            </a:endParaRPr>
-          </a:p>
-          <a:p>
-            <a:pPr marL="114300" indent="0">
-              <a:buNone/>
-            </a:pPr>
-            <a:r>
-              <a:rPr lang="en-US" sz="2400" dirty="0"/>
-              <a:t>FROM customers</a:t>
-            </a:r>
-          </a:p>
-          <a:p>
-            <a:pPr marL="114300" indent="0">
-              <a:buNone/>
-            </a:pPr>
-            <a:r>
-              <a:rPr lang="en-US" sz="2400" b="1" dirty="0">
-                <a:solidFill>
-                  <a:srgbClr val="FF0000"/>
-                </a:solidFill>
-              </a:rPr>
-              <a:t>INNER</a:t>
-            </a:r>
-            <a:r>
-              <a:rPr lang="en-US" sz="2400" dirty="0">
-                <a:solidFill>
-                  <a:srgbClr val="FF0000"/>
-                </a:solidFill>
-              </a:rPr>
-              <a:t> JOIN orders</a:t>
-            </a:r>
-          </a:p>
-          <a:p>
-            <a:pPr marL="114300" indent="0">
-              <a:buNone/>
-            </a:pPr>
-            <a:r>
-              <a:rPr lang="en-US" sz="2400" dirty="0">
-                <a:solidFill>
-                  <a:srgbClr val="FF0000"/>
-                </a:solidFill>
-              </a:rPr>
-              <a:t>ON </a:t>
-            </a:r>
-            <a:r>
-              <a:rPr lang="en-US" sz="2400" dirty="0" err="1">
-                <a:solidFill>
-                  <a:srgbClr val="FF0000"/>
-                </a:solidFill>
-              </a:rPr>
-              <a:t>orders.CustomerID</a:t>
-            </a:r>
-            <a:r>
-              <a:rPr lang="en-US" sz="2400" dirty="0">
-                <a:solidFill>
-                  <a:srgbClr val="FF0000"/>
-                </a:solidFill>
-              </a:rPr>
-              <a:t> = </a:t>
-            </a:r>
-            <a:r>
-              <a:rPr lang="en-US" sz="2400" dirty="0" err="1">
-                <a:solidFill>
-                  <a:srgbClr val="FF0000"/>
-                </a:solidFill>
-              </a:rPr>
-              <a:t>customers.CustomerID</a:t>
-            </a:r>
-            <a:r>
-              <a:rPr lang="en-US" sz="2400" dirty="0">
-                <a:solidFill>
-                  <a:srgbClr val="FF0000"/>
-                </a:solidFill>
-              </a:rPr>
-              <a:t>;</a:t>
-            </a:r>
-          </a:p>
-        </p:txBody>
-      </p:sp>
-      <p:sp>
-        <p:nvSpPr>
-          <p:cNvPr id="4" name="Date Placeholder 3">
-            <a:extLst>
-              <a:ext uri="{FF2B5EF4-FFF2-40B4-BE49-F238E27FC236}">
-                <a16:creationId xmlns:a16="http://schemas.microsoft.com/office/drawing/2014/main" id="{2FCB3F9E-7251-48F0-B13B-5B110A6B7640}"/>
-              </a:ext>
-            </a:extLst>
-          </p:cNvPr>
-          <p:cNvSpPr>
-            <a:spLocks noGrp="1"/>
-          </p:cNvSpPr>
-          <p:nvPr>
-            <p:ph type="dt" idx="10"/>
-          </p:nvPr>
-        </p:nvSpPr>
-        <p:spPr/>
-        <p:txBody>
-          <a:bodyPr/>
-          <a:lstStyle/>
-          <a:p>
-            <a:fld id="{0C62BD34-D5E2-4C87-AA2A-F8D5808875C3}" type="datetime1">
-              <a:rPr lang="en-US" smtClean="0"/>
-              <a:t>9/2/2022</a:t>
-            </a:fld>
-            <a:endParaRPr lang="en-US"/>
-          </a:p>
-        </p:txBody>
-      </p:sp>
-      <p:sp>
-        <p:nvSpPr>
-          <p:cNvPr id="5" name="Footer Placeholder 4">
-            <a:extLst>
-              <a:ext uri="{FF2B5EF4-FFF2-40B4-BE49-F238E27FC236}">
-                <a16:creationId xmlns:a16="http://schemas.microsoft.com/office/drawing/2014/main" id="{A05E6C2A-0676-4166-A0E4-5E1FCF337867}"/>
-              </a:ext>
-            </a:extLst>
-          </p:cNvPr>
-          <p:cNvSpPr>
-            <a:spLocks noGrp="1"/>
-          </p:cNvSpPr>
-          <p:nvPr>
-            <p:ph type="ftr" idx="11"/>
-          </p:nvPr>
-        </p:nvSpPr>
-        <p:spPr/>
-        <p:txBody>
-          <a:bodyPr/>
-          <a:lstStyle/>
-          <a:p>
-            <a:r>
-              <a:rPr lang="en-US"/>
-              <a:t>Ankit Velani, MBA-SIT,Tumkur</a:t>
-            </a:r>
-          </a:p>
-        </p:txBody>
-      </p:sp>
-      <p:sp>
-        <p:nvSpPr>
-          <p:cNvPr id="6" name="Slide Number Placeholder 5">
-            <a:extLst>
-              <a:ext uri="{FF2B5EF4-FFF2-40B4-BE49-F238E27FC236}">
-                <a16:creationId xmlns:a16="http://schemas.microsoft.com/office/drawing/2014/main" id="{89933161-E0E1-4B21-A600-F078B5EA203B}"/>
-              </a:ext>
-            </a:extLst>
-          </p:cNvPr>
-          <p:cNvSpPr>
-            <a:spLocks noGrp="1"/>
-          </p:cNvSpPr>
-          <p:nvPr>
-            <p:ph type="sldNum" idx="12"/>
-          </p:nvPr>
-        </p:nvSpPr>
-        <p:spPr/>
-        <p:txBody>
-          <a:bodyPr/>
-          <a:lstStyle/>
-          <a:p>
-            <a:pPr marL="0" lvl="0" indent="0" algn="r" rtl="0">
-              <a:spcBef>
-                <a:spcPts val="0"/>
-              </a:spcBef>
-              <a:spcAft>
-                <a:spcPts val="0"/>
-              </a:spcAft>
-              <a:buNone/>
-            </a:pPr>
-            <a:fld id="{00000000-1234-1234-1234-123412341234}" type="slidenum">
-              <a:rPr lang="en-US" smtClean="0"/>
-              <a:t>54</a:t>
-            </a:fld>
-            <a:endParaRPr lang="en-US"/>
-          </a:p>
-        </p:txBody>
-      </p:sp>
-    </p:spTree>
-    <p:extLst>
-      <p:ext uri="{BB962C8B-B14F-4D97-AF65-F5344CB8AC3E}">
-        <p14:creationId xmlns:p14="http://schemas.microsoft.com/office/powerpoint/2010/main" val="300499276"/>
-      </p:ext>
-    </p:extLst>
-  </p:cSld>
-  <p:clrMapOvr>
-    <a:masterClrMapping/>
-  </p:clrMapOvr>
-</p:sld>
-</file>
-
-<file path=ppt/slides/slide55.xml><?xml version="1.0" encoding="utf-8"?>
 <p:sld xmlns:a="http://schemas.openxmlformats.org/drawingml/2006/main" xmlns:r="http://schemas.openxmlformats.org/officeDocument/2006/relationships" xmlns:p="http://schemas.openxmlformats.org/presentationml/2006/main">
   <p:cSld>
     <p:spTree>
@@ -40144,7 +39748,7 @@
             </a:pPr>
             <a:fld id="{00000000-1234-1234-1234-123412341234}" type="slidenum">
               <a:rPr lang="en-US" smtClean="0"/>
-              <a:t>55</a:t>
+              <a:t>54</a:t>
             </a:fld>
             <a:endParaRPr lang="en-US"/>
           </a:p>
@@ -40531,7 +40135,7 @@
 </p:sld>
 </file>
 
-<file path=ppt/slides/slide56.xml><?xml version="1.0" encoding="utf-8"?>
+<file path=ppt/slides/slide55.xml><?xml version="1.0" encoding="utf-8"?>
 <p:sld xmlns:a="http://schemas.openxmlformats.org/drawingml/2006/main" xmlns:r="http://schemas.openxmlformats.org/officeDocument/2006/relationships" xmlns:p="http://schemas.openxmlformats.org/presentationml/2006/main">
   <p:cSld>
     <p:spTree>
@@ -40627,7 +40231,7 @@
           <a:p>
             <a:fld id="{0C62BD34-D5E2-4C87-AA2A-F8D5808875C3}" type="datetime1">
               <a:rPr lang="en-US" smtClean="0"/>
-              <a:t>9/2/2022</a:t>
+              <a:t>9/3/2022</a:t>
             </a:fld>
             <a:endParaRPr lang="en-US"/>
           </a:p>
@@ -40693,7 +40297,7 @@
             </a:pPr>
             <a:fld id="{00000000-1234-1234-1234-123412341234}" type="slidenum">
               <a:rPr lang="en-US" smtClean="0"/>
-              <a:t>56</a:t>
+              <a:t>55</a:t>
             </a:fld>
             <a:endParaRPr lang="en-US"/>
           </a:p>
@@ -41020,7 +40624,7 @@
 </p:sld>
 </file>
 
-<file path=ppt/slides/slide57.xml><?xml version="1.0" encoding="utf-8"?>
+<file path=ppt/slides/slide56.xml><?xml version="1.0" encoding="utf-8"?>
 <p:sld xmlns:a="http://schemas.openxmlformats.org/drawingml/2006/main" xmlns:r="http://schemas.openxmlformats.org/officeDocument/2006/relationships" xmlns:p="http://schemas.openxmlformats.org/presentationml/2006/main">
   <p:cSld>
     <p:spTree>
@@ -41172,7 +40776,7 @@
             </a:pPr>
             <a:fld id="{00000000-1234-1234-1234-123412341234}" type="slidenum">
               <a:rPr lang="en-US" smtClean="0"/>
-              <a:t>57</a:t>
+              <a:t>56</a:t>
             </a:fld>
             <a:endParaRPr lang="en-US"/>
           </a:p>
@@ -41433,7 +41037,7 @@
 </p:sld>
 </file>
 
-<file path=ppt/slides/slide58.xml><?xml version="1.0" encoding="utf-8"?>
+<file path=ppt/slides/slide57.xml><?xml version="1.0" encoding="utf-8"?>
 <p:sld xmlns:a="http://schemas.openxmlformats.org/drawingml/2006/main" xmlns:r="http://schemas.openxmlformats.org/officeDocument/2006/relationships" xmlns:p="http://schemas.openxmlformats.org/presentationml/2006/main">
   <p:cSld>
     <p:spTree>
@@ -41529,7 +41133,7 @@
           <a:p>
             <a:fld id="{0C62BD34-D5E2-4C87-AA2A-F8D5808875C3}" type="datetime1">
               <a:rPr lang="en-US" smtClean="0"/>
-              <a:t>9/2/2022</a:t>
+              <a:t>9/3/2022</a:t>
             </a:fld>
             <a:endParaRPr lang="en-US"/>
           </a:p>
@@ -41595,7 +41199,7 @@
             </a:pPr>
             <a:fld id="{00000000-1234-1234-1234-123412341234}" type="slidenum">
               <a:rPr lang="en-US" smtClean="0"/>
-              <a:t>58</a:t>
+              <a:t>57</a:t>
             </a:fld>
             <a:endParaRPr lang="en-US"/>
           </a:p>
@@ -41922,7 +41526,7 @@
 </p:sld>
 </file>
 
-<file path=ppt/slides/slide59.xml><?xml version="1.0" encoding="utf-8"?>
+<file path=ppt/slides/slide58.xml><?xml version="1.0" encoding="utf-8"?>
 <p:sld xmlns:a="http://schemas.openxmlformats.org/drawingml/2006/main" xmlns:r="http://schemas.openxmlformats.org/officeDocument/2006/relationships" xmlns:p="http://schemas.openxmlformats.org/presentationml/2006/main">
   <p:cSld>
     <p:spTree>
@@ -42074,7 +41678,7 @@
             </a:pPr>
             <a:fld id="{00000000-1234-1234-1234-123412341234}" type="slidenum">
               <a:rPr lang="en-US" smtClean="0"/>
-              <a:t>59</a:t>
+              <a:t>58</a:t>
             </a:fld>
             <a:endParaRPr lang="en-US"/>
           </a:p>
@@ -42326,6 +41930,435 @@
     <p:extLst>
       <p:ext uri="{BB962C8B-B14F-4D97-AF65-F5344CB8AC3E}">
         <p14:creationId xmlns:p14="http://schemas.microsoft.com/office/powerpoint/2010/main" val="3865565127"/>
+      </p:ext>
+    </p:extLst>
+  </p:cSld>
+  <p:clrMapOvr>
+    <a:masterClrMapping/>
+  </p:clrMapOvr>
+</p:sld>
+</file>
+
+<file path=ppt/slides/slide59.xml><?xml version="1.0" encoding="utf-8"?>
+<p:sld xmlns:a="http://schemas.openxmlformats.org/drawingml/2006/main" xmlns:r="http://schemas.openxmlformats.org/officeDocument/2006/relationships" xmlns:p="http://schemas.openxmlformats.org/presentationml/2006/main">
+  <p:cSld>
+    <p:spTree>
+      <p:nvGrpSpPr>
+        <p:cNvPr id="1" name=""/>
+        <p:cNvGrpSpPr/>
+        <p:nvPr/>
+      </p:nvGrpSpPr>
+      <p:grpSpPr>
+        <a:xfrm>
+          <a:off x="0" y="0"/>
+          <a:ext cx="0" cy="0"/>
+          <a:chOff x="0" y="0"/>
+          <a:chExt cx="0" cy="0"/>
+        </a:xfrm>
+      </p:grpSpPr>
+      <p:sp>
+        <p:nvSpPr>
+          <p:cNvPr id="2" name="Title 1">
+            <a:extLst>
+              <a:ext uri="{FF2B5EF4-FFF2-40B4-BE49-F238E27FC236}">
+                <a16:creationId xmlns:a16="http://schemas.microsoft.com/office/drawing/2014/main" id="{E48B3E39-BF9F-414E-8996-FE28138A5AA4}"/>
+              </a:ext>
+            </a:extLst>
+          </p:cNvPr>
+          <p:cNvSpPr>
+            <a:spLocks noGrp="1"/>
+          </p:cNvSpPr>
+          <p:nvPr>
+            <p:ph type="title"/>
+          </p:nvPr>
+        </p:nvSpPr>
+        <p:spPr/>
+        <p:txBody>
+          <a:bodyPr/>
+          <a:lstStyle/>
+          <a:p>
+            <a:r>
+              <a:rPr lang="en-US" dirty="0"/>
+              <a:t>CROSS JOIN</a:t>
+            </a:r>
+          </a:p>
+        </p:txBody>
+      </p:sp>
+      <p:sp>
+        <p:nvSpPr>
+          <p:cNvPr id="3" name="Text Placeholder 2">
+            <a:extLst>
+              <a:ext uri="{FF2B5EF4-FFF2-40B4-BE49-F238E27FC236}">
+                <a16:creationId xmlns:a16="http://schemas.microsoft.com/office/drawing/2014/main" id="{875C4111-4481-4FAB-A8C7-B4187361950B}"/>
+              </a:ext>
+            </a:extLst>
+          </p:cNvPr>
+          <p:cNvSpPr>
+            <a:spLocks noGrp="1"/>
+          </p:cNvSpPr>
+          <p:nvPr>
+            <p:ph type="body" idx="1"/>
+          </p:nvPr>
+        </p:nvSpPr>
+        <p:spPr/>
+        <p:txBody>
+          <a:bodyPr/>
+          <a:lstStyle/>
+          <a:p>
+            <a:r>
+              <a:rPr lang="en-US" sz="2400" dirty="0"/>
+              <a:t>The CROSS JOIN keyword returns all records from both tables (table1 and table2).</a:t>
+            </a:r>
+          </a:p>
+        </p:txBody>
+      </p:sp>
+      <p:sp>
+        <p:nvSpPr>
+          <p:cNvPr id="4" name="Date Placeholder 3">
+            <a:extLst>
+              <a:ext uri="{FF2B5EF4-FFF2-40B4-BE49-F238E27FC236}">
+                <a16:creationId xmlns:a16="http://schemas.microsoft.com/office/drawing/2014/main" id="{2FCB3F9E-7251-48F0-B13B-5B110A6B7640}"/>
+              </a:ext>
+            </a:extLst>
+          </p:cNvPr>
+          <p:cNvSpPr>
+            <a:spLocks noGrp="1"/>
+          </p:cNvSpPr>
+          <p:nvPr>
+            <p:ph type="dt" idx="10"/>
+          </p:nvPr>
+        </p:nvSpPr>
+        <p:spPr/>
+        <p:txBody>
+          <a:bodyPr/>
+          <a:lstStyle/>
+          <a:p>
+            <a:fld id="{0C62BD34-D5E2-4C87-AA2A-F8D5808875C3}" type="datetime1">
+              <a:rPr lang="en-US" smtClean="0"/>
+              <a:t>9/3/2022</a:t>
+            </a:fld>
+            <a:endParaRPr lang="en-US"/>
+          </a:p>
+        </p:txBody>
+      </p:sp>
+      <p:sp>
+        <p:nvSpPr>
+          <p:cNvPr id="5" name="Footer Placeholder 4">
+            <a:extLst>
+              <a:ext uri="{FF2B5EF4-FFF2-40B4-BE49-F238E27FC236}">
+                <a16:creationId xmlns:a16="http://schemas.microsoft.com/office/drawing/2014/main" id="{A05E6C2A-0676-4166-A0E4-5E1FCF337867}"/>
+              </a:ext>
+            </a:extLst>
+          </p:cNvPr>
+          <p:cNvSpPr>
+            <a:spLocks noGrp="1"/>
+          </p:cNvSpPr>
+          <p:nvPr>
+            <p:ph type="ftr" idx="11"/>
+          </p:nvPr>
+        </p:nvSpPr>
+        <p:spPr/>
+        <p:txBody>
+          <a:bodyPr/>
+          <a:lstStyle/>
+          <a:p>
+            <a:r>
+              <a:rPr lang="en-US"/>
+              <a:t>Ankit Velani, MBA-SIT,Tumkur</a:t>
+            </a:r>
+          </a:p>
+        </p:txBody>
+      </p:sp>
+      <p:sp>
+        <p:nvSpPr>
+          <p:cNvPr id="6" name="Slide Number Placeholder 5">
+            <a:extLst>
+              <a:ext uri="{FF2B5EF4-FFF2-40B4-BE49-F238E27FC236}">
+                <a16:creationId xmlns:a16="http://schemas.microsoft.com/office/drawing/2014/main" id="{89933161-E0E1-4B21-A600-F078B5EA203B}"/>
+              </a:ext>
+            </a:extLst>
+          </p:cNvPr>
+          <p:cNvSpPr>
+            <a:spLocks noGrp="1"/>
+          </p:cNvSpPr>
+          <p:nvPr>
+            <p:ph type="sldNum" idx="12"/>
+          </p:nvPr>
+        </p:nvSpPr>
+        <p:spPr/>
+        <p:txBody>
+          <a:bodyPr/>
+          <a:lstStyle/>
+          <a:p>
+            <a:pPr marL="0" lvl="0" indent="0" algn="r" rtl="0">
+              <a:spcBef>
+                <a:spcPts val="0"/>
+              </a:spcBef>
+              <a:spcAft>
+                <a:spcPts val="0"/>
+              </a:spcAft>
+              <a:buNone/>
+            </a:pPr>
+            <a:fld id="{00000000-1234-1234-1234-123412341234}" type="slidenum">
+              <a:rPr lang="en-US" smtClean="0"/>
+              <a:t>59</a:t>
+            </a:fld>
+            <a:endParaRPr lang="en-US"/>
+          </a:p>
+        </p:txBody>
+      </p:sp>
+      <p:grpSp>
+        <p:nvGrpSpPr>
+          <p:cNvPr id="16" name="Group 15">
+            <a:extLst>
+              <a:ext uri="{FF2B5EF4-FFF2-40B4-BE49-F238E27FC236}">
+                <a16:creationId xmlns:a16="http://schemas.microsoft.com/office/drawing/2014/main" id="{715632FB-279E-4E6E-B440-D5C7246AE28B}"/>
+              </a:ext>
+            </a:extLst>
+          </p:cNvPr>
+          <p:cNvGrpSpPr/>
+          <p:nvPr/>
+        </p:nvGrpSpPr>
+        <p:grpSpPr>
+          <a:xfrm>
+            <a:off x="2999962" y="3026672"/>
+            <a:ext cx="6251713" cy="1476276"/>
+            <a:chOff x="4283765" y="3010756"/>
+            <a:chExt cx="5173317" cy="1476276"/>
+          </a:xfrm>
+        </p:grpSpPr>
+        <p:sp>
+          <p:nvSpPr>
+            <p:cNvPr id="15" name="TextBox 14">
+              <a:extLst>
+                <a:ext uri="{FF2B5EF4-FFF2-40B4-BE49-F238E27FC236}">
+                  <a16:creationId xmlns:a16="http://schemas.microsoft.com/office/drawing/2014/main" id="{02C8CA20-50D4-4E5D-8D32-F3303AE6BDE9}"/>
+                </a:ext>
+              </a:extLst>
+            </p:cNvPr>
+            <p:cNvSpPr txBox="1"/>
+            <p:nvPr/>
+          </p:nvSpPr>
+          <p:spPr>
+            <a:xfrm>
+              <a:off x="4283765" y="3010756"/>
+              <a:ext cx="4572000" cy="461665"/>
+            </a:xfrm>
+            <a:prstGeom prst="rect">
+              <a:avLst/>
+            </a:prstGeom>
+            <a:noFill/>
+          </p:spPr>
+          <p:txBody>
+            <a:bodyPr wrap="square">
+              <a:spAutoFit/>
+            </a:bodyPr>
+            <a:lstStyle/>
+            <a:p>
+              <a:pPr algn="l"/>
+              <a:r>
+                <a:rPr lang="en-US" sz="2400" u="sng" dirty="0">
+                  <a:solidFill>
+                    <a:schemeClr val="dk1"/>
+                  </a:solidFill>
+                </a:rPr>
+                <a:t>CROSS JOIN Syntax</a:t>
+              </a:r>
+            </a:p>
+          </p:txBody>
+        </p:sp>
+        <p:sp>
+          <p:nvSpPr>
+            <p:cNvPr id="17" name="TextBox 16">
+              <a:extLst>
+                <a:ext uri="{FF2B5EF4-FFF2-40B4-BE49-F238E27FC236}">
+                  <a16:creationId xmlns:a16="http://schemas.microsoft.com/office/drawing/2014/main" id="{C79B3065-4C0C-4419-988F-5DC7612F9E4F}"/>
+                </a:ext>
+              </a:extLst>
+            </p:cNvPr>
+            <p:cNvSpPr txBox="1"/>
+            <p:nvPr/>
+          </p:nvSpPr>
+          <p:spPr>
+            <a:xfrm>
+              <a:off x="4283765" y="3471369"/>
+              <a:ext cx="5173317" cy="1015663"/>
+            </a:xfrm>
+            <a:prstGeom prst="rect">
+              <a:avLst/>
+            </a:prstGeom>
+            <a:noFill/>
+          </p:spPr>
+          <p:txBody>
+            <a:bodyPr wrap="square">
+              <a:spAutoFit/>
+            </a:bodyPr>
+            <a:lstStyle/>
+            <a:p>
+              <a:r>
+                <a:rPr lang="en-US" sz="2000" b="0" i="0" dirty="0">
+                  <a:solidFill>
+                    <a:srgbClr val="0000CD"/>
+                  </a:solidFill>
+                  <a:effectLst/>
+                  <a:latin typeface="Consolas" panose="020B0609020204030204" pitchFamily="49" charset="0"/>
+                </a:rPr>
+                <a:t>SELECT</a:t>
+              </a:r>
+              <a:r>
+                <a:rPr lang="en-US" sz="2000" b="0" i="0" dirty="0">
+                  <a:solidFill>
+                    <a:srgbClr val="000000"/>
+                  </a:solidFill>
+                  <a:effectLst/>
+                  <a:latin typeface="Consolas" panose="020B0609020204030204" pitchFamily="49" charset="0"/>
+                </a:rPr>
+                <a:t> </a:t>
+              </a:r>
+              <a:r>
+                <a:rPr lang="en-US" sz="2000" b="0" i="1" dirty="0">
+                  <a:solidFill>
+                    <a:srgbClr val="000000"/>
+                  </a:solidFill>
+                  <a:effectLst/>
+                  <a:latin typeface="Consolas" panose="020B0609020204030204" pitchFamily="49" charset="0"/>
+                </a:rPr>
+                <a:t>col-1, col-2….columns(s)</a:t>
+              </a:r>
+              <a:br>
+                <a:rPr lang="en-US" sz="2000" dirty="0"/>
+              </a:br>
+              <a:r>
+                <a:rPr lang="en-US" sz="2000" b="0" i="0" dirty="0">
+                  <a:solidFill>
+                    <a:srgbClr val="0000CD"/>
+                  </a:solidFill>
+                  <a:effectLst/>
+                  <a:latin typeface="Consolas" panose="020B0609020204030204" pitchFamily="49" charset="0"/>
+                </a:rPr>
+                <a:t>FROM</a:t>
+              </a:r>
+              <a:r>
+                <a:rPr lang="en-US" sz="2000" b="0" i="0" dirty="0">
+                  <a:solidFill>
+                    <a:srgbClr val="000000"/>
+                  </a:solidFill>
+                  <a:effectLst/>
+                  <a:latin typeface="Consolas" panose="020B0609020204030204" pitchFamily="49" charset="0"/>
+                </a:rPr>
+                <a:t> </a:t>
+              </a:r>
+              <a:r>
+                <a:rPr lang="en-US" sz="2000" b="0" i="1" dirty="0">
+                  <a:solidFill>
+                    <a:srgbClr val="000000"/>
+                  </a:solidFill>
+                  <a:effectLst/>
+                  <a:latin typeface="Consolas" panose="020B0609020204030204" pitchFamily="49" charset="0"/>
+                </a:rPr>
+                <a:t>table1</a:t>
+              </a:r>
+              <a:br>
+                <a:rPr lang="en-US" sz="2000" dirty="0"/>
+              </a:br>
+              <a:r>
+                <a:rPr lang="en-US" sz="2000" b="1" dirty="0">
+                  <a:solidFill>
+                    <a:srgbClr val="FF0000"/>
+                  </a:solidFill>
+                  <a:latin typeface="Consolas" panose="020B0609020204030204" pitchFamily="49" charset="0"/>
+                </a:rPr>
+                <a:t>CROSS</a:t>
+              </a:r>
+              <a:r>
+                <a:rPr lang="en-US" sz="2000" b="1" i="0" dirty="0">
+                  <a:solidFill>
+                    <a:srgbClr val="FF0000"/>
+                  </a:solidFill>
+                  <a:effectLst/>
+                  <a:latin typeface="Consolas" panose="020B0609020204030204" pitchFamily="49" charset="0"/>
+                </a:rPr>
+                <a:t> JOIN </a:t>
+              </a:r>
+              <a:r>
+                <a:rPr lang="en-US" sz="2000" b="0" i="1" dirty="0">
+                  <a:solidFill>
+                    <a:srgbClr val="FF0000"/>
+                  </a:solidFill>
+                  <a:effectLst/>
+                  <a:latin typeface="Consolas" panose="020B0609020204030204" pitchFamily="49" charset="0"/>
+                </a:rPr>
+                <a:t>table2</a:t>
+              </a:r>
+              <a:r>
+                <a:rPr lang="en-US" sz="2000" i="1" dirty="0">
+                  <a:solidFill>
+                    <a:srgbClr val="FF0000"/>
+                  </a:solidFill>
+                  <a:latin typeface="Consolas" panose="020B0609020204030204" pitchFamily="49" charset="0"/>
+                </a:rPr>
+                <a:t>;</a:t>
+              </a:r>
+              <a:endParaRPr lang="en-US" sz="2000" dirty="0">
+                <a:solidFill>
+                  <a:srgbClr val="FF0000"/>
+                </a:solidFill>
+              </a:endParaRPr>
+            </a:p>
+          </p:txBody>
+        </p:sp>
+      </p:grpSp>
+      <p:pic>
+        <p:nvPicPr>
+          <p:cNvPr id="5122" name="Picture 2" descr="MySQL CROSS JOIN">
+            <a:extLst>
+              <a:ext uri="{FF2B5EF4-FFF2-40B4-BE49-F238E27FC236}">
+                <a16:creationId xmlns:a16="http://schemas.microsoft.com/office/drawing/2014/main" id="{0B6899B5-9C2D-4FDB-99ED-9DA54CA11468}"/>
+              </a:ext>
+            </a:extLst>
+          </p:cNvPr>
+          <p:cNvPicPr>
+            <a:picLocks noChangeAspect="1" noChangeArrowheads="1"/>
+          </p:cNvPicPr>
+          <p:nvPr/>
+        </p:nvPicPr>
+        <p:blipFill>
+          <a:blip r:embed="rId2">
+            <a:extLst>
+              <a:ext uri="{28A0092B-C50C-407E-A947-70E740481C1C}">
+                <a14:useLocalDpi xmlns:a14="http://schemas.microsoft.com/office/drawing/2010/main" val="0"/>
+              </a:ext>
+            </a:extLst>
+          </a:blip>
+          <a:srcRect/>
+          <a:stretch>
+            <a:fillRect/>
+          </a:stretch>
+        </p:blipFill>
+        <p:spPr bwMode="auto">
+          <a:xfrm>
+            <a:off x="336276" y="3011970"/>
+            <a:ext cx="2580281" cy="1798754"/>
+          </a:xfrm>
+          <a:prstGeom prst="rect">
+            <a:avLst/>
+          </a:prstGeom>
+          <a:noFill/>
+          <a:extLst>
+            <a:ext uri="{909E8E84-426E-40DD-AFC4-6F175D3DCCD1}">
+              <a14:hiddenFill xmlns:a14="http://schemas.microsoft.com/office/drawing/2010/main">
+                <a:solidFill>
+                  <a:srgbClr val="FFFFFF"/>
+                </a:solidFill>
+              </a14:hiddenFill>
+            </a:ext>
+          </a:extLst>
+        </p:spPr>
+      </p:pic>
+    </p:spTree>
+    <p:extLst>
+      <p:ext uri="{BB962C8B-B14F-4D97-AF65-F5344CB8AC3E}">
+        <p14:creationId xmlns:p14="http://schemas.microsoft.com/office/powerpoint/2010/main" val="3111824706"/>
       </p:ext>
     </p:extLst>
   </p:cSld>
@@ -42392,7 +42425,7 @@
             </a:pPr>
             <a:fld id="{8325990E-89A1-418C-BAD2-0015B9725131}" type="datetime1">
               <a:rPr lang="en-US" smtClean="0"/>
-              <a:t>9/2/2022</a:t>
+              <a:t>9/3/2022</a:t>
             </a:fld>
             <a:endParaRPr/>
           </a:p>
@@ -42919,6 +42952,374 @@
       </p:grpSpPr>
       <p:sp>
         <p:nvSpPr>
+          <p:cNvPr id="9" name="Text Placeholder 8">
+            <a:extLst>
+              <a:ext uri="{FF2B5EF4-FFF2-40B4-BE49-F238E27FC236}">
+                <a16:creationId xmlns:a16="http://schemas.microsoft.com/office/drawing/2014/main" id="{01F929EB-CB91-49ED-B81D-11A907824EDB}"/>
+              </a:ext>
+            </a:extLst>
+          </p:cNvPr>
+          <p:cNvSpPr>
+            <a:spLocks noGrp="1"/>
+          </p:cNvSpPr>
+          <p:nvPr>
+            <p:ph type="body" idx="2"/>
+          </p:nvPr>
+        </p:nvSpPr>
+        <p:spPr>
+          <a:xfrm>
+            <a:off x="0" y="0"/>
+            <a:ext cx="3008400" cy="6858000"/>
+          </a:xfrm>
+          <a:solidFill>
+            <a:schemeClr val="accent5">
+              <a:lumMod val="50000"/>
+            </a:schemeClr>
+          </a:solidFill>
+        </p:spPr>
+        <p:txBody>
+          <a:bodyPr/>
+          <a:lstStyle/>
+          <a:p>
+            <a:pPr algn="ctr"/>
+            <a:endParaRPr lang="en-US" sz="4000" dirty="0"/>
+          </a:p>
+          <a:p>
+            <a:pPr algn="ctr"/>
+            <a:endParaRPr lang="en-US" sz="4000" dirty="0"/>
+          </a:p>
+          <a:p>
+            <a:pPr algn="ctr"/>
+            <a:endParaRPr lang="en-US" sz="4000" dirty="0"/>
+          </a:p>
+          <a:p>
+            <a:pPr algn="ctr"/>
+            <a:endParaRPr lang="en-US" sz="4000" dirty="0"/>
+          </a:p>
+          <a:p>
+            <a:pPr algn="ctr"/>
+            <a:r>
+              <a:rPr lang="en-US" sz="4000" dirty="0">
+                <a:solidFill>
+                  <a:schemeClr val="bg1"/>
+                </a:solidFill>
+              </a:rPr>
+              <a:t>CROSS </a:t>
+            </a:r>
+          </a:p>
+          <a:p>
+            <a:pPr algn="ctr"/>
+            <a:r>
+              <a:rPr lang="en-US" sz="4000" dirty="0">
+                <a:solidFill>
+                  <a:schemeClr val="bg1"/>
+                </a:solidFill>
+              </a:rPr>
+              <a:t>JOIN</a:t>
+            </a:r>
+          </a:p>
+        </p:txBody>
+      </p:sp>
+      <p:sp>
+        <p:nvSpPr>
+          <p:cNvPr id="5" name="Footer Placeholder 4">
+            <a:extLst>
+              <a:ext uri="{FF2B5EF4-FFF2-40B4-BE49-F238E27FC236}">
+                <a16:creationId xmlns:a16="http://schemas.microsoft.com/office/drawing/2014/main" id="{01781415-B368-4751-9421-094689A16841}"/>
+              </a:ext>
+            </a:extLst>
+          </p:cNvPr>
+          <p:cNvSpPr>
+            <a:spLocks noGrp="1"/>
+          </p:cNvSpPr>
+          <p:nvPr>
+            <p:ph type="ftr" idx="11"/>
+          </p:nvPr>
+        </p:nvSpPr>
+        <p:spPr/>
+        <p:txBody>
+          <a:bodyPr/>
+          <a:lstStyle/>
+          <a:p>
+            <a:r>
+              <a:rPr lang="en-US" dirty="0"/>
+              <a:t>Ankit Velani, MBA-</a:t>
+            </a:r>
+            <a:r>
+              <a:rPr lang="en-US" dirty="0" err="1"/>
+              <a:t>SIT,Tumkur</a:t>
+            </a:r>
+            <a:endParaRPr lang="en-US" dirty="0"/>
+          </a:p>
+        </p:txBody>
+      </p:sp>
+      <p:sp>
+        <p:nvSpPr>
+          <p:cNvPr id="6" name="Slide Number Placeholder 5">
+            <a:extLst>
+              <a:ext uri="{FF2B5EF4-FFF2-40B4-BE49-F238E27FC236}">
+                <a16:creationId xmlns:a16="http://schemas.microsoft.com/office/drawing/2014/main" id="{7D87156F-CA8B-466A-9122-2B6AB23FD102}"/>
+              </a:ext>
+            </a:extLst>
+          </p:cNvPr>
+          <p:cNvSpPr>
+            <a:spLocks noGrp="1"/>
+          </p:cNvSpPr>
+          <p:nvPr>
+            <p:ph type="sldNum" idx="12"/>
+          </p:nvPr>
+        </p:nvSpPr>
+        <p:spPr/>
+        <p:txBody>
+          <a:bodyPr/>
+          <a:lstStyle/>
+          <a:p>
+            <a:pPr marL="0" lvl="0" indent="0" algn="r" rtl="0">
+              <a:spcBef>
+                <a:spcPts val="0"/>
+              </a:spcBef>
+              <a:spcAft>
+                <a:spcPts val="0"/>
+              </a:spcAft>
+              <a:buNone/>
+            </a:pPr>
+            <a:fld id="{00000000-1234-1234-1234-123412341234}" type="slidenum">
+              <a:rPr lang="en-US" smtClean="0"/>
+              <a:t>60</a:t>
+            </a:fld>
+            <a:endParaRPr lang="en-US"/>
+          </a:p>
+        </p:txBody>
+      </p:sp>
+      <p:sp>
+        <p:nvSpPr>
+          <p:cNvPr id="10" name="Text Placeholder 2">
+            <a:extLst>
+              <a:ext uri="{FF2B5EF4-FFF2-40B4-BE49-F238E27FC236}">
+                <a16:creationId xmlns:a16="http://schemas.microsoft.com/office/drawing/2014/main" id="{946DA655-4B35-4C4F-A490-244AA5FF9A17}"/>
+              </a:ext>
+            </a:extLst>
+          </p:cNvPr>
+          <p:cNvSpPr>
+            <a:spLocks noGrp="1"/>
+          </p:cNvSpPr>
+          <p:nvPr>
+            <p:ph type="body" idx="1"/>
+          </p:nvPr>
+        </p:nvSpPr>
+        <p:spPr>
+          <a:xfrm>
+            <a:off x="3124199" y="136374"/>
+            <a:ext cx="5853545" cy="3656307"/>
+          </a:xfrm>
+        </p:spPr>
+        <p:txBody>
+          <a:bodyPr anchor="t">
+            <a:normAutofit/>
+          </a:bodyPr>
+          <a:lstStyle/>
+          <a:p>
+            <a:pPr marL="114300" indent="0">
+              <a:lnSpc>
+                <a:spcPct val="90000"/>
+              </a:lnSpc>
+              <a:buNone/>
+            </a:pPr>
+            <a:r>
+              <a:rPr lang="en-US" sz="2000" u="sng" dirty="0"/>
+              <a:t>Example:</a:t>
+            </a:r>
+            <a:endParaRPr lang="en-US" sz="2000" dirty="0"/>
+          </a:p>
+          <a:p>
+            <a:pPr marL="114300" indent="0">
+              <a:buNone/>
+            </a:pPr>
+            <a:endParaRPr lang="en-US" sz="2000" dirty="0"/>
+          </a:p>
+          <a:p>
+            <a:pPr marL="114300" indent="0">
+              <a:buNone/>
+            </a:pPr>
+            <a:r>
+              <a:rPr lang="en-US" sz="2000" dirty="0"/>
+              <a:t>SELECT   </a:t>
+            </a:r>
+            <a:r>
+              <a:rPr lang="en-US" sz="2000" dirty="0">
+                <a:solidFill>
+                  <a:srgbClr val="FF0000"/>
+                </a:solidFill>
+              </a:rPr>
+              <a:t>customers.* </a:t>
+            </a:r>
+            <a:r>
+              <a:rPr lang="en-US" sz="2000" dirty="0"/>
+              <a:t>, </a:t>
+            </a:r>
+          </a:p>
+          <a:p>
+            <a:pPr marL="114300" indent="0">
+              <a:buNone/>
+            </a:pPr>
+            <a:r>
+              <a:rPr lang="en-US" sz="2000" dirty="0"/>
+              <a:t>	     </a:t>
+            </a:r>
+            <a:r>
+              <a:rPr lang="en-US" sz="2000" dirty="0">
+                <a:solidFill>
+                  <a:srgbClr val="FF0000"/>
+                </a:solidFill>
+              </a:rPr>
+              <a:t>orders.* </a:t>
+            </a:r>
+          </a:p>
+          <a:p>
+            <a:pPr marL="114300" indent="0">
+              <a:buNone/>
+            </a:pPr>
+            <a:r>
+              <a:rPr lang="en-US" sz="2000" dirty="0"/>
+              <a:t>FROM customers</a:t>
+            </a:r>
+          </a:p>
+          <a:p>
+            <a:pPr marL="114300" indent="0">
+              <a:buNone/>
+            </a:pPr>
+            <a:r>
+              <a:rPr lang="en-US" sz="2000" b="1" dirty="0">
+                <a:solidFill>
+                  <a:srgbClr val="FF0000"/>
+                </a:solidFill>
+              </a:rPr>
+              <a:t>CROSS</a:t>
+            </a:r>
+            <a:r>
+              <a:rPr lang="en-US" sz="2000" dirty="0">
+                <a:solidFill>
+                  <a:srgbClr val="FF0000"/>
+                </a:solidFill>
+              </a:rPr>
+              <a:t> </a:t>
+            </a:r>
+            <a:r>
+              <a:rPr lang="en-US" sz="2000" b="1" dirty="0">
+                <a:solidFill>
+                  <a:srgbClr val="FF0000"/>
+                </a:solidFill>
+              </a:rPr>
+              <a:t>JOIN</a:t>
+            </a:r>
+            <a:r>
+              <a:rPr lang="en-US" sz="2000" dirty="0">
+                <a:solidFill>
+                  <a:srgbClr val="FF0000"/>
+                </a:solidFill>
+              </a:rPr>
+              <a:t> orders;</a:t>
+            </a:r>
+          </a:p>
+        </p:txBody>
+      </p:sp>
+      <p:sp>
+        <p:nvSpPr>
+          <p:cNvPr id="12" name="TextBox 11">
+            <a:extLst>
+              <a:ext uri="{FF2B5EF4-FFF2-40B4-BE49-F238E27FC236}">
+                <a16:creationId xmlns:a16="http://schemas.microsoft.com/office/drawing/2014/main" id="{69D3F259-0F72-4439-8026-24CA5E7CA32C}"/>
+              </a:ext>
+            </a:extLst>
+          </p:cNvPr>
+          <p:cNvSpPr txBox="1"/>
+          <p:nvPr/>
+        </p:nvSpPr>
+        <p:spPr>
+          <a:xfrm>
+            <a:off x="3008400" y="2807425"/>
+            <a:ext cx="1600200" cy="307777"/>
+          </a:xfrm>
+          <a:prstGeom prst="rect">
+            <a:avLst/>
+          </a:prstGeom>
+          <a:noFill/>
+        </p:spPr>
+        <p:txBody>
+          <a:bodyPr wrap="square" rtlCol="0">
+            <a:spAutoFit/>
+          </a:bodyPr>
+          <a:lstStyle/>
+          <a:p>
+            <a:r>
+              <a:rPr lang="en-US" b="1" u="sng" dirty="0"/>
+              <a:t>Output:</a:t>
+            </a:r>
+          </a:p>
+        </p:txBody>
+      </p:sp>
+      <p:pic>
+        <p:nvPicPr>
+          <p:cNvPr id="3" name="Picture 2">
+            <a:extLst>
+              <a:ext uri="{FF2B5EF4-FFF2-40B4-BE49-F238E27FC236}">
+                <a16:creationId xmlns:a16="http://schemas.microsoft.com/office/drawing/2014/main" id="{F89C214E-9A58-4036-B931-1F76861C6460}"/>
+              </a:ext>
+            </a:extLst>
+          </p:cNvPr>
+          <p:cNvPicPr>
+            <a:picLocks noChangeAspect="1"/>
+          </p:cNvPicPr>
+          <p:nvPr/>
+        </p:nvPicPr>
+        <p:blipFill>
+          <a:blip r:embed="rId2"/>
+          <a:stretch>
+            <a:fillRect/>
+          </a:stretch>
+        </p:blipFill>
+        <p:spPr>
+          <a:xfrm>
+            <a:off x="3101353" y="3115202"/>
+            <a:ext cx="5899236" cy="2807425"/>
+          </a:xfrm>
+          <a:prstGeom prst="rect">
+            <a:avLst/>
+          </a:prstGeom>
+        </p:spPr>
+      </p:pic>
+    </p:spTree>
+    <p:extLst>
+      <p:ext uri="{BB962C8B-B14F-4D97-AF65-F5344CB8AC3E}">
+        <p14:creationId xmlns:p14="http://schemas.microsoft.com/office/powerpoint/2010/main" val="2245907415"/>
+      </p:ext>
+    </p:extLst>
+  </p:cSld>
+  <p:clrMapOvr>
+    <a:masterClrMapping/>
+  </p:clrMapOvr>
+</p:sld>
+</file>
+
+<file path=ppt/slides/slide61.xml><?xml version="1.0" encoding="utf-8"?>
+<p:sld xmlns:a="http://schemas.openxmlformats.org/drawingml/2006/main" xmlns:r="http://schemas.openxmlformats.org/officeDocument/2006/relationships" xmlns:p="http://schemas.openxmlformats.org/presentationml/2006/main">
+  <p:cSld>
+    <p:spTree>
+      <p:nvGrpSpPr>
+        <p:cNvPr id="1" name=""/>
+        <p:cNvGrpSpPr/>
+        <p:nvPr/>
+      </p:nvGrpSpPr>
+      <p:grpSpPr>
+        <a:xfrm>
+          <a:off x="0" y="0"/>
+          <a:ext cx="0" cy="0"/>
+          <a:chOff x="0" y="0"/>
+          <a:chExt cx="0" cy="0"/>
+        </a:xfrm>
+      </p:grpSpPr>
+      <p:sp>
+        <p:nvSpPr>
           <p:cNvPr id="2" name="Title 1">
             <a:extLst>
               <a:ext uri="{FF2B5EF4-FFF2-40B4-BE49-F238E27FC236}">
@@ -42940,7 +43341,7 @@
           <a:p>
             <a:r>
               <a:rPr lang="en-US" dirty="0"/>
-              <a:t>CROSS JOIN</a:t>
+              <a:t>UNION Operator</a:t>
             </a:r>
           </a:p>
         </p:txBody>
@@ -42968,7 +43369,55 @@
           <a:p>
             <a:r>
               <a:rPr lang="en-US" sz="2400" dirty="0"/>
-              <a:t>The CROSS JOIN keyword returns all records from both tables (table1 and table2).</a:t>
+              <a:t>The UNION operator is used to combine the result-set of two or more SELECT statements.</a:t>
+            </a:r>
+          </a:p>
+          <a:p>
+            <a:pPr marL="114300" indent="0">
+              <a:buNone/>
+            </a:pPr>
+            <a:endParaRPr lang="en-US" sz="2400" dirty="0"/>
+          </a:p>
+          <a:p>
+            <a:r>
+              <a:rPr lang="en-US" sz="2400" dirty="0"/>
+              <a:t>Important points for UNION operator.</a:t>
+            </a:r>
+            <a:endParaRPr lang="en-US" sz="2000" dirty="0"/>
+          </a:p>
+          <a:p>
+            <a:pPr lvl="1"/>
+            <a:endParaRPr lang="en-US" sz="2000" dirty="0"/>
+          </a:p>
+          <a:p>
+            <a:pPr lvl="1"/>
+            <a:r>
+              <a:rPr lang="en-US" sz="2000" dirty="0"/>
+              <a:t>Every SELECT statement within UNION must have the same number of columns.</a:t>
+            </a:r>
+          </a:p>
+          <a:p>
+            <a:pPr marL="571500" lvl="1" indent="0">
+              <a:buNone/>
+            </a:pPr>
+            <a:endParaRPr lang="en-US" sz="2000" dirty="0"/>
+          </a:p>
+          <a:p>
+            <a:pPr lvl="1"/>
+            <a:r>
+              <a:rPr lang="en-US" sz="2000" dirty="0"/>
+              <a:t>The columns must also have similar data types</a:t>
+            </a:r>
+          </a:p>
+          <a:p>
+            <a:pPr lvl="1"/>
+            <a:endParaRPr lang="en-US" sz="2000" dirty="0"/>
+          </a:p>
+          <a:p>
+            <a:pPr lvl="1"/>
+            <a:r>
+              <a:rPr lang="en-US" sz="2000" dirty="0"/>
+              <a:t>The columns in every SELECT statement must also be in the same order</a:t>
             </a:r>
           </a:p>
         </p:txBody>
@@ -42996,7 +43445,7 @@
           <a:p>
             <a:fld id="{0C62BD34-D5E2-4C87-AA2A-F8D5808875C3}" type="datetime1">
               <a:rPr lang="en-US" smtClean="0"/>
-              <a:t>9/2/2022</a:t>
+              <a:t>9/3/2022</a:t>
             </a:fld>
             <a:endParaRPr lang="en-US"/>
           </a:p>
@@ -43062,264 +43511,16 @@
             </a:pPr>
             <a:fld id="{00000000-1234-1234-1234-123412341234}" type="slidenum">
               <a:rPr lang="en-US" smtClean="0"/>
-              <a:t>60</a:t>
+              <a:t>61</a:t>
             </a:fld>
             <a:endParaRPr lang="en-US"/>
           </a:p>
         </p:txBody>
       </p:sp>
-      <p:grpSp>
-        <p:nvGrpSpPr>
-          <p:cNvPr id="16" name="Group 15">
-            <a:extLst>
-              <a:ext uri="{FF2B5EF4-FFF2-40B4-BE49-F238E27FC236}">
-                <a16:creationId xmlns:a16="http://schemas.microsoft.com/office/drawing/2014/main" id="{715632FB-279E-4E6E-B440-D5C7246AE28B}"/>
-              </a:ext>
-            </a:extLst>
-          </p:cNvPr>
-          <p:cNvGrpSpPr/>
-          <p:nvPr/>
-        </p:nvGrpSpPr>
-        <p:grpSpPr>
-          <a:xfrm>
-            <a:off x="2999962" y="3026672"/>
-            <a:ext cx="6251713" cy="1476276"/>
-            <a:chOff x="4283765" y="3010756"/>
-            <a:chExt cx="5173317" cy="1476276"/>
-          </a:xfrm>
-        </p:grpSpPr>
-        <p:sp>
-          <p:nvSpPr>
-            <p:cNvPr id="15" name="TextBox 14">
-              <a:extLst>
-                <a:ext uri="{FF2B5EF4-FFF2-40B4-BE49-F238E27FC236}">
-                  <a16:creationId xmlns:a16="http://schemas.microsoft.com/office/drawing/2014/main" id="{02C8CA20-50D4-4E5D-8D32-F3303AE6BDE9}"/>
-                </a:ext>
-              </a:extLst>
-            </p:cNvPr>
-            <p:cNvSpPr txBox="1"/>
-            <p:nvPr/>
-          </p:nvSpPr>
-          <p:spPr>
-            <a:xfrm>
-              <a:off x="4283765" y="3010756"/>
-              <a:ext cx="4572000" cy="461665"/>
-            </a:xfrm>
-            <a:prstGeom prst="rect">
-              <a:avLst/>
-            </a:prstGeom>
-            <a:noFill/>
-          </p:spPr>
-          <p:txBody>
-            <a:bodyPr wrap="square">
-              <a:spAutoFit/>
-            </a:bodyPr>
-            <a:lstStyle/>
-            <a:p>
-              <a:pPr algn="l"/>
-              <a:r>
-                <a:rPr lang="en-US" sz="2400" u="sng" dirty="0">
-                  <a:solidFill>
-                    <a:schemeClr val="dk1"/>
-                  </a:solidFill>
-                </a:rPr>
-                <a:t>CROSS JOIN Syntax</a:t>
-              </a:r>
-            </a:p>
-          </p:txBody>
-        </p:sp>
-        <p:sp>
-          <p:nvSpPr>
-            <p:cNvPr id="17" name="TextBox 16">
-              <a:extLst>
-                <a:ext uri="{FF2B5EF4-FFF2-40B4-BE49-F238E27FC236}">
-                  <a16:creationId xmlns:a16="http://schemas.microsoft.com/office/drawing/2014/main" id="{C79B3065-4C0C-4419-988F-5DC7612F9E4F}"/>
-                </a:ext>
-              </a:extLst>
-            </p:cNvPr>
-            <p:cNvSpPr txBox="1"/>
-            <p:nvPr/>
-          </p:nvSpPr>
-          <p:spPr>
-            <a:xfrm>
-              <a:off x="4283765" y="3471369"/>
-              <a:ext cx="5173317" cy="1015663"/>
-            </a:xfrm>
-            <a:prstGeom prst="rect">
-              <a:avLst/>
-            </a:prstGeom>
-            <a:noFill/>
-          </p:spPr>
-          <p:txBody>
-            <a:bodyPr wrap="square">
-              <a:spAutoFit/>
-            </a:bodyPr>
-            <a:lstStyle/>
-            <a:p>
-              <a:r>
-                <a:rPr lang="en-US" sz="2000" b="0" i="0" dirty="0">
-                  <a:solidFill>
-                    <a:srgbClr val="0000CD"/>
-                  </a:solidFill>
-                  <a:effectLst/>
-                  <a:latin typeface="Consolas" panose="020B0609020204030204" pitchFamily="49" charset="0"/>
-                </a:rPr>
-                <a:t>SELECT</a:t>
-              </a:r>
-              <a:r>
-                <a:rPr lang="en-US" sz="2000" b="0" i="0" dirty="0">
-                  <a:solidFill>
-                    <a:srgbClr val="000000"/>
-                  </a:solidFill>
-                  <a:effectLst/>
-                  <a:latin typeface="Consolas" panose="020B0609020204030204" pitchFamily="49" charset="0"/>
-                </a:rPr>
-                <a:t> </a:t>
-              </a:r>
-              <a:r>
-                <a:rPr lang="en-US" sz="2000" b="0" i="1" dirty="0">
-                  <a:solidFill>
-                    <a:srgbClr val="000000"/>
-                  </a:solidFill>
-                  <a:effectLst/>
-                  <a:latin typeface="Consolas" panose="020B0609020204030204" pitchFamily="49" charset="0"/>
-                </a:rPr>
-                <a:t>col-1, col-2….columns(s)</a:t>
-              </a:r>
-              <a:br>
-                <a:rPr lang="en-US" sz="2000" dirty="0"/>
-              </a:br>
-              <a:r>
-                <a:rPr lang="en-US" sz="2000" b="0" i="0" dirty="0">
-                  <a:solidFill>
-                    <a:srgbClr val="0000CD"/>
-                  </a:solidFill>
-                  <a:effectLst/>
-                  <a:latin typeface="Consolas" panose="020B0609020204030204" pitchFamily="49" charset="0"/>
-                </a:rPr>
-                <a:t>FROM</a:t>
-              </a:r>
-              <a:r>
-                <a:rPr lang="en-US" sz="2000" b="0" i="0" dirty="0">
-                  <a:solidFill>
-                    <a:srgbClr val="000000"/>
-                  </a:solidFill>
-                  <a:effectLst/>
-                  <a:latin typeface="Consolas" panose="020B0609020204030204" pitchFamily="49" charset="0"/>
-                </a:rPr>
-                <a:t> </a:t>
-              </a:r>
-              <a:r>
-                <a:rPr lang="en-US" sz="2000" b="0" i="1" dirty="0">
-                  <a:solidFill>
-                    <a:srgbClr val="000000"/>
-                  </a:solidFill>
-                  <a:effectLst/>
-                  <a:latin typeface="Consolas" panose="020B0609020204030204" pitchFamily="49" charset="0"/>
-                </a:rPr>
-                <a:t>table1</a:t>
-              </a:r>
-              <a:br>
-                <a:rPr lang="en-US" sz="2000" dirty="0"/>
-              </a:br>
-              <a:r>
-                <a:rPr lang="en-US" sz="2000" b="1" dirty="0">
-                  <a:solidFill>
-                    <a:srgbClr val="FF0000"/>
-                  </a:solidFill>
-                  <a:latin typeface="Consolas" panose="020B0609020204030204" pitchFamily="49" charset="0"/>
-                </a:rPr>
-                <a:t>CROSS</a:t>
-              </a:r>
-              <a:r>
-                <a:rPr lang="en-US" sz="2000" b="1" i="0" dirty="0">
-                  <a:solidFill>
-                    <a:srgbClr val="FF0000"/>
-                  </a:solidFill>
-                  <a:effectLst/>
-                  <a:latin typeface="Consolas" panose="020B0609020204030204" pitchFamily="49" charset="0"/>
-                </a:rPr>
-                <a:t> JOIN </a:t>
-              </a:r>
-              <a:r>
-                <a:rPr lang="en-US" sz="2000" b="0" i="1" dirty="0">
-                  <a:solidFill>
-                    <a:srgbClr val="FF0000"/>
-                  </a:solidFill>
-                  <a:effectLst/>
-                  <a:latin typeface="Consolas" panose="020B0609020204030204" pitchFamily="49" charset="0"/>
-                </a:rPr>
-                <a:t>table2</a:t>
-              </a:r>
-              <a:r>
-                <a:rPr lang="en-US" sz="2000" i="1" dirty="0">
-                  <a:solidFill>
-                    <a:srgbClr val="FF0000"/>
-                  </a:solidFill>
-                  <a:latin typeface="Consolas" panose="020B0609020204030204" pitchFamily="49" charset="0"/>
-                </a:rPr>
-                <a:t>;</a:t>
-              </a:r>
-              <a:endParaRPr lang="en-US" sz="2000" dirty="0">
-                <a:solidFill>
-                  <a:srgbClr val="FF0000"/>
-                </a:solidFill>
-              </a:endParaRPr>
-            </a:p>
-          </p:txBody>
-        </p:sp>
-      </p:grpSp>
-      <p:pic>
-        <p:nvPicPr>
-          <p:cNvPr id="5122" name="Picture 2" descr="MySQL CROSS JOIN">
-            <a:extLst>
-              <a:ext uri="{FF2B5EF4-FFF2-40B4-BE49-F238E27FC236}">
-                <a16:creationId xmlns:a16="http://schemas.microsoft.com/office/drawing/2014/main" id="{0B6899B5-9C2D-4FDB-99ED-9DA54CA11468}"/>
-              </a:ext>
-            </a:extLst>
-          </p:cNvPr>
-          <p:cNvPicPr>
-            <a:picLocks noChangeAspect="1" noChangeArrowheads="1"/>
-          </p:cNvPicPr>
-          <p:nvPr/>
-        </p:nvPicPr>
-        <p:blipFill>
-          <a:blip r:embed="rId2">
-            <a:extLst>
-              <a:ext uri="{28A0092B-C50C-407E-A947-70E740481C1C}">
-                <a14:useLocalDpi xmlns:a14="http://schemas.microsoft.com/office/drawing/2010/main" val="0"/>
-              </a:ext>
-            </a:extLst>
-          </a:blip>
-          <a:srcRect/>
-          <a:stretch>
-            <a:fillRect/>
-          </a:stretch>
-        </p:blipFill>
-        <p:spPr bwMode="auto">
-          <a:xfrm>
-            <a:off x="336276" y="3011970"/>
-            <a:ext cx="2580281" cy="1798754"/>
-          </a:xfrm>
-          <a:prstGeom prst="rect">
-            <a:avLst/>
-          </a:prstGeom>
-          <a:noFill/>
-          <a:extLst>
-            <a:ext uri="{909E8E84-426E-40DD-AFC4-6F175D3DCCD1}">
-              <a14:hiddenFill xmlns:a14="http://schemas.microsoft.com/office/drawing/2010/main">
-                <a:solidFill>
-                  <a:srgbClr val="FFFFFF"/>
-                </a:solidFill>
-              </a14:hiddenFill>
-            </a:ext>
-          </a:extLst>
-        </p:spPr>
-      </p:pic>
     </p:spTree>
     <p:extLst>
       <p:ext uri="{BB962C8B-B14F-4D97-AF65-F5344CB8AC3E}">
-        <p14:creationId xmlns:p14="http://schemas.microsoft.com/office/powerpoint/2010/main" val="3111824706"/>
+        <p14:creationId xmlns:p14="http://schemas.microsoft.com/office/powerpoint/2010/main" val="2486671798"/>
       </p:ext>
     </p:extLst>
   </p:cSld>
@@ -43329,7 +43530,622 @@
 </p:sld>
 </file>
 
-<file path=ppt/slides/slide61.xml><?xml version="1.0" encoding="utf-8"?>
+<file path=ppt/slides/slide62.xml><?xml version="1.0" encoding="utf-8"?>
+<p:sld xmlns:a="http://schemas.openxmlformats.org/drawingml/2006/main" xmlns:r="http://schemas.openxmlformats.org/officeDocument/2006/relationships" xmlns:p="http://schemas.openxmlformats.org/presentationml/2006/main">
+  <p:cSld>
+    <p:spTree>
+      <p:nvGrpSpPr>
+        <p:cNvPr id="1" name=""/>
+        <p:cNvGrpSpPr/>
+        <p:nvPr/>
+      </p:nvGrpSpPr>
+      <p:grpSpPr>
+        <a:xfrm>
+          <a:off x="0" y="0"/>
+          <a:ext cx="0" cy="0"/>
+          <a:chOff x="0" y="0"/>
+          <a:chExt cx="0" cy="0"/>
+        </a:xfrm>
+      </p:grpSpPr>
+      <p:sp>
+        <p:nvSpPr>
+          <p:cNvPr id="2" name="Title 1">
+            <a:extLst>
+              <a:ext uri="{FF2B5EF4-FFF2-40B4-BE49-F238E27FC236}">
+                <a16:creationId xmlns:a16="http://schemas.microsoft.com/office/drawing/2014/main" id="{E48B3E39-BF9F-414E-8996-FE28138A5AA4}"/>
+              </a:ext>
+            </a:extLst>
+          </p:cNvPr>
+          <p:cNvSpPr>
+            <a:spLocks noGrp="1"/>
+          </p:cNvSpPr>
+          <p:nvPr>
+            <p:ph type="title"/>
+          </p:nvPr>
+        </p:nvSpPr>
+        <p:spPr>
+          <a:xfrm>
+            <a:off x="457200" y="-3655"/>
+            <a:ext cx="8229600" cy="1143000"/>
+          </a:xfrm>
+        </p:spPr>
+        <p:txBody>
+          <a:bodyPr/>
+          <a:lstStyle/>
+          <a:p>
+            <a:r>
+              <a:rPr lang="en-US" dirty="0"/>
+              <a:t>UNION Operator</a:t>
+            </a:r>
+          </a:p>
+        </p:txBody>
+      </p:sp>
+      <p:sp>
+        <p:nvSpPr>
+          <p:cNvPr id="4" name="Date Placeholder 3">
+            <a:extLst>
+              <a:ext uri="{FF2B5EF4-FFF2-40B4-BE49-F238E27FC236}">
+                <a16:creationId xmlns:a16="http://schemas.microsoft.com/office/drawing/2014/main" id="{2FCB3F9E-7251-48F0-B13B-5B110A6B7640}"/>
+              </a:ext>
+            </a:extLst>
+          </p:cNvPr>
+          <p:cNvSpPr>
+            <a:spLocks noGrp="1"/>
+          </p:cNvSpPr>
+          <p:nvPr>
+            <p:ph type="dt" idx="10"/>
+          </p:nvPr>
+        </p:nvSpPr>
+        <p:spPr/>
+        <p:txBody>
+          <a:bodyPr/>
+          <a:lstStyle/>
+          <a:p>
+            <a:fld id="{0C62BD34-D5E2-4C87-AA2A-F8D5808875C3}" type="datetime1">
+              <a:rPr lang="en-US" smtClean="0"/>
+              <a:t>9/3/2022</a:t>
+            </a:fld>
+            <a:endParaRPr lang="en-US"/>
+          </a:p>
+        </p:txBody>
+      </p:sp>
+      <p:sp>
+        <p:nvSpPr>
+          <p:cNvPr id="5" name="Footer Placeholder 4">
+            <a:extLst>
+              <a:ext uri="{FF2B5EF4-FFF2-40B4-BE49-F238E27FC236}">
+                <a16:creationId xmlns:a16="http://schemas.microsoft.com/office/drawing/2014/main" id="{A05E6C2A-0676-4166-A0E4-5E1FCF337867}"/>
+              </a:ext>
+            </a:extLst>
+          </p:cNvPr>
+          <p:cNvSpPr>
+            <a:spLocks noGrp="1"/>
+          </p:cNvSpPr>
+          <p:nvPr>
+            <p:ph type="ftr" idx="11"/>
+          </p:nvPr>
+        </p:nvSpPr>
+        <p:spPr/>
+        <p:txBody>
+          <a:bodyPr/>
+          <a:lstStyle/>
+          <a:p>
+            <a:r>
+              <a:rPr lang="en-US"/>
+              <a:t>Ankit Velani, MBA-SIT,Tumkur</a:t>
+            </a:r>
+          </a:p>
+        </p:txBody>
+      </p:sp>
+      <p:sp>
+        <p:nvSpPr>
+          <p:cNvPr id="6" name="Slide Number Placeholder 5">
+            <a:extLst>
+              <a:ext uri="{FF2B5EF4-FFF2-40B4-BE49-F238E27FC236}">
+                <a16:creationId xmlns:a16="http://schemas.microsoft.com/office/drawing/2014/main" id="{89933161-E0E1-4B21-A600-F078B5EA203B}"/>
+              </a:ext>
+            </a:extLst>
+          </p:cNvPr>
+          <p:cNvSpPr>
+            <a:spLocks noGrp="1"/>
+          </p:cNvSpPr>
+          <p:nvPr>
+            <p:ph type="sldNum" idx="12"/>
+          </p:nvPr>
+        </p:nvSpPr>
+        <p:spPr/>
+        <p:txBody>
+          <a:bodyPr/>
+          <a:lstStyle/>
+          <a:p>
+            <a:pPr marL="0" lvl="0" indent="0" algn="r" rtl="0">
+              <a:spcBef>
+                <a:spcPts val="0"/>
+              </a:spcBef>
+              <a:spcAft>
+                <a:spcPts val="0"/>
+              </a:spcAft>
+              <a:buNone/>
+            </a:pPr>
+            <a:fld id="{00000000-1234-1234-1234-123412341234}" type="slidenum">
+              <a:rPr lang="en-US" smtClean="0"/>
+              <a:t>62</a:t>
+            </a:fld>
+            <a:endParaRPr lang="en-US"/>
+          </a:p>
+        </p:txBody>
+      </p:sp>
+      <p:sp>
+        <p:nvSpPr>
+          <p:cNvPr id="8" name="Text Placeholder 7">
+            <a:extLst>
+              <a:ext uri="{FF2B5EF4-FFF2-40B4-BE49-F238E27FC236}">
+                <a16:creationId xmlns:a16="http://schemas.microsoft.com/office/drawing/2014/main" id="{80DEBEFD-A6B6-41D0-B2C8-7FBBE5675B3A}"/>
+              </a:ext>
+            </a:extLst>
+          </p:cNvPr>
+          <p:cNvSpPr>
+            <a:spLocks noGrp="1"/>
+          </p:cNvSpPr>
+          <p:nvPr>
+            <p:ph type="body" idx="1"/>
+          </p:nvPr>
+        </p:nvSpPr>
+        <p:spPr>
+          <a:xfrm>
+            <a:off x="457200" y="1103250"/>
+            <a:ext cx="8070574" cy="3637722"/>
+          </a:xfrm>
+        </p:spPr>
+        <p:txBody>
+          <a:bodyPr/>
+          <a:lstStyle/>
+          <a:p>
+            <a:pPr marL="114300" indent="0">
+              <a:buNone/>
+            </a:pPr>
+            <a:r>
+              <a:rPr lang="en-US" sz="2200" i="1" u="sng" dirty="0">
+                <a:solidFill>
+                  <a:srgbClr val="000000"/>
+                </a:solidFill>
+                <a:effectLst/>
+                <a:latin typeface="Segoe UI" panose="020B0502040204020203" pitchFamily="34" charset="0"/>
+              </a:rPr>
+              <a:t>UNION Syntax</a:t>
+            </a:r>
+            <a:endParaRPr lang="en-US" sz="2200" dirty="0"/>
+          </a:p>
+          <a:p>
+            <a:pPr marL="114300" indent="0">
+              <a:buNone/>
+            </a:pPr>
+            <a:r>
+              <a:rPr lang="en-US" sz="2200" b="0" i="0" dirty="0">
+                <a:solidFill>
+                  <a:srgbClr val="0000CD"/>
+                </a:solidFill>
+                <a:effectLst/>
+                <a:latin typeface="Consolas" panose="020B0609020204030204" pitchFamily="49" charset="0"/>
+              </a:rPr>
+              <a:t>	SELECT</a:t>
+            </a:r>
+            <a:r>
+              <a:rPr lang="en-US" sz="2200" b="0" i="0" dirty="0">
+                <a:solidFill>
+                  <a:srgbClr val="000000"/>
+                </a:solidFill>
+                <a:effectLst/>
+                <a:latin typeface="Consolas" panose="020B0609020204030204" pitchFamily="49" charset="0"/>
+              </a:rPr>
+              <a:t> </a:t>
+            </a:r>
+            <a:r>
+              <a:rPr lang="en-US" sz="2200" b="0" i="1" dirty="0">
+                <a:solidFill>
+                  <a:srgbClr val="000000"/>
+                </a:solidFill>
+                <a:effectLst/>
+                <a:latin typeface="Consolas" panose="020B0609020204030204" pitchFamily="49" charset="0"/>
+              </a:rPr>
+              <a:t>col1, col2,..etc</a:t>
+            </a:r>
+            <a:r>
+              <a:rPr lang="en-US" sz="2200" b="0" i="0" dirty="0">
+                <a:solidFill>
+                  <a:srgbClr val="000000"/>
+                </a:solidFill>
+                <a:effectLst/>
+                <a:latin typeface="Consolas" panose="020B0609020204030204" pitchFamily="49" charset="0"/>
+              </a:rPr>
+              <a:t> </a:t>
+            </a:r>
+            <a:r>
+              <a:rPr lang="en-US" sz="2200" b="0" i="0" dirty="0">
+                <a:solidFill>
+                  <a:srgbClr val="0000CD"/>
+                </a:solidFill>
+                <a:effectLst/>
+                <a:latin typeface="Consolas" panose="020B0609020204030204" pitchFamily="49" charset="0"/>
+              </a:rPr>
+              <a:t>FROM</a:t>
+            </a:r>
+            <a:r>
+              <a:rPr lang="en-US" sz="2200" b="0" i="0" dirty="0">
+                <a:solidFill>
+                  <a:srgbClr val="000000"/>
+                </a:solidFill>
+                <a:effectLst/>
+                <a:latin typeface="Consolas" panose="020B0609020204030204" pitchFamily="49" charset="0"/>
+              </a:rPr>
+              <a:t> </a:t>
+            </a:r>
+            <a:r>
+              <a:rPr lang="en-US" sz="2200" b="0" i="1" dirty="0">
+                <a:solidFill>
+                  <a:srgbClr val="000000"/>
+                </a:solidFill>
+                <a:effectLst/>
+                <a:latin typeface="Consolas" panose="020B0609020204030204" pitchFamily="49" charset="0"/>
+              </a:rPr>
+              <a:t>table1</a:t>
+            </a:r>
+            <a:br>
+              <a:rPr lang="en-US" sz="2200" dirty="0"/>
+            </a:br>
+            <a:r>
+              <a:rPr lang="en-US" sz="2200" dirty="0"/>
+              <a:t>	</a:t>
+            </a:r>
+            <a:r>
+              <a:rPr lang="en-US" sz="2200" b="0" i="0" dirty="0">
+                <a:solidFill>
+                  <a:srgbClr val="FF0000"/>
+                </a:solidFill>
+                <a:effectLst/>
+                <a:latin typeface="Consolas" panose="020B0609020204030204" pitchFamily="49" charset="0"/>
+              </a:rPr>
+              <a:t>UNION</a:t>
+            </a:r>
+            <a:br>
+              <a:rPr lang="en-US" sz="2200" dirty="0">
+                <a:solidFill>
+                  <a:srgbClr val="FF0000"/>
+                </a:solidFill>
+              </a:rPr>
+            </a:br>
+            <a:r>
+              <a:rPr lang="en-US" sz="2200" dirty="0">
+                <a:solidFill>
+                  <a:srgbClr val="FF0000"/>
+                </a:solidFill>
+              </a:rPr>
+              <a:t>	</a:t>
+            </a:r>
+            <a:r>
+              <a:rPr lang="en-US" sz="2200" b="0" i="0" dirty="0">
+                <a:solidFill>
+                  <a:srgbClr val="0000CD"/>
+                </a:solidFill>
+                <a:effectLst/>
+                <a:latin typeface="Consolas" panose="020B0609020204030204" pitchFamily="49" charset="0"/>
+              </a:rPr>
+              <a:t>SELECT</a:t>
+            </a:r>
+            <a:r>
+              <a:rPr lang="en-US" sz="2200" b="0" i="0" dirty="0">
+                <a:solidFill>
+                  <a:srgbClr val="000000"/>
+                </a:solidFill>
+                <a:effectLst/>
+                <a:latin typeface="Consolas" panose="020B0609020204030204" pitchFamily="49" charset="0"/>
+              </a:rPr>
+              <a:t> </a:t>
+            </a:r>
+            <a:r>
+              <a:rPr lang="en-US" sz="2200" b="0" i="1" dirty="0">
+                <a:solidFill>
+                  <a:srgbClr val="000000"/>
+                </a:solidFill>
+                <a:effectLst/>
+                <a:latin typeface="Consolas" panose="020B0609020204030204" pitchFamily="49" charset="0"/>
+              </a:rPr>
+              <a:t>col1,col2,..etc </a:t>
+            </a:r>
+            <a:r>
+              <a:rPr lang="en-US" sz="2200" b="0" i="0" dirty="0">
+                <a:solidFill>
+                  <a:srgbClr val="000000"/>
+                </a:solidFill>
+                <a:effectLst/>
+                <a:latin typeface="Consolas" panose="020B0609020204030204" pitchFamily="49" charset="0"/>
+              </a:rPr>
+              <a:t> </a:t>
+            </a:r>
+            <a:r>
+              <a:rPr lang="en-US" sz="2200" b="0" i="0" dirty="0">
+                <a:solidFill>
+                  <a:srgbClr val="0000CD"/>
+                </a:solidFill>
+                <a:effectLst/>
+                <a:latin typeface="Consolas" panose="020B0609020204030204" pitchFamily="49" charset="0"/>
+              </a:rPr>
+              <a:t>FROM</a:t>
+            </a:r>
+            <a:r>
+              <a:rPr lang="en-US" sz="2200" b="0" i="0" dirty="0">
+                <a:solidFill>
+                  <a:srgbClr val="000000"/>
+                </a:solidFill>
+                <a:effectLst/>
+                <a:latin typeface="Consolas" panose="020B0609020204030204" pitchFamily="49" charset="0"/>
+              </a:rPr>
+              <a:t> </a:t>
+            </a:r>
+            <a:r>
+              <a:rPr lang="en-US" sz="2200" b="0" i="1" dirty="0">
+                <a:solidFill>
+                  <a:srgbClr val="000000"/>
+                </a:solidFill>
+                <a:effectLst/>
+                <a:latin typeface="Consolas" panose="020B0609020204030204" pitchFamily="49" charset="0"/>
+              </a:rPr>
+              <a:t>table2</a:t>
+            </a:r>
+            <a:r>
+              <a:rPr lang="en-US" sz="2200" b="0" i="0" dirty="0">
+                <a:solidFill>
+                  <a:srgbClr val="000000"/>
+                </a:solidFill>
+                <a:effectLst/>
+                <a:latin typeface="Consolas" panose="020B0609020204030204" pitchFamily="49" charset="0"/>
+              </a:rPr>
+              <a:t>;</a:t>
+            </a:r>
+          </a:p>
+          <a:p>
+            <a:pPr marL="114300" indent="0">
+              <a:buNone/>
+            </a:pPr>
+            <a:endParaRPr lang="en-US" sz="2200" i="1" u="sng" dirty="0">
+              <a:solidFill>
+                <a:srgbClr val="000000"/>
+              </a:solidFill>
+              <a:latin typeface="Segoe UI" panose="020B0502040204020203" pitchFamily="34" charset="0"/>
+            </a:endParaRPr>
+          </a:p>
+          <a:p>
+            <a:pPr marL="114300" indent="0">
+              <a:buNone/>
+            </a:pPr>
+            <a:r>
+              <a:rPr lang="en-US" sz="2200" i="1" u="sng" dirty="0">
+                <a:solidFill>
+                  <a:srgbClr val="000000"/>
+                </a:solidFill>
+                <a:latin typeface="Segoe UI" panose="020B0502040204020203" pitchFamily="34" charset="0"/>
+              </a:rPr>
+              <a:t>UNION ALL Syntax</a:t>
+            </a:r>
+          </a:p>
+          <a:p>
+            <a:pPr marL="114300" indent="0">
+              <a:buNone/>
+            </a:pPr>
+            <a:r>
+              <a:rPr lang="en-US" sz="2200" b="0" i="0" dirty="0">
+                <a:solidFill>
+                  <a:srgbClr val="0000CD"/>
+                </a:solidFill>
+                <a:effectLst/>
+                <a:latin typeface="Consolas" panose="020B0609020204030204" pitchFamily="49" charset="0"/>
+              </a:rPr>
+              <a:t>	SELECT</a:t>
+            </a:r>
+            <a:r>
+              <a:rPr lang="en-US" sz="2200" b="0" i="0" dirty="0">
+                <a:solidFill>
+                  <a:srgbClr val="000000"/>
+                </a:solidFill>
+                <a:effectLst/>
+                <a:latin typeface="Consolas" panose="020B0609020204030204" pitchFamily="49" charset="0"/>
+              </a:rPr>
+              <a:t> </a:t>
+            </a:r>
+            <a:r>
+              <a:rPr lang="en-US" sz="2200" b="0" i="1" dirty="0">
+                <a:solidFill>
+                  <a:srgbClr val="000000"/>
+                </a:solidFill>
+                <a:effectLst/>
+                <a:latin typeface="Consolas" panose="020B0609020204030204" pitchFamily="49" charset="0"/>
+              </a:rPr>
+              <a:t>col1, col2,..etc</a:t>
+            </a:r>
+            <a:r>
+              <a:rPr lang="en-US" sz="2200" b="0" i="0" dirty="0">
+                <a:solidFill>
+                  <a:srgbClr val="000000"/>
+                </a:solidFill>
+                <a:effectLst/>
+                <a:latin typeface="Consolas" panose="020B0609020204030204" pitchFamily="49" charset="0"/>
+              </a:rPr>
+              <a:t> </a:t>
+            </a:r>
+            <a:r>
+              <a:rPr lang="en-US" sz="2200" b="0" i="0" dirty="0">
+                <a:solidFill>
+                  <a:srgbClr val="0000CD"/>
+                </a:solidFill>
+                <a:effectLst/>
+                <a:latin typeface="Consolas" panose="020B0609020204030204" pitchFamily="49" charset="0"/>
+              </a:rPr>
+              <a:t>FROM</a:t>
+            </a:r>
+            <a:r>
+              <a:rPr lang="en-US" sz="2200" b="0" i="0" dirty="0">
+                <a:solidFill>
+                  <a:srgbClr val="000000"/>
+                </a:solidFill>
+                <a:effectLst/>
+                <a:latin typeface="Consolas" panose="020B0609020204030204" pitchFamily="49" charset="0"/>
+              </a:rPr>
+              <a:t> </a:t>
+            </a:r>
+            <a:r>
+              <a:rPr lang="en-US" sz="2200" b="0" i="1" dirty="0">
+                <a:solidFill>
+                  <a:srgbClr val="000000"/>
+                </a:solidFill>
+                <a:effectLst/>
+                <a:latin typeface="Consolas" panose="020B0609020204030204" pitchFamily="49" charset="0"/>
+              </a:rPr>
+              <a:t>table1</a:t>
+            </a:r>
+            <a:br>
+              <a:rPr lang="en-US" sz="2200" dirty="0"/>
+            </a:br>
+            <a:r>
+              <a:rPr lang="en-US" sz="2200" dirty="0"/>
+              <a:t>	</a:t>
+            </a:r>
+            <a:r>
+              <a:rPr lang="en-US" sz="2200" b="0" i="0" dirty="0">
+                <a:solidFill>
+                  <a:srgbClr val="FF0000"/>
+                </a:solidFill>
+                <a:effectLst/>
+                <a:latin typeface="Consolas" panose="020B0609020204030204" pitchFamily="49" charset="0"/>
+              </a:rPr>
+              <a:t>UNION ALL</a:t>
+            </a:r>
+            <a:br>
+              <a:rPr lang="en-US" sz="2200" dirty="0">
+                <a:solidFill>
+                  <a:srgbClr val="FF0000"/>
+                </a:solidFill>
+              </a:rPr>
+            </a:br>
+            <a:r>
+              <a:rPr lang="en-US" sz="2200" dirty="0">
+                <a:solidFill>
+                  <a:srgbClr val="FF0000"/>
+                </a:solidFill>
+              </a:rPr>
+              <a:t>	</a:t>
+            </a:r>
+            <a:r>
+              <a:rPr lang="en-US" sz="2200" b="0" i="0" dirty="0">
+                <a:solidFill>
+                  <a:srgbClr val="0000CD"/>
+                </a:solidFill>
+                <a:effectLst/>
+                <a:latin typeface="Consolas" panose="020B0609020204030204" pitchFamily="49" charset="0"/>
+              </a:rPr>
+              <a:t>SELECT</a:t>
+            </a:r>
+            <a:r>
+              <a:rPr lang="en-US" sz="2200" b="0" i="0" dirty="0">
+                <a:solidFill>
+                  <a:srgbClr val="000000"/>
+                </a:solidFill>
+                <a:effectLst/>
+                <a:latin typeface="Consolas" panose="020B0609020204030204" pitchFamily="49" charset="0"/>
+              </a:rPr>
+              <a:t> </a:t>
+            </a:r>
+            <a:r>
+              <a:rPr lang="en-US" sz="2200" b="0" i="1" dirty="0">
+                <a:solidFill>
+                  <a:srgbClr val="000000"/>
+                </a:solidFill>
+                <a:effectLst/>
+                <a:latin typeface="Consolas" panose="020B0609020204030204" pitchFamily="49" charset="0"/>
+              </a:rPr>
+              <a:t>col1,col2,..etc </a:t>
+            </a:r>
+            <a:r>
+              <a:rPr lang="en-US" sz="2200" b="0" i="0" dirty="0">
+                <a:solidFill>
+                  <a:srgbClr val="000000"/>
+                </a:solidFill>
+                <a:effectLst/>
+                <a:latin typeface="Consolas" panose="020B0609020204030204" pitchFamily="49" charset="0"/>
+              </a:rPr>
+              <a:t> </a:t>
+            </a:r>
+            <a:r>
+              <a:rPr lang="en-US" sz="2200" b="0" i="0" dirty="0">
+                <a:solidFill>
+                  <a:srgbClr val="0000CD"/>
+                </a:solidFill>
+                <a:effectLst/>
+                <a:latin typeface="Consolas" panose="020B0609020204030204" pitchFamily="49" charset="0"/>
+              </a:rPr>
+              <a:t>FROM</a:t>
+            </a:r>
+            <a:r>
+              <a:rPr lang="en-US" sz="2200" b="0" i="0" dirty="0">
+                <a:solidFill>
+                  <a:srgbClr val="000000"/>
+                </a:solidFill>
+                <a:effectLst/>
+                <a:latin typeface="Consolas" panose="020B0609020204030204" pitchFamily="49" charset="0"/>
+              </a:rPr>
+              <a:t> </a:t>
+            </a:r>
+            <a:r>
+              <a:rPr lang="en-US" sz="2200" b="0" i="1" dirty="0">
+                <a:solidFill>
+                  <a:srgbClr val="000000"/>
+                </a:solidFill>
+                <a:effectLst/>
+                <a:latin typeface="Consolas" panose="020B0609020204030204" pitchFamily="49" charset="0"/>
+              </a:rPr>
+              <a:t>table2</a:t>
+            </a:r>
+            <a:r>
+              <a:rPr lang="en-US" sz="2200" b="0" i="0" dirty="0">
+                <a:solidFill>
+                  <a:srgbClr val="000000"/>
+                </a:solidFill>
+                <a:effectLst/>
+                <a:latin typeface="Consolas" panose="020B0609020204030204" pitchFamily="49" charset="0"/>
+              </a:rPr>
+              <a:t>;</a:t>
+            </a:r>
+          </a:p>
+          <a:p>
+            <a:pPr marL="114300" indent="0">
+              <a:buNone/>
+            </a:pPr>
+            <a:endParaRPr lang="en-US" sz="2400" dirty="0"/>
+          </a:p>
+          <a:p>
+            <a:pPr marL="114300" indent="0">
+              <a:buNone/>
+            </a:pPr>
+            <a:r>
+              <a:rPr lang="en-US" sz="2400" i="1" dirty="0"/>
+              <a:t>****The UNION operator selects only distinct values by default. To allow duplicate values, use UNION ALL</a:t>
+            </a:r>
+          </a:p>
+        </p:txBody>
+      </p:sp>
+    </p:spTree>
+    <p:extLst>
+      <p:ext uri="{BB962C8B-B14F-4D97-AF65-F5344CB8AC3E}">
+        <p14:creationId xmlns:p14="http://schemas.microsoft.com/office/powerpoint/2010/main" val="1959809490"/>
+      </p:ext>
+    </p:extLst>
+  </p:cSld>
+  <p:clrMapOvr>
+    <a:masterClrMapping/>
+  </p:clrMapOvr>
+</p:sld>
+</file>
+
+<file path=ppt/slides/slide63.xml><?xml version="1.0" encoding="utf-8"?>
 <p:sld xmlns:a="http://schemas.openxmlformats.org/drawingml/2006/main" xmlns:r="http://schemas.openxmlformats.org/officeDocument/2006/relationships" xmlns:p="http://schemas.openxmlformats.org/presentationml/2006/main">
   <p:cSld>
     <p:spTree>
@@ -43394,24 +44210,21 @@
           </a:p>
           <a:p>
             <a:pPr algn="ctr"/>
+            <a:endParaRPr lang="en-US" sz="4000" dirty="0">
+              <a:solidFill>
+                <a:schemeClr val="bg1"/>
+              </a:solidFill>
+            </a:endParaRPr>
+          </a:p>
+          <a:p>
+            <a:pPr algn="ctr"/>
             <a:r>
               <a:rPr lang="en-US" sz="4000" dirty="0">
                 <a:solidFill>
                   <a:schemeClr val="bg1"/>
                 </a:solidFill>
               </a:rPr>
-              <a:t>CROSS </a:t>
-            </a:r>
-          </a:p>
-          <a:p>
-            <a:pPr algn="ctr"/>
-            <a:r>
-              <a:rPr lang="en-US" sz="4000" dirty="0">
-                <a:solidFill>
-                  <a:schemeClr val="bg1"/>
-                </a:solidFill>
-              </a:rPr>
-              <a:t>JOIN</a:t>
+              <a:t>UNION</a:t>
             </a:r>
           </a:p>
         </p:txBody>
@@ -43481,7 +44294,7 @@
             </a:pPr>
             <a:fld id="{00000000-1234-1234-1234-123412341234}" type="slidenum">
               <a:rPr lang="en-US" smtClean="0"/>
-              <a:t>61</a:t>
+              <a:t>63</a:t>
             </a:fld>
             <a:endParaRPr lang="en-US"/>
           </a:p>
@@ -43505,13 +44318,13 @@
         </p:nvSpPr>
         <p:spPr>
           <a:xfrm>
-            <a:off x="3124199" y="136374"/>
-            <a:ext cx="5853545" cy="3656307"/>
+            <a:off x="3008400" y="-3849"/>
+            <a:ext cx="6821400" cy="2492526"/>
           </a:xfrm>
         </p:spPr>
         <p:txBody>
           <a:bodyPr anchor="t">
-            <a:normAutofit/>
+            <a:normAutofit lnSpcReduction="10000"/>
           </a:bodyPr>
           <a:lstStyle/>
           <a:p>
@@ -43522,99 +44335,86 @@
               <a:buNone/>
             </a:pPr>
             <a:r>
-              <a:rPr lang="en-US" sz="2000" u="sng" dirty="0"/>
+              <a:rPr lang="en-US" sz="2400" u="sng" dirty="0"/>
               <a:t>Example:</a:t>
             </a:r>
-            <a:endParaRPr lang="en-US" sz="2000" dirty="0"/>
           </a:p>
           <a:p>
             <a:pPr marL="114300" indent="0">
+              <a:lnSpc>
+                <a:spcPct val="90000"/>
+              </a:lnSpc>
               <a:buNone/>
             </a:pPr>
-            <a:endParaRPr lang="en-US" sz="2000" dirty="0"/>
+            <a:endParaRPr lang="en-US" sz="2400" b="0" i="0" dirty="0">
+              <a:solidFill>
+                <a:srgbClr val="0000CD"/>
+              </a:solidFill>
+              <a:effectLst/>
+              <a:latin typeface="Consolas" panose="020B0609020204030204" pitchFamily="49" charset="0"/>
+            </a:endParaRPr>
           </a:p>
           <a:p>
             <a:pPr marL="114300" indent="0">
               <a:buNone/>
             </a:pPr>
             <a:r>
-              <a:rPr lang="en-US" sz="2000" dirty="0"/>
-              <a:t>SELECT   </a:t>
-            </a:r>
-            <a:r>
-              <a:rPr lang="en-US" sz="2000" dirty="0">
+              <a:rPr lang="en-US" sz="1800" dirty="0"/>
+              <a:t>SELECT </a:t>
+            </a:r>
+            <a:r>
+              <a:rPr lang="en-US" sz="1800" dirty="0" err="1"/>
+              <a:t>customerNumber</a:t>
+            </a:r>
+            <a:r>
+              <a:rPr lang="en-US" sz="1800" dirty="0"/>
+              <a:t>, </a:t>
+            </a:r>
+            <a:r>
+              <a:rPr lang="en-US" sz="1800" dirty="0" err="1"/>
+              <a:t>customerName</a:t>
+            </a:r>
+            <a:r>
+              <a:rPr lang="en-US" sz="1800" dirty="0"/>
+              <a:t>, city FROM customers_1</a:t>
+            </a:r>
+          </a:p>
+          <a:p>
+            <a:pPr marL="114300" indent="0">
+              <a:buNone/>
+            </a:pPr>
+            <a:r>
+              <a:rPr lang="en-US" sz="1800" dirty="0">
                 <a:solidFill>
                   <a:srgbClr val="FF0000"/>
                 </a:solidFill>
               </a:rPr>
-              <a:t>customers.* </a:t>
-            </a:r>
-            <a:r>
-              <a:rPr lang="en-US" sz="2000" dirty="0"/>
+              <a:t>UNION</a:t>
+            </a:r>
+          </a:p>
+          <a:p>
+            <a:pPr marL="114300" indent="0">
+              <a:buNone/>
+            </a:pPr>
+            <a:r>
+              <a:rPr lang="en-US" sz="1800" dirty="0"/>
+              <a:t>SELECT </a:t>
+            </a:r>
+            <a:r>
+              <a:rPr lang="en-US" sz="1800" dirty="0" err="1"/>
+              <a:t>customerNumber</a:t>
+            </a:r>
+            <a:r>
+              <a:rPr lang="en-US" sz="1800" dirty="0"/>
               <a:t>, </a:t>
             </a:r>
-          </a:p>
-          <a:p>
-            <a:pPr marL="114300" indent="0">
-              <a:buNone/>
-            </a:pPr>
-            <a:r>
-              <a:rPr lang="en-US" sz="2000" dirty="0"/>
-              <a:t>	     </a:t>
-            </a:r>
-            <a:r>
-              <a:rPr lang="en-US" sz="2000" dirty="0">
-                <a:solidFill>
-                  <a:srgbClr val="FF0000"/>
-                </a:solidFill>
-              </a:rPr>
-              <a:t>orders.* </a:t>
-            </a:r>
-          </a:p>
-          <a:p>
-            <a:pPr marL="114300" indent="0">
-              <a:buNone/>
-            </a:pPr>
-            <a:r>
-              <a:rPr lang="en-US" sz="2000" dirty="0"/>
-              <a:t>FROM customers</a:t>
-            </a:r>
-          </a:p>
-          <a:p>
-            <a:pPr marL="114300" indent="0">
-              <a:buNone/>
-            </a:pPr>
-            <a:r>
-              <a:rPr lang="en-US" sz="2000" b="1" dirty="0">
-                <a:solidFill>
-                  <a:srgbClr val="FF0000"/>
-                </a:solidFill>
-              </a:rPr>
-              <a:t>CROSS</a:t>
-            </a:r>
-            <a:r>
-              <a:rPr lang="en-US" sz="2000" dirty="0">
-                <a:solidFill>
-                  <a:srgbClr val="FF0000"/>
-                </a:solidFill>
-              </a:rPr>
-              <a:t> </a:t>
-            </a:r>
-            <a:r>
-              <a:rPr lang="en-US" sz="2000" b="1" dirty="0">
-                <a:solidFill>
-                  <a:srgbClr val="FF0000"/>
-                </a:solidFill>
-              </a:rPr>
-              <a:t>JOIN</a:t>
-            </a:r>
-            <a:r>
-              <a:rPr lang="en-US" sz="2000" dirty="0">
-                <a:solidFill>
-                  <a:srgbClr val="FF0000"/>
-                </a:solidFill>
-              </a:rPr>
-              <a:t> orders;</a:t>
+            <a:r>
+              <a:rPr lang="en-US" sz="1800" dirty="0" err="1"/>
+              <a:t>customerName</a:t>
+            </a:r>
+            <a:r>
+              <a:rPr lang="en-US" sz="1800" dirty="0"/>
+              <a:t>, city FROM customers_2;</a:t>
             </a:r>
           </a:p>
         </p:txBody>
@@ -43656,10 +44456,10 @@
       </p:sp>
       <p:pic>
         <p:nvPicPr>
-          <p:cNvPr id="3" name="Picture 2">
+          <p:cNvPr id="8" name="Picture 7">
             <a:extLst>
               <a:ext uri="{FF2B5EF4-FFF2-40B4-BE49-F238E27FC236}">
-                <a16:creationId xmlns:a16="http://schemas.microsoft.com/office/drawing/2014/main" id="{F89C214E-9A58-4036-B931-1F76861C6460}"/>
+                <a16:creationId xmlns:a16="http://schemas.microsoft.com/office/drawing/2014/main" id="{8523C138-C346-4D40-8B02-17C3EC6821A6}"/>
               </a:ext>
             </a:extLst>
           </p:cNvPr>
@@ -43676,8 +44476,8 @@
         </p:blipFill>
         <p:spPr>
           <a:xfrm>
-            <a:off x="3101353" y="3115202"/>
-            <a:ext cx="5899236" cy="2807425"/>
+            <a:off x="4061979" y="2961313"/>
+            <a:ext cx="3638550" cy="2790825"/>
           </a:xfrm>
           <a:prstGeom prst="rect">
             <a:avLst/>
@@ -43687,851 +44487,7 @@
     </p:spTree>
     <p:extLst>
       <p:ext uri="{BB962C8B-B14F-4D97-AF65-F5344CB8AC3E}">
-        <p14:creationId xmlns:p14="http://schemas.microsoft.com/office/powerpoint/2010/main" val="2245907415"/>
-      </p:ext>
-    </p:extLst>
-  </p:cSld>
-  <p:clrMapOvr>
-    <a:masterClrMapping/>
-  </p:clrMapOvr>
-</p:sld>
-</file>
-
-<file path=ppt/slides/slide62.xml><?xml version="1.0" encoding="utf-8"?>
-<p:sld xmlns:a="http://schemas.openxmlformats.org/drawingml/2006/main" xmlns:r="http://schemas.openxmlformats.org/officeDocument/2006/relationships" xmlns:p="http://schemas.openxmlformats.org/presentationml/2006/main">
-  <p:cSld>
-    <p:spTree>
-      <p:nvGrpSpPr>
-        <p:cNvPr id="1" name=""/>
-        <p:cNvGrpSpPr/>
-        <p:nvPr/>
-      </p:nvGrpSpPr>
-      <p:grpSpPr>
-        <a:xfrm>
-          <a:off x="0" y="0"/>
-          <a:ext cx="0" cy="0"/>
-          <a:chOff x="0" y="0"/>
-          <a:chExt cx="0" cy="0"/>
-        </a:xfrm>
-      </p:grpSpPr>
-      <p:sp>
-        <p:nvSpPr>
-          <p:cNvPr id="2" name="Title 1">
-            <a:extLst>
-              <a:ext uri="{FF2B5EF4-FFF2-40B4-BE49-F238E27FC236}">
-                <a16:creationId xmlns:a16="http://schemas.microsoft.com/office/drawing/2014/main" id="{E48B3E39-BF9F-414E-8996-FE28138A5AA4}"/>
-              </a:ext>
-            </a:extLst>
-          </p:cNvPr>
-          <p:cNvSpPr>
-            <a:spLocks noGrp="1"/>
-          </p:cNvSpPr>
-          <p:nvPr>
-            <p:ph type="title"/>
-          </p:nvPr>
-        </p:nvSpPr>
-        <p:spPr/>
-        <p:txBody>
-          <a:bodyPr/>
-          <a:lstStyle/>
-          <a:p>
-            <a:r>
-              <a:rPr lang="en-US" dirty="0"/>
-              <a:t>UNION Operator</a:t>
-            </a:r>
-          </a:p>
-        </p:txBody>
-      </p:sp>
-      <p:sp>
-        <p:nvSpPr>
-          <p:cNvPr id="3" name="Text Placeholder 2">
-            <a:extLst>
-              <a:ext uri="{FF2B5EF4-FFF2-40B4-BE49-F238E27FC236}">
-                <a16:creationId xmlns:a16="http://schemas.microsoft.com/office/drawing/2014/main" id="{875C4111-4481-4FAB-A8C7-B4187361950B}"/>
-              </a:ext>
-            </a:extLst>
-          </p:cNvPr>
-          <p:cNvSpPr>
-            <a:spLocks noGrp="1"/>
-          </p:cNvSpPr>
-          <p:nvPr>
-            <p:ph type="body" idx="1"/>
-          </p:nvPr>
-        </p:nvSpPr>
-        <p:spPr/>
-        <p:txBody>
-          <a:bodyPr/>
-          <a:lstStyle/>
-          <a:p>
-            <a:r>
-              <a:rPr lang="en-US" sz="2400" dirty="0"/>
-              <a:t>The UNION operator is used to combine the result-set of two or more SELECT statements.</a:t>
-            </a:r>
-          </a:p>
-          <a:p>
-            <a:pPr marL="114300" indent="0">
-              <a:buNone/>
-            </a:pPr>
-            <a:endParaRPr lang="en-US" sz="2400" dirty="0"/>
-          </a:p>
-          <a:p>
-            <a:r>
-              <a:rPr lang="en-US" sz="2400" dirty="0"/>
-              <a:t>Important points for UNION operator.</a:t>
-            </a:r>
-            <a:endParaRPr lang="en-US" sz="2000" dirty="0"/>
-          </a:p>
-          <a:p>
-            <a:pPr lvl="1"/>
-            <a:endParaRPr lang="en-US" sz="2000" dirty="0"/>
-          </a:p>
-          <a:p>
-            <a:pPr lvl="1"/>
-            <a:r>
-              <a:rPr lang="en-US" sz="2000" dirty="0"/>
-              <a:t>Every SELECT statement within UNION must have the same number of columns.</a:t>
-            </a:r>
-          </a:p>
-          <a:p>
-            <a:pPr marL="571500" lvl="1" indent="0">
-              <a:buNone/>
-            </a:pPr>
-            <a:endParaRPr lang="en-US" sz="2000" dirty="0"/>
-          </a:p>
-          <a:p>
-            <a:pPr lvl="1"/>
-            <a:r>
-              <a:rPr lang="en-US" sz="2000" dirty="0"/>
-              <a:t>The columns must also have similar data types</a:t>
-            </a:r>
-          </a:p>
-          <a:p>
-            <a:pPr lvl="1"/>
-            <a:endParaRPr lang="en-US" sz="2000" dirty="0"/>
-          </a:p>
-          <a:p>
-            <a:pPr lvl="1"/>
-            <a:r>
-              <a:rPr lang="en-US" sz="2000" dirty="0"/>
-              <a:t>The columns in every SELECT statement must also be in the same order</a:t>
-            </a:r>
-          </a:p>
-        </p:txBody>
-      </p:sp>
-      <p:sp>
-        <p:nvSpPr>
-          <p:cNvPr id="4" name="Date Placeholder 3">
-            <a:extLst>
-              <a:ext uri="{FF2B5EF4-FFF2-40B4-BE49-F238E27FC236}">
-                <a16:creationId xmlns:a16="http://schemas.microsoft.com/office/drawing/2014/main" id="{2FCB3F9E-7251-48F0-B13B-5B110A6B7640}"/>
-              </a:ext>
-            </a:extLst>
-          </p:cNvPr>
-          <p:cNvSpPr>
-            <a:spLocks noGrp="1"/>
-          </p:cNvSpPr>
-          <p:nvPr>
-            <p:ph type="dt" idx="10"/>
-          </p:nvPr>
-        </p:nvSpPr>
-        <p:spPr/>
-        <p:txBody>
-          <a:bodyPr/>
-          <a:lstStyle/>
-          <a:p>
-            <a:fld id="{0C62BD34-D5E2-4C87-AA2A-F8D5808875C3}" type="datetime1">
-              <a:rPr lang="en-US" smtClean="0"/>
-              <a:t>9/2/2022</a:t>
-            </a:fld>
-            <a:endParaRPr lang="en-US"/>
-          </a:p>
-        </p:txBody>
-      </p:sp>
-      <p:sp>
-        <p:nvSpPr>
-          <p:cNvPr id="5" name="Footer Placeholder 4">
-            <a:extLst>
-              <a:ext uri="{FF2B5EF4-FFF2-40B4-BE49-F238E27FC236}">
-                <a16:creationId xmlns:a16="http://schemas.microsoft.com/office/drawing/2014/main" id="{A05E6C2A-0676-4166-A0E4-5E1FCF337867}"/>
-              </a:ext>
-            </a:extLst>
-          </p:cNvPr>
-          <p:cNvSpPr>
-            <a:spLocks noGrp="1"/>
-          </p:cNvSpPr>
-          <p:nvPr>
-            <p:ph type="ftr" idx="11"/>
-          </p:nvPr>
-        </p:nvSpPr>
-        <p:spPr/>
-        <p:txBody>
-          <a:bodyPr/>
-          <a:lstStyle/>
-          <a:p>
-            <a:r>
-              <a:rPr lang="en-US"/>
-              <a:t>Ankit Velani, MBA-SIT,Tumkur</a:t>
-            </a:r>
-          </a:p>
-        </p:txBody>
-      </p:sp>
-      <p:sp>
-        <p:nvSpPr>
-          <p:cNvPr id="6" name="Slide Number Placeholder 5">
-            <a:extLst>
-              <a:ext uri="{FF2B5EF4-FFF2-40B4-BE49-F238E27FC236}">
-                <a16:creationId xmlns:a16="http://schemas.microsoft.com/office/drawing/2014/main" id="{89933161-E0E1-4B21-A600-F078B5EA203B}"/>
-              </a:ext>
-            </a:extLst>
-          </p:cNvPr>
-          <p:cNvSpPr>
-            <a:spLocks noGrp="1"/>
-          </p:cNvSpPr>
-          <p:nvPr>
-            <p:ph type="sldNum" idx="12"/>
-          </p:nvPr>
-        </p:nvSpPr>
-        <p:spPr/>
-        <p:txBody>
-          <a:bodyPr/>
-          <a:lstStyle/>
-          <a:p>
-            <a:pPr marL="0" lvl="0" indent="0" algn="r" rtl="0">
-              <a:spcBef>
-                <a:spcPts val="0"/>
-              </a:spcBef>
-              <a:spcAft>
-                <a:spcPts val="0"/>
-              </a:spcAft>
-              <a:buNone/>
-            </a:pPr>
-            <a:fld id="{00000000-1234-1234-1234-123412341234}" type="slidenum">
-              <a:rPr lang="en-US" smtClean="0"/>
-              <a:t>62</a:t>
-            </a:fld>
-            <a:endParaRPr lang="en-US"/>
-          </a:p>
-        </p:txBody>
-      </p:sp>
-    </p:spTree>
-    <p:extLst>
-      <p:ext uri="{BB962C8B-B14F-4D97-AF65-F5344CB8AC3E}">
-        <p14:creationId xmlns:p14="http://schemas.microsoft.com/office/powerpoint/2010/main" val="2486671798"/>
-      </p:ext>
-    </p:extLst>
-  </p:cSld>
-  <p:clrMapOvr>
-    <a:masterClrMapping/>
-  </p:clrMapOvr>
-</p:sld>
-</file>
-
-<file path=ppt/slides/slide63.xml><?xml version="1.0" encoding="utf-8"?>
-<p:sld xmlns:a="http://schemas.openxmlformats.org/drawingml/2006/main" xmlns:r="http://schemas.openxmlformats.org/officeDocument/2006/relationships" xmlns:p="http://schemas.openxmlformats.org/presentationml/2006/main">
-  <p:cSld>
-    <p:spTree>
-      <p:nvGrpSpPr>
-        <p:cNvPr id="1" name=""/>
-        <p:cNvGrpSpPr/>
-        <p:nvPr/>
-      </p:nvGrpSpPr>
-      <p:grpSpPr>
-        <a:xfrm>
-          <a:off x="0" y="0"/>
-          <a:ext cx="0" cy="0"/>
-          <a:chOff x="0" y="0"/>
-          <a:chExt cx="0" cy="0"/>
-        </a:xfrm>
-      </p:grpSpPr>
-      <p:sp>
-        <p:nvSpPr>
-          <p:cNvPr id="2" name="Title 1">
-            <a:extLst>
-              <a:ext uri="{FF2B5EF4-FFF2-40B4-BE49-F238E27FC236}">
-                <a16:creationId xmlns:a16="http://schemas.microsoft.com/office/drawing/2014/main" id="{E48B3E39-BF9F-414E-8996-FE28138A5AA4}"/>
-              </a:ext>
-            </a:extLst>
-          </p:cNvPr>
-          <p:cNvSpPr>
-            <a:spLocks noGrp="1"/>
-          </p:cNvSpPr>
-          <p:nvPr>
-            <p:ph type="title"/>
-          </p:nvPr>
-        </p:nvSpPr>
-        <p:spPr>
-          <a:xfrm>
-            <a:off x="457200" y="-3655"/>
-            <a:ext cx="8229600" cy="1143000"/>
-          </a:xfrm>
-        </p:spPr>
-        <p:txBody>
-          <a:bodyPr/>
-          <a:lstStyle/>
-          <a:p>
-            <a:r>
-              <a:rPr lang="en-US" dirty="0"/>
-              <a:t>UNION Operator</a:t>
-            </a:r>
-          </a:p>
-        </p:txBody>
-      </p:sp>
-      <p:sp>
-        <p:nvSpPr>
-          <p:cNvPr id="4" name="Date Placeholder 3">
-            <a:extLst>
-              <a:ext uri="{FF2B5EF4-FFF2-40B4-BE49-F238E27FC236}">
-                <a16:creationId xmlns:a16="http://schemas.microsoft.com/office/drawing/2014/main" id="{2FCB3F9E-7251-48F0-B13B-5B110A6B7640}"/>
-              </a:ext>
-            </a:extLst>
-          </p:cNvPr>
-          <p:cNvSpPr>
-            <a:spLocks noGrp="1"/>
-          </p:cNvSpPr>
-          <p:nvPr>
-            <p:ph type="dt" idx="10"/>
-          </p:nvPr>
-        </p:nvSpPr>
-        <p:spPr/>
-        <p:txBody>
-          <a:bodyPr/>
-          <a:lstStyle/>
-          <a:p>
-            <a:fld id="{0C62BD34-D5E2-4C87-AA2A-F8D5808875C3}" type="datetime1">
-              <a:rPr lang="en-US" smtClean="0"/>
-              <a:t>9/2/2022</a:t>
-            </a:fld>
-            <a:endParaRPr lang="en-US"/>
-          </a:p>
-        </p:txBody>
-      </p:sp>
-      <p:sp>
-        <p:nvSpPr>
-          <p:cNvPr id="5" name="Footer Placeholder 4">
-            <a:extLst>
-              <a:ext uri="{FF2B5EF4-FFF2-40B4-BE49-F238E27FC236}">
-                <a16:creationId xmlns:a16="http://schemas.microsoft.com/office/drawing/2014/main" id="{A05E6C2A-0676-4166-A0E4-5E1FCF337867}"/>
-              </a:ext>
-            </a:extLst>
-          </p:cNvPr>
-          <p:cNvSpPr>
-            <a:spLocks noGrp="1"/>
-          </p:cNvSpPr>
-          <p:nvPr>
-            <p:ph type="ftr" idx="11"/>
-          </p:nvPr>
-        </p:nvSpPr>
-        <p:spPr/>
-        <p:txBody>
-          <a:bodyPr/>
-          <a:lstStyle/>
-          <a:p>
-            <a:r>
-              <a:rPr lang="en-US"/>
-              <a:t>Ankit Velani, MBA-SIT,Tumkur</a:t>
-            </a:r>
-          </a:p>
-        </p:txBody>
-      </p:sp>
-      <p:sp>
-        <p:nvSpPr>
-          <p:cNvPr id="6" name="Slide Number Placeholder 5">
-            <a:extLst>
-              <a:ext uri="{FF2B5EF4-FFF2-40B4-BE49-F238E27FC236}">
-                <a16:creationId xmlns:a16="http://schemas.microsoft.com/office/drawing/2014/main" id="{89933161-E0E1-4B21-A600-F078B5EA203B}"/>
-              </a:ext>
-            </a:extLst>
-          </p:cNvPr>
-          <p:cNvSpPr>
-            <a:spLocks noGrp="1"/>
-          </p:cNvSpPr>
-          <p:nvPr>
-            <p:ph type="sldNum" idx="12"/>
-          </p:nvPr>
-        </p:nvSpPr>
-        <p:spPr/>
-        <p:txBody>
-          <a:bodyPr/>
-          <a:lstStyle/>
-          <a:p>
-            <a:pPr marL="0" lvl="0" indent="0" algn="r" rtl="0">
-              <a:spcBef>
-                <a:spcPts val="0"/>
-              </a:spcBef>
-              <a:spcAft>
-                <a:spcPts val="0"/>
-              </a:spcAft>
-              <a:buNone/>
-            </a:pPr>
-            <a:fld id="{00000000-1234-1234-1234-123412341234}" type="slidenum">
-              <a:rPr lang="en-US" smtClean="0"/>
-              <a:t>63</a:t>
-            </a:fld>
-            <a:endParaRPr lang="en-US"/>
-          </a:p>
-        </p:txBody>
-      </p:sp>
-      <p:sp>
-        <p:nvSpPr>
-          <p:cNvPr id="8" name="Text Placeholder 7">
-            <a:extLst>
-              <a:ext uri="{FF2B5EF4-FFF2-40B4-BE49-F238E27FC236}">
-                <a16:creationId xmlns:a16="http://schemas.microsoft.com/office/drawing/2014/main" id="{80DEBEFD-A6B6-41D0-B2C8-7FBBE5675B3A}"/>
-              </a:ext>
-            </a:extLst>
-          </p:cNvPr>
-          <p:cNvSpPr>
-            <a:spLocks noGrp="1"/>
-          </p:cNvSpPr>
-          <p:nvPr>
-            <p:ph type="body" idx="1"/>
-          </p:nvPr>
-        </p:nvSpPr>
-        <p:spPr>
-          <a:xfrm>
-            <a:off x="457200" y="1103250"/>
-            <a:ext cx="8070574" cy="3637722"/>
-          </a:xfrm>
-        </p:spPr>
-        <p:txBody>
-          <a:bodyPr/>
-          <a:lstStyle/>
-          <a:p>
-            <a:pPr marL="114300" indent="0">
-              <a:buNone/>
-            </a:pPr>
-            <a:r>
-              <a:rPr lang="en-US" sz="2200" i="1" u="sng" dirty="0">
-                <a:solidFill>
-                  <a:srgbClr val="000000"/>
-                </a:solidFill>
-                <a:effectLst/>
-                <a:latin typeface="Segoe UI" panose="020B0502040204020203" pitchFamily="34" charset="0"/>
-              </a:rPr>
-              <a:t>UNION Syntax</a:t>
-            </a:r>
-            <a:endParaRPr lang="en-US" sz="2200" dirty="0"/>
-          </a:p>
-          <a:p>
-            <a:pPr marL="114300" indent="0">
-              <a:buNone/>
-            </a:pPr>
-            <a:r>
-              <a:rPr lang="en-US" sz="2200" b="0" i="0" dirty="0">
-                <a:solidFill>
-                  <a:srgbClr val="0000CD"/>
-                </a:solidFill>
-                <a:effectLst/>
-                <a:latin typeface="Consolas" panose="020B0609020204030204" pitchFamily="49" charset="0"/>
-              </a:rPr>
-              <a:t>	SELECT</a:t>
-            </a:r>
-            <a:r>
-              <a:rPr lang="en-US" sz="2200" b="0" i="0" dirty="0">
-                <a:solidFill>
-                  <a:srgbClr val="000000"/>
-                </a:solidFill>
-                <a:effectLst/>
-                <a:latin typeface="Consolas" panose="020B0609020204030204" pitchFamily="49" charset="0"/>
-              </a:rPr>
-              <a:t> </a:t>
-            </a:r>
-            <a:r>
-              <a:rPr lang="en-US" sz="2200" b="0" i="1" dirty="0">
-                <a:solidFill>
-                  <a:srgbClr val="000000"/>
-                </a:solidFill>
-                <a:effectLst/>
-                <a:latin typeface="Consolas" panose="020B0609020204030204" pitchFamily="49" charset="0"/>
-              </a:rPr>
-              <a:t>col1, col2,..etc</a:t>
-            </a:r>
-            <a:r>
-              <a:rPr lang="en-US" sz="2200" b="0" i="0" dirty="0">
-                <a:solidFill>
-                  <a:srgbClr val="000000"/>
-                </a:solidFill>
-                <a:effectLst/>
-                <a:latin typeface="Consolas" panose="020B0609020204030204" pitchFamily="49" charset="0"/>
-              </a:rPr>
-              <a:t> </a:t>
-            </a:r>
-            <a:r>
-              <a:rPr lang="en-US" sz="2200" b="0" i="0" dirty="0">
-                <a:solidFill>
-                  <a:srgbClr val="0000CD"/>
-                </a:solidFill>
-                <a:effectLst/>
-                <a:latin typeface="Consolas" panose="020B0609020204030204" pitchFamily="49" charset="0"/>
-              </a:rPr>
-              <a:t>FROM</a:t>
-            </a:r>
-            <a:r>
-              <a:rPr lang="en-US" sz="2200" b="0" i="0" dirty="0">
-                <a:solidFill>
-                  <a:srgbClr val="000000"/>
-                </a:solidFill>
-                <a:effectLst/>
-                <a:latin typeface="Consolas" panose="020B0609020204030204" pitchFamily="49" charset="0"/>
-              </a:rPr>
-              <a:t> </a:t>
-            </a:r>
-            <a:r>
-              <a:rPr lang="en-US" sz="2200" b="0" i="1" dirty="0">
-                <a:solidFill>
-                  <a:srgbClr val="000000"/>
-                </a:solidFill>
-                <a:effectLst/>
-                <a:latin typeface="Consolas" panose="020B0609020204030204" pitchFamily="49" charset="0"/>
-              </a:rPr>
-              <a:t>table1</a:t>
-            </a:r>
-            <a:br>
-              <a:rPr lang="en-US" sz="2200" dirty="0"/>
-            </a:br>
-            <a:r>
-              <a:rPr lang="en-US" sz="2200" dirty="0"/>
-              <a:t>	</a:t>
-            </a:r>
-            <a:r>
-              <a:rPr lang="en-US" sz="2200" b="0" i="0" dirty="0">
-                <a:solidFill>
-                  <a:srgbClr val="FF0000"/>
-                </a:solidFill>
-                <a:effectLst/>
-                <a:latin typeface="Consolas" panose="020B0609020204030204" pitchFamily="49" charset="0"/>
-              </a:rPr>
-              <a:t>UNION</a:t>
-            </a:r>
-            <a:br>
-              <a:rPr lang="en-US" sz="2200" dirty="0">
-                <a:solidFill>
-                  <a:srgbClr val="FF0000"/>
-                </a:solidFill>
-              </a:rPr>
-            </a:br>
-            <a:r>
-              <a:rPr lang="en-US" sz="2200" dirty="0">
-                <a:solidFill>
-                  <a:srgbClr val="FF0000"/>
-                </a:solidFill>
-              </a:rPr>
-              <a:t>	</a:t>
-            </a:r>
-            <a:r>
-              <a:rPr lang="en-US" sz="2200" b="0" i="0" dirty="0">
-                <a:solidFill>
-                  <a:srgbClr val="0000CD"/>
-                </a:solidFill>
-                <a:effectLst/>
-                <a:latin typeface="Consolas" panose="020B0609020204030204" pitchFamily="49" charset="0"/>
-              </a:rPr>
-              <a:t>SELECT</a:t>
-            </a:r>
-            <a:r>
-              <a:rPr lang="en-US" sz="2200" b="0" i="0" dirty="0">
-                <a:solidFill>
-                  <a:srgbClr val="000000"/>
-                </a:solidFill>
-                <a:effectLst/>
-                <a:latin typeface="Consolas" panose="020B0609020204030204" pitchFamily="49" charset="0"/>
-              </a:rPr>
-              <a:t> </a:t>
-            </a:r>
-            <a:r>
-              <a:rPr lang="en-US" sz="2200" b="0" i="1" dirty="0">
-                <a:solidFill>
-                  <a:srgbClr val="000000"/>
-                </a:solidFill>
-                <a:effectLst/>
-                <a:latin typeface="Consolas" panose="020B0609020204030204" pitchFamily="49" charset="0"/>
-              </a:rPr>
-              <a:t>col1,col2,..etc </a:t>
-            </a:r>
-            <a:r>
-              <a:rPr lang="en-US" sz="2200" b="0" i="0" dirty="0">
-                <a:solidFill>
-                  <a:srgbClr val="000000"/>
-                </a:solidFill>
-                <a:effectLst/>
-                <a:latin typeface="Consolas" panose="020B0609020204030204" pitchFamily="49" charset="0"/>
-              </a:rPr>
-              <a:t> </a:t>
-            </a:r>
-            <a:r>
-              <a:rPr lang="en-US" sz="2200" b="0" i="0" dirty="0">
-                <a:solidFill>
-                  <a:srgbClr val="0000CD"/>
-                </a:solidFill>
-                <a:effectLst/>
-                <a:latin typeface="Consolas" panose="020B0609020204030204" pitchFamily="49" charset="0"/>
-              </a:rPr>
-              <a:t>FROM</a:t>
-            </a:r>
-            <a:r>
-              <a:rPr lang="en-US" sz="2200" b="0" i="0" dirty="0">
-                <a:solidFill>
-                  <a:srgbClr val="000000"/>
-                </a:solidFill>
-                <a:effectLst/>
-                <a:latin typeface="Consolas" panose="020B0609020204030204" pitchFamily="49" charset="0"/>
-              </a:rPr>
-              <a:t> </a:t>
-            </a:r>
-            <a:r>
-              <a:rPr lang="en-US" sz="2200" b="0" i="1" dirty="0">
-                <a:solidFill>
-                  <a:srgbClr val="000000"/>
-                </a:solidFill>
-                <a:effectLst/>
-                <a:latin typeface="Consolas" panose="020B0609020204030204" pitchFamily="49" charset="0"/>
-              </a:rPr>
-              <a:t>table2</a:t>
-            </a:r>
-            <a:r>
-              <a:rPr lang="en-US" sz="2200" b="0" i="0" dirty="0">
-                <a:solidFill>
-                  <a:srgbClr val="000000"/>
-                </a:solidFill>
-                <a:effectLst/>
-                <a:latin typeface="Consolas" panose="020B0609020204030204" pitchFamily="49" charset="0"/>
-              </a:rPr>
-              <a:t>;</a:t>
-            </a:r>
-          </a:p>
-          <a:p>
-            <a:pPr marL="114300" indent="0">
-              <a:buNone/>
-            </a:pPr>
-            <a:endParaRPr lang="en-US" sz="2200" i="1" u="sng" dirty="0">
-              <a:solidFill>
-                <a:srgbClr val="000000"/>
-              </a:solidFill>
-              <a:latin typeface="Segoe UI" panose="020B0502040204020203" pitchFamily="34" charset="0"/>
-            </a:endParaRPr>
-          </a:p>
-          <a:p>
-            <a:pPr marL="114300" indent="0">
-              <a:buNone/>
-            </a:pPr>
-            <a:r>
-              <a:rPr lang="en-US" sz="2200" i="1" u="sng" dirty="0">
-                <a:solidFill>
-                  <a:srgbClr val="000000"/>
-                </a:solidFill>
-                <a:latin typeface="Segoe UI" panose="020B0502040204020203" pitchFamily="34" charset="0"/>
-              </a:rPr>
-              <a:t>UNION ALL Syntax</a:t>
-            </a:r>
-          </a:p>
-          <a:p>
-            <a:pPr marL="114300" indent="0">
-              <a:buNone/>
-            </a:pPr>
-            <a:r>
-              <a:rPr lang="en-US" sz="2200" b="0" i="0" dirty="0">
-                <a:solidFill>
-                  <a:srgbClr val="0000CD"/>
-                </a:solidFill>
-                <a:effectLst/>
-                <a:latin typeface="Consolas" panose="020B0609020204030204" pitchFamily="49" charset="0"/>
-              </a:rPr>
-              <a:t>	SELECT</a:t>
-            </a:r>
-            <a:r>
-              <a:rPr lang="en-US" sz="2200" b="0" i="0" dirty="0">
-                <a:solidFill>
-                  <a:srgbClr val="000000"/>
-                </a:solidFill>
-                <a:effectLst/>
-                <a:latin typeface="Consolas" panose="020B0609020204030204" pitchFamily="49" charset="0"/>
-              </a:rPr>
-              <a:t> </a:t>
-            </a:r>
-            <a:r>
-              <a:rPr lang="en-US" sz="2200" b="0" i="1" dirty="0">
-                <a:solidFill>
-                  <a:srgbClr val="000000"/>
-                </a:solidFill>
-                <a:effectLst/>
-                <a:latin typeface="Consolas" panose="020B0609020204030204" pitchFamily="49" charset="0"/>
-              </a:rPr>
-              <a:t>col1, col2,..etc</a:t>
-            </a:r>
-            <a:r>
-              <a:rPr lang="en-US" sz="2200" b="0" i="0" dirty="0">
-                <a:solidFill>
-                  <a:srgbClr val="000000"/>
-                </a:solidFill>
-                <a:effectLst/>
-                <a:latin typeface="Consolas" panose="020B0609020204030204" pitchFamily="49" charset="0"/>
-              </a:rPr>
-              <a:t> </a:t>
-            </a:r>
-            <a:r>
-              <a:rPr lang="en-US" sz="2200" b="0" i="0" dirty="0">
-                <a:solidFill>
-                  <a:srgbClr val="0000CD"/>
-                </a:solidFill>
-                <a:effectLst/>
-                <a:latin typeface="Consolas" panose="020B0609020204030204" pitchFamily="49" charset="0"/>
-              </a:rPr>
-              <a:t>FROM</a:t>
-            </a:r>
-            <a:r>
-              <a:rPr lang="en-US" sz="2200" b="0" i="0" dirty="0">
-                <a:solidFill>
-                  <a:srgbClr val="000000"/>
-                </a:solidFill>
-                <a:effectLst/>
-                <a:latin typeface="Consolas" panose="020B0609020204030204" pitchFamily="49" charset="0"/>
-              </a:rPr>
-              <a:t> </a:t>
-            </a:r>
-            <a:r>
-              <a:rPr lang="en-US" sz="2200" b="0" i="1" dirty="0">
-                <a:solidFill>
-                  <a:srgbClr val="000000"/>
-                </a:solidFill>
-                <a:effectLst/>
-                <a:latin typeface="Consolas" panose="020B0609020204030204" pitchFamily="49" charset="0"/>
-              </a:rPr>
-              <a:t>table1</a:t>
-            </a:r>
-            <a:br>
-              <a:rPr lang="en-US" sz="2200" dirty="0"/>
-            </a:br>
-            <a:r>
-              <a:rPr lang="en-US" sz="2200" dirty="0"/>
-              <a:t>	</a:t>
-            </a:r>
-            <a:r>
-              <a:rPr lang="en-US" sz="2200" b="0" i="0" dirty="0">
-                <a:solidFill>
-                  <a:srgbClr val="FF0000"/>
-                </a:solidFill>
-                <a:effectLst/>
-                <a:latin typeface="Consolas" panose="020B0609020204030204" pitchFamily="49" charset="0"/>
-              </a:rPr>
-              <a:t>UNION ALL</a:t>
-            </a:r>
-            <a:br>
-              <a:rPr lang="en-US" sz="2200" dirty="0">
-                <a:solidFill>
-                  <a:srgbClr val="FF0000"/>
-                </a:solidFill>
-              </a:rPr>
-            </a:br>
-            <a:r>
-              <a:rPr lang="en-US" sz="2200" dirty="0">
-                <a:solidFill>
-                  <a:srgbClr val="FF0000"/>
-                </a:solidFill>
-              </a:rPr>
-              <a:t>	</a:t>
-            </a:r>
-            <a:r>
-              <a:rPr lang="en-US" sz="2200" b="0" i="0" dirty="0">
-                <a:solidFill>
-                  <a:srgbClr val="0000CD"/>
-                </a:solidFill>
-                <a:effectLst/>
-                <a:latin typeface="Consolas" panose="020B0609020204030204" pitchFamily="49" charset="0"/>
-              </a:rPr>
-              <a:t>SELECT</a:t>
-            </a:r>
-            <a:r>
-              <a:rPr lang="en-US" sz="2200" b="0" i="0" dirty="0">
-                <a:solidFill>
-                  <a:srgbClr val="000000"/>
-                </a:solidFill>
-                <a:effectLst/>
-                <a:latin typeface="Consolas" panose="020B0609020204030204" pitchFamily="49" charset="0"/>
-              </a:rPr>
-              <a:t> </a:t>
-            </a:r>
-            <a:r>
-              <a:rPr lang="en-US" sz="2200" b="0" i="1" dirty="0">
-                <a:solidFill>
-                  <a:srgbClr val="000000"/>
-                </a:solidFill>
-                <a:effectLst/>
-                <a:latin typeface="Consolas" panose="020B0609020204030204" pitchFamily="49" charset="0"/>
-              </a:rPr>
-              <a:t>col1,col2,..etc </a:t>
-            </a:r>
-            <a:r>
-              <a:rPr lang="en-US" sz="2200" b="0" i="0" dirty="0">
-                <a:solidFill>
-                  <a:srgbClr val="000000"/>
-                </a:solidFill>
-                <a:effectLst/>
-                <a:latin typeface="Consolas" panose="020B0609020204030204" pitchFamily="49" charset="0"/>
-              </a:rPr>
-              <a:t> </a:t>
-            </a:r>
-            <a:r>
-              <a:rPr lang="en-US" sz="2200" b="0" i="0" dirty="0">
-                <a:solidFill>
-                  <a:srgbClr val="0000CD"/>
-                </a:solidFill>
-                <a:effectLst/>
-                <a:latin typeface="Consolas" panose="020B0609020204030204" pitchFamily="49" charset="0"/>
-              </a:rPr>
-              <a:t>FROM</a:t>
-            </a:r>
-            <a:r>
-              <a:rPr lang="en-US" sz="2200" b="0" i="0" dirty="0">
-                <a:solidFill>
-                  <a:srgbClr val="000000"/>
-                </a:solidFill>
-                <a:effectLst/>
-                <a:latin typeface="Consolas" panose="020B0609020204030204" pitchFamily="49" charset="0"/>
-              </a:rPr>
-              <a:t> </a:t>
-            </a:r>
-            <a:r>
-              <a:rPr lang="en-US" sz="2200" b="0" i="1" dirty="0">
-                <a:solidFill>
-                  <a:srgbClr val="000000"/>
-                </a:solidFill>
-                <a:effectLst/>
-                <a:latin typeface="Consolas" panose="020B0609020204030204" pitchFamily="49" charset="0"/>
-              </a:rPr>
-              <a:t>table2</a:t>
-            </a:r>
-            <a:r>
-              <a:rPr lang="en-US" sz="2200" b="0" i="0" dirty="0">
-                <a:solidFill>
-                  <a:srgbClr val="000000"/>
-                </a:solidFill>
-                <a:effectLst/>
-                <a:latin typeface="Consolas" panose="020B0609020204030204" pitchFamily="49" charset="0"/>
-              </a:rPr>
-              <a:t>;</a:t>
-            </a:r>
-          </a:p>
-          <a:p>
-            <a:pPr marL="114300" indent="0">
-              <a:buNone/>
-            </a:pPr>
-            <a:endParaRPr lang="en-US" sz="2400" dirty="0"/>
-          </a:p>
-          <a:p>
-            <a:pPr marL="114300" indent="0">
-              <a:buNone/>
-            </a:pPr>
-            <a:r>
-              <a:rPr lang="en-US" sz="2400" i="1" dirty="0"/>
-              <a:t>****The UNION operator selects only distinct values by default. To allow duplicate values, use UNION ALL</a:t>
-            </a:r>
-          </a:p>
-        </p:txBody>
-      </p:sp>
-    </p:spTree>
-    <p:extLst>
-      <p:ext uri="{BB962C8B-B14F-4D97-AF65-F5344CB8AC3E}">
-        <p14:creationId xmlns:p14="http://schemas.microsoft.com/office/powerpoint/2010/main" val="1959809490"/>
+        <p14:creationId xmlns:p14="http://schemas.microsoft.com/office/powerpoint/2010/main" val="399754451"/>
       </p:ext>
     </p:extLst>
   </p:cSld>
@@ -44606,11 +44562,14 @@
           </a:p>
           <a:p>
             <a:pPr algn="ctr"/>
-            <a:endParaRPr lang="en-US" sz="4000" dirty="0">
-              <a:solidFill>
-                <a:schemeClr val="bg1"/>
-              </a:solidFill>
-            </a:endParaRPr>
+            <a:r>
+              <a:rPr lang="en-US" sz="4000" dirty="0">
+                <a:solidFill>
+                  <a:schemeClr val="bg1"/>
+                </a:solidFill>
+              </a:rPr>
+              <a:t>UNION</a:t>
+            </a:r>
           </a:p>
           <a:p>
             <a:pPr algn="ctr"/>
@@ -44620,7 +44579,7 @@
                   <a:schemeClr val="bg1"/>
                 </a:solidFill>
               </a:rPr>
-              <a:t>UNION</a:t>
+              <a:t>ALL</a:t>
             </a:r>
           </a:p>
         </p:txBody>
@@ -44691,361 +44650,6 @@
             <a:fld id="{00000000-1234-1234-1234-123412341234}" type="slidenum">
               <a:rPr lang="en-US" smtClean="0"/>
               <a:t>64</a:t>
-            </a:fld>
-            <a:endParaRPr lang="en-US"/>
-          </a:p>
-        </p:txBody>
-      </p:sp>
-      <p:sp>
-        <p:nvSpPr>
-          <p:cNvPr id="10" name="Text Placeholder 2">
-            <a:extLst>
-              <a:ext uri="{FF2B5EF4-FFF2-40B4-BE49-F238E27FC236}">
-                <a16:creationId xmlns:a16="http://schemas.microsoft.com/office/drawing/2014/main" id="{946DA655-4B35-4C4F-A490-244AA5FF9A17}"/>
-              </a:ext>
-            </a:extLst>
-          </p:cNvPr>
-          <p:cNvSpPr>
-            <a:spLocks noGrp="1"/>
-          </p:cNvSpPr>
-          <p:nvPr>
-            <p:ph type="body" idx="1"/>
-          </p:nvPr>
-        </p:nvSpPr>
-        <p:spPr>
-          <a:xfrm>
-            <a:off x="3008400" y="-3849"/>
-            <a:ext cx="6821400" cy="2492526"/>
-          </a:xfrm>
-        </p:spPr>
-        <p:txBody>
-          <a:bodyPr anchor="t">
-            <a:normAutofit lnSpcReduction="10000"/>
-          </a:bodyPr>
-          <a:lstStyle/>
-          <a:p>
-            <a:pPr marL="114300" indent="0">
-              <a:lnSpc>
-                <a:spcPct val="90000"/>
-              </a:lnSpc>
-              <a:buNone/>
-            </a:pPr>
-            <a:r>
-              <a:rPr lang="en-US" sz="2400" u="sng" dirty="0"/>
-              <a:t>Example:</a:t>
-            </a:r>
-          </a:p>
-          <a:p>
-            <a:pPr marL="114300" indent="0">
-              <a:lnSpc>
-                <a:spcPct val="90000"/>
-              </a:lnSpc>
-              <a:buNone/>
-            </a:pPr>
-            <a:endParaRPr lang="en-US" sz="2400" b="0" i="0" dirty="0">
-              <a:solidFill>
-                <a:srgbClr val="0000CD"/>
-              </a:solidFill>
-              <a:effectLst/>
-              <a:latin typeface="Consolas" panose="020B0609020204030204" pitchFamily="49" charset="0"/>
-            </a:endParaRPr>
-          </a:p>
-          <a:p>
-            <a:pPr marL="114300" indent="0">
-              <a:buNone/>
-            </a:pPr>
-            <a:r>
-              <a:rPr lang="en-US" sz="1800" dirty="0"/>
-              <a:t>SELECT </a:t>
-            </a:r>
-            <a:r>
-              <a:rPr lang="en-US" sz="1800" dirty="0" err="1"/>
-              <a:t>customerNumber</a:t>
-            </a:r>
-            <a:r>
-              <a:rPr lang="en-US" sz="1800" dirty="0"/>
-              <a:t>, </a:t>
-            </a:r>
-            <a:r>
-              <a:rPr lang="en-US" sz="1800" dirty="0" err="1"/>
-              <a:t>customerName</a:t>
-            </a:r>
-            <a:r>
-              <a:rPr lang="en-US" sz="1800" dirty="0"/>
-              <a:t>, city FROM customers_1</a:t>
-            </a:r>
-          </a:p>
-          <a:p>
-            <a:pPr marL="114300" indent="0">
-              <a:buNone/>
-            </a:pPr>
-            <a:r>
-              <a:rPr lang="en-US" sz="1800" dirty="0">
-                <a:solidFill>
-                  <a:srgbClr val="FF0000"/>
-                </a:solidFill>
-              </a:rPr>
-              <a:t>UNION</a:t>
-            </a:r>
-          </a:p>
-          <a:p>
-            <a:pPr marL="114300" indent="0">
-              <a:buNone/>
-            </a:pPr>
-            <a:r>
-              <a:rPr lang="en-US" sz="1800" dirty="0"/>
-              <a:t>SELECT </a:t>
-            </a:r>
-            <a:r>
-              <a:rPr lang="en-US" sz="1800" dirty="0" err="1"/>
-              <a:t>customerNumber</a:t>
-            </a:r>
-            <a:r>
-              <a:rPr lang="en-US" sz="1800" dirty="0"/>
-              <a:t>, </a:t>
-            </a:r>
-            <a:r>
-              <a:rPr lang="en-US" sz="1800" dirty="0" err="1"/>
-              <a:t>customerName</a:t>
-            </a:r>
-            <a:r>
-              <a:rPr lang="en-US" sz="1800" dirty="0"/>
-              <a:t>, city FROM customers_2;</a:t>
-            </a:r>
-          </a:p>
-        </p:txBody>
-      </p:sp>
-      <p:sp>
-        <p:nvSpPr>
-          <p:cNvPr id="12" name="TextBox 11">
-            <a:extLst>
-              <a:ext uri="{FF2B5EF4-FFF2-40B4-BE49-F238E27FC236}">
-                <a16:creationId xmlns:a16="http://schemas.microsoft.com/office/drawing/2014/main" id="{69D3F259-0F72-4439-8026-24CA5E7CA32C}"/>
-              </a:ext>
-            </a:extLst>
-          </p:cNvPr>
-          <p:cNvSpPr txBox="1"/>
-          <p:nvPr/>
-        </p:nvSpPr>
-        <p:spPr>
-          <a:xfrm>
-            <a:off x="3008400" y="2807425"/>
-            <a:ext cx="1600200" cy="307777"/>
-          </a:xfrm>
-          <a:prstGeom prst="rect">
-            <a:avLst/>
-          </a:prstGeom>
-          <a:noFill/>
-        </p:spPr>
-        <p:txBody>
-          <a:bodyPr wrap="square" rtlCol="0">
-            <a:spAutoFit/>
-          </a:bodyPr>
-          <a:lstStyle/>
-          <a:p>
-            <a:r>
-              <a:rPr lang="en-US" b="1" u="sng" dirty="0"/>
-              <a:t>Output:</a:t>
-            </a:r>
-          </a:p>
-        </p:txBody>
-      </p:sp>
-      <p:pic>
-        <p:nvPicPr>
-          <p:cNvPr id="8" name="Picture 7">
-            <a:extLst>
-              <a:ext uri="{FF2B5EF4-FFF2-40B4-BE49-F238E27FC236}">
-                <a16:creationId xmlns:a16="http://schemas.microsoft.com/office/drawing/2014/main" id="{8523C138-C346-4D40-8B02-17C3EC6821A6}"/>
-              </a:ext>
-            </a:extLst>
-          </p:cNvPr>
-          <p:cNvPicPr>
-            <a:picLocks noChangeAspect="1"/>
-          </p:cNvPicPr>
-          <p:nvPr/>
-        </p:nvPicPr>
-        <p:blipFill>
-          <a:blip r:embed="rId2"/>
-          <a:stretch>
-            <a:fillRect/>
-          </a:stretch>
-        </p:blipFill>
-        <p:spPr>
-          <a:xfrm>
-            <a:off x="4061979" y="2961313"/>
-            <a:ext cx="3638550" cy="2790825"/>
-          </a:xfrm>
-          <a:prstGeom prst="rect">
-            <a:avLst/>
-          </a:prstGeom>
-        </p:spPr>
-      </p:pic>
-    </p:spTree>
-    <p:extLst>
-      <p:ext uri="{BB962C8B-B14F-4D97-AF65-F5344CB8AC3E}">
-        <p14:creationId xmlns:p14="http://schemas.microsoft.com/office/powerpoint/2010/main" val="399754451"/>
-      </p:ext>
-    </p:extLst>
-  </p:cSld>
-  <p:clrMapOvr>
-    <a:masterClrMapping/>
-  </p:clrMapOvr>
-</p:sld>
-</file>
-
-<file path=ppt/slides/slide65.xml><?xml version="1.0" encoding="utf-8"?>
-<p:sld xmlns:a="http://schemas.openxmlformats.org/drawingml/2006/main" xmlns:r="http://schemas.openxmlformats.org/officeDocument/2006/relationships" xmlns:p="http://schemas.openxmlformats.org/presentationml/2006/main">
-  <p:cSld>
-    <p:spTree>
-      <p:nvGrpSpPr>
-        <p:cNvPr id="1" name=""/>
-        <p:cNvGrpSpPr/>
-        <p:nvPr/>
-      </p:nvGrpSpPr>
-      <p:grpSpPr>
-        <a:xfrm>
-          <a:off x="0" y="0"/>
-          <a:ext cx="0" cy="0"/>
-          <a:chOff x="0" y="0"/>
-          <a:chExt cx="0" cy="0"/>
-        </a:xfrm>
-      </p:grpSpPr>
-      <p:sp>
-        <p:nvSpPr>
-          <p:cNvPr id="9" name="Text Placeholder 8">
-            <a:extLst>
-              <a:ext uri="{FF2B5EF4-FFF2-40B4-BE49-F238E27FC236}">
-                <a16:creationId xmlns:a16="http://schemas.microsoft.com/office/drawing/2014/main" id="{01F929EB-CB91-49ED-B81D-11A907824EDB}"/>
-              </a:ext>
-            </a:extLst>
-          </p:cNvPr>
-          <p:cNvSpPr>
-            <a:spLocks noGrp="1"/>
-          </p:cNvSpPr>
-          <p:nvPr>
-            <p:ph type="body" idx="2"/>
-          </p:nvPr>
-        </p:nvSpPr>
-        <p:spPr>
-          <a:xfrm>
-            <a:off x="0" y="0"/>
-            <a:ext cx="3008400" cy="6858000"/>
-          </a:xfrm>
-          <a:solidFill>
-            <a:schemeClr val="accent5">
-              <a:lumMod val="50000"/>
-            </a:schemeClr>
-          </a:solidFill>
-        </p:spPr>
-        <p:txBody>
-          <a:bodyPr/>
-          <a:lstStyle/>
-          <a:p>
-            <a:pPr algn="ctr"/>
-            <a:endParaRPr lang="en-US" sz="4000" dirty="0"/>
-          </a:p>
-          <a:p>
-            <a:pPr algn="ctr"/>
-            <a:endParaRPr lang="en-US" sz="4000" dirty="0"/>
-          </a:p>
-          <a:p>
-            <a:pPr algn="ctr"/>
-            <a:endParaRPr lang="en-US" sz="4000" dirty="0"/>
-          </a:p>
-          <a:p>
-            <a:pPr algn="ctr"/>
-            <a:endParaRPr lang="en-US" sz="4000" dirty="0"/>
-          </a:p>
-          <a:p>
-            <a:pPr algn="ctr"/>
-            <a:r>
-              <a:rPr lang="en-US" sz="4000" dirty="0">
-                <a:solidFill>
-                  <a:schemeClr val="bg1"/>
-                </a:solidFill>
-              </a:rPr>
-              <a:t>UNION</a:t>
-            </a:r>
-          </a:p>
-          <a:p>
-            <a:pPr algn="ctr"/>
-            <a:r>
-              <a:rPr lang="en-US" sz="4000" dirty="0">
-                <a:solidFill>
-                  <a:schemeClr val="bg1"/>
-                </a:solidFill>
-              </a:rPr>
-              <a:t>ALL</a:t>
-            </a:r>
-          </a:p>
-        </p:txBody>
-      </p:sp>
-      <p:sp>
-        <p:nvSpPr>
-          <p:cNvPr id="5" name="Footer Placeholder 4">
-            <a:extLst>
-              <a:ext uri="{FF2B5EF4-FFF2-40B4-BE49-F238E27FC236}">
-                <a16:creationId xmlns:a16="http://schemas.microsoft.com/office/drawing/2014/main" id="{01781415-B368-4751-9421-094689A16841}"/>
-              </a:ext>
-            </a:extLst>
-          </p:cNvPr>
-          <p:cNvSpPr>
-            <a:spLocks noGrp="1"/>
-          </p:cNvSpPr>
-          <p:nvPr>
-            <p:ph type="ftr" idx="11"/>
-          </p:nvPr>
-        </p:nvSpPr>
-        <p:spPr/>
-        <p:txBody>
-          <a:bodyPr/>
-          <a:lstStyle/>
-          <a:p>
-            <a:r>
-              <a:rPr lang="en-US" dirty="0"/>
-              <a:t>Ankit Velani, MBA-</a:t>
-            </a:r>
-            <a:r>
-              <a:rPr lang="en-US" dirty="0" err="1"/>
-              <a:t>SIT,Tumkur</a:t>
-            </a:r>
-            <a:endParaRPr lang="en-US" dirty="0"/>
-          </a:p>
-        </p:txBody>
-      </p:sp>
-      <p:sp>
-        <p:nvSpPr>
-          <p:cNvPr id="6" name="Slide Number Placeholder 5">
-            <a:extLst>
-              <a:ext uri="{FF2B5EF4-FFF2-40B4-BE49-F238E27FC236}">
-                <a16:creationId xmlns:a16="http://schemas.microsoft.com/office/drawing/2014/main" id="{7D87156F-CA8B-466A-9122-2B6AB23FD102}"/>
-              </a:ext>
-            </a:extLst>
-          </p:cNvPr>
-          <p:cNvSpPr>
-            <a:spLocks noGrp="1"/>
-          </p:cNvSpPr>
-          <p:nvPr>
-            <p:ph type="sldNum" idx="12"/>
-          </p:nvPr>
-        </p:nvSpPr>
-        <p:spPr/>
-        <p:txBody>
-          <a:bodyPr/>
-          <a:lstStyle/>
-          <a:p>
-            <a:pPr marL="0" lvl="0" indent="0" algn="r" rtl="0">
-              <a:spcBef>
-                <a:spcPts val="0"/>
-              </a:spcBef>
-              <a:spcAft>
-                <a:spcPts val="0"/>
-              </a:spcAft>
-              <a:buNone/>
-            </a:pPr>
-            <a:fld id="{00000000-1234-1234-1234-123412341234}" type="slidenum">
-              <a:rPr lang="en-US" smtClean="0"/>
-              <a:t>65</a:t>
             </a:fld>
             <a:endParaRPr lang="en-US"/>
           </a:p>
@@ -45256,7 +44860,7 @@
 </p:sld>
 </file>
 
-<file path=ppt/slides/slide66.xml><?xml version="1.0" encoding="utf-8"?>
+<file path=ppt/slides/slide65.xml><?xml version="1.0" encoding="utf-8"?>
 <p:sld xmlns:a="http://schemas.openxmlformats.org/drawingml/2006/main" xmlns:r="http://schemas.openxmlformats.org/officeDocument/2006/relationships" xmlns:p="http://schemas.openxmlformats.org/presentationml/2006/main">
   <p:cSld>
     <p:spTree>
@@ -45329,7 +44933,7 @@
           <a:p>
             <a:fld id="{0C62BD34-D5E2-4C87-AA2A-F8D5808875C3}" type="datetime1">
               <a:rPr lang="en-US" smtClean="0"/>
-              <a:t>9/2/2022</a:t>
+              <a:t>9/3/2022</a:t>
             </a:fld>
             <a:endParaRPr lang="en-US"/>
           </a:p>
@@ -45395,7 +44999,7 @@
             </a:pPr>
             <a:fld id="{00000000-1234-1234-1234-123412341234}" type="slidenum">
               <a:rPr lang="en-US" smtClean="0"/>
-              <a:t>66</a:t>
+              <a:t>65</a:t>
             </a:fld>
             <a:endParaRPr lang="en-US"/>
           </a:p>
@@ -45465,7 +45069,7 @@
 </p:sld>
 </file>
 
-<file path=ppt/slides/slide67.xml><?xml version="1.0" encoding="utf-8"?>
+<file path=ppt/slides/slide66.xml><?xml version="1.0" encoding="utf-8"?>
 <p:sld xmlns:a="http://schemas.openxmlformats.org/drawingml/2006/main" xmlns:r="http://schemas.openxmlformats.org/officeDocument/2006/relationships" xmlns:p="http://schemas.openxmlformats.org/presentationml/2006/main">
   <p:cSld>
     <p:spTree>
@@ -45597,7 +45201,7 @@
           <a:p>
             <a:fld id="{0C62BD34-D5E2-4C87-AA2A-F8D5808875C3}" type="datetime1">
               <a:rPr lang="en-US" smtClean="0"/>
-              <a:t>9/2/2022</a:t>
+              <a:t>9/3/2022</a:t>
             </a:fld>
             <a:endParaRPr lang="en-US"/>
           </a:p>
@@ -45663,7 +45267,7 @@
             </a:pPr>
             <a:fld id="{00000000-1234-1234-1234-123412341234}" type="slidenum">
               <a:rPr lang="en-US" smtClean="0"/>
-              <a:t>67</a:t>
+              <a:t>66</a:t>
             </a:fld>
             <a:endParaRPr lang="en-US"/>
           </a:p>
@@ -45673,6 +45277,413 @@
     <p:extLst>
       <p:ext uri="{BB962C8B-B14F-4D97-AF65-F5344CB8AC3E}">
         <p14:creationId xmlns:p14="http://schemas.microsoft.com/office/powerpoint/2010/main" val="3907977023"/>
+      </p:ext>
+    </p:extLst>
+  </p:cSld>
+  <p:clrMapOvr>
+    <a:masterClrMapping/>
+  </p:clrMapOvr>
+</p:sld>
+</file>
+
+<file path=ppt/slides/slide67.xml><?xml version="1.0" encoding="utf-8"?>
+<p:sld xmlns:a="http://schemas.openxmlformats.org/drawingml/2006/main" xmlns:r="http://schemas.openxmlformats.org/officeDocument/2006/relationships" xmlns:p="http://schemas.openxmlformats.org/presentationml/2006/main">
+  <p:cSld>
+    <p:spTree>
+      <p:nvGrpSpPr>
+        <p:cNvPr id="1" name=""/>
+        <p:cNvGrpSpPr/>
+        <p:nvPr/>
+      </p:nvGrpSpPr>
+      <p:grpSpPr>
+        <a:xfrm>
+          <a:off x="0" y="0"/>
+          <a:ext cx="0" cy="0"/>
+          <a:chOff x="0" y="0"/>
+          <a:chExt cx="0" cy="0"/>
+        </a:xfrm>
+      </p:grpSpPr>
+      <p:sp>
+        <p:nvSpPr>
+          <p:cNvPr id="2" name="Title 1">
+            <a:extLst>
+              <a:ext uri="{FF2B5EF4-FFF2-40B4-BE49-F238E27FC236}">
+                <a16:creationId xmlns:a16="http://schemas.microsoft.com/office/drawing/2014/main" id="{E48B3E39-BF9F-414E-8996-FE28138A5AA4}"/>
+              </a:ext>
+            </a:extLst>
+          </p:cNvPr>
+          <p:cNvSpPr>
+            <a:spLocks noGrp="1"/>
+          </p:cNvSpPr>
+          <p:nvPr>
+            <p:ph type="title"/>
+          </p:nvPr>
+        </p:nvSpPr>
+        <p:spPr>
+          <a:xfrm>
+            <a:off x="457200" y="155369"/>
+            <a:ext cx="8229600" cy="1143000"/>
+          </a:xfrm>
+        </p:spPr>
+        <p:txBody>
+          <a:bodyPr/>
+          <a:lstStyle/>
+          <a:p>
+            <a:r>
+              <a:rPr lang="en-US" dirty="0"/>
+              <a:t>GROUP BY Statement</a:t>
+            </a:r>
+          </a:p>
+        </p:txBody>
+      </p:sp>
+      <p:sp>
+        <p:nvSpPr>
+          <p:cNvPr id="4" name="Date Placeholder 3">
+            <a:extLst>
+              <a:ext uri="{FF2B5EF4-FFF2-40B4-BE49-F238E27FC236}">
+                <a16:creationId xmlns:a16="http://schemas.microsoft.com/office/drawing/2014/main" id="{2FCB3F9E-7251-48F0-B13B-5B110A6B7640}"/>
+              </a:ext>
+            </a:extLst>
+          </p:cNvPr>
+          <p:cNvSpPr>
+            <a:spLocks noGrp="1"/>
+          </p:cNvSpPr>
+          <p:nvPr>
+            <p:ph type="dt" idx="10"/>
+          </p:nvPr>
+        </p:nvSpPr>
+        <p:spPr/>
+        <p:txBody>
+          <a:bodyPr/>
+          <a:lstStyle/>
+          <a:p>
+            <a:fld id="{0C62BD34-D5E2-4C87-AA2A-F8D5808875C3}" type="datetime1">
+              <a:rPr lang="en-US" smtClean="0"/>
+              <a:t>9/3/2022</a:t>
+            </a:fld>
+            <a:endParaRPr lang="en-US"/>
+          </a:p>
+        </p:txBody>
+      </p:sp>
+      <p:sp>
+        <p:nvSpPr>
+          <p:cNvPr id="5" name="Footer Placeholder 4">
+            <a:extLst>
+              <a:ext uri="{FF2B5EF4-FFF2-40B4-BE49-F238E27FC236}">
+                <a16:creationId xmlns:a16="http://schemas.microsoft.com/office/drawing/2014/main" id="{A05E6C2A-0676-4166-A0E4-5E1FCF337867}"/>
+              </a:ext>
+            </a:extLst>
+          </p:cNvPr>
+          <p:cNvSpPr>
+            <a:spLocks noGrp="1"/>
+          </p:cNvSpPr>
+          <p:nvPr>
+            <p:ph type="ftr" idx="11"/>
+          </p:nvPr>
+        </p:nvSpPr>
+        <p:spPr/>
+        <p:txBody>
+          <a:bodyPr/>
+          <a:lstStyle/>
+          <a:p>
+            <a:r>
+              <a:rPr lang="en-US"/>
+              <a:t>Ankit Velani, MBA-SIT,Tumkur</a:t>
+            </a:r>
+          </a:p>
+        </p:txBody>
+      </p:sp>
+      <p:sp>
+        <p:nvSpPr>
+          <p:cNvPr id="6" name="Slide Number Placeholder 5">
+            <a:extLst>
+              <a:ext uri="{FF2B5EF4-FFF2-40B4-BE49-F238E27FC236}">
+                <a16:creationId xmlns:a16="http://schemas.microsoft.com/office/drawing/2014/main" id="{89933161-E0E1-4B21-A600-F078B5EA203B}"/>
+              </a:ext>
+            </a:extLst>
+          </p:cNvPr>
+          <p:cNvSpPr>
+            <a:spLocks noGrp="1"/>
+          </p:cNvSpPr>
+          <p:nvPr>
+            <p:ph type="sldNum" idx="12"/>
+          </p:nvPr>
+        </p:nvSpPr>
+        <p:spPr/>
+        <p:txBody>
+          <a:bodyPr/>
+          <a:lstStyle/>
+          <a:p>
+            <a:pPr marL="0" lvl="0" indent="0" algn="r" rtl="0">
+              <a:spcBef>
+                <a:spcPts val="0"/>
+              </a:spcBef>
+              <a:spcAft>
+                <a:spcPts val="0"/>
+              </a:spcAft>
+              <a:buNone/>
+            </a:pPr>
+            <a:fld id="{00000000-1234-1234-1234-123412341234}" type="slidenum">
+              <a:rPr lang="en-US" smtClean="0"/>
+              <a:t>67</a:t>
+            </a:fld>
+            <a:endParaRPr lang="en-US"/>
+          </a:p>
+        </p:txBody>
+      </p:sp>
+      <p:sp>
+        <p:nvSpPr>
+          <p:cNvPr id="7" name="Text Placeholder 6">
+            <a:extLst>
+              <a:ext uri="{FF2B5EF4-FFF2-40B4-BE49-F238E27FC236}">
+                <a16:creationId xmlns:a16="http://schemas.microsoft.com/office/drawing/2014/main" id="{253AA530-1FD7-4A13-9FEB-0F1D8322C720}"/>
+              </a:ext>
+            </a:extLst>
+          </p:cNvPr>
+          <p:cNvSpPr>
+            <a:spLocks noGrp="1"/>
+          </p:cNvSpPr>
+          <p:nvPr>
+            <p:ph type="body" idx="1"/>
+          </p:nvPr>
+        </p:nvSpPr>
+        <p:spPr/>
+        <p:txBody>
+          <a:bodyPr/>
+          <a:lstStyle/>
+          <a:p>
+            <a:pPr marL="114300" indent="0">
+              <a:buNone/>
+            </a:pPr>
+            <a:r>
+              <a:rPr lang="en-US" sz="2400" b="0" i="0" dirty="0">
+                <a:solidFill>
+                  <a:srgbClr val="000000"/>
+                </a:solidFill>
+                <a:effectLst/>
+                <a:latin typeface="Segoe UI" panose="020B0502040204020203" pitchFamily="34" charset="0"/>
+              </a:rPr>
+              <a:t>Syntax: </a:t>
+            </a:r>
+          </a:p>
+          <a:p>
+            <a:pPr marL="114300" indent="0">
+              <a:buNone/>
+            </a:pPr>
+            <a:endParaRPr lang="en-US" sz="2400" dirty="0">
+              <a:solidFill>
+                <a:srgbClr val="000000"/>
+              </a:solidFill>
+              <a:latin typeface="Segoe UI" panose="020B0502040204020203" pitchFamily="34" charset="0"/>
+            </a:endParaRPr>
+          </a:p>
+          <a:p>
+            <a:pPr marL="114300" indent="0">
+              <a:buNone/>
+            </a:pPr>
+            <a:r>
+              <a:rPr lang="en-US" sz="2400" b="0" i="0" dirty="0">
+                <a:solidFill>
+                  <a:srgbClr val="0000CD"/>
+                </a:solidFill>
+                <a:effectLst/>
+                <a:latin typeface="Consolas" panose="020B0609020204030204" pitchFamily="49" charset="0"/>
+              </a:rPr>
+              <a:t>SELECT</a:t>
+            </a:r>
+            <a:r>
+              <a:rPr lang="en-US" sz="2400" b="0" i="0" dirty="0">
+                <a:solidFill>
+                  <a:srgbClr val="000000"/>
+                </a:solidFill>
+                <a:effectLst/>
+                <a:latin typeface="Consolas" panose="020B0609020204030204" pitchFamily="49" charset="0"/>
+              </a:rPr>
+              <a:t> </a:t>
+            </a:r>
+            <a:r>
+              <a:rPr lang="en-US" sz="2400" b="0" i="1" dirty="0">
+                <a:solidFill>
+                  <a:srgbClr val="000000"/>
+                </a:solidFill>
+                <a:effectLst/>
+                <a:latin typeface="Consolas" panose="020B0609020204030204" pitchFamily="49" charset="0"/>
+              </a:rPr>
+              <a:t>col-1, col-2, col-3</a:t>
+            </a:r>
+            <a:br>
+              <a:rPr lang="en-US" sz="2400" dirty="0"/>
+            </a:br>
+            <a:r>
+              <a:rPr lang="en-US" sz="2400" b="0" i="0" dirty="0">
+                <a:solidFill>
+                  <a:srgbClr val="0000CD"/>
+                </a:solidFill>
+                <a:effectLst/>
+                <a:latin typeface="Consolas" panose="020B0609020204030204" pitchFamily="49" charset="0"/>
+              </a:rPr>
+              <a:t>FROM</a:t>
+            </a:r>
+            <a:r>
+              <a:rPr lang="en-US" sz="2400" b="0" i="0" dirty="0">
+                <a:solidFill>
+                  <a:srgbClr val="000000"/>
+                </a:solidFill>
+                <a:effectLst/>
+                <a:latin typeface="Consolas" panose="020B0609020204030204" pitchFamily="49" charset="0"/>
+              </a:rPr>
+              <a:t> </a:t>
+            </a:r>
+            <a:r>
+              <a:rPr lang="en-US" sz="2400" b="0" i="1" dirty="0" err="1">
+                <a:solidFill>
+                  <a:srgbClr val="000000"/>
+                </a:solidFill>
+                <a:effectLst/>
+                <a:latin typeface="Consolas" panose="020B0609020204030204" pitchFamily="49" charset="0"/>
+              </a:rPr>
+              <a:t>table_name</a:t>
+            </a:r>
+            <a:br>
+              <a:rPr lang="en-US" sz="2400" dirty="0"/>
+            </a:br>
+            <a:r>
+              <a:rPr lang="en-US" sz="2400" b="0" i="0" dirty="0">
+                <a:solidFill>
+                  <a:srgbClr val="0000CD"/>
+                </a:solidFill>
+                <a:effectLst/>
+                <a:latin typeface="Consolas" panose="020B0609020204030204" pitchFamily="49" charset="0"/>
+              </a:rPr>
+              <a:t>WHERE</a:t>
+            </a:r>
+            <a:r>
+              <a:rPr lang="en-US" sz="2400" b="0" i="0" dirty="0">
+                <a:solidFill>
+                  <a:srgbClr val="000000"/>
+                </a:solidFill>
+                <a:effectLst/>
+                <a:latin typeface="Consolas" panose="020B0609020204030204" pitchFamily="49" charset="0"/>
+              </a:rPr>
+              <a:t> </a:t>
+            </a:r>
+            <a:r>
+              <a:rPr lang="en-US" sz="2400" b="0" i="1" dirty="0">
+                <a:solidFill>
+                  <a:srgbClr val="000000"/>
+                </a:solidFill>
+                <a:effectLst/>
+                <a:latin typeface="Consolas" panose="020B0609020204030204" pitchFamily="49" charset="0"/>
+              </a:rPr>
+              <a:t>condition</a:t>
+            </a:r>
+            <a:br>
+              <a:rPr lang="en-US" sz="2400" dirty="0"/>
+            </a:br>
+            <a:r>
+              <a:rPr lang="en-US" sz="2400" b="0" i="0" dirty="0">
+                <a:solidFill>
+                  <a:srgbClr val="FF0000"/>
+                </a:solidFill>
+                <a:effectLst/>
+                <a:latin typeface="Consolas" panose="020B0609020204030204" pitchFamily="49" charset="0"/>
+              </a:rPr>
+              <a:t>GROUP BY </a:t>
+            </a:r>
+            <a:r>
+              <a:rPr lang="en-US" sz="2400" b="0" i="1" dirty="0">
+                <a:solidFill>
+                  <a:srgbClr val="FF0000"/>
+                </a:solidFill>
+                <a:effectLst/>
+                <a:latin typeface="Consolas" panose="020B0609020204030204" pitchFamily="49" charset="0"/>
+              </a:rPr>
+              <a:t> col-1, col-2, col-3</a:t>
+            </a:r>
+            <a:br>
+              <a:rPr lang="en-US" sz="2400" b="0" i="1" dirty="0">
+                <a:solidFill>
+                  <a:srgbClr val="000000"/>
+                </a:solidFill>
+                <a:effectLst/>
+                <a:latin typeface="Consolas" panose="020B0609020204030204" pitchFamily="49" charset="0"/>
+              </a:rPr>
+            </a:br>
+            <a:r>
+              <a:rPr lang="en-US" sz="2400" b="0" i="0" dirty="0">
+                <a:solidFill>
+                  <a:srgbClr val="FF0000"/>
+                </a:solidFill>
+                <a:effectLst/>
+                <a:latin typeface="Consolas" panose="020B0609020204030204" pitchFamily="49" charset="0"/>
+              </a:rPr>
+              <a:t>ORDER BY </a:t>
+            </a:r>
+            <a:r>
+              <a:rPr lang="en-US" sz="2400" b="0" i="1" dirty="0">
+                <a:solidFill>
+                  <a:srgbClr val="FF0000"/>
+                </a:solidFill>
+                <a:effectLst/>
+                <a:latin typeface="Consolas" panose="020B0609020204030204" pitchFamily="49" charset="0"/>
+              </a:rPr>
+              <a:t> col-1, col-2, col-3;</a:t>
+            </a:r>
+          </a:p>
+          <a:p>
+            <a:pPr marL="114300" indent="0">
+              <a:buNone/>
+            </a:pPr>
+            <a:endParaRPr lang="en-US" sz="2400" i="1" dirty="0">
+              <a:solidFill>
+                <a:srgbClr val="FF0000"/>
+              </a:solidFill>
+              <a:latin typeface="Consolas" panose="020B0609020204030204" pitchFamily="49" charset="0"/>
+            </a:endParaRPr>
+          </a:p>
+          <a:p>
+            <a:pPr marL="114300" indent="0">
+              <a:buNone/>
+            </a:pPr>
+            <a:r>
+              <a:rPr lang="en-US" sz="2400" b="0" i="1" dirty="0">
+                <a:solidFill>
+                  <a:srgbClr val="FF0000"/>
+                </a:solidFill>
+                <a:effectLst/>
+                <a:latin typeface="Consolas" panose="020B0609020204030204" pitchFamily="49" charset="0"/>
+              </a:rPr>
+              <a:t>** ORDER BY fo</a:t>
+            </a:r>
+            <a:r>
+              <a:rPr lang="en-US" sz="2400" i="1" dirty="0">
+                <a:solidFill>
+                  <a:srgbClr val="FF0000"/>
+                </a:solidFill>
+                <a:latin typeface="Consolas" panose="020B0609020204030204" pitchFamily="49" charset="0"/>
+              </a:rPr>
+              <a:t>r sorting the column values</a:t>
+            </a:r>
+            <a:endParaRPr lang="en-US" sz="2400" b="0" i="0" dirty="0">
+              <a:solidFill>
+                <a:srgbClr val="FF0000"/>
+              </a:solidFill>
+              <a:effectLst/>
+              <a:latin typeface="Segoe UI" panose="020B0502040204020203" pitchFamily="34" charset="0"/>
+            </a:endParaRPr>
+          </a:p>
+          <a:p>
+            <a:pPr marL="114300" indent="0">
+              <a:buNone/>
+            </a:pPr>
+            <a:endParaRPr lang="en-US" sz="2400" dirty="0"/>
+          </a:p>
+        </p:txBody>
+      </p:sp>
+    </p:spTree>
+    <p:extLst>
+      <p:ext uri="{BB962C8B-B14F-4D97-AF65-F5344CB8AC3E}">
+        <p14:creationId xmlns:p14="http://schemas.microsoft.com/office/powerpoint/2010/main" val="3120882908"/>
       </p:ext>
     </p:extLst>
   </p:cSld>
@@ -45727,7 +45738,7 @@
           <a:p>
             <a:r>
               <a:rPr lang="en-US" dirty="0"/>
-              <a:t>GROUP BY Statement</a:t>
+              <a:t>GROUP BY Example</a:t>
             </a:r>
           </a:p>
         </p:txBody>
@@ -45755,7 +45766,7 @@
           <a:p>
             <a:fld id="{0C62BD34-D5E2-4C87-AA2A-F8D5808875C3}" type="datetime1">
               <a:rPr lang="en-US" smtClean="0"/>
-              <a:t>9/2/2022</a:t>
+              <a:t>9/3/2022</a:t>
             </a:fld>
             <a:endParaRPr lang="en-US"/>
           </a:p>
@@ -45859,8 +45870,26 @@
                 <a:effectLst/>
                 <a:latin typeface="Segoe UI" panose="020B0502040204020203" pitchFamily="34" charset="0"/>
               </a:rPr>
-              <a:t>Syntax: </a:t>
-            </a:r>
+              <a:t>Download Data: </a:t>
+            </a:r>
+            <a:r>
+              <a:rPr lang="en-US" sz="2400" b="0" i="0" dirty="0">
+                <a:solidFill>
+                  <a:srgbClr val="000000"/>
+                </a:solidFill>
+                <a:effectLst/>
+                <a:latin typeface="Segoe UI" panose="020B0502040204020203" pitchFamily="34" charset="0"/>
+                <a:hlinkClick r:id="rId2"/>
+              </a:rPr>
+              <a:t>https://bit.ly/3AJdcRh</a:t>
+            </a:r>
+            <a:endParaRPr lang="en-US" sz="2400" b="0" i="0" dirty="0">
+              <a:solidFill>
+                <a:srgbClr val="000000"/>
+              </a:solidFill>
+              <a:effectLst/>
+              <a:latin typeface="Segoe UI" panose="020B0502040204020203" pitchFamily="34" charset="0"/>
+            </a:endParaRPr>
           </a:p>
           <a:p>
             <a:pPr marL="114300" indent="0">
@@ -45880,189 +45909,21 @@
             <a:r>
               <a:rPr lang="en-US" sz="2400" b="0" i="0" dirty="0">
                 <a:solidFill>
-                  <a:srgbClr val="0000CD"/>
+                  <a:srgbClr val="000000"/>
                 </a:solidFill>
                 <a:effectLst/>
-                <a:latin typeface="Consolas" panose="020B0609020204030204" pitchFamily="49" charset="0"/>
-              </a:rPr>
-              <a:t>SELECT</a:t>
-            </a:r>
-            <a:r>
-              <a:rPr lang="en-US" sz="2400" b="0" i="0" dirty="0">
-                <a:solidFill>
-                  <a:srgbClr val="000000"/>
-                </a:solidFill>
-                <a:effectLst/>
-                <a:latin typeface="Consolas" panose="020B0609020204030204" pitchFamily="49" charset="0"/>
-              </a:rPr>
-              <a:t> </a:t>
-            </a:r>
-            <a:r>
-              <a:rPr lang="en-US" sz="2400" b="0" i="1" dirty="0">
-                <a:solidFill>
-                  <a:srgbClr val="000000"/>
-                </a:solidFill>
-                <a:effectLst/>
-                <a:latin typeface="Consolas" panose="020B0609020204030204" pitchFamily="49" charset="0"/>
-              </a:rPr>
-              <a:t>col-1, col-2, col-3</a:t>
-            </a:r>
-            <a:br>
-              <a:rPr lang="en-US" sz="2400" dirty="0"/>
-            </a:br>
-            <a:r>
-              <a:rPr lang="en-US" sz="2400" b="0" i="0" dirty="0">
-                <a:solidFill>
-                  <a:srgbClr val="0000CD"/>
-                </a:solidFill>
-                <a:effectLst/>
-                <a:latin typeface="Consolas" panose="020B0609020204030204" pitchFamily="49" charset="0"/>
-              </a:rPr>
-              <a:t>FROM</a:t>
-            </a:r>
-            <a:r>
-              <a:rPr lang="en-US" sz="2400" b="0" i="0" dirty="0">
-                <a:solidFill>
-                  <a:srgbClr val="000000"/>
-                </a:solidFill>
-                <a:effectLst/>
-                <a:latin typeface="Consolas" panose="020B0609020204030204" pitchFamily="49" charset="0"/>
-              </a:rPr>
-              <a:t> </a:t>
-            </a:r>
-            <a:r>
-              <a:rPr lang="en-US" sz="2400" b="0" i="1" dirty="0" err="1">
-                <a:solidFill>
-                  <a:srgbClr val="000000"/>
-                </a:solidFill>
-                <a:effectLst/>
-                <a:latin typeface="Consolas" panose="020B0609020204030204" pitchFamily="49" charset="0"/>
-              </a:rPr>
-              <a:t>table_name</a:t>
-            </a:r>
-            <a:br>
-              <a:rPr lang="en-US" sz="2400" dirty="0"/>
-            </a:br>
-            <a:r>
-              <a:rPr lang="en-US" sz="2400" b="0" i="0" dirty="0">
-                <a:solidFill>
-                  <a:srgbClr val="0000CD"/>
-                </a:solidFill>
-                <a:effectLst/>
-                <a:latin typeface="Consolas" panose="020B0609020204030204" pitchFamily="49" charset="0"/>
-              </a:rPr>
-              <a:t>WHERE</a:t>
-            </a:r>
-            <a:r>
-              <a:rPr lang="en-US" sz="2400" b="0" i="0" dirty="0">
-                <a:solidFill>
-                  <a:srgbClr val="000000"/>
-                </a:solidFill>
-                <a:effectLst/>
-                <a:latin typeface="Consolas" panose="020B0609020204030204" pitchFamily="49" charset="0"/>
-              </a:rPr>
-              <a:t> </a:t>
-            </a:r>
-            <a:r>
-              <a:rPr lang="en-US" sz="2400" b="0" i="1" dirty="0">
-                <a:solidFill>
-                  <a:srgbClr val="000000"/>
-                </a:solidFill>
-                <a:effectLst/>
-                <a:latin typeface="Consolas" panose="020B0609020204030204" pitchFamily="49" charset="0"/>
-              </a:rPr>
-              <a:t>condition</a:t>
-            </a:r>
-            <a:br>
-              <a:rPr lang="en-US" sz="2400" dirty="0"/>
-            </a:br>
-            <a:r>
-              <a:rPr lang="en-US" sz="2400" b="0" i="0" dirty="0">
-                <a:solidFill>
-                  <a:srgbClr val="FF0000"/>
-                </a:solidFill>
-                <a:effectLst/>
-                <a:latin typeface="Consolas" panose="020B0609020204030204" pitchFamily="49" charset="0"/>
-              </a:rPr>
-              <a:t>GROUP BY </a:t>
-            </a:r>
-            <a:r>
-              <a:rPr lang="en-US" sz="2400" b="0" i="1" dirty="0">
-                <a:solidFill>
-                  <a:srgbClr val="FF0000"/>
-                </a:solidFill>
-                <a:effectLst/>
-                <a:latin typeface="Consolas" panose="020B0609020204030204" pitchFamily="49" charset="0"/>
-              </a:rPr>
-              <a:t> col-1, col-2, col-3</a:t>
-            </a:r>
-            <a:br>
-              <a:rPr lang="en-US" sz="2400" b="0" i="1" dirty="0">
-                <a:solidFill>
-                  <a:srgbClr val="000000"/>
-                </a:solidFill>
-                <a:effectLst/>
-                <a:latin typeface="Consolas" panose="020B0609020204030204" pitchFamily="49" charset="0"/>
-              </a:rPr>
-            </a:br>
-            <a:r>
-              <a:rPr lang="en-US" sz="2400" b="0" i="0" dirty="0">
-                <a:solidFill>
-                  <a:srgbClr val="FF0000"/>
-                </a:solidFill>
-                <a:effectLst/>
-                <a:latin typeface="Consolas" panose="020B0609020204030204" pitchFamily="49" charset="0"/>
-              </a:rPr>
-              <a:t>ORDER BY </a:t>
-            </a:r>
-            <a:r>
-              <a:rPr lang="en-US" sz="2400" b="0" i="1" dirty="0">
-                <a:solidFill>
-                  <a:srgbClr val="FF0000"/>
-                </a:solidFill>
-                <a:effectLst/>
-                <a:latin typeface="Consolas" panose="020B0609020204030204" pitchFamily="49" charset="0"/>
-              </a:rPr>
-              <a:t> col-1, col-2, col-3;</a:t>
+                <a:latin typeface="Segoe UI" panose="020B0502040204020203" pitchFamily="34" charset="0"/>
+              </a:rPr>
+              <a:t>Example : Calculate Product count for each order ID</a:t>
             </a:r>
           </a:p>
           <a:p>
             <a:pPr marL="114300" indent="0">
               <a:buNone/>
             </a:pPr>
-            <a:endParaRPr lang="en-US" sz="2400" i="1" dirty="0">
-              <a:solidFill>
-                <a:srgbClr val="FF0000"/>
-              </a:solidFill>
-              <a:latin typeface="Consolas" panose="020B0609020204030204" pitchFamily="49" charset="0"/>
-            </a:endParaRPr>
-          </a:p>
-          <a:p>
-            <a:pPr marL="114300" indent="0">
-              <a:buNone/>
-            </a:pPr>
-            <a:r>
-              <a:rPr lang="en-US" sz="2400" b="0" i="1" dirty="0">
-                <a:solidFill>
-                  <a:srgbClr val="FF0000"/>
-                </a:solidFill>
-                <a:effectLst/>
-                <a:latin typeface="Consolas" panose="020B0609020204030204" pitchFamily="49" charset="0"/>
-              </a:rPr>
-              <a:t>** ORDER BY fo</a:t>
-            </a:r>
-            <a:r>
-              <a:rPr lang="en-US" sz="2400" i="1" dirty="0">
-                <a:solidFill>
-                  <a:srgbClr val="FF0000"/>
-                </a:solidFill>
-                <a:latin typeface="Consolas" panose="020B0609020204030204" pitchFamily="49" charset="0"/>
-              </a:rPr>
-              <a:t>r sorting the column values</a:t>
-            </a:r>
             <a:endParaRPr lang="en-US" sz="2400" b="0" i="0" dirty="0">
               <a:solidFill>
-                <a:srgbClr val="FF0000"/>
+                <a:srgbClr val="000000"/>
               </a:solidFill>
               <a:effectLst/>
               <a:latin typeface="Segoe UI" panose="020B0502040204020203" pitchFamily="34" charset="0"/>
@@ -46072,14 +45933,172 @@
             <a:pPr marL="114300" indent="0">
               <a:buNone/>
             </a:pPr>
-            <a:endParaRPr lang="en-US" sz="2400" dirty="0"/>
+            <a:r>
+              <a:rPr lang="en-US" sz="2400" b="0" i="0" dirty="0">
+                <a:solidFill>
+                  <a:srgbClr val="000000"/>
+                </a:solidFill>
+                <a:effectLst/>
+                <a:latin typeface="Segoe UI" panose="020B0502040204020203" pitchFamily="34" charset="0"/>
+              </a:rPr>
+              <a:t>SELECT </a:t>
+            </a:r>
+          </a:p>
+          <a:p>
+            <a:pPr marL="114300" indent="0">
+              <a:buNone/>
+            </a:pPr>
+            <a:r>
+              <a:rPr lang="en-US" sz="2400" b="0" i="0" dirty="0">
+                <a:solidFill>
+                  <a:srgbClr val="FF0000"/>
+                </a:solidFill>
+                <a:effectLst/>
+                <a:latin typeface="Segoe UI" panose="020B0502040204020203" pitchFamily="34" charset="0"/>
+              </a:rPr>
+              <a:t>	</a:t>
+            </a:r>
+            <a:r>
+              <a:rPr lang="en-US" sz="2400" b="0" i="0" dirty="0" err="1">
+                <a:solidFill>
+                  <a:srgbClr val="FF0000"/>
+                </a:solidFill>
+                <a:effectLst/>
+                <a:latin typeface="Segoe UI" panose="020B0502040204020203" pitchFamily="34" charset="0"/>
+              </a:rPr>
+              <a:t>OrderID</a:t>
+            </a:r>
+            <a:r>
+              <a:rPr lang="en-US" sz="2400" b="0" i="0" dirty="0">
+                <a:solidFill>
+                  <a:srgbClr val="FF0000"/>
+                </a:solidFill>
+                <a:effectLst/>
+                <a:latin typeface="Segoe UI" panose="020B0502040204020203" pitchFamily="34" charset="0"/>
+              </a:rPr>
+              <a:t>,</a:t>
+            </a:r>
+          </a:p>
+          <a:p>
+            <a:pPr marL="114300" indent="0">
+              <a:buNone/>
+            </a:pPr>
+            <a:r>
+              <a:rPr lang="en-US" sz="2400" b="0" i="0" dirty="0">
+                <a:solidFill>
+                  <a:srgbClr val="FF0000"/>
+                </a:solidFill>
+                <a:effectLst/>
+                <a:latin typeface="Segoe UI" panose="020B0502040204020203" pitchFamily="34" charset="0"/>
+              </a:rPr>
+              <a:t>    	count(</a:t>
+            </a:r>
+            <a:r>
+              <a:rPr lang="en-US" sz="2400" b="0" i="0" dirty="0" err="1">
+                <a:solidFill>
+                  <a:srgbClr val="FF0000"/>
+                </a:solidFill>
+                <a:effectLst/>
+                <a:latin typeface="Segoe UI" panose="020B0502040204020203" pitchFamily="34" charset="0"/>
+              </a:rPr>
+              <a:t>ProductID</a:t>
+            </a:r>
+            <a:r>
+              <a:rPr lang="en-US" sz="2400" b="0" i="0" dirty="0">
+                <a:solidFill>
+                  <a:srgbClr val="FF0000"/>
+                </a:solidFill>
+                <a:effectLst/>
+                <a:latin typeface="Segoe UI" panose="020B0502040204020203" pitchFamily="34" charset="0"/>
+              </a:rPr>
+              <a:t>)</a:t>
+            </a:r>
+          </a:p>
+          <a:p>
+            <a:pPr marL="114300" indent="0">
+              <a:buNone/>
+            </a:pPr>
+            <a:r>
+              <a:rPr lang="en-US" sz="2400" b="0" i="0" dirty="0">
+                <a:solidFill>
+                  <a:srgbClr val="000000"/>
+                </a:solidFill>
+                <a:effectLst/>
+                <a:latin typeface="Segoe UI" panose="020B0502040204020203" pitchFamily="34" charset="0"/>
+              </a:rPr>
+              <a:t>FROM </a:t>
+            </a:r>
+            <a:r>
+              <a:rPr lang="en-US" sz="2400" b="0" i="0" dirty="0" err="1">
+                <a:solidFill>
+                  <a:srgbClr val="000000"/>
+                </a:solidFill>
+                <a:effectLst/>
+                <a:latin typeface="Segoe UI" panose="020B0502040204020203" pitchFamily="34" charset="0"/>
+              </a:rPr>
+              <a:t>order_details</a:t>
+            </a:r>
+            <a:endParaRPr lang="en-US" sz="2400" b="0" i="0" dirty="0">
+              <a:solidFill>
+                <a:srgbClr val="000000"/>
+              </a:solidFill>
+              <a:effectLst/>
+              <a:latin typeface="Segoe UI" panose="020B0502040204020203" pitchFamily="34" charset="0"/>
+            </a:endParaRPr>
+          </a:p>
+          <a:p>
+            <a:pPr marL="114300" indent="0">
+              <a:buNone/>
+            </a:pPr>
+            <a:r>
+              <a:rPr lang="en-US" sz="2400" b="0" i="0" dirty="0">
+                <a:solidFill>
+                  <a:srgbClr val="FF0000"/>
+                </a:solidFill>
+                <a:effectLst/>
+                <a:latin typeface="Segoe UI" panose="020B0502040204020203" pitchFamily="34" charset="0"/>
+              </a:rPr>
+              <a:t>GROUP BY </a:t>
+            </a:r>
+            <a:r>
+              <a:rPr lang="en-US" sz="2400" b="0" i="0" dirty="0" err="1">
+                <a:solidFill>
+                  <a:srgbClr val="FF0000"/>
+                </a:solidFill>
+                <a:effectLst/>
+                <a:latin typeface="Segoe UI" panose="020B0502040204020203" pitchFamily="34" charset="0"/>
+              </a:rPr>
+              <a:t>OrderID</a:t>
+            </a:r>
+            <a:r>
+              <a:rPr lang="en-US" sz="2400" b="0" i="0" dirty="0">
+                <a:solidFill>
+                  <a:srgbClr val="FF0000"/>
+                </a:solidFill>
+                <a:effectLst/>
+                <a:latin typeface="Segoe UI" panose="020B0502040204020203" pitchFamily="34" charset="0"/>
+              </a:rPr>
+              <a:t>;</a:t>
+            </a:r>
+          </a:p>
+          <a:p>
+            <a:pPr marL="114300" indent="0">
+              <a:buNone/>
+            </a:pPr>
+            <a:endParaRPr lang="en-US" sz="2400" b="0" i="0" dirty="0">
+              <a:solidFill>
+                <a:srgbClr val="000000"/>
+              </a:solidFill>
+              <a:effectLst/>
+              <a:latin typeface="Segoe UI" panose="020B0502040204020203" pitchFamily="34" charset="0"/>
+            </a:endParaRPr>
           </a:p>
         </p:txBody>
       </p:sp>
     </p:spTree>
     <p:extLst>
       <p:ext uri="{BB962C8B-B14F-4D97-AF65-F5344CB8AC3E}">
-        <p14:creationId xmlns:p14="http://schemas.microsoft.com/office/powerpoint/2010/main" val="3120882908"/>
+        <p14:creationId xmlns:p14="http://schemas.microsoft.com/office/powerpoint/2010/main" val="1218333191"/>
       </p:ext>
     </p:extLst>
   </p:cSld>
@@ -46162,7 +46181,7 @@
           <a:p>
             <a:fld id="{0C62BD34-D5E2-4C87-AA2A-F8D5808875C3}" type="datetime1">
               <a:rPr lang="en-US" smtClean="0"/>
-              <a:t>9/2/2022</a:t>
+              <a:t>9/3/2022</a:t>
             </a:fld>
             <a:endParaRPr lang="en-US"/>
           </a:p>
@@ -46266,7 +46285,16 @@
                 <a:effectLst/>
                 <a:latin typeface="Segoe UI" panose="020B0502040204020203" pitchFamily="34" charset="0"/>
               </a:rPr>
-              <a:t>Download Data: </a:t>
+              <a:t>Example : Calculate </a:t>
+            </a:r>
+            <a:r>
+              <a:rPr lang="en-US" sz="2400" dirty="0">
+                <a:solidFill>
+                  <a:srgbClr val="000000"/>
+                </a:solidFill>
+                <a:latin typeface="Segoe UI" panose="020B0502040204020203" pitchFamily="34" charset="0"/>
+              </a:rPr>
+              <a:t>order qty </a:t>
             </a:r>
             <a:r>
               <a:rPr lang="en-US" sz="2400" b="0" i="0" dirty="0">
@@ -46275,42 +46303,8 @@
                 </a:solidFill>
                 <a:effectLst/>
                 <a:latin typeface="Segoe UI" panose="020B0502040204020203" pitchFamily="34" charset="0"/>
-                <a:hlinkClick r:id="rId2"/>
-              </a:rPr>
-              <a:t>https://bit.ly/3AJdcRh</a:t>
-            </a:r>
-            <a:endParaRPr lang="en-US" sz="2400" b="0" i="0" dirty="0">
-              <a:solidFill>
-                <a:srgbClr val="000000"/>
-              </a:solidFill>
-              <a:effectLst/>
-              <a:latin typeface="Segoe UI" panose="020B0502040204020203" pitchFamily="34" charset="0"/>
-            </a:endParaRPr>
-          </a:p>
-          <a:p>
-            <a:pPr marL="114300" indent="0">
-              <a:buNone/>
-            </a:pPr>
-            <a:endParaRPr lang="en-US" sz="2400" dirty="0">
-              <a:solidFill>
-                <a:srgbClr val="000000"/>
-              </a:solidFill>
-              <a:latin typeface="Segoe UI" panose="020B0502040204020203" pitchFamily="34" charset="0"/>
-            </a:endParaRPr>
-          </a:p>
-          <a:p>
-            <a:pPr marL="114300" indent="0">
-              <a:buNone/>
-            </a:pPr>
-            <a:r>
-              <a:rPr lang="en-US" sz="2400" b="0" i="0" dirty="0">
-                <a:solidFill>
-                  <a:srgbClr val="000000"/>
-                </a:solidFill>
-                <a:effectLst/>
-                <a:latin typeface="Segoe UI" panose="020B0502040204020203" pitchFamily="34" charset="0"/>
-              </a:rPr>
-              <a:t>Example : Calculate Product count for each order ID</a:t>
+              </a:rPr>
+              <a:t>for each order ID</a:t>
             </a:r>
           </a:p>
           <a:p>
@@ -46347,7 +46341,7 @@
             <a:r>
               <a:rPr lang="en-US" sz="2400" b="0" i="0" dirty="0">
                 <a:solidFill>
-                  <a:srgbClr val="FF0000"/>
+                  <a:srgbClr val="000000"/>
                 </a:solidFill>
                 <a:effectLst/>
                 <a:latin typeface="Segoe UI" panose="020B0502040204020203" pitchFamily="34" charset="0"/>
@@ -46387,27 +46381,7 @@
                 <a:effectLst/>
                 <a:latin typeface="Segoe UI" panose="020B0502040204020203" pitchFamily="34" charset="0"/>
               </a:rPr>
-              <a:t>    	count(</a:t>
-            </a:r>
-            <a:r>
-              <a:rPr lang="en-US" sz="2400" b="0" i="0" dirty="0" err="1">
-                <a:solidFill>
-                  <a:srgbClr val="FF0000"/>
-                </a:solidFill>
-                <a:effectLst/>
-                <a:latin typeface="Segoe UI" panose="020B0502040204020203" pitchFamily="34" charset="0"/>
-              </a:rPr>
-              <a:t>ProductID</a:t>
-            </a:r>
-            <a:r>
-              <a:rPr lang="en-US" sz="2400" b="0" i="0" dirty="0">
-                <a:solidFill>
-                  <a:srgbClr val="FF0000"/>
-                </a:solidFill>
-                <a:effectLst/>
-                <a:latin typeface="Segoe UI" panose="020B0502040204020203" pitchFamily="34" charset="0"/>
-              </a:rPr>
-              <a:t>)</a:t>
+              <a:t>    	sum(Quantity)</a:t>
             </a:r>
           </a:p>
           <a:p>
@@ -46476,16 +46450,10 @@
               </a:rPr>
               <a:t>;</a:t>
             </a:r>
-          </a:p>
-          <a:p>
-            <a:pPr marL="114300" indent="0">
-              <a:buNone/>
-            </a:pPr>
-            <a:endParaRPr lang="en-US" sz="2400" b="0" i="0" dirty="0">
+            <a:endParaRPr lang="en-US" sz="2400" dirty="0">
               <a:solidFill>
-                <a:srgbClr val="000000"/>
+                <a:srgbClr val="FF0000"/>
               </a:solidFill>
-              <a:effectLst/>
               <a:latin typeface="Segoe UI" panose="020B0502040204020203" pitchFamily="34" charset="0"/>
             </a:endParaRPr>
           </a:p>
@@ -46494,7 +46462,7 @@
     </p:spTree>
     <p:extLst>
       <p:ext uri="{BB962C8B-B14F-4D97-AF65-F5344CB8AC3E}">
-        <p14:creationId xmlns:p14="http://schemas.microsoft.com/office/powerpoint/2010/main" val="1218333191"/>
+        <p14:creationId xmlns:p14="http://schemas.microsoft.com/office/powerpoint/2010/main" val="2911527938"/>
       </p:ext>
     </p:extLst>
   </p:cSld>
@@ -46561,7 +46529,7 @@
             </a:pPr>
             <a:fld id="{8325990E-89A1-418C-BAD2-0015B9725131}" type="datetime1">
               <a:rPr lang="en-US" smtClean="0"/>
-              <a:t>9/2/2022</a:t>
+              <a:t>9/3/2022</a:t>
             </a:fld>
             <a:endParaRPr/>
           </a:p>
@@ -47644,7 +47612,7 @@
           <a:p>
             <a:fld id="{0C62BD34-D5E2-4C87-AA2A-F8D5808875C3}" type="datetime1">
               <a:rPr lang="en-US" smtClean="0"/>
-              <a:t>9/2/2022</a:t>
+              <a:t>9/3/2022</a:t>
             </a:fld>
             <a:endParaRPr lang="en-US"/>
           </a:p>
@@ -47732,7 +47700,12 @@
             <p:ph type="body" idx="1"/>
           </p:nvPr>
         </p:nvSpPr>
-        <p:spPr/>
+        <p:spPr>
+          <a:xfrm>
+            <a:off x="457200" y="1600200"/>
+            <a:ext cx="3013364" cy="2275609"/>
+          </a:xfrm>
+        </p:spPr>
         <p:txBody>
           <a:bodyPr/>
           <a:lstStyle/>
@@ -47743,40 +47716,101 @@
             <a:r>
               <a:rPr lang="en-US" sz="2400" b="0" i="0" dirty="0">
                 <a:solidFill>
-                  <a:srgbClr val="000000"/>
+                  <a:schemeClr val="tx1"/>
                 </a:solidFill>
                 <a:effectLst/>
                 <a:latin typeface="Segoe UI" panose="020B0502040204020203" pitchFamily="34" charset="0"/>
               </a:rPr>
-              <a:t>Example : Calculate </a:t>
-            </a:r>
-            <a:r>
-              <a:rPr lang="en-US" sz="2400" dirty="0">
-                <a:solidFill>
-                  <a:srgbClr val="000000"/>
-                </a:solidFill>
-                <a:latin typeface="Segoe UI" panose="020B0502040204020203" pitchFamily="34" charset="0"/>
-              </a:rPr>
-              <a:t>order qty </a:t>
+              <a:t>SELECT</a:t>
             </a:r>
             <a:r>
               <a:rPr lang="en-US" sz="2400" b="0" i="0" dirty="0">
                 <a:solidFill>
-                  <a:srgbClr val="000000"/>
+                  <a:srgbClr val="FF0000"/>
                 </a:solidFill>
                 <a:effectLst/>
                 <a:latin typeface="Segoe UI" panose="020B0502040204020203" pitchFamily="34" charset="0"/>
               </a:rPr>
-              <a:t>for each order ID</a:t>
+              <a:t> </a:t>
             </a:r>
           </a:p>
           <a:p>
             <a:pPr marL="114300" indent="0">
               <a:buNone/>
             </a:pPr>
+            <a:r>
+              <a:rPr lang="en-US" sz="2400" b="0" i="0" dirty="0">
+                <a:solidFill>
+                  <a:srgbClr val="FF0000"/>
+                </a:solidFill>
+                <a:effectLst/>
+                <a:latin typeface="Segoe UI" panose="020B0502040204020203" pitchFamily="34" charset="0"/>
+              </a:rPr>
+              <a:t>	</a:t>
+            </a:r>
+            <a:r>
+              <a:rPr lang="en-US" sz="2400" b="0" i="0" dirty="0" err="1">
+                <a:solidFill>
+                  <a:srgbClr val="FF0000"/>
+                </a:solidFill>
+                <a:effectLst/>
+                <a:latin typeface="Segoe UI" panose="020B0502040204020203" pitchFamily="34" charset="0"/>
+              </a:rPr>
+              <a:t>OrderID</a:t>
+            </a:r>
+            <a:r>
+              <a:rPr lang="en-US" sz="2400" b="0" i="0" dirty="0">
+                <a:solidFill>
+                  <a:srgbClr val="FF0000"/>
+                </a:solidFill>
+                <a:effectLst/>
+                <a:latin typeface="Segoe UI" panose="020B0502040204020203" pitchFamily="34" charset="0"/>
+              </a:rPr>
+              <a:t>,</a:t>
+            </a:r>
+          </a:p>
+          <a:p>
+            <a:pPr marL="114300" indent="0">
+              <a:buNone/>
+            </a:pPr>
+            <a:r>
+              <a:rPr lang="en-US" sz="2400" b="0" i="0" dirty="0">
+                <a:solidFill>
+                  <a:srgbClr val="FF0000"/>
+                </a:solidFill>
+                <a:effectLst/>
+                <a:latin typeface="Segoe UI" panose="020B0502040204020203" pitchFamily="34" charset="0"/>
+              </a:rPr>
+              <a:t>    	min(Quantity)</a:t>
+            </a:r>
+          </a:p>
+          <a:p>
+            <a:pPr marL="114300" indent="0">
+              <a:buNone/>
+            </a:pPr>
+            <a:r>
+              <a:rPr lang="en-US" sz="2400" b="0" i="0" dirty="0">
+                <a:solidFill>
+                  <a:schemeClr val="tx1"/>
+                </a:solidFill>
+                <a:effectLst/>
+                <a:latin typeface="Segoe UI" panose="020B0502040204020203" pitchFamily="34" charset="0"/>
+              </a:rPr>
+              <a:t>FROM </a:t>
+            </a:r>
+            <a:r>
+              <a:rPr lang="en-US" sz="2400" b="0" i="0" dirty="0" err="1">
+                <a:solidFill>
+                  <a:schemeClr val="tx1"/>
+                </a:solidFill>
+                <a:effectLst/>
+                <a:latin typeface="Segoe UI" panose="020B0502040204020203" pitchFamily="34" charset="0"/>
+              </a:rPr>
+              <a:t>order_details</a:t>
+            </a:r>
             <a:endParaRPr lang="en-US" sz="2400" b="0" i="0" dirty="0">
               <a:solidFill>
-                <a:srgbClr val="000000"/>
+                <a:schemeClr val="tx1"/>
               </a:solidFill>
               <a:effectLst/>
               <a:latin typeface="Segoe UI" panose="020B0502040204020203" pitchFamily="34" charset="0"/>
@@ -47789,143 +47823,40 @@
             <a:r>
               <a:rPr lang="en-US" sz="2400" b="0" i="0" dirty="0">
                 <a:solidFill>
-                  <a:srgbClr val="000000"/>
+                  <a:srgbClr val="FF0000"/>
                 </a:solidFill>
                 <a:effectLst/>
                 <a:latin typeface="Segoe UI" panose="020B0502040204020203" pitchFamily="34" charset="0"/>
               </a:rPr>
-              <a:t>SELECT </a:t>
-            </a:r>
-          </a:p>
-          <a:p>
-            <a:pPr marL="114300" indent="0">
-              <a:buNone/>
-            </a:pPr>
-            <a:r>
-              <a:rPr lang="en-US" sz="2400" b="0" i="0" dirty="0">
-                <a:solidFill>
-                  <a:srgbClr val="000000"/>
+              <a:t>GROUP BY </a:t>
+            </a:r>
+            <a:r>
+              <a:rPr lang="en-US" sz="2400" b="0" i="0" dirty="0" err="1">
+                <a:solidFill>
+                  <a:srgbClr val="FF0000"/>
                 </a:solidFill>
                 <a:effectLst/>
                 <a:latin typeface="Segoe UI" panose="020B0502040204020203" pitchFamily="34" charset="0"/>
               </a:rPr>
-              <a:t>	</a:t>
-            </a:r>
-            <a:r>
-              <a:rPr lang="en-US" sz="2400" b="0" i="0" dirty="0" err="1">
+              <a:t>OrderID</a:t>
+            </a:r>
+            <a:r>
+              <a:rPr lang="en-US" sz="2400" b="0" i="0" dirty="0">
                 <a:solidFill>
                   <a:srgbClr val="FF0000"/>
                 </a:solidFill>
                 <a:effectLst/>
                 <a:latin typeface="Segoe UI" panose="020B0502040204020203" pitchFamily="34" charset="0"/>
               </a:rPr>
-              <a:t>OrderID</a:t>
-            </a:r>
-            <a:r>
-              <a:rPr lang="en-US" sz="2400" b="0" i="0" dirty="0">
-                <a:solidFill>
-                  <a:srgbClr val="FF0000"/>
-                </a:solidFill>
-                <a:effectLst/>
-                <a:latin typeface="Segoe UI" panose="020B0502040204020203" pitchFamily="34" charset="0"/>
-              </a:rPr>
-              <a:t>,</a:t>
-            </a:r>
-          </a:p>
-          <a:p>
-            <a:pPr marL="114300" indent="0">
-              <a:buNone/>
-            </a:pPr>
-            <a:r>
-              <a:rPr lang="en-US" sz="2400" b="0" i="0" dirty="0">
-                <a:solidFill>
-                  <a:srgbClr val="FF0000"/>
-                </a:solidFill>
-                <a:effectLst/>
-                <a:latin typeface="Segoe UI" panose="020B0502040204020203" pitchFamily="34" charset="0"/>
-              </a:rPr>
-              <a:t>    	sum(Quantity)</a:t>
-            </a:r>
-          </a:p>
-          <a:p>
-            <a:pPr marL="114300" indent="0">
-              <a:buNone/>
-            </a:pPr>
-            <a:r>
-              <a:rPr lang="en-US" sz="2400" b="0" i="0" dirty="0">
-                <a:solidFill>
-                  <a:srgbClr val="000000"/>
-                </a:solidFill>
-                <a:effectLst/>
-                <a:latin typeface="Segoe UI" panose="020B0502040204020203" pitchFamily="34" charset="0"/>
-              </a:rPr>
-              <a:t>FROM </a:t>
-            </a:r>
-            <a:r>
-              <a:rPr lang="en-US" sz="2400" b="0" i="0" dirty="0" err="1">
-                <a:solidFill>
-                  <a:srgbClr val="000000"/>
-                </a:solidFill>
-                <a:effectLst/>
-                <a:latin typeface="Segoe UI" panose="020B0502040204020203" pitchFamily="34" charset="0"/>
-              </a:rPr>
-              <a:t>order_details</a:t>
-            </a:r>
-            <a:endParaRPr lang="en-US" sz="2400" b="0" i="0" dirty="0">
-              <a:solidFill>
-                <a:srgbClr val="000000"/>
-              </a:solidFill>
-              <a:effectLst/>
-              <a:latin typeface="Segoe UI" panose="020B0502040204020203" pitchFamily="34" charset="0"/>
-            </a:endParaRPr>
-          </a:p>
-          <a:p>
-            <a:pPr marL="114300" indent="0">
-              <a:buNone/>
-            </a:pPr>
-            <a:r>
-              <a:rPr lang="en-US" sz="2400" b="0" i="0" dirty="0">
-                <a:solidFill>
-                  <a:srgbClr val="FF0000"/>
-                </a:solidFill>
-                <a:effectLst/>
-                <a:latin typeface="Segoe UI" panose="020B0502040204020203" pitchFamily="34" charset="0"/>
-              </a:rPr>
-              <a:t>GROUP BY </a:t>
-            </a:r>
-            <a:r>
-              <a:rPr lang="en-US" sz="2400" b="0" i="0" dirty="0" err="1">
-                <a:solidFill>
-                  <a:srgbClr val="FF0000"/>
-                </a:solidFill>
-                <a:effectLst/>
-                <a:latin typeface="Segoe UI" panose="020B0502040204020203" pitchFamily="34" charset="0"/>
-              </a:rPr>
-              <a:t>OrderID</a:t>
-            </a:r>
-            <a:r>
-              <a:rPr lang="en-US" sz="2400" b="0" i="0" dirty="0">
-                <a:solidFill>
-                  <a:srgbClr val="FF0000"/>
-                </a:solidFill>
-                <a:effectLst/>
-                <a:latin typeface="Segoe UI" panose="020B0502040204020203" pitchFamily="34" charset="0"/>
-              </a:rPr>
               <a:t>;</a:t>
             </a:r>
-            <a:endParaRPr lang="en-US" sz="2400" dirty="0">
-              <a:solidFill>
-                <a:srgbClr val="FF0000"/>
-              </a:solidFill>
-              <a:latin typeface="Segoe UI" panose="020B0502040204020203" pitchFamily="34" charset="0"/>
-            </a:endParaRPr>
           </a:p>
         </p:txBody>
       </p:sp>
     </p:spTree>
     <p:extLst>
       <p:ext uri="{BB962C8B-B14F-4D97-AF65-F5344CB8AC3E}">
-        <p14:creationId xmlns:p14="http://schemas.microsoft.com/office/powerpoint/2010/main" val="2911527938"/>
+        <p14:creationId xmlns:p14="http://schemas.microsoft.com/office/powerpoint/2010/main" val="3960322453"/>
       </p:ext>
     </p:extLst>
   </p:cSld>
@@ -48008,7 +47939,7 @@
           <a:p>
             <a:fld id="{0C62BD34-D5E2-4C87-AA2A-F8D5808875C3}" type="datetime1">
               <a:rPr lang="en-US" smtClean="0"/>
-              <a:t>9/2/2022</a:t>
+              <a:t>9/3/2022</a:t>
             </a:fld>
             <a:endParaRPr lang="en-US"/>
           </a:p>
@@ -48249,10 +48180,425 @@
           </a:p>
         </p:txBody>
       </p:sp>
+      <p:sp>
+        <p:nvSpPr>
+          <p:cNvPr id="8" name="Text Placeholder 6">
+            <a:extLst>
+              <a:ext uri="{FF2B5EF4-FFF2-40B4-BE49-F238E27FC236}">
+                <a16:creationId xmlns:a16="http://schemas.microsoft.com/office/drawing/2014/main" id="{D0C82BE0-17C0-489E-A578-40E79F5A554E}"/>
+              </a:ext>
+            </a:extLst>
+          </p:cNvPr>
+          <p:cNvSpPr txBox="1">
+            <a:spLocks/>
+          </p:cNvSpPr>
+          <p:nvPr/>
+        </p:nvSpPr>
+        <p:spPr>
+          <a:xfrm>
+            <a:off x="4838700" y="1596736"/>
+            <a:ext cx="3013364" cy="2275609"/>
+          </a:xfrm>
+          <a:prstGeom prst="rect">
+            <a:avLst/>
+          </a:prstGeom>
+          <a:noFill/>
+          <a:ln>
+            <a:noFill/>
+          </a:ln>
+        </p:spPr>
+        <p:txBody>
+          <a:bodyPr spcFirstLastPara="1" wrap="square" lIns="91425" tIns="45700" rIns="91425" bIns="45700" anchor="t" anchorCtr="0">
+            <a:noAutofit/>
+          </a:bodyPr>
+          <a:lstStyle>
+            <a:defPPr marR="0" lvl="0" algn="l" rtl="0">
+              <a:lnSpc>
+                <a:spcPct val="100000"/>
+              </a:lnSpc>
+              <a:spcBef>
+                <a:spcPts val="0"/>
+              </a:spcBef>
+              <a:spcAft>
+                <a:spcPts val="0"/>
+              </a:spcAft>
+            </a:defPPr>
+            <a:lvl1pPr marL="457200" marR="0" lvl="0" indent="-342900" algn="l" rtl="0">
+              <a:lnSpc>
+                <a:spcPct val="100000"/>
+              </a:lnSpc>
+              <a:spcBef>
+                <a:spcPts val="360"/>
+              </a:spcBef>
+              <a:spcAft>
+                <a:spcPts val="0"/>
+              </a:spcAft>
+              <a:buClr>
+                <a:schemeClr val="dk1"/>
+              </a:buClr>
+              <a:buSzPts val="1800"/>
+              <a:buFont typeface="Arial"/>
+              <a:buChar char="•"/>
+              <a:defRPr sz="3200" b="0" i="0" u="none" strike="noStrike" cap="none">
+                <a:solidFill>
+                  <a:schemeClr val="dk1"/>
+                </a:solidFill>
+                <a:latin typeface="Arial"/>
+                <a:ea typeface="Arial"/>
+                <a:cs typeface="Arial"/>
+                <a:sym typeface="Arial"/>
+              </a:defRPr>
+            </a:lvl1pPr>
+            <a:lvl2pPr marL="914400" marR="0" lvl="1" indent="-342900" algn="l" rtl="0">
+              <a:lnSpc>
+                <a:spcPct val="100000"/>
+              </a:lnSpc>
+              <a:spcBef>
+                <a:spcPts val="360"/>
+              </a:spcBef>
+              <a:spcAft>
+                <a:spcPts val="0"/>
+              </a:spcAft>
+              <a:buClr>
+                <a:schemeClr val="dk1"/>
+              </a:buClr>
+              <a:buSzPts val="1800"/>
+              <a:buFont typeface="Arial"/>
+              <a:buChar char="–"/>
+              <a:defRPr sz="2800" b="0" i="0" u="none" strike="noStrike" cap="none">
+                <a:solidFill>
+                  <a:schemeClr val="dk1"/>
+                </a:solidFill>
+                <a:latin typeface="Arial"/>
+                <a:ea typeface="Arial"/>
+                <a:cs typeface="Arial"/>
+                <a:sym typeface="Arial"/>
+              </a:defRPr>
+            </a:lvl2pPr>
+            <a:lvl3pPr marL="1371600" marR="0" lvl="2" indent="-342900" algn="l" rtl="0">
+              <a:lnSpc>
+                <a:spcPct val="100000"/>
+              </a:lnSpc>
+              <a:spcBef>
+                <a:spcPts val="360"/>
+              </a:spcBef>
+              <a:spcAft>
+                <a:spcPts val="0"/>
+              </a:spcAft>
+              <a:buClr>
+                <a:schemeClr val="dk1"/>
+              </a:buClr>
+              <a:buSzPts val="1800"/>
+              <a:buFont typeface="Arial"/>
+              <a:buChar char="•"/>
+              <a:defRPr sz="2400" b="0" i="0" u="none" strike="noStrike" cap="none">
+                <a:solidFill>
+                  <a:schemeClr val="dk1"/>
+                </a:solidFill>
+                <a:latin typeface="Arial"/>
+                <a:ea typeface="Arial"/>
+                <a:cs typeface="Arial"/>
+                <a:sym typeface="Arial"/>
+              </a:defRPr>
+            </a:lvl3pPr>
+            <a:lvl4pPr marL="1828800" marR="0" lvl="3" indent="-342900" algn="l" rtl="0">
+              <a:lnSpc>
+                <a:spcPct val="100000"/>
+              </a:lnSpc>
+              <a:spcBef>
+                <a:spcPts val="360"/>
+              </a:spcBef>
+              <a:spcAft>
+                <a:spcPts val="0"/>
+              </a:spcAft>
+              <a:buClr>
+                <a:schemeClr val="dk1"/>
+              </a:buClr>
+              <a:buSzPts val="1800"/>
+              <a:buFont typeface="Arial"/>
+              <a:buChar char="–"/>
+              <a:defRPr sz="2000" b="0" i="0" u="none" strike="noStrike" cap="none">
+                <a:solidFill>
+                  <a:schemeClr val="dk1"/>
+                </a:solidFill>
+                <a:latin typeface="Arial"/>
+                <a:ea typeface="Arial"/>
+                <a:cs typeface="Arial"/>
+                <a:sym typeface="Arial"/>
+              </a:defRPr>
+            </a:lvl4pPr>
+            <a:lvl5pPr marL="2286000" marR="0" lvl="4" indent="-342900" algn="l" rtl="0">
+              <a:lnSpc>
+                <a:spcPct val="100000"/>
+              </a:lnSpc>
+              <a:spcBef>
+                <a:spcPts val="360"/>
+              </a:spcBef>
+              <a:spcAft>
+                <a:spcPts val="0"/>
+              </a:spcAft>
+              <a:buClr>
+                <a:schemeClr val="dk1"/>
+              </a:buClr>
+              <a:buSzPts val="1800"/>
+              <a:buFont typeface="Arial"/>
+              <a:buChar char="»"/>
+              <a:defRPr sz="2000" b="0" i="0" u="none" strike="noStrike" cap="none">
+                <a:solidFill>
+                  <a:schemeClr val="dk1"/>
+                </a:solidFill>
+                <a:latin typeface="Arial"/>
+                <a:ea typeface="Arial"/>
+                <a:cs typeface="Arial"/>
+                <a:sym typeface="Arial"/>
+              </a:defRPr>
+            </a:lvl5pPr>
+            <a:lvl6pPr marL="2743200" marR="0" lvl="5" indent="-342900" algn="l" rtl="0">
+              <a:lnSpc>
+                <a:spcPct val="100000"/>
+              </a:lnSpc>
+              <a:spcBef>
+                <a:spcPts val="360"/>
+              </a:spcBef>
+              <a:spcAft>
+                <a:spcPts val="0"/>
+              </a:spcAft>
+              <a:buClr>
+                <a:schemeClr val="dk1"/>
+              </a:buClr>
+              <a:buSzPts val="1800"/>
+              <a:buFont typeface="Arial"/>
+              <a:buChar char="»"/>
+              <a:defRPr sz="2000" b="0" i="0" u="none" strike="noStrike" cap="none">
+                <a:solidFill>
+                  <a:schemeClr val="dk1"/>
+                </a:solidFill>
+                <a:latin typeface="Arial"/>
+                <a:ea typeface="Arial"/>
+                <a:cs typeface="Arial"/>
+                <a:sym typeface="Arial"/>
+              </a:defRPr>
+            </a:lvl6pPr>
+            <a:lvl7pPr marL="3200400" marR="0" lvl="6" indent="-342900" algn="l" rtl="0">
+              <a:lnSpc>
+                <a:spcPct val="100000"/>
+              </a:lnSpc>
+              <a:spcBef>
+                <a:spcPts val="360"/>
+              </a:spcBef>
+              <a:spcAft>
+                <a:spcPts val="0"/>
+              </a:spcAft>
+              <a:buClr>
+                <a:schemeClr val="dk1"/>
+              </a:buClr>
+              <a:buSzPts val="1800"/>
+              <a:buFont typeface="Arial"/>
+              <a:buChar char="»"/>
+              <a:defRPr sz="2000" b="0" i="0" u="none" strike="noStrike" cap="none">
+                <a:solidFill>
+                  <a:schemeClr val="dk1"/>
+                </a:solidFill>
+                <a:latin typeface="Arial"/>
+                <a:ea typeface="Arial"/>
+                <a:cs typeface="Arial"/>
+                <a:sym typeface="Arial"/>
+              </a:defRPr>
+            </a:lvl7pPr>
+            <a:lvl8pPr marL="3657600" marR="0" lvl="7" indent="-342900" algn="l" rtl="0">
+              <a:lnSpc>
+                <a:spcPct val="100000"/>
+              </a:lnSpc>
+              <a:spcBef>
+                <a:spcPts val="360"/>
+              </a:spcBef>
+              <a:spcAft>
+                <a:spcPts val="0"/>
+              </a:spcAft>
+              <a:buClr>
+                <a:schemeClr val="dk1"/>
+              </a:buClr>
+              <a:buSzPts val="1800"/>
+              <a:buFont typeface="Arial"/>
+              <a:buChar char="»"/>
+              <a:defRPr sz="2000" b="0" i="0" u="none" strike="noStrike" cap="none">
+                <a:solidFill>
+                  <a:schemeClr val="dk1"/>
+                </a:solidFill>
+                <a:latin typeface="Arial"/>
+                <a:ea typeface="Arial"/>
+                <a:cs typeface="Arial"/>
+                <a:sym typeface="Arial"/>
+              </a:defRPr>
+            </a:lvl8pPr>
+            <a:lvl9pPr marL="4114800" marR="0" lvl="8" indent="-342900" algn="l" rtl="0">
+              <a:lnSpc>
+                <a:spcPct val="100000"/>
+              </a:lnSpc>
+              <a:spcBef>
+                <a:spcPts val="360"/>
+              </a:spcBef>
+              <a:spcAft>
+                <a:spcPts val="0"/>
+              </a:spcAft>
+              <a:buClr>
+                <a:schemeClr val="dk1"/>
+              </a:buClr>
+              <a:buSzPts val="1800"/>
+              <a:buFont typeface="Arial"/>
+              <a:buChar char="»"/>
+              <a:defRPr sz="2000" b="0" i="0" u="none" strike="noStrike" cap="none">
+                <a:solidFill>
+                  <a:schemeClr val="dk1"/>
+                </a:solidFill>
+                <a:latin typeface="Arial"/>
+                <a:ea typeface="Arial"/>
+                <a:cs typeface="Arial"/>
+                <a:sym typeface="Arial"/>
+              </a:defRPr>
+            </a:lvl9pPr>
+          </a:lstStyle>
+          <a:p>
+            <a:pPr marL="114300" indent="0">
+              <a:buFont typeface="Arial"/>
+              <a:buNone/>
+            </a:pPr>
+            <a:r>
+              <a:rPr lang="en-US" sz="2400" dirty="0">
+                <a:solidFill>
+                  <a:schemeClr val="tx1"/>
+                </a:solidFill>
+                <a:latin typeface="Segoe UI" panose="020B0502040204020203" pitchFamily="34" charset="0"/>
+              </a:rPr>
+              <a:t>SELECT</a:t>
+            </a:r>
+            <a:r>
+              <a:rPr lang="en-US" sz="2400" dirty="0">
+                <a:solidFill>
+                  <a:srgbClr val="FF0000"/>
+                </a:solidFill>
+                <a:latin typeface="Segoe UI" panose="020B0502040204020203" pitchFamily="34" charset="0"/>
+              </a:rPr>
+              <a:t> </a:t>
+            </a:r>
+          </a:p>
+          <a:p>
+            <a:pPr marL="114300" indent="0">
+              <a:buFont typeface="Arial"/>
+              <a:buNone/>
+            </a:pPr>
+            <a:r>
+              <a:rPr lang="en-US" sz="2400" dirty="0">
+                <a:solidFill>
+                  <a:srgbClr val="FF0000"/>
+                </a:solidFill>
+                <a:latin typeface="Segoe UI" panose="020B0502040204020203" pitchFamily="34" charset="0"/>
+              </a:rPr>
+              <a:t>	</a:t>
+            </a:r>
+            <a:r>
+              <a:rPr lang="en-US" sz="2400" dirty="0" err="1">
+                <a:solidFill>
+                  <a:srgbClr val="00B0F0"/>
+                </a:solidFill>
+                <a:latin typeface="Segoe UI" panose="020B0502040204020203" pitchFamily="34" charset="0"/>
+              </a:rPr>
+              <a:t>OrderID</a:t>
+            </a:r>
+            <a:r>
+              <a:rPr lang="en-US" sz="2400" dirty="0">
+                <a:solidFill>
+                  <a:srgbClr val="00B0F0"/>
+                </a:solidFill>
+                <a:latin typeface="Segoe UI" panose="020B0502040204020203" pitchFamily="34" charset="0"/>
+              </a:rPr>
+              <a:t>,</a:t>
+            </a:r>
+          </a:p>
+          <a:p>
+            <a:pPr marL="114300" indent="0">
+              <a:buFont typeface="Arial"/>
+              <a:buNone/>
+            </a:pPr>
+            <a:r>
+              <a:rPr lang="en-US" sz="2400" dirty="0">
+                <a:solidFill>
+                  <a:srgbClr val="00B0F0"/>
+                </a:solidFill>
+                <a:latin typeface="Segoe UI" panose="020B0502040204020203" pitchFamily="34" charset="0"/>
+              </a:rPr>
+              <a:t>    	max(Quantity)</a:t>
+            </a:r>
+          </a:p>
+          <a:p>
+            <a:pPr marL="114300" indent="0">
+              <a:buFont typeface="Arial"/>
+              <a:buNone/>
+            </a:pPr>
+            <a:r>
+              <a:rPr lang="en-US" sz="2400" dirty="0">
+                <a:solidFill>
+                  <a:schemeClr val="tx1"/>
+                </a:solidFill>
+                <a:latin typeface="Segoe UI" panose="020B0502040204020203" pitchFamily="34" charset="0"/>
+              </a:rPr>
+              <a:t>FROM </a:t>
+            </a:r>
+            <a:r>
+              <a:rPr lang="en-US" sz="2400" dirty="0" err="1">
+                <a:solidFill>
+                  <a:schemeClr val="tx1"/>
+                </a:solidFill>
+                <a:latin typeface="Segoe UI" panose="020B0502040204020203" pitchFamily="34" charset="0"/>
+              </a:rPr>
+              <a:t>order_details</a:t>
+            </a:r>
+            <a:endParaRPr lang="en-US" sz="2400" dirty="0">
+              <a:solidFill>
+                <a:schemeClr val="tx1"/>
+              </a:solidFill>
+              <a:latin typeface="Segoe UI" panose="020B0502040204020203" pitchFamily="34" charset="0"/>
+            </a:endParaRPr>
+          </a:p>
+          <a:p>
+            <a:pPr marL="114300" indent="0">
+              <a:buFont typeface="Arial"/>
+              <a:buNone/>
+            </a:pPr>
+            <a:r>
+              <a:rPr lang="en-US" sz="2400" dirty="0">
+                <a:solidFill>
+                  <a:srgbClr val="00B0F0"/>
+                </a:solidFill>
+                <a:latin typeface="Segoe UI" panose="020B0502040204020203" pitchFamily="34" charset="0"/>
+              </a:rPr>
+              <a:t>GROUP BY </a:t>
+            </a:r>
+            <a:r>
+              <a:rPr lang="en-US" sz="2400" dirty="0" err="1">
+                <a:solidFill>
+                  <a:srgbClr val="00B0F0"/>
+                </a:solidFill>
+                <a:latin typeface="Segoe UI" panose="020B0502040204020203" pitchFamily="34" charset="0"/>
+              </a:rPr>
+              <a:t>OrderID</a:t>
+            </a:r>
+            <a:r>
+              <a:rPr lang="en-US" sz="2400" dirty="0">
+                <a:solidFill>
+                  <a:srgbClr val="00B0F0"/>
+                </a:solidFill>
+                <a:latin typeface="Segoe UI" panose="020B0502040204020203" pitchFamily="34" charset="0"/>
+              </a:rPr>
+              <a:t>;</a:t>
+            </a:r>
+          </a:p>
+        </p:txBody>
+      </p:sp>
     </p:spTree>
     <p:extLst>
       <p:ext uri="{BB962C8B-B14F-4D97-AF65-F5344CB8AC3E}">
-        <p14:creationId xmlns:p14="http://schemas.microsoft.com/office/powerpoint/2010/main" val="3960322453"/>
+        <p14:creationId xmlns:p14="http://schemas.microsoft.com/office/powerpoint/2010/main" val="3060989707"/>
       </p:ext>
     </p:extLst>
   </p:cSld>
@@ -48335,7 +48681,7 @@
           <a:p>
             <a:fld id="{0C62BD34-D5E2-4C87-AA2A-F8D5808875C3}" type="datetime1">
               <a:rPr lang="en-US" smtClean="0"/>
-              <a:t>9/2/2022</a:t>
+              <a:t>9/3/2022</a:t>
             </a:fld>
             <a:endParaRPr lang="en-US"/>
           </a:p>
@@ -48991,10 +49337,145 @@
           </a:p>
         </p:txBody>
       </p:sp>
+      <p:sp>
+        <p:nvSpPr>
+          <p:cNvPr id="9" name="TextBox 8">
+            <a:extLst>
+              <a:ext uri="{FF2B5EF4-FFF2-40B4-BE49-F238E27FC236}">
+                <a16:creationId xmlns:a16="http://schemas.microsoft.com/office/drawing/2014/main" id="{DF914585-9F82-4827-8A46-313FD2E4357D}"/>
+              </a:ext>
+            </a:extLst>
+          </p:cNvPr>
+          <p:cNvSpPr txBox="1"/>
+          <p:nvPr/>
+        </p:nvSpPr>
+        <p:spPr>
+          <a:xfrm>
+            <a:off x="2805546" y="4087557"/>
+            <a:ext cx="4572000" cy="1938992"/>
+          </a:xfrm>
+          <a:prstGeom prst="rect">
+            <a:avLst/>
+          </a:prstGeom>
+          <a:noFill/>
+        </p:spPr>
+        <p:txBody>
+          <a:bodyPr wrap="square">
+            <a:spAutoFit/>
+          </a:bodyPr>
+          <a:lstStyle/>
+          <a:p>
+            <a:r>
+              <a:rPr lang="en-US" sz="2400" dirty="0">
+                <a:solidFill>
+                  <a:schemeClr val="tx1"/>
+                </a:solidFill>
+                <a:latin typeface="Segoe UI" panose="020B0502040204020203" pitchFamily="34" charset="0"/>
+              </a:rPr>
+              <a:t>SELECT </a:t>
+            </a:r>
+          </a:p>
+          <a:p>
+            <a:r>
+              <a:rPr lang="en-US" sz="2400" dirty="0">
+                <a:solidFill>
+                  <a:schemeClr val="tx1"/>
+                </a:solidFill>
+                <a:latin typeface="Segoe UI" panose="020B0502040204020203" pitchFamily="34" charset="0"/>
+              </a:rPr>
+              <a:t>	</a:t>
+            </a:r>
+            <a:r>
+              <a:rPr lang="en-US" sz="2400" dirty="0" err="1">
+                <a:solidFill>
+                  <a:srgbClr val="00B050"/>
+                </a:solidFill>
+                <a:latin typeface="Segoe UI" panose="020B0502040204020203" pitchFamily="34" charset="0"/>
+              </a:rPr>
+              <a:t>OrderID</a:t>
+            </a:r>
+            <a:r>
+              <a:rPr lang="en-US" sz="2400" dirty="0">
+                <a:solidFill>
+                  <a:srgbClr val="00B050"/>
+                </a:solidFill>
+                <a:latin typeface="Segoe UI" panose="020B0502040204020203" pitchFamily="34" charset="0"/>
+              </a:rPr>
+              <a:t>,</a:t>
+            </a:r>
+          </a:p>
+          <a:p>
+            <a:r>
+              <a:rPr lang="en-US" sz="2400" dirty="0">
+                <a:solidFill>
+                  <a:srgbClr val="00B050"/>
+                </a:solidFill>
+                <a:latin typeface="Segoe UI" panose="020B0502040204020203" pitchFamily="34" charset="0"/>
+              </a:rPr>
+              <a:t>    	avg(Quantity)</a:t>
+            </a:r>
+          </a:p>
+          <a:p>
+            <a:r>
+              <a:rPr lang="en-US" sz="2400" dirty="0">
+                <a:solidFill>
+                  <a:schemeClr val="tx1"/>
+                </a:solidFill>
+                <a:latin typeface="Segoe UI" panose="020B0502040204020203" pitchFamily="34" charset="0"/>
+              </a:rPr>
+              <a:t>FROM </a:t>
+            </a:r>
+            <a:r>
+              <a:rPr lang="en-US" sz="2400" dirty="0" err="1">
+                <a:solidFill>
+                  <a:schemeClr val="tx1"/>
+                </a:solidFill>
+                <a:latin typeface="Segoe UI" panose="020B0502040204020203" pitchFamily="34" charset="0"/>
+              </a:rPr>
+              <a:t>order_details</a:t>
+            </a:r>
+            <a:endParaRPr lang="en-US" sz="2400" dirty="0">
+              <a:solidFill>
+                <a:schemeClr val="tx1"/>
+              </a:solidFill>
+              <a:latin typeface="Segoe UI" panose="020B0502040204020203" pitchFamily="34" charset="0"/>
+            </a:endParaRPr>
+          </a:p>
+          <a:p>
+            <a:r>
+              <a:rPr lang="en-US" sz="2400" dirty="0">
+                <a:solidFill>
+                  <a:srgbClr val="00B050"/>
+                </a:solidFill>
+                <a:latin typeface="Segoe UI" panose="020B0502040204020203" pitchFamily="34" charset="0"/>
+              </a:rPr>
+              <a:t>GROUP BY </a:t>
+            </a:r>
+            <a:r>
+              <a:rPr lang="en-US" sz="2400" dirty="0" err="1">
+                <a:solidFill>
+                  <a:srgbClr val="00B050"/>
+                </a:solidFill>
+                <a:latin typeface="Segoe UI" panose="020B0502040204020203" pitchFamily="34" charset="0"/>
+              </a:rPr>
+              <a:t>OrderID</a:t>
+            </a:r>
+            <a:r>
+              <a:rPr lang="en-US" sz="2400" dirty="0">
+                <a:solidFill>
+                  <a:srgbClr val="00B050"/>
+                </a:solidFill>
+                <a:latin typeface="Segoe UI" panose="020B0502040204020203" pitchFamily="34" charset="0"/>
+              </a:rPr>
+              <a:t>;</a:t>
+            </a:r>
+          </a:p>
+        </p:txBody>
+      </p:sp>
     </p:spTree>
     <p:extLst>
       <p:ext uri="{BB962C8B-B14F-4D97-AF65-F5344CB8AC3E}">
-        <p14:creationId xmlns:p14="http://schemas.microsoft.com/office/powerpoint/2010/main" val="3060989707"/>
+        <p14:creationId xmlns:p14="http://schemas.microsoft.com/office/powerpoint/2010/main" val="3588985219"/>
       </p:ext>
     </p:extLst>
   </p:cSld>
@@ -49049,7 +49530,7 @@
           <a:p>
             <a:r>
               <a:rPr lang="en-US" dirty="0"/>
-              <a:t>GROUP BY Example</a:t>
+              <a:t>GROUP BY with HAVING</a:t>
             </a:r>
           </a:p>
         </p:txBody>
@@ -49077,7 +49558,7 @@
           <a:p>
             <a:fld id="{0C62BD34-D5E2-4C87-AA2A-F8D5808875C3}" type="datetime1">
               <a:rPr lang="en-US" smtClean="0"/>
-              <a:t>9/2/2022</a:t>
+              <a:t>9/3/2022</a:t>
             </a:fld>
             <a:endParaRPr lang="en-US"/>
           </a:p>
@@ -49165,12 +49646,7 @@
             <p:ph type="body" idx="1"/>
           </p:nvPr>
         </p:nvSpPr>
-        <p:spPr>
-          <a:xfrm>
-            <a:off x="457200" y="1600200"/>
-            <a:ext cx="3013364" cy="2275609"/>
-          </a:xfrm>
-        </p:spPr>
+        <p:spPr/>
         <p:txBody>
           <a:bodyPr/>
           <a:lstStyle/>
@@ -49179,691 +49655,23 @@
               <a:buNone/>
             </a:pPr>
             <a:r>
-              <a:rPr lang="en-US" sz="2400" b="0" i="0" dirty="0">
-                <a:solidFill>
-                  <a:schemeClr val="tx1"/>
-                </a:solidFill>
-                <a:effectLst/>
-                <a:latin typeface="Segoe UI" panose="020B0502040204020203" pitchFamily="34" charset="0"/>
-              </a:rPr>
-              <a:t>SELECT</a:t>
-            </a:r>
-            <a:r>
-              <a:rPr lang="en-US" sz="2400" b="0" i="0" dirty="0">
-                <a:solidFill>
-                  <a:srgbClr val="FF0000"/>
-                </a:solidFill>
-                <a:effectLst/>
-                <a:latin typeface="Segoe UI" panose="020B0502040204020203" pitchFamily="34" charset="0"/>
-              </a:rPr>
-              <a:t> </a:t>
+              <a:rPr lang="en-US" sz="2400" dirty="0"/>
+              <a:t>The HAVING clause was added to SQL because the WHERE keyword cannot be used with aggregate functions.</a:t>
             </a:r>
           </a:p>
           <a:p>
             <a:pPr marL="114300" indent="0">
               <a:buNone/>
             </a:pPr>
-            <a:r>
-              <a:rPr lang="en-US" sz="2400" b="0" i="0" dirty="0">
-                <a:solidFill>
-                  <a:srgbClr val="FF0000"/>
-                </a:solidFill>
-                <a:effectLst/>
-                <a:latin typeface="Segoe UI" panose="020B0502040204020203" pitchFamily="34" charset="0"/>
-              </a:rPr>
-              <a:t>	</a:t>
-            </a:r>
-            <a:r>
-              <a:rPr lang="en-US" sz="2400" b="0" i="0" dirty="0" err="1">
-                <a:solidFill>
-                  <a:srgbClr val="FF0000"/>
-                </a:solidFill>
-                <a:effectLst/>
-                <a:latin typeface="Segoe UI" panose="020B0502040204020203" pitchFamily="34" charset="0"/>
-              </a:rPr>
-              <a:t>OrderID</a:t>
-            </a:r>
-            <a:r>
-              <a:rPr lang="en-US" sz="2400" b="0" i="0" dirty="0">
-                <a:solidFill>
-                  <a:srgbClr val="FF0000"/>
-                </a:solidFill>
-                <a:effectLst/>
-                <a:latin typeface="Segoe UI" panose="020B0502040204020203" pitchFamily="34" charset="0"/>
-              </a:rPr>
-              <a:t>,</a:t>
-            </a:r>
+            <a:endParaRPr lang="en-US" sz="2400" dirty="0"/>
           </a:p>
           <a:p>
             <a:pPr marL="114300" indent="0">
               <a:buNone/>
             </a:pPr>
             <a:r>
-              <a:rPr lang="en-US" sz="2400" b="0" i="0" dirty="0">
-                <a:solidFill>
-                  <a:srgbClr val="FF0000"/>
-                </a:solidFill>
-                <a:effectLst/>
-                <a:latin typeface="Segoe UI" panose="020B0502040204020203" pitchFamily="34" charset="0"/>
-              </a:rPr>
-              <a:t>    	min(Quantity)</a:t>
-            </a:r>
-          </a:p>
-          <a:p>
-            <a:pPr marL="114300" indent="0">
-              <a:buNone/>
-            </a:pPr>
-            <a:r>
-              <a:rPr lang="en-US" sz="2400" b="0" i="0" dirty="0">
-                <a:solidFill>
-                  <a:schemeClr val="tx1"/>
-                </a:solidFill>
-                <a:effectLst/>
-                <a:latin typeface="Segoe UI" panose="020B0502040204020203" pitchFamily="34" charset="0"/>
-              </a:rPr>
-              <a:t>FROM </a:t>
-            </a:r>
-            <a:r>
-              <a:rPr lang="en-US" sz="2400" b="0" i="0" dirty="0" err="1">
-                <a:solidFill>
-                  <a:schemeClr val="tx1"/>
-                </a:solidFill>
-                <a:effectLst/>
-                <a:latin typeface="Segoe UI" panose="020B0502040204020203" pitchFamily="34" charset="0"/>
-              </a:rPr>
-              <a:t>order_details</a:t>
-            </a:r>
-            <a:endParaRPr lang="en-US" sz="2400" b="0" i="0" dirty="0">
-              <a:solidFill>
-                <a:schemeClr val="tx1"/>
-              </a:solidFill>
-              <a:effectLst/>
-              <a:latin typeface="Segoe UI" panose="020B0502040204020203" pitchFamily="34" charset="0"/>
-            </a:endParaRPr>
-          </a:p>
-          <a:p>
-            <a:pPr marL="114300" indent="0">
-              <a:buNone/>
-            </a:pPr>
-            <a:r>
-              <a:rPr lang="en-US" sz="2400" b="0" i="0" dirty="0">
-                <a:solidFill>
-                  <a:srgbClr val="FF0000"/>
-                </a:solidFill>
-                <a:effectLst/>
-                <a:latin typeface="Segoe UI" panose="020B0502040204020203" pitchFamily="34" charset="0"/>
-              </a:rPr>
-              <a:t>GROUP BY </a:t>
-            </a:r>
-            <a:r>
-              <a:rPr lang="en-US" sz="2400" b="0" i="0" dirty="0" err="1">
-                <a:solidFill>
-                  <a:srgbClr val="FF0000"/>
-                </a:solidFill>
-                <a:effectLst/>
-                <a:latin typeface="Segoe UI" panose="020B0502040204020203" pitchFamily="34" charset="0"/>
-              </a:rPr>
-              <a:t>OrderID</a:t>
-            </a:r>
-            <a:r>
-              <a:rPr lang="en-US" sz="2400" b="0" i="0" dirty="0">
-                <a:solidFill>
-                  <a:srgbClr val="FF0000"/>
-                </a:solidFill>
-                <a:effectLst/>
-                <a:latin typeface="Segoe UI" panose="020B0502040204020203" pitchFamily="34" charset="0"/>
-              </a:rPr>
-              <a:t>;</a:t>
-            </a:r>
-          </a:p>
-        </p:txBody>
-      </p:sp>
-      <p:sp>
-        <p:nvSpPr>
-          <p:cNvPr id="8" name="Text Placeholder 6">
-            <a:extLst>
-              <a:ext uri="{FF2B5EF4-FFF2-40B4-BE49-F238E27FC236}">
-                <a16:creationId xmlns:a16="http://schemas.microsoft.com/office/drawing/2014/main" id="{D0C82BE0-17C0-489E-A578-40E79F5A554E}"/>
-              </a:ext>
-            </a:extLst>
-          </p:cNvPr>
-          <p:cNvSpPr txBox="1">
-            <a:spLocks/>
-          </p:cNvSpPr>
-          <p:nvPr/>
-        </p:nvSpPr>
-        <p:spPr>
-          <a:xfrm>
-            <a:off x="4838700" y="1596736"/>
-            <a:ext cx="3013364" cy="2275609"/>
-          </a:xfrm>
-          <a:prstGeom prst="rect">
-            <a:avLst/>
-          </a:prstGeom>
-          <a:noFill/>
-          <a:ln>
-            <a:noFill/>
-          </a:ln>
-        </p:spPr>
-        <p:txBody>
-          <a:bodyPr spcFirstLastPara="1" wrap="square" lIns="91425" tIns="45700" rIns="91425" bIns="45700" anchor="t" anchorCtr="0">
-            <a:noAutofit/>
-          </a:bodyPr>
-          <a:lstStyle>
-            <a:defPPr marR="0" lvl="0" algn="l" rtl="0">
-              <a:lnSpc>
-                <a:spcPct val="100000"/>
-              </a:lnSpc>
-              <a:spcBef>
-                <a:spcPts val="0"/>
-              </a:spcBef>
-              <a:spcAft>
-                <a:spcPts val="0"/>
-              </a:spcAft>
-            </a:defPPr>
-            <a:lvl1pPr marL="457200" marR="0" lvl="0" indent="-342900" algn="l" rtl="0">
-              <a:lnSpc>
-                <a:spcPct val="100000"/>
-              </a:lnSpc>
-              <a:spcBef>
-                <a:spcPts val="360"/>
-              </a:spcBef>
-              <a:spcAft>
-                <a:spcPts val="0"/>
-              </a:spcAft>
-              <a:buClr>
-                <a:schemeClr val="dk1"/>
-              </a:buClr>
-              <a:buSzPts val="1800"/>
-              <a:buFont typeface="Arial"/>
-              <a:buChar char="•"/>
-              <a:defRPr sz="3200" b="0" i="0" u="none" strike="noStrike" cap="none">
-                <a:solidFill>
-                  <a:schemeClr val="dk1"/>
-                </a:solidFill>
-                <a:latin typeface="Arial"/>
-                <a:ea typeface="Arial"/>
-                <a:cs typeface="Arial"/>
-                <a:sym typeface="Arial"/>
-              </a:defRPr>
-            </a:lvl1pPr>
-            <a:lvl2pPr marL="914400" marR="0" lvl="1" indent="-342900" algn="l" rtl="0">
-              <a:lnSpc>
-                <a:spcPct val="100000"/>
-              </a:lnSpc>
-              <a:spcBef>
-                <a:spcPts val="360"/>
-              </a:spcBef>
-              <a:spcAft>
-                <a:spcPts val="0"/>
-              </a:spcAft>
-              <a:buClr>
-                <a:schemeClr val="dk1"/>
-              </a:buClr>
-              <a:buSzPts val="1800"/>
-              <a:buFont typeface="Arial"/>
-              <a:buChar char="–"/>
-              <a:defRPr sz="2800" b="0" i="0" u="none" strike="noStrike" cap="none">
-                <a:solidFill>
-                  <a:schemeClr val="dk1"/>
-                </a:solidFill>
-                <a:latin typeface="Arial"/>
-                <a:ea typeface="Arial"/>
-                <a:cs typeface="Arial"/>
-                <a:sym typeface="Arial"/>
-              </a:defRPr>
-            </a:lvl2pPr>
-            <a:lvl3pPr marL="1371600" marR="0" lvl="2" indent="-342900" algn="l" rtl="0">
-              <a:lnSpc>
-                <a:spcPct val="100000"/>
-              </a:lnSpc>
-              <a:spcBef>
-                <a:spcPts val="360"/>
-              </a:spcBef>
-              <a:spcAft>
-                <a:spcPts val="0"/>
-              </a:spcAft>
-              <a:buClr>
-                <a:schemeClr val="dk1"/>
-              </a:buClr>
-              <a:buSzPts val="1800"/>
-              <a:buFont typeface="Arial"/>
-              <a:buChar char="•"/>
-              <a:defRPr sz="2400" b="0" i="0" u="none" strike="noStrike" cap="none">
-                <a:solidFill>
-                  <a:schemeClr val="dk1"/>
-                </a:solidFill>
-                <a:latin typeface="Arial"/>
-                <a:ea typeface="Arial"/>
-                <a:cs typeface="Arial"/>
-                <a:sym typeface="Arial"/>
-              </a:defRPr>
-            </a:lvl3pPr>
-            <a:lvl4pPr marL="1828800" marR="0" lvl="3" indent="-342900" algn="l" rtl="0">
-              <a:lnSpc>
-                <a:spcPct val="100000"/>
-              </a:lnSpc>
-              <a:spcBef>
-                <a:spcPts val="360"/>
-              </a:spcBef>
-              <a:spcAft>
-                <a:spcPts val="0"/>
-              </a:spcAft>
-              <a:buClr>
-                <a:schemeClr val="dk1"/>
-              </a:buClr>
-              <a:buSzPts val="1800"/>
-              <a:buFont typeface="Arial"/>
-              <a:buChar char="–"/>
-              <a:defRPr sz="2000" b="0" i="0" u="none" strike="noStrike" cap="none">
-                <a:solidFill>
-                  <a:schemeClr val="dk1"/>
-                </a:solidFill>
-                <a:latin typeface="Arial"/>
-                <a:ea typeface="Arial"/>
-                <a:cs typeface="Arial"/>
-                <a:sym typeface="Arial"/>
-              </a:defRPr>
-            </a:lvl4pPr>
-            <a:lvl5pPr marL="2286000" marR="0" lvl="4" indent="-342900" algn="l" rtl="0">
-              <a:lnSpc>
-                <a:spcPct val="100000"/>
-              </a:lnSpc>
-              <a:spcBef>
-                <a:spcPts val="360"/>
-              </a:spcBef>
-              <a:spcAft>
-                <a:spcPts val="0"/>
-              </a:spcAft>
-              <a:buClr>
-                <a:schemeClr val="dk1"/>
-              </a:buClr>
-              <a:buSzPts val="1800"/>
-              <a:buFont typeface="Arial"/>
-              <a:buChar char="»"/>
-              <a:defRPr sz="2000" b="0" i="0" u="none" strike="noStrike" cap="none">
-                <a:solidFill>
-                  <a:schemeClr val="dk1"/>
-                </a:solidFill>
-                <a:latin typeface="Arial"/>
-                <a:ea typeface="Arial"/>
-                <a:cs typeface="Arial"/>
-                <a:sym typeface="Arial"/>
-              </a:defRPr>
-            </a:lvl5pPr>
-            <a:lvl6pPr marL="2743200" marR="0" lvl="5" indent="-342900" algn="l" rtl="0">
-              <a:lnSpc>
-                <a:spcPct val="100000"/>
-              </a:lnSpc>
-              <a:spcBef>
-                <a:spcPts val="360"/>
-              </a:spcBef>
-              <a:spcAft>
-                <a:spcPts val="0"/>
-              </a:spcAft>
-              <a:buClr>
-                <a:schemeClr val="dk1"/>
-              </a:buClr>
-              <a:buSzPts val="1800"/>
-              <a:buFont typeface="Arial"/>
-              <a:buChar char="»"/>
-              <a:defRPr sz="2000" b="0" i="0" u="none" strike="noStrike" cap="none">
-                <a:solidFill>
-                  <a:schemeClr val="dk1"/>
-                </a:solidFill>
-                <a:latin typeface="Arial"/>
-                <a:ea typeface="Arial"/>
-                <a:cs typeface="Arial"/>
-                <a:sym typeface="Arial"/>
-              </a:defRPr>
-            </a:lvl6pPr>
-            <a:lvl7pPr marL="3200400" marR="0" lvl="6" indent="-342900" algn="l" rtl="0">
-              <a:lnSpc>
-                <a:spcPct val="100000"/>
-              </a:lnSpc>
-              <a:spcBef>
-                <a:spcPts val="360"/>
-              </a:spcBef>
-              <a:spcAft>
-                <a:spcPts val="0"/>
-              </a:spcAft>
-              <a:buClr>
-                <a:schemeClr val="dk1"/>
-              </a:buClr>
-              <a:buSzPts val="1800"/>
-              <a:buFont typeface="Arial"/>
-              <a:buChar char="»"/>
-              <a:defRPr sz="2000" b="0" i="0" u="none" strike="noStrike" cap="none">
-                <a:solidFill>
-                  <a:schemeClr val="dk1"/>
-                </a:solidFill>
-                <a:latin typeface="Arial"/>
-                <a:ea typeface="Arial"/>
-                <a:cs typeface="Arial"/>
-                <a:sym typeface="Arial"/>
-              </a:defRPr>
-            </a:lvl7pPr>
-            <a:lvl8pPr marL="3657600" marR="0" lvl="7" indent="-342900" algn="l" rtl="0">
-              <a:lnSpc>
-                <a:spcPct val="100000"/>
-              </a:lnSpc>
-              <a:spcBef>
-                <a:spcPts val="360"/>
-              </a:spcBef>
-              <a:spcAft>
-                <a:spcPts val="0"/>
-              </a:spcAft>
-              <a:buClr>
-                <a:schemeClr val="dk1"/>
-              </a:buClr>
-              <a:buSzPts val="1800"/>
-              <a:buFont typeface="Arial"/>
-              <a:buChar char="»"/>
-              <a:defRPr sz="2000" b="0" i="0" u="none" strike="noStrike" cap="none">
-                <a:solidFill>
-                  <a:schemeClr val="dk1"/>
-                </a:solidFill>
-                <a:latin typeface="Arial"/>
-                <a:ea typeface="Arial"/>
-                <a:cs typeface="Arial"/>
-                <a:sym typeface="Arial"/>
-              </a:defRPr>
-            </a:lvl8pPr>
-            <a:lvl9pPr marL="4114800" marR="0" lvl="8" indent="-342900" algn="l" rtl="0">
-              <a:lnSpc>
-                <a:spcPct val="100000"/>
-              </a:lnSpc>
-              <a:spcBef>
-                <a:spcPts val="360"/>
-              </a:spcBef>
-              <a:spcAft>
-                <a:spcPts val="0"/>
-              </a:spcAft>
-              <a:buClr>
-                <a:schemeClr val="dk1"/>
-              </a:buClr>
-              <a:buSzPts val="1800"/>
-              <a:buFont typeface="Arial"/>
-              <a:buChar char="»"/>
-              <a:defRPr sz="2000" b="0" i="0" u="none" strike="noStrike" cap="none">
-                <a:solidFill>
-                  <a:schemeClr val="dk1"/>
-                </a:solidFill>
-                <a:latin typeface="Arial"/>
-                <a:ea typeface="Arial"/>
-                <a:cs typeface="Arial"/>
-                <a:sym typeface="Arial"/>
-              </a:defRPr>
-            </a:lvl9pPr>
-          </a:lstStyle>
-          <a:p>
-            <a:pPr marL="114300" indent="0">
-              <a:buFont typeface="Arial"/>
-              <a:buNone/>
-            </a:pPr>
-            <a:r>
-              <a:rPr lang="en-US" sz="2400" dirty="0">
-                <a:solidFill>
-                  <a:schemeClr val="tx1"/>
-                </a:solidFill>
-                <a:latin typeface="Segoe UI" panose="020B0502040204020203" pitchFamily="34" charset="0"/>
-              </a:rPr>
-              <a:t>SELECT</a:t>
-            </a:r>
-            <a:r>
-              <a:rPr lang="en-US" sz="2400" dirty="0">
-                <a:solidFill>
-                  <a:srgbClr val="FF0000"/>
-                </a:solidFill>
-                <a:latin typeface="Segoe UI" panose="020B0502040204020203" pitchFamily="34" charset="0"/>
-              </a:rPr>
-              <a:t> </a:t>
-            </a:r>
-          </a:p>
-          <a:p>
-            <a:pPr marL="114300" indent="0">
-              <a:buFont typeface="Arial"/>
-              <a:buNone/>
-            </a:pPr>
-            <a:r>
-              <a:rPr lang="en-US" sz="2400" dirty="0">
-                <a:solidFill>
-                  <a:srgbClr val="FF0000"/>
-                </a:solidFill>
-                <a:latin typeface="Segoe UI" panose="020B0502040204020203" pitchFamily="34" charset="0"/>
-              </a:rPr>
-              <a:t>	</a:t>
-            </a:r>
-            <a:r>
-              <a:rPr lang="en-US" sz="2400" dirty="0" err="1">
-                <a:solidFill>
-                  <a:srgbClr val="00B0F0"/>
-                </a:solidFill>
-                <a:latin typeface="Segoe UI" panose="020B0502040204020203" pitchFamily="34" charset="0"/>
-              </a:rPr>
-              <a:t>OrderID</a:t>
-            </a:r>
-            <a:r>
-              <a:rPr lang="en-US" sz="2400" dirty="0">
-                <a:solidFill>
-                  <a:srgbClr val="00B0F0"/>
-                </a:solidFill>
-                <a:latin typeface="Segoe UI" panose="020B0502040204020203" pitchFamily="34" charset="0"/>
-              </a:rPr>
-              <a:t>,</a:t>
-            </a:r>
-          </a:p>
-          <a:p>
-            <a:pPr marL="114300" indent="0">
-              <a:buFont typeface="Arial"/>
-              <a:buNone/>
-            </a:pPr>
-            <a:r>
-              <a:rPr lang="en-US" sz="2400" dirty="0">
-                <a:solidFill>
-                  <a:srgbClr val="00B0F0"/>
-                </a:solidFill>
-                <a:latin typeface="Segoe UI" panose="020B0502040204020203" pitchFamily="34" charset="0"/>
-              </a:rPr>
-              <a:t>    	max(Quantity)</a:t>
-            </a:r>
-          </a:p>
-          <a:p>
-            <a:pPr marL="114300" indent="0">
-              <a:buFont typeface="Arial"/>
-              <a:buNone/>
-            </a:pPr>
-            <a:r>
-              <a:rPr lang="en-US" sz="2400" dirty="0">
-                <a:solidFill>
-                  <a:schemeClr val="tx1"/>
-                </a:solidFill>
-                <a:latin typeface="Segoe UI" panose="020B0502040204020203" pitchFamily="34" charset="0"/>
-              </a:rPr>
-              <a:t>FROM </a:t>
-            </a:r>
-            <a:r>
-              <a:rPr lang="en-US" sz="2400" dirty="0" err="1">
-                <a:solidFill>
-                  <a:schemeClr val="tx1"/>
-                </a:solidFill>
-                <a:latin typeface="Segoe UI" panose="020B0502040204020203" pitchFamily="34" charset="0"/>
-              </a:rPr>
-              <a:t>order_details</a:t>
-            </a:r>
-            <a:endParaRPr lang="en-US" sz="2400" dirty="0">
-              <a:solidFill>
-                <a:schemeClr val="tx1"/>
-              </a:solidFill>
-              <a:latin typeface="Segoe UI" panose="020B0502040204020203" pitchFamily="34" charset="0"/>
-            </a:endParaRPr>
-          </a:p>
-          <a:p>
-            <a:pPr marL="114300" indent="0">
-              <a:buFont typeface="Arial"/>
-              <a:buNone/>
-            </a:pPr>
-            <a:r>
-              <a:rPr lang="en-US" sz="2400" dirty="0">
-                <a:solidFill>
-                  <a:srgbClr val="00B0F0"/>
-                </a:solidFill>
-                <a:latin typeface="Segoe UI" panose="020B0502040204020203" pitchFamily="34" charset="0"/>
-              </a:rPr>
-              <a:t>GROUP BY </a:t>
-            </a:r>
-            <a:r>
-              <a:rPr lang="en-US" sz="2400" dirty="0" err="1">
-                <a:solidFill>
-                  <a:srgbClr val="00B0F0"/>
-                </a:solidFill>
-                <a:latin typeface="Segoe UI" panose="020B0502040204020203" pitchFamily="34" charset="0"/>
-              </a:rPr>
-              <a:t>OrderID</a:t>
-            </a:r>
-            <a:r>
-              <a:rPr lang="en-US" sz="2400" dirty="0">
-                <a:solidFill>
-                  <a:srgbClr val="00B0F0"/>
-                </a:solidFill>
-                <a:latin typeface="Segoe UI" panose="020B0502040204020203" pitchFamily="34" charset="0"/>
-              </a:rPr>
-              <a:t>;</a:t>
-            </a:r>
-          </a:p>
-        </p:txBody>
-      </p:sp>
-      <p:sp>
-        <p:nvSpPr>
-          <p:cNvPr id="9" name="TextBox 8">
-            <a:extLst>
-              <a:ext uri="{FF2B5EF4-FFF2-40B4-BE49-F238E27FC236}">
-                <a16:creationId xmlns:a16="http://schemas.microsoft.com/office/drawing/2014/main" id="{DF914585-9F82-4827-8A46-313FD2E4357D}"/>
-              </a:ext>
-            </a:extLst>
-          </p:cNvPr>
-          <p:cNvSpPr txBox="1"/>
-          <p:nvPr/>
-        </p:nvSpPr>
-        <p:spPr>
-          <a:xfrm>
-            <a:off x="2805546" y="4087557"/>
-            <a:ext cx="4572000" cy="1938992"/>
-          </a:xfrm>
-          <a:prstGeom prst="rect">
-            <a:avLst/>
-          </a:prstGeom>
-          <a:noFill/>
-        </p:spPr>
-        <p:txBody>
-          <a:bodyPr wrap="square">
-            <a:spAutoFit/>
-          </a:bodyPr>
-          <a:lstStyle/>
-          <a:p>
-            <a:r>
-              <a:rPr lang="en-US" sz="2400" dirty="0">
-                <a:solidFill>
-                  <a:schemeClr val="tx1"/>
-                </a:solidFill>
-                <a:latin typeface="Segoe UI" panose="020B0502040204020203" pitchFamily="34" charset="0"/>
-              </a:rPr>
-              <a:t>SELECT </a:t>
-            </a:r>
-          </a:p>
-          <a:p>
-            <a:r>
-              <a:rPr lang="en-US" sz="2400" dirty="0">
-                <a:solidFill>
-                  <a:schemeClr val="tx1"/>
-                </a:solidFill>
-                <a:latin typeface="Segoe UI" panose="020B0502040204020203" pitchFamily="34" charset="0"/>
-              </a:rPr>
-              <a:t>	</a:t>
-            </a:r>
-            <a:r>
-              <a:rPr lang="en-US" sz="2400" dirty="0" err="1">
-                <a:solidFill>
-                  <a:srgbClr val="00B050"/>
-                </a:solidFill>
-                <a:latin typeface="Segoe UI" panose="020B0502040204020203" pitchFamily="34" charset="0"/>
-              </a:rPr>
-              <a:t>OrderID</a:t>
-            </a:r>
-            <a:r>
-              <a:rPr lang="en-US" sz="2400" dirty="0">
-                <a:solidFill>
-                  <a:srgbClr val="00B050"/>
-                </a:solidFill>
-                <a:latin typeface="Segoe UI" panose="020B0502040204020203" pitchFamily="34" charset="0"/>
-              </a:rPr>
-              <a:t>,</a:t>
-            </a:r>
-          </a:p>
-          <a:p>
-            <a:r>
-              <a:rPr lang="en-US" sz="2400" dirty="0">
-                <a:solidFill>
-                  <a:srgbClr val="00B050"/>
-                </a:solidFill>
-                <a:latin typeface="Segoe UI" panose="020B0502040204020203" pitchFamily="34" charset="0"/>
-              </a:rPr>
-              <a:t>    	avg(Quantity)</a:t>
-            </a:r>
-          </a:p>
-          <a:p>
-            <a:r>
-              <a:rPr lang="en-US" sz="2400" dirty="0">
-                <a:solidFill>
-                  <a:schemeClr val="tx1"/>
-                </a:solidFill>
-                <a:latin typeface="Segoe UI" panose="020B0502040204020203" pitchFamily="34" charset="0"/>
-              </a:rPr>
-              <a:t>FROM </a:t>
-            </a:r>
-            <a:r>
-              <a:rPr lang="en-US" sz="2400" dirty="0" err="1">
-                <a:solidFill>
-                  <a:schemeClr val="tx1"/>
-                </a:solidFill>
-                <a:latin typeface="Segoe UI" panose="020B0502040204020203" pitchFamily="34" charset="0"/>
-              </a:rPr>
-              <a:t>order_details</a:t>
-            </a:r>
-            <a:endParaRPr lang="en-US" sz="2400" dirty="0">
-              <a:solidFill>
-                <a:schemeClr val="tx1"/>
-              </a:solidFill>
-              <a:latin typeface="Segoe UI" panose="020B0502040204020203" pitchFamily="34" charset="0"/>
-            </a:endParaRPr>
-          </a:p>
-          <a:p>
-            <a:r>
-              <a:rPr lang="en-US" sz="2400" dirty="0">
-                <a:solidFill>
-                  <a:srgbClr val="00B050"/>
-                </a:solidFill>
-                <a:latin typeface="Segoe UI" panose="020B0502040204020203" pitchFamily="34" charset="0"/>
-              </a:rPr>
-              <a:t>GROUP BY </a:t>
-            </a:r>
-            <a:r>
-              <a:rPr lang="en-US" sz="2400" dirty="0" err="1">
-                <a:solidFill>
-                  <a:srgbClr val="00B050"/>
-                </a:solidFill>
-                <a:latin typeface="Segoe UI" panose="020B0502040204020203" pitchFamily="34" charset="0"/>
-              </a:rPr>
-              <a:t>OrderID</a:t>
-            </a:r>
-            <a:r>
-              <a:rPr lang="en-US" sz="2400" dirty="0">
-                <a:solidFill>
-                  <a:srgbClr val="00B050"/>
-                </a:solidFill>
-                <a:latin typeface="Segoe UI" panose="020B0502040204020203" pitchFamily="34" charset="0"/>
-              </a:rPr>
-              <a:t>;</a:t>
+              <a:rPr lang="en-US" sz="2400" dirty="0"/>
+              <a:t>HAVING clause is equivalent to WHERE clause but HAVING used with only GROUP BY clause.</a:t>
             </a:r>
           </a:p>
         </p:txBody>
@@ -49871,7 +49679,7 @@
     </p:spTree>
     <p:extLst>
       <p:ext uri="{BB962C8B-B14F-4D97-AF65-F5344CB8AC3E}">
-        <p14:creationId xmlns:p14="http://schemas.microsoft.com/office/powerpoint/2010/main" val="3588985219"/>
+        <p14:creationId xmlns:p14="http://schemas.microsoft.com/office/powerpoint/2010/main" val="4013865652"/>
       </p:ext>
     </p:extLst>
   </p:cSld>
@@ -49954,7 +49762,7 @@
           <a:p>
             <a:fld id="{0C62BD34-D5E2-4C87-AA2A-F8D5808875C3}" type="datetime1">
               <a:rPr lang="en-US" smtClean="0"/>
-              <a:t>9/2/2022</a:t>
+              <a:t>9/3/2022</a:t>
             </a:fld>
             <a:endParaRPr lang="en-US"/>
           </a:p>
@@ -50051,31 +49859,248 @@
               <a:buNone/>
             </a:pPr>
             <a:r>
+              <a:rPr lang="en-US" sz="2400" b="0" i="0" dirty="0">
+                <a:solidFill>
+                  <a:srgbClr val="000000"/>
+                </a:solidFill>
+                <a:effectLst/>
+                <a:latin typeface="Segoe UI" panose="020B0502040204020203" pitchFamily="34" charset="0"/>
+              </a:rPr>
+              <a:t>Syntax: </a:t>
+            </a:r>
+          </a:p>
+          <a:p>
+            <a:pPr marL="114300" indent="0">
+              <a:buNone/>
+            </a:pPr>
+            <a:endParaRPr lang="en-US" sz="2400" dirty="0">
+              <a:solidFill>
+                <a:srgbClr val="000000"/>
+              </a:solidFill>
+              <a:latin typeface="Segoe UI" panose="020B0502040204020203" pitchFamily="34" charset="0"/>
+            </a:endParaRPr>
+          </a:p>
+          <a:p>
+            <a:pPr marL="114300" indent="0">
+              <a:buNone/>
+            </a:pPr>
+            <a:r>
+              <a:rPr lang="en-US" sz="2400" b="0" i="0" dirty="0">
+                <a:solidFill>
+                  <a:srgbClr val="0000CD"/>
+                </a:solidFill>
+                <a:effectLst/>
+                <a:latin typeface="Consolas" panose="020B0609020204030204" pitchFamily="49" charset="0"/>
+              </a:rPr>
+              <a:t>SELECT</a:t>
+            </a:r>
+            <a:r>
+              <a:rPr lang="en-US" sz="2400" b="0" i="0" dirty="0">
+                <a:solidFill>
+                  <a:srgbClr val="000000"/>
+                </a:solidFill>
+                <a:effectLst/>
+                <a:latin typeface="Consolas" panose="020B0609020204030204" pitchFamily="49" charset="0"/>
+              </a:rPr>
+              <a:t> </a:t>
+            </a:r>
+            <a:r>
+              <a:rPr lang="en-US" sz="2400" b="0" i="1" dirty="0">
+                <a:solidFill>
+                  <a:srgbClr val="000000"/>
+                </a:solidFill>
+                <a:effectLst/>
+                <a:latin typeface="Consolas" panose="020B0609020204030204" pitchFamily="49" charset="0"/>
+              </a:rPr>
+              <a:t>col-1, col-2, col-3</a:t>
+            </a:r>
+            <a:br>
               <a:rPr lang="en-US" sz="2400" dirty="0"/>
-              <a:t>The HAVING clause was added to SQL because the WHERE keyword cannot be used with aggregate functions.</a:t>
-            </a:r>
+            </a:br>
+            <a:r>
+              <a:rPr lang="en-US" sz="2400" b="0" i="0" dirty="0">
+                <a:solidFill>
+                  <a:srgbClr val="0000CD"/>
+                </a:solidFill>
+                <a:effectLst/>
+                <a:latin typeface="Consolas" panose="020B0609020204030204" pitchFamily="49" charset="0"/>
+              </a:rPr>
+              <a:t>FROM</a:t>
+            </a:r>
+            <a:r>
+              <a:rPr lang="en-US" sz="2400" b="0" i="0" dirty="0">
+                <a:solidFill>
+                  <a:srgbClr val="000000"/>
+                </a:solidFill>
+                <a:effectLst/>
+                <a:latin typeface="Consolas" panose="020B0609020204030204" pitchFamily="49" charset="0"/>
+              </a:rPr>
+              <a:t> </a:t>
+            </a:r>
+            <a:r>
+              <a:rPr lang="en-US" sz="2400" b="0" i="1" dirty="0" err="1">
+                <a:solidFill>
+                  <a:srgbClr val="000000"/>
+                </a:solidFill>
+                <a:effectLst/>
+                <a:latin typeface="Consolas" panose="020B0609020204030204" pitchFamily="49" charset="0"/>
+              </a:rPr>
+              <a:t>table_name</a:t>
+            </a:r>
+            <a:br>
+              <a:rPr lang="en-US" sz="2400" dirty="0"/>
+            </a:br>
+            <a:r>
+              <a:rPr lang="en-US" sz="2400" b="0" i="0" dirty="0">
+                <a:solidFill>
+                  <a:srgbClr val="0000CD"/>
+                </a:solidFill>
+                <a:effectLst/>
+                <a:latin typeface="Consolas" panose="020B0609020204030204" pitchFamily="49" charset="0"/>
+              </a:rPr>
+              <a:t>WHERE</a:t>
+            </a:r>
+            <a:r>
+              <a:rPr lang="en-US" sz="2400" b="0" i="0" dirty="0">
+                <a:solidFill>
+                  <a:srgbClr val="000000"/>
+                </a:solidFill>
+                <a:effectLst/>
+                <a:latin typeface="Consolas" panose="020B0609020204030204" pitchFamily="49" charset="0"/>
+              </a:rPr>
+              <a:t> </a:t>
+            </a:r>
+            <a:r>
+              <a:rPr lang="en-US" sz="2400" b="0" i="1" dirty="0">
+                <a:solidFill>
+                  <a:srgbClr val="000000"/>
+                </a:solidFill>
+                <a:effectLst/>
+                <a:latin typeface="Consolas" panose="020B0609020204030204" pitchFamily="49" charset="0"/>
+              </a:rPr>
+              <a:t>condition</a:t>
+            </a:r>
+            <a:br>
+              <a:rPr lang="en-US" sz="2400" dirty="0"/>
+            </a:br>
+            <a:r>
+              <a:rPr lang="en-US" sz="2400" b="0" i="0" dirty="0">
+                <a:solidFill>
+                  <a:srgbClr val="FF0000"/>
+                </a:solidFill>
+                <a:effectLst/>
+                <a:latin typeface="Consolas" panose="020B0609020204030204" pitchFamily="49" charset="0"/>
+              </a:rPr>
+              <a:t>GROUP BY </a:t>
+            </a:r>
+            <a:r>
+              <a:rPr lang="en-US" sz="2400" b="0" i="1" dirty="0">
+                <a:solidFill>
+                  <a:srgbClr val="FF0000"/>
+                </a:solidFill>
+                <a:effectLst/>
+                <a:latin typeface="Consolas" panose="020B0609020204030204" pitchFamily="49" charset="0"/>
+              </a:rPr>
+              <a:t> col-1, col-2, col-3</a:t>
+            </a:r>
+          </a:p>
+          <a:p>
+            <a:pPr marL="114300" indent="0">
+              <a:buNone/>
+            </a:pPr>
+            <a:r>
+              <a:rPr lang="en-US" sz="2400" dirty="0">
+                <a:solidFill>
+                  <a:srgbClr val="00B050"/>
+                </a:solidFill>
+                <a:latin typeface="Consolas" panose="020B0609020204030204" pitchFamily="49" charset="0"/>
+              </a:rPr>
+              <a:t>HAVING condition</a:t>
+            </a:r>
+            <a:br>
+              <a:rPr lang="en-US" sz="2400" b="0" i="1" dirty="0">
+                <a:solidFill>
+                  <a:srgbClr val="000000"/>
+                </a:solidFill>
+                <a:effectLst/>
+                <a:latin typeface="Consolas" panose="020B0609020204030204" pitchFamily="49" charset="0"/>
+              </a:rPr>
+            </a:br>
+            <a:r>
+              <a:rPr lang="en-US" sz="2400" b="0" i="0" dirty="0">
+                <a:solidFill>
+                  <a:srgbClr val="FF0000"/>
+                </a:solidFill>
+                <a:effectLst/>
+                <a:latin typeface="Consolas" panose="020B0609020204030204" pitchFamily="49" charset="0"/>
+              </a:rPr>
+              <a:t>ORDER BY </a:t>
+            </a:r>
+            <a:r>
+              <a:rPr lang="en-US" sz="2400" b="0" i="1" dirty="0">
+                <a:solidFill>
+                  <a:srgbClr val="FF0000"/>
+                </a:solidFill>
+                <a:effectLst/>
+                <a:latin typeface="Consolas" panose="020B0609020204030204" pitchFamily="49" charset="0"/>
+              </a:rPr>
+              <a:t> col-1, col-2, col-3;</a:t>
+            </a:r>
+          </a:p>
+          <a:p>
+            <a:pPr marL="114300" indent="0">
+              <a:buNone/>
+            </a:pPr>
+            <a:endParaRPr lang="en-US" sz="2400" i="1" dirty="0">
+              <a:solidFill>
+                <a:srgbClr val="FF0000"/>
+              </a:solidFill>
+              <a:latin typeface="Consolas" panose="020B0609020204030204" pitchFamily="49" charset="0"/>
+            </a:endParaRPr>
+          </a:p>
+          <a:p>
+            <a:pPr marL="114300" indent="0">
+              <a:buNone/>
+            </a:pPr>
+            <a:r>
+              <a:rPr lang="en-US" sz="2400" b="0" i="1" dirty="0">
+                <a:solidFill>
+                  <a:srgbClr val="FF0000"/>
+                </a:solidFill>
+                <a:effectLst/>
+                <a:latin typeface="Consolas" panose="020B0609020204030204" pitchFamily="49" charset="0"/>
+              </a:rPr>
+              <a:t>** ORDER BY fo</a:t>
+            </a:r>
+            <a:r>
+              <a:rPr lang="en-US" sz="2400" i="1" dirty="0">
+                <a:solidFill>
+                  <a:srgbClr val="FF0000"/>
+                </a:solidFill>
+                <a:latin typeface="Consolas" panose="020B0609020204030204" pitchFamily="49" charset="0"/>
+              </a:rPr>
+              <a:t>r sorting the column values</a:t>
+            </a:r>
+            <a:endParaRPr lang="en-US" sz="2400" b="0" i="0" dirty="0">
+              <a:solidFill>
+                <a:srgbClr val="FF0000"/>
+              </a:solidFill>
+              <a:effectLst/>
+              <a:latin typeface="Segoe UI" panose="020B0502040204020203" pitchFamily="34" charset="0"/>
+            </a:endParaRPr>
           </a:p>
           <a:p>
             <a:pPr marL="114300" indent="0">
               <a:buNone/>
             </a:pPr>
             <a:endParaRPr lang="en-US" sz="2400" dirty="0"/>
-          </a:p>
-          <a:p>
-            <a:pPr marL="114300" indent="0">
-              <a:buNone/>
-            </a:pPr>
-            <a:r>
-              <a:rPr lang="en-US" sz="2400" dirty="0"/>
-              <a:t>HAVING clause is equivalent to WHERE clause but HAVING used with only GROUP BY clause.</a:t>
-            </a:r>
           </a:p>
         </p:txBody>
       </p:sp>
     </p:spTree>
     <p:extLst>
       <p:ext uri="{BB962C8B-B14F-4D97-AF65-F5344CB8AC3E}">
-        <p14:creationId xmlns:p14="http://schemas.microsoft.com/office/powerpoint/2010/main" val="4013865652"/>
+        <p14:creationId xmlns:p14="http://schemas.microsoft.com/office/powerpoint/2010/main" val="3228632691"/>
       </p:ext>
     </p:extLst>
   </p:cSld>
@@ -50158,7 +50183,7 @@
           <a:p>
             <a:fld id="{0C62BD34-D5E2-4C87-AA2A-F8D5808875C3}" type="datetime1">
               <a:rPr lang="en-US" smtClean="0"/>
-              <a:t>9/2/2022</a:t>
+              <a:t>9/3/2022</a:t>
             </a:fld>
             <a:endParaRPr lang="en-US"/>
           </a:p>
@@ -50262,7 +50287,7 @@
                 <a:effectLst/>
                 <a:latin typeface="Segoe UI" panose="020B0502040204020203" pitchFamily="34" charset="0"/>
               </a:rPr>
-              <a:t>Syntax: </a:t>
+              <a:t>Example: Find out Order ID which has Order qty greater than 180</a:t>
             </a:r>
           </a:p>
           <a:p>
@@ -50283,203 +50308,91 @@
             <a:r>
               <a:rPr lang="en-US" sz="2400" b="0" i="0" dirty="0">
                 <a:solidFill>
-                  <a:srgbClr val="0000CD"/>
+                  <a:srgbClr val="000000"/>
                 </a:solidFill>
                 <a:effectLst/>
-                <a:latin typeface="Consolas" panose="020B0609020204030204" pitchFamily="49" charset="0"/>
-              </a:rPr>
-              <a:t>SELECT</a:t>
-            </a:r>
+                <a:latin typeface="Segoe UI" panose="020B0502040204020203" pitchFamily="34" charset="0"/>
+              </a:rPr>
+              <a:t>SELECT </a:t>
+            </a:r>
+          </a:p>
+          <a:p>
+            <a:pPr marL="114300" indent="0">
+              <a:buNone/>
+            </a:pPr>
             <a:r>
               <a:rPr lang="en-US" sz="2400" b="0" i="0" dirty="0">
                 <a:solidFill>
                   <a:srgbClr val="000000"/>
                 </a:solidFill>
                 <a:effectLst/>
-                <a:latin typeface="Consolas" panose="020B0609020204030204" pitchFamily="49" charset="0"/>
-              </a:rPr>
-              <a:t> </a:t>
-            </a:r>
-            <a:r>
-              <a:rPr lang="en-US" sz="2400" b="0" i="1" dirty="0">
+                <a:latin typeface="Segoe UI" panose="020B0502040204020203" pitchFamily="34" charset="0"/>
+              </a:rPr>
+              <a:t>	</a:t>
+            </a:r>
+            <a:r>
+              <a:rPr lang="en-US" sz="2400" b="0" i="0" dirty="0" err="1">
+                <a:solidFill>
+                  <a:srgbClr val="FF0000"/>
+                </a:solidFill>
+                <a:effectLst/>
+                <a:latin typeface="Segoe UI" panose="020B0502040204020203" pitchFamily="34" charset="0"/>
+              </a:rPr>
+              <a:t>OrderID</a:t>
+            </a:r>
+            <a:r>
+              <a:rPr lang="en-US" sz="2400" b="0" i="0" dirty="0">
+                <a:solidFill>
+                  <a:srgbClr val="FF0000"/>
+                </a:solidFill>
+                <a:effectLst/>
+                <a:latin typeface="Segoe UI" panose="020B0502040204020203" pitchFamily="34" charset="0"/>
+              </a:rPr>
+              <a:t>,</a:t>
+            </a:r>
+          </a:p>
+          <a:p>
+            <a:pPr marL="114300" indent="0">
+              <a:buNone/>
+            </a:pPr>
+            <a:r>
+              <a:rPr lang="en-US" sz="2400" b="0" i="0" dirty="0">
+                <a:solidFill>
+                  <a:srgbClr val="FF0000"/>
+                </a:solidFill>
+                <a:effectLst/>
+                <a:latin typeface="Segoe UI" panose="020B0502040204020203" pitchFamily="34" charset="0"/>
+              </a:rPr>
+              <a:t>    	sum(Quantity)</a:t>
+            </a:r>
+          </a:p>
+          <a:p>
+            <a:pPr marL="114300" indent="0">
+              <a:buNone/>
+            </a:pPr>
+            <a:r>
+              <a:rPr lang="en-US" sz="2400" b="0" i="0" dirty="0">
                 <a:solidFill>
                   <a:srgbClr val="000000"/>
                 </a:solidFill>
                 <a:effectLst/>
-                <a:latin typeface="Consolas" panose="020B0609020204030204" pitchFamily="49" charset="0"/>
-              </a:rPr>
-              <a:t>col-1, col-2, col-3</a:t>
-            </a:r>
-            <a:br>
-              <a:rPr lang="en-US" sz="2400" dirty="0"/>
-            </a:br>
-            <a:r>
-              <a:rPr lang="en-US" sz="2400" b="0" i="0" dirty="0">
-                <a:solidFill>
-                  <a:srgbClr val="0000CD"/>
+                <a:latin typeface="Segoe UI" panose="020B0502040204020203" pitchFamily="34" charset="0"/>
+              </a:rPr>
+              <a:t>FROM </a:t>
+            </a:r>
+            <a:r>
+              <a:rPr lang="en-US" sz="2400" b="0" i="0" dirty="0" err="1">
+                <a:solidFill>
+                  <a:srgbClr val="000000"/>
                 </a:solidFill>
                 <a:effectLst/>
-                <a:latin typeface="Consolas" panose="020B0609020204030204" pitchFamily="49" charset="0"/>
-              </a:rPr>
-              <a:t>FROM</a:t>
-            </a:r>
-            <a:r>
-              <a:rPr lang="en-US" sz="2400" b="0" i="0" dirty="0">
-                <a:solidFill>
-                  <a:srgbClr val="000000"/>
-                </a:solidFill>
-                <a:effectLst/>
-                <a:latin typeface="Consolas" panose="020B0609020204030204" pitchFamily="49" charset="0"/>
-              </a:rPr>
-              <a:t> </a:t>
-            </a:r>
-            <a:r>
-              <a:rPr lang="en-US" sz="2400" b="0" i="1" dirty="0" err="1">
-                <a:solidFill>
-                  <a:srgbClr val="000000"/>
-                </a:solidFill>
-                <a:effectLst/>
-                <a:latin typeface="Consolas" panose="020B0609020204030204" pitchFamily="49" charset="0"/>
-              </a:rPr>
-              <a:t>table_name</a:t>
-            </a:r>
-            <a:br>
-              <a:rPr lang="en-US" sz="2400" dirty="0"/>
-            </a:br>
-            <a:r>
-              <a:rPr lang="en-US" sz="2400" b="0" i="0" dirty="0">
-                <a:solidFill>
-                  <a:srgbClr val="0000CD"/>
-                </a:solidFill>
-                <a:effectLst/>
-                <a:latin typeface="Consolas" panose="020B0609020204030204" pitchFamily="49" charset="0"/>
-              </a:rPr>
-              <a:t>WHERE</a:t>
-            </a:r>
-            <a:r>
-              <a:rPr lang="en-US" sz="2400" b="0" i="0" dirty="0">
-                <a:solidFill>
-                  <a:srgbClr val="000000"/>
-                </a:solidFill>
-                <a:effectLst/>
-                <a:latin typeface="Consolas" panose="020B0609020204030204" pitchFamily="49" charset="0"/>
-              </a:rPr>
-              <a:t> </a:t>
-            </a:r>
-            <a:r>
-              <a:rPr lang="en-US" sz="2400" b="0" i="1" dirty="0">
-                <a:solidFill>
-                  <a:srgbClr val="000000"/>
-                </a:solidFill>
-                <a:effectLst/>
-                <a:latin typeface="Consolas" panose="020B0609020204030204" pitchFamily="49" charset="0"/>
-              </a:rPr>
-              <a:t>condition</a:t>
-            </a:r>
-            <a:br>
-              <a:rPr lang="en-US" sz="2400" dirty="0"/>
-            </a:br>
-            <a:r>
-              <a:rPr lang="en-US" sz="2400" b="0" i="0" dirty="0">
-                <a:solidFill>
-                  <a:srgbClr val="FF0000"/>
-                </a:solidFill>
-                <a:effectLst/>
-                <a:latin typeface="Consolas" panose="020B0609020204030204" pitchFamily="49" charset="0"/>
-              </a:rPr>
-              <a:t>GROUP BY </a:t>
-            </a:r>
-            <a:r>
-              <a:rPr lang="en-US" sz="2400" b="0" i="1" dirty="0">
-                <a:solidFill>
-                  <a:srgbClr val="FF0000"/>
-                </a:solidFill>
-                <a:effectLst/>
-                <a:latin typeface="Consolas" panose="020B0609020204030204" pitchFamily="49" charset="0"/>
-              </a:rPr>
-              <a:t> col-1, col-2, col-3</a:t>
-            </a:r>
-          </a:p>
-          <a:p>
-            <a:pPr marL="114300" indent="0">
-              <a:buNone/>
-            </a:pPr>
-            <a:r>
-              <a:rPr lang="en-US" sz="2400" dirty="0">
-                <a:solidFill>
-                  <a:srgbClr val="00B050"/>
-                </a:solidFill>
-                <a:latin typeface="Consolas" panose="020B0609020204030204" pitchFamily="49" charset="0"/>
-              </a:rPr>
-              <a:t>HAVING condition</a:t>
-            </a:r>
-            <a:br>
-              <a:rPr lang="en-US" sz="2400" b="0" i="1" dirty="0">
-                <a:solidFill>
-                  <a:srgbClr val="000000"/>
-                </a:solidFill>
-                <a:effectLst/>
-                <a:latin typeface="Consolas" panose="020B0609020204030204" pitchFamily="49" charset="0"/>
-              </a:rPr>
-            </a:br>
-            <a:r>
-              <a:rPr lang="en-US" sz="2400" b="0" i="0" dirty="0">
-                <a:solidFill>
-                  <a:srgbClr val="FF0000"/>
-                </a:solidFill>
-                <a:effectLst/>
-                <a:latin typeface="Consolas" panose="020B0609020204030204" pitchFamily="49" charset="0"/>
-              </a:rPr>
-              <a:t>ORDER BY </a:t>
-            </a:r>
-            <a:r>
-              <a:rPr lang="en-US" sz="2400" b="0" i="1" dirty="0">
-                <a:solidFill>
-                  <a:srgbClr val="FF0000"/>
-                </a:solidFill>
-                <a:effectLst/>
-                <a:latin typeface="Consolas" panose="020B0609020204030204" pitchFamily="49" charset="0"/>
-              </a:rPr>
-              <a:t> col-1, col-2, col-3;</a:t>
-            </a:r>
-          </a:p>
-          <a:p>
-            <a:pPr marL="114300" indent="0">
-              <a:buNone/>
-            </a:pPr>
-            <a:endParaRPr lang="en-US" sz="2400" i="1" dirty="0">
-              <a:solidFill>
-                <a:srgbClr val="FF0000"/>
-              </a:solidFill>
-              <a:latin typeface="Consolas" panose="020B0609020204030204" pitchFamily="49" charset="0"/>
-            </a:endParaRPr>
-          </a:p>
-          <a:p>
-            <a:pPr marL="114300" indent="0">
-              <a:buNone/>
-            </a:pPr>
-            <a:r>
-              <a:rPr lang="en-US" sz="2400" b="0" i="1" dirty="0">
-                <a:solidFill>
-                  <a:srgbClr val="FF0000"/>
-                </a:solidFill>
-                <a:effectLst/>
-                <a:latin typeface="Consolas" panose="020B0609020204030204" pitchFamily="49" charset="0"/>
-              </a:rPr>
-              <a:t>** ORDER BY fo</a:t>
-            </a:r>
-            <a:r>
-              <a:rPr lang="en-US" sz="2400" i="1" dirty="0">
-                <a:solidFill>
-                  <a:srgbClr val="FF0000"/>
-                </a:solidFill>
-                <a:latin typeface="Consolas" panose="020B0609020204030204" pitchFamily="49" charset="0"/>
-              </a:rPr>
-              <a:t>r sorting the column values</a:t>
+                <a:latin typeface="Segoe UI" panose="020B0502040204020203" pitchFamily="34" charset="0"/>
+              </a:rPr>
+              <a:t>order_details</a:t>
             </a:r>
             <a:endParaRPr lang="en-US" sz="2400" b="0" i="0" dirty="0">
               <a:solidFill>
-                <a:srgbClr val="FF0000"/>
+                <a:srgbClr val="000000"/>
               </a:solidFill>
               <a:effectLst/>
               <a:latin typeface="Segoe UI" panose="020B0502040204020203" pitchFamily="34" charset="0"/>
@@ -50489,14 +50402,64 @@
             <a:pPr marL="114300" indent="0">
               <a:buNone/>
             </a:pPr>
-            <a:endParaRPr lang="en-US" sz="2400" dirty="0"/>
+            <a:r>
+              <a:rPr lang="en-US" sz="2400" b="0" i="0" dirty="0">
+                <a:solidFill>
+                  <a:srgbClr val="FF0000"/>
+                </a:solidFill>
+                <a:effectLst/>
+                <a:latin typeface="Segoe UI" panose="020B0502040204020203" pitchFamily="34" charset="0"/>
+              </a:rPr>
+              <a:t>GROUP BY </a:t>
+            </a:r>
+            <a:r>
+              <a:rPr lang="en-US" sz="2400" b="0" i="0" dirty="0" err="1">
+                <a:solidFill>
+                  <a:srgbClr val="FF0000"/>
+                </a:solidFill>
+                <a:effectLst/>
+                <a:latin typeface="Segoe UI" panose="020B0502040204020203" pitchFamily="34" charset="0"/>
+              </a:rPr>
+              <a:t>OrderID</a:t>
+            </a:r>
+            <a:endParaRPr lang="en-US" sz="2400" dirty="0">
+              <a:solidFill>
+                <a:srgbClr val="FF0000"/>
+              </a:solidFill>
+              <a:latin typeface="Segoe UI" panose="020B0502040204020203" pitchFamily="34" charset="0"/>
+            </a:endParaRPr>
+          </a:p>
+          <a:p>
+            <a:pPr marL="114300" indent="0">
+              <a:buNone/>
+            </a:pPr>
+            <a:r>
+              <a:rPr lang="en-US" sz="2400" dirty="0">
+                <a:solidFill>
+                  <a:srgbClr val="FF0000"/>
+                </a:solidFill>
+                <a:latin typeface="Segoe UI" panose="020B0502040204020203" pitchFamily="34" charset="0"/>
+              </a:rPr>
+              <a:t>HAVING sum(Quantity) &gt; 180;</a:t>
+            </a:r>
+          </a:p>
+          <a:p>
+            <a:pPr marL="114300" indent="0">
+              <a:buNone/>
+            </a:pPr>
+            <a:endParaRPr lang="en-US" sz="2400" dirty="0">
+              <a:solidFill>
+                <a:srgbClr val="000000"/>
+              </a:solidFill>
+              <a:latin typeface="Segoe UI" panose="020B0502040204020203" pitchFamily="34" charset="0"/>
+            </a:endParaRPr>
           </a:p>
         </p:txBody>
       </p:sp>
     </p:spTree>
     <p:extLst>
       <p:ext uri="{BB962C8B-B14F-4D97-AF65-F5344CB8AC3E}">
-        <p14:creationId xmlns:p14="http://schemas.microsoft.com/office/powerpoint/2010/main" val="3228632691"/>
+        <p14:creationId xmlns:p14="http://schemas.microsoft.com/office/powerpoint/2010/main" val="695430964"/>
       </p:ext>
     </p:extLst>
   </p:cSld>
@@ -50579,7 +50542,7 @@
           <a:p>
             <a:fld id="{0C62BD34-D5E2-4C87-AA2A-F8D5808875C3}" type="datetime1">
               <a:rPr lang="en-US" smtClean="0"/>
-              <a:t>9/2/2022</a:t>
+              <a:t>9/3/2022</a:t>
             </a:fld>
             <a:endParaRPr lang="en-US"/>
           </a:p>
@@ -50855,7 +50818,7 @@
     </p:spTree>
     <p:extLst>
       <p:ext uri="{BB962C8B-B14F-4D97-AF65-F5344CB8AC3E}">
-        <p14:creationId xmlns:p14="http://schemas.microsoft.com/office/powerpoint/2010/main" val="695430964"/>
+        <p14:creationId xmlns:p14="http://schemas.microsoft.com/office/powerpoint/2010/main" val="3851540737"/>
       </p:ext>
     </p:extLst>
   </p:cSld>
@@ -50938,7 +50901,7 @@
           <a:p>
             <a:fld id="{0C62BD34-D5E2-4C87-AA2A-F8D5808875C3}" type="datetime1">
               <a:rPr lang="en-US" smtClean="0"/>
-              <a:t>9/2/2022</a:t>
+              <a:t>9/3/2022</a:t>
             </a:fld>
             <a:endParaRPr lang="en-US"/>
           </a:p>
@@ -51042,7 +51005,7 @@
                 <a:effectLst/>
                 <a:latin typeface="Segoe UI" panose="020B0502040204020203" pitchFamily="34" charset="0"/>
               </a:rPr>
-              <a:t>Example: Find out Order ID which has Order qty greater than 180</a:t>
+              <a:t>Example: Find out Order ID which has Order qty less than 10</a:t>
             </a:r>
           </a:p>
           <a:p>
@@ -51195,7 +51158,7 @@
                 </a:solidFill>
                 <a:latin typeface="Segoe UI" panose="020B0502040204020203" pitchFamily="34" charset="0"/>
               </a:rPr>
-              <a:t>HAVING sum(Quantity) &gt; 180;</a:t>
+              <a:t>HAVING sum(Quantity) &lt; 10;</a:t>
             </a:r>
           </a:p>
           <a:p>
@@ -51214,7 +51177,7 @@
     </p:spTree>
     <p:extLst>
       <p:ext uri="{BB962C8B-B14F-4D97-AF65-F5344CB8AC3E}">
-        <p14:creationId xmlns:p14="http://schemas.microsoft.com/office/powerpoint/2010/main" val="3851540737"/>
+        <p14:creationId xmlns:p14="http://schemas.microsoft.com/office/powerpoint/2010/main" val="2254332943"/>
       </p:ext>
     </p:extLst>
   </p:cSld>
@@ -51269,7 +51232,7 @@
           <a:p>
             <a:r>
               <a:rPr lang="en-US" dirty="0"/>
-              <a:t>GROUP BY with HAVING</a:t>
+              <a:t>Views</a:t>
             </a:r>
           </a:p>
         </p:txBody>
@@ -51297,7 +51260,7 @@
           <a:p>
             <a:fld id="{0C62BD34-D5E2-4C87-AA2A-F8D5808875C3}" type="datetime1">
               <a:rPr lang="en-US" smtClean="0"/>
-              <a:t>9/2/2022</a:t>
+              <a:t>9/3/2022</a:t>
             </a:fld>
             <a:endParaRPr lang="en-US"/>
           </a:p>
@@ -51385,195 +51348,284 @@
             <p:ph type="body" idx="1"/>
           </p:nvPr>
         </p:nvSpPr>
-        <p:spPr/>
+        <p:spPr>
+          <a:xfrm>
+            <a:off x="457200" y="1165950"/>
+            <a:ext cx="8229600" cy="4526100"/>
+          </a:xfrm>
+        </p:spPr>
         <p:txBody>
           <a:bodyPr/>
           <a:lstStyle/>
           <a:p>
-            <a:pPr marL="114300" indent="0">
-              <a:buNone/>
-            </a:pPr>
-            <a:r>
-              <a:rPr lang="en-US" sz="2400" b="0" i="0" dirty="0">
-                <a:solidFill>
-                  <a:srgbClr val="000000"/>
-                </a:solidFill>
-                <a:effectLst/>
-                <a:latin typeface="Segoe UI" panose="020B0502040204020203" pitchFamily="34" charset="0"/>
-              </a:rPr>
-              <a:t>Example: Find out Order ID which has Order qty less than 10</a:t>
-            </a:r>
-          </a:p>
-          <a:p>
-            <a:pPr marL="114300" indent="0">
-              <a:buNone/>
-            </a:pPr>
+            <a:pPr algn="l"/>
+            <a:r>
+              <a:rPr lang="en-US" sz="2400" dirty="0">
+                <a:latin typeface="+mj-lt"/>
+              </a:rPr>
+              <a:t>In SQL, a view is a virtual table based on the result-set of an SQL statement.</a:t>
+            </a:r>
+          </a:p>
+          <a:p>
+            <a:pPr algn="l"/>
+            <a:r>
+              <a:rPr lang="en-US" sz="2400" dirty="0">
+                <a:latin typeface="+mj-lt"/>
+              </a:rPr>
+              <a:t>A view contains rows and columns, just like a real table. The fields in a view are fields from one or more real tables in the database.</a:t>
+            </a:r>
+          </a:p>
+          <a:p>
+            <a:pPr algn="l"/>
             <a:endParaRPr lang="en-US" sz="2400" dirty="0">
+              <a:latin typeface="+mj-lt"/>
+            </a:endParaRPr>
+          </a:p>
+          <a:p>
+            <a:r>
+              <a:rPr lang="en-US" sz="2400" u="sng" dirty="0">
+                <a:latin typeface="+mj-lt"/>
+              </a:rPr>
+              <a:t>Syntax</a:t>
+            </a:r>
+            <a:endParaRPr lang="en-US" sz="2000" b="0" i="0" dirty="0">
               <a:solidFill>
-                <a:srgbClr val="000000"/>
-              </a:solidFill>
-              <a:latin typeface="Segoe UI" panose="020B0502040204020203" pitchFamily="34" charset="0"/>
-            </a:endParaRPr>
-          </a:p>
-          <a:p>
-            <a:pPr marL="114300" indent="0">
-              <a:buNone/>
-            </a:pPr>
-            <a:r>
-              <a:rPr lang="en-US" sz="2400" b="0" i="0" dirty="0">
-                <a:solidFill>
-                  <a:srgbClr val="000000"/>
-                </a:solidFill>
-                <a:effectLst/>
-                <a:latin typeface="Segoe UI" panose="020B0502040204020203" pitchFamily="34" charset="0"/>
-              </a:rPr>
-              <a:t>SELECT </a:t>
-            </a:r>
-          </a:p>
-          <a:p>
-            <a:pPr marL="114300" indent="0">
-              <a:buNone/>
-            </a:pPr>
-            <a:r>
-              <a:rPr lang="en-US" sz="2400" b="0" i="0" dirty="0">
-                <a:solidFill>
-                  <a:srgbClr val="000000"/>
-                </a:solidFill>
-                <a:effectLst/>
-                <a:latin typeface="Segoe UI" panose="020B0502040204020203" pitchFamily="34" charset="0"/>
-              </a:rPr>
-              <a:t>	</a:t>
-            </a:r>
-            <a:r>
-              <a:rPr lang="en-US" sz="2400" b="0" i="0" dirty="0" err="1">
-                <a:solidFill>
-                  <a:srgbClr val="FF0000"/>
-                </a:solidFill>
-                <a:effectLst/>
-                <a:latin typeface="Segoe UI" panose="020B0502040204020203" pitchFamily="34" charset="0"/>
-              </a:rPr>
-              <a:t>OrderID</a:t>
-            </a:r>
-            <a:r>
-              <a:rPr lang="en-US" sz="2400" b="0" i="0" dirty="0">
-                <a:solidFill>
-                  <a:srgbClr val="FF0000"/>
-                </a:solidFill>
-                <a:effectLst/>
-                <a:latin typeface="Segoe UI" panose="020B0502040204020203" pitchFamily="34" charset="0"/>
-              </a:rPr>
-              <a:t>,</a:t>
-            </a:r>
-          </a:p>
-          <a:p>
-            <a:pPr marL="114300" indent="0">
-              <a:buNone/>
-            </a:pPr>
-            <a:r>
-              <a:rPr lang="en-US" sz="2400" b="0" i="0" dirty="0">
-                <a:solidFill>
-                  <a:srgbClr val="FF0000"/>
-                </a:solidFill>
-                <a:effectLst/>
-                <a:latin typeface="Segoe UI" panose="020B0502040204020203" pitchFamily="34" charset="0"/>
-              </a:rPr>
-              <a:t>    	sum(Quantity)</a:t>
-            </a:r>
-          </a:p>
-          <a:p>
-            <a:pPr marL="114300" indent="0">
-              <a:buNone/>
-            </a:pPr>
-            <a:r>
-              <a:rPr lang="en-US" sz="2400" b="0" i="0" dirty="0">
-                <a:solidFill>
-                  <a:srgbClr val="000000"/>
-                </a:solidFill>
-                <a:effectLst/>
-                <a:latin typeface="Segoe UI" panose="020B0502040204020203" pitchFamily="34" charset="0"/>
-              </a:rPr>
-              <a:t>FROM </a:t>
-            </a:r>
-            <a:r>
-              <a:rPr lang="en-US" sz="2400" b="0" i="0" dirty="0" err="1">
-                <a:solidFill>
-                  <a:srgbClr val="000000"/>
-                </a:solidFill>
-                <a:effectLst/>
-                <a:latin typeface="Segoe UI" panose="020B0502040204020203" pitchFamily="34" charset="0"/>
-              </a:rPr>
-              <a:t>order_details</a:t>
-            </a:r>
-            <a:endParaRPr lang="en-US" sz="2400" b="0" i="0" dirty="0">
-              <a:solidFill>
-                <a:srgbClr val="000000"/>
+                <a:srgbClr val="0000CD"/>
               </a:solidFill>
               <a:effectLst/>
-              <a:latin typeface="Segoe UI" panose="020B0502040204020203" pitchFamily="34" charset="0"/>
+              <a:latin typeface="+mj-lt"/>
             </a:endParaRPr>
           </a:p>
           <a:p>
-            <a:pPr marL="114300" indent="0">
+            <a:pPr marL="114300" indent="0" algn="l">
               <a:buNone/>
             </a:pPr>
             <a:r>
+              <a:rPr lang="en-US" sz="2000" dirty="0">
+                <a:solidFill>
+                  <a:srgbClr val="0000CD"/>
+                </a:solidFill>
+                <a:latin typeface="+mj-lt"/>
+              </a:rPr>
+              <a:t>		</a:t>
+            </a:r>
+            <a:endParaRPr lang="en-US" sz="2000" dirty="0">
+              <a:latin typeface="+mj-lt"/>
+            </a:endParaRPr>
+          </a:p>
+        </p:txBody>
+      </p:sp>
+      <p:sp>
+        <p:nvSpPr>
+          <p:cNvPr id="8" name="TextBox 7">
+            <a:extLst>
+              <a:ext uri="{FF2B5EF4-FFF2-40B4-BE49-F238E27FC236}">
+                <a16:creationId xmlns:a16="http://schemas.microsoft.com/office/drawing/2014/main" id="{091B47E3-54A8-45DF-BD12-EAEAF0D8D37E}"/>
+              </a:ext>
+            </a:extLst>
+          </p:cNvPr>
+          <p:cNvSpPr txBox="1"/>
+          <p:nvPr/>
+        </p:nvSpPr>
+        <p:spPr>
+          <a:xfrm>
+            <a:off x="2286000" y="3614148"/>
+            <a:ext cx="5625548" cy="1569660"/>
+          </a:xfrm>
+          <a:prstGeom prst="rect">
+            <a:avLst/>
+          </a:prstGeom>
+          <a:noFill/>
+        </p:spPr>
+        <p:txBody>
+          <a:bodyPr wrap="square">
+            <a:spAutoFit/>
+          </a:bodyPr>
+          <a:lstStyle/>
+          <a:p>
+            <a:r>
               <a:rPr lang="en-US" sz="2400" b="0" i="0" dirty="0">
                 <a:solidFill>
                   <a:srgbClr val="FF0000"/>
                 </a:solidFill>
                 <a:effectLst/>
-                <a:latin typeface="Segoe UI" panose="020B0502040204020203" pitchFamily="34" charset="0"/>
-              </a:rPr>
-              <a:t>GROUP BY </a:t>
-            </a:r>
-            <a:r>
-              <a:rPr lang="en-US" sz="2400" b="0" i="0" dirty="0" err="1">
+                <a:latin typeface="+mj-lt"/>
+              </a:rPr>
+              <a:t>CREATE VIEW </a:t>
+            </a:r>
+            <a:r>
+              <a:rPr lang="en-US" sz="2400" b="0" i="1" dirty="0" err="1">
+                <a:solidFill>
+                  <a:schemeClr val="tx1"/>
+                </a:solidFill>
+                <a:effectLst/>
+                <a:latin typeface="+mj-lt"/>
+              </a:rPr>
+              <a:t>view_name</a:t>
+            </a:r>
+            <a:r>
+              <a:rPr lang="en-US" sz="2400" b="0" i="0" dirty="0">
                 <a:solidFill>
                   <a:srgbClr val="FF0000"/>
                 </a:solidFill>
                 <a:effectLst/>
-                <a:latin typeface="Segoe UI" panose="020B0502040204020203" pitchFamily="34" charset="0"/>
-              </a:rPr>
-              <a:t>OrderID</a:t>
-            </a:r>
-            <a:endParaRPr lang="en-US" sz="2400" dirty="0">
-              <a:solidFill>
-                <a:srgbClr val="FF0000"/>
-              </a:solidFill>
-              <a:latin typeface="Segoe UI" panose="020B0502040204020203" pitchFamily="34" charset="0"/>
-            </a:endParaRPr>
-          </a:p>
-          <a:p>
-            <a:pPr marL="114300" indent="0">
-              <a:buNone/>
-            </a:pPr>
-            <a:r>
+                <a:latin typeface="+mj-lt"/>
+              </a:rPr>
+              <a:t> AS</a:t>
+            </a:r>
+            <a:br>
               <a:rPr lang="en-US" sz="2400" dirty="0">
-                <a:solidFill>
-                  <a:srgbClr val="FF0000"/>
-                </a:solidFill>
-                <a:latin typeface="Segoe UI" panose="020B0502040204020203" pitchFamily="34" charset="0"/>
-              </a:rPr>
-              <a:t>HAVING sum(Quantity) &lt; 10;</a:t>
-            </a:r>
-          </a:p>
-          <a:p>
-            <a:pPr marL="114300" indent="0">
-              <a:buNone/>
-            </a:pPr>
-            <a:endParaRPr lang="en-US" sz="2400" dirty="0">
-              <a:solidFill>
-                <a:srgbClr val="000000"/>
-              </a:solidFill>
-              <a:latin typeface="Segoe UI" panose="020B0502040204020203" pitchFamily="34" charset="0"/>
-            </a:endParaRPr>
+                <a:latin typeface="+mj-lt"/>
+              </a:rPr>
+            </a:br>
+            <a:r>
+              <a:rPr lang="en-US" sz="2400" b="0" i="0" dirty="0">
+                <a:solidFill>
+                  <a:srgbClr val="0000CD"/>
+                </a:solidFill>
+                <a:effectLst/>
+                <a:latin typeface="+mj-lt"/>
+              </a:rPr>
+              <a:t>SELECT</a:t>
+            </a:r>
+            <a:r>
+              <a:rPr lang="en-US" sz="2400" b="0" i="0" dirty="0">
+                <a:solidFill>
+                  <a:srgbClr val="000000"/>
+                </a:solidFill>
+                <a:effectLst/>
+                <a:latin typeface="+mj-lt"/>
+              </a:rPr>
+              <a:t> </a:t>
+            </a:r>
+            <a:r>
+              <a:rPr lang="en-US" sz="2400" b="0" i="1" dirty="0">
+                <a:solidFill>
+                  <a:srgbClr val="000000"/>
+                </a:solidFill>
+                <a:effectLst/>
+                <a:latin typeface="+mj-lt"/>
+              </a:rPr>
+              <a:t>column1</a:t>
+            </a:r>
+            <a:r>
+              <a:rPr lang="en-US" sz="2400" b="0" i="0" dirty="0">
+                <a:solidFill>
+                  <a:srgbClr val="000000"/>
+                </a:solidFill>
+                <a:effectLst/>
+                <a:latin typeface="+mj-lt"/>
+              </a:rPr>
+              <a:t>, </a:t>
+            </a:r>
+            <a:r>
+              <a:rPr lang="en-US" sz="2400" b="0" i="1" dirty="0">
+                <a:solidFill>
+                  <a:srgbClr val="000000"/>
+                </a:solidFill>
+                <a:effectLst/>
+                <a:latin typeface="+mj-lt"/>
+              </a:rPr>
+              <a:t>column2</a:t>
+            </a:r>
+            <a:r>
+              <a:rPr lang="en-US" sz="2400" b="0" i="0" dirty="0">
+                <a:solidFill>
+                  <a:srgbClr val="000000"/>
+                </a:solidFill>
+                <a:effectLst/>
+                <a:latin typeface="+mj-lt"/>
+              </a:rPr>
+              <a:t>, ...</a:t>
+            </a:r>
+            <a:br>
+              <a:rPr lang="en-US" sz="2400" dirty="0">
+                <a:latin typeface="+mj-lt"/>
+              </a:rPr>
+            </a:br>
+            <a:r>
+              <a:rPr lang="en-US" sz="2400" b="0" i="0" dirty="0">
+                <a:solidFill>
+                  <a:srgbClr val="0000CD"/>
+                </a:solidFill>
+                <a:effectLst/>
+                <a:latin typeface="+mj-lt"/>
+              </a:rPr>
+              <a:t>FROM</a:t>
+            </a:r>
+            <a:r>
+              <a:rPr lang="en-US" sz="2400" b="0" i="0" dirty="0">
+                <a:solidFill>
+                  <a:srgbClr val="000000"/>
+                </a:solidFill>
+                <a:effectLst/>
+                <a:latin typeface="+mj-lt"/>
+              </a:rPr>
+              <a:t> </a:t>
+            </a:r>
+            <a:r>
+              <a:rPr lang="en-US" sz="2400" b="0" i="1" dirty="0" err="1">
+                <a:solidFill>
+                  <a:srgbClr val="000000"/>
+                </a:solidFill>
+                <a:effectLst/>
+                <a:latin typeface="+mj-lt"/>
+              </a:rPr>
+              <a:t>table_name</a:t>
+            </a:r>
+            <a:br>
+              <a:rPr lang="en-US" sz="2400" dirty="0">
+                <a:latin typeface="+mj-lt"/>
+              </a:rPr>
+            </a:br>
+            <a:r>
+              <a:rPr lang="en-US" sz="2400" b="0" i="0" dirty="0">
+                <a:solidFill>
+                  <a:srgbClr val="0000CD"/>
+                </a:solidFill>
+                <a:effectLst/>
+                <a:latin typeface="+mj-lt"/>
+              </a:rPr>
+              <a:t>WHERE</a:t>
+            </a:r>
+            <a:r>
+              <a:rPr lang="en-US" sz="2400" b="0" i="0" dirty="0">
+                <a:solidFill>
+                  <a:srgbClr val="000000"/>
+                </a:solidFill>
+                <a:effectLst/>
+                <a:latin typeface="+mj-lt"/>
+              </a:rPr>
+              <a:t> </a:t>
+            </a:r>
+            <a:r>
+              <a:rPr lang="en-US" sz="2400" b="0" i="1" dirty="0">
+                <a:solidFill>
+                  <a:srgbClr val="000000"/>
+                </a:solidFill>
+                <a:effectLst/>
+                <a:latin typeface="+mj-lt"/>
+              </a:rPr>
+              <a:t>condition</a:t>
+            </a:r>
+            <a:r>
+              <a:rPr lang="en-US" sz="2400" b="0" i="0" dirty="0">
+                <a:solidFill>
+                  <a:srgbClr val="000000"/>
+                </a:solidFill>
+                <a:effectLst/>
+                <a:latin typeface="+mj-lt"/>
+              </a:rPr>
+              <a:t>;</a:t>
+            </a:r>
+            <a:endParaRPr lang="en-US" sz="2400" dirty="0"/>
           </a:p>
         </p:txBody>
       </p:sp>
     </p:spTree>
     <p:extLst>
       <p:ext uri="{BB962C8B-B14F-4D97-AF65-F5344CB8AC3E}">
-        <p14:creationId xmlns:p14="http://schemas.microsoft.com/office/powerpoint/2010/main" val="2254332943"/>
+        <p14:creationId xmlns:p14="http://schemas.microsoft.com/office/powerpoint/2010/main" val="2511191926"/>
       </p:ext>
     </p:extLst>
   </p:cSld>
@@ -51656,7 +51708,7 @@
           <a:p>
             <a:fld id="{0C62BD34-D5E2-4C87-AA2A-F8D5808875C3}" type="datetime1">
               <a:rPr lang="en-US" smtClean="0"/>
-              <a:t>9/2/2022</a:t>
+              <a:t>9/3/2022</a:t>
             </a:fld>
             <a:endParaRPr lang="en-US"/>
           </a:p>
@@ -51754,274 +51806,216 @@
           <a:bodyPr/>
           <a:lstStyle/>
           <a:p>
-            <a:pPr algn="l"/>
-            <a:r>
-              <a:rPr lang="en-US" sz="2400" dirty="0">
-                <a:latin typeface="+mj-lt"/>
-              </a:rPr>
-              <a:t>In SQL, a view is a virtual table based on the result-set of an SQL statement.</a:t>
-            </a:r>
-          </a:p>
-          <a:p>
-            <a:pPr algn="l"/>
-            <a:r>
-              <a:rPr lang="en-US" sz="2400" dirty="0">
-                <a:latin typeface="+mj-lt"/>
-              </a:rPr>
-              <a:t>A view contains rows and columns, just like a real table. The fields in a view are fields from one or more real tables in the database.</a:t>
-            </a:r>
-          </a:p>
-          <a:p>
-            <a:pPr algn="l"/>
-            <a:endParaRPr lang="en-US" sz="2400" dirty="0">
-              <a:latin typeface="+mj-lt"/>
+            <a:pPr marL="114300" indent="0">
+              <a:buNone/>
+            </a:pPr>
+            <a:r>
+              <a:rPr lang="en-US" sz="2000" b="0" i="0" dirty="0">
+                <a:solidFill>
+                  <a:srgbClr val="000000"/>
+                </a:solidFill>
+                <a:effectLst/>
+                <a:latin typeface="Segoe UI" panose="020B0502040204020203" pitchFamily="34" charset="0"/>
+              </a:rPr>
+              <a:t>Example: </a:t>
+            </a:r>
+          </a:p>
+          <a:p>
+            <a:pPr marL="114300" indent="0">
+              <a:buNone/>
+            </a:pPr>
+            <a:r>
+              <a:rPr lang="en-US" sz="2000" b="0" i="0" dirty="0">
+                <a:solidFill>
+                  <a:srgbClr val="000000"/>
+                </a:solidFill>
+                <a:effectLst/>
+                <a:latin typeface="Segoe UI" panose="020B0502040204020203" pitchFamily="34" charset="0"/>
+              </a:rPr>
+              <a:t>Create a View which gives Order ID with greater than 180 Order qty</a:t>
+            </a:r>
+          </a:p>
+          <a:p>
+            <a:pPr marL="114300" indent="0">
+              <a:buNone/>
+            </a:pPr>
+            <a:endParaRPr lang="en-US" sz="2000" dirty="0">
+              <a:solidFill>
+                <a:srgbClr val="000000"/>
+              </a:solidFill>
+              <a:latin typeface="Segoe UI" panose="020B0502040204020203" pitchFamily="34" charset="0"/>
             </a:endParaRPr>
           </a:p>
           <a:p>
-            <a:r>
-              <a:rPr lang="en-US" sz="2400" u="sng" dirty="0">
-                <a:latin typeface="+mj-lt"/>
-              </a:rPr>
-              <a:t>Syntax</a:t>
-            </a:r>
-            <a:endParaRPr lang="en-US" sz="2000" b="0" i="0" dirty="0">
+            <a:pPr marL="114300" indent="0">
+              <a:buNone/>
+            </a:pPr>
+            <a:r>
+              <a:rPr lang="en-US" sz="2000" dirty="0">
+                <a:solidFill>
+                  <a:srgbClr val="FF0000"/>
+                </a:solidFill>
+                <a:latin typeface="Segoe UI" panose="020B0502040204020203" pitchFamily="34" charset="0"/>
+              </a:rPr>
+              <a:t>CREATE VIEW</a:t>
+            </a:r>
+            <a:r>
+              <a:rPr lang="en-US" sz="2000" dirty="0">
+                <a:solidFill>
+                  <a:srgbClr val="000000"/>
+                </a:solidFill>
+                <a:latin typeface="Segoe UI" panose="020B0502040204020203" pitchFamily="34" charset="0"/>
+              </a:rPr>
+              <a:t> qty_gt_180 </a:t>
+            </a:r>
+            <a:r>
+              <a:rPr lang="en-US" sz="2000" dirty="0">
+                <a:solidFill>
+                  <a:srgbClr val="FF0000"/>
+                </a:solidFill>
+                <a:latin typeface="Segoe UI" panose="020B0502040204020203" pitchFamily="34" charset="0"/>
+              </a:rPr>
+              <a:t>AS</a:t>
+            </a:r>
+          </a:p>
+          <a:p>
+            <a:pPr marL="114300" indent="0">
+              <a:buNone/>
+            </a:pPr>
+            <a:r>
+              <a:rPr lang="en-US" sz="2000" dirty="0">
+                <a:solidFill>
+                  <a:srgbClr val="000000"/>
+                </a:solidFill>
+                <a:latin typeface="Segoe UI" panose="020B0502040204020203" pitchFamily="34" charset="0"/>
+              </a:rPr>
+              <a:t>SELECT</a:t>
+            </a:r>
+          </a:p>
+          <a:p>
+            <a:pPr marL="114300" indent="0">
+              <a:buNone/>
+            </a:pPr>
+            <a:r>
+              <a:rPr lang="en-US" sz="2000" dirty="0">
+                <a:solidFill>
+                  <a:srgbClr val="000000"/>
+                </a:solidFill>
+                <a:latin typeface="Segoe UI" panose="020B0502040204020203" pitchFamily="34" charset="0"/>
+              </a:rPr>
+              <a:t>	</a:t>
+            </a:r>
+            <a:r>
+              <a:rPr lang="en-US" sz="2000" dirty="0" err="1">
+                <a:solidFill>
+                  <a:srgbClr val="FF0000"/>
+                </a:solidFill>
+                <a:latin typeface="Segoe UI" panose="020B0502040204020203" pitchFamily="34" charset="0"/>
+              </a:rPr>
+              <a:t>OrderID</a:t>
+            </a:r>
+            <a:r>
+              <a:rPr lang="en-US" sz="2000" dirty="0">
+                <a:solidFill>
+                  <a:srgbClr val="FF0000"/>
+                </a:solidFill>
+                <a:latin typeface="Segoe UI" panose="020B0502040204020203" pitchFamily="34" charset="0"/>
+              </a:rPr>
+              <a:t>,</a:t>
+            </a:r>
+          </a:p>
+          <a:p>
+            <a:pPr marL="114300" indent="0">
+              <a:buNone/>
+            </a:pPr>
+            <a:r>
+              <a:rPr lang="en-US" sz="2000" dirty="0">
+                <a:solidFill>
+                  <a:srgbClr val="FF0000"/>
+                </a:solidFill>
+                <a:latin typeface="Segoe UI" panose="020B0502040204020203" pitchFamily="34" charset="0"/>
+              </a:rPr>
+              <a:t>	sum(Quantity)</a:t>
+            </a:r>
+          </a:p>
+          <a:p>
+            <a:pPr marL="114300" indent="0">
+              <a:buNone/>
+            </a:pPr>
+            <a:r>
+              <a:rPr lang="en-US" sz="2000" dirty="0">
+                <a:solidFill>
+                  <a:srgbClr val="000000"/>
+                </a:solidFill>
+                <a:latin typeface="Segoe UI" panose="020B0502040204020203" pitchFamily="34" charset="0"/>
+              </a:rPr>
+              <a:t>FROM </a:t>
+            </a:r>
+            <a:r>
+              <a:rPr lang="en-US" sz="2000" dirty="0" err="1">
+                <a:solidFill>
+                  <a:srgbClr val="000000"/>
+                </a:solidFill>
+                <a:latin typeface="Segoe UI" panose="020B0502040204020203" pitchFamily="34" charset="0"/>
+              </a:rPr>
+              <a:t>order_details</a:t>
+            </a:r>
+            <a:endParaRPr lang="en-US" sz="2000" dirty="0">
               <a:solidFill>
-                <a:srgbClr val="0000CD"/>
+                <a:srgbClr val="000000"/>
               </a:solidFill>
-              <a:effectLst/>
-              <a:latin typeface="+mj-lt"/>
+              <a:latin typeface="Segoe UI" panose="020B0502040204020203" pitchFamily="34" charset="0"/>
             </a:endParaRPr>
           </a:p>
           <a:p>
-            <a:pPr marL="114300" indent="0" algn="l">
+            <a:pPr marL="114300" indent="0">
               <a:buNone/>
             </a:pPr>
             <a:r>
               <a:rPr lang="en-US" sz="2000" dirty="0">
                 <a:solidFill>
-                  <a:srgbClr val="0000CD"/>
-                </a:solidFill>
-                <a:latin typeface="+mj-lt"/>
-              </a:rPr>
-              <a:t>		</a:t>
+                  <a:srgbClr val="FF0000"/>
+                </a:solidFill>
+                <a:latin typeface="Segoe UI" panose="020B0502040204020203" pitchFamily="34" charset="0"/>
+              </a:rPr>
+              <a:t>GROUP BY </a:t>
+            </a:r>
+            <a:r>
+              <a:rPr lang="en-US" sz="2000" dirty="0" err="1">
+                <a:solidFill>
+                  <a:srgbClr val="FF0000"/>
+                </a:solidFill>
+                <a:latin typeface="Segoe UI" panose="020B0502040204020203" pitchFamily="34" charset="0"/>
+              </a:rPr>
+              <a:t>OrderID</a:t>
             </a:r>
             <a:endParaRPr lang="en-US" sz="2000" dirty="0">
-              <a:latin typeface="+mj-lt"/>
+              <a:solidFill>
+                <a:srgbClr val="FF0000"/>
+              </a:solidFill>
+              <a:latin typeface="Segoe UI" panose="020B0502040204020203" pitchFamily="34" charset="0"/>
             </a:endParaRPr>
           </a:p>
-        </p:txBody>
-      </p:sp>
-      <p:sp>
-        <p:nvSpPr>
-          <p:cNvPr id="8" name="TextBox 7">
-            <a:extLst>
-              <a:ext uri="{FF2B5EF4-FFF2-40B4-BE49-F238E27FC236}">
-                <a16:creationId xmlns:a16="http://schemas.microsoft.com/office/drawing/2014/main" id="{091B47E3-54A8-45DF-BD12-EAEAF0D8D37E}"/>
-              </a:ext>
-            </a:extLst>
-          </p:cNvPr>
-          <p:cNvSpPr txBox="1"/>
-          <p:nvPr/>
-        </p:nvSpPr>
-        <p:spPr>
-          <a:xfrm>
-            <a:off x="2286000" y="3614148"/>
-            <a:ext cx="5625548" cy="1569660"/>
-          </a:xfrm>
-          <a:prstGeom prst="rect">
-            <a:avLst/>
-          </a:prstGeom>
-          <a:noFill/>
-        </p:spPr>
-        <p:txBody>
-          <a:bodyPr wrap="square">
-            <a:spAutoFit/>
-          </a:bodyPr>
-          <a:lstStyle/>
-          <a:p>
-            <a:r>
-              <a:rPr lang="en-US" sz="2400" b="0" i="0" dirty="0">
+          <a:p>
+            <a:pPr marL="114300" indent="0">
+              <a:buNone/>
+            </a:pPr>
+            <a:r>
+              <a:rPr lang="en-US" sz="2000" dirty="0">
                 <a:solidFill>
                   <a:srgbClr val="FF0000"/>
                 </a:solidFill>
-                <a:effectLst/>
-                <a:latin typeface="+mj-lt"/>
-              </a:rPr>
-              <a:t>CREATE VIEW </a:t>
-            </a:r>
-            <a:r>
-              <a:rPr lang="en-US" sz="2400" b="0" i="1" dirty="0" err="1">
-                <a:solidFill>
-                  <a:schemeClr val="tx1"/>
-                </a:solidFill>
-                <a:effectLst/>
-                <a:latin typeface="+mj-lt"/>
-              </a:rPr>
-              <a:t>view_name</a:t>
-            </a:r>
-            <a:r>
-              <a:rPr lang="en-US" sz="2400" b="0" i="0" dirty="0">
-                <a:solidFill>
-                  <a:srgbClr val="FF0000"/>
-                </a:solidFill>
-                <a:effectLst/>
-                <a:latin typeface="+mj-lt"/>
-              </a:rPr>
-              <a:t> AS</a:t>
-            </a:r>
-            <a:br>
-              <a:rPr lang="en-US" sz="2400" dirty="0">
-                <a:latin typeface="+mj-lt"/>
-              </a:rPr>
-            </a:br>
-            <a:r>
-              <a:rPr lang="en-US" sz="2400" b="0" i="0" dirty="0">
-                <a:solidFill>
-                  <a:srgbClr val="0000CD"/>
-                </a:solidFill>
-                <a:effectLst/>
-                <a:latin typeface="+mj-lt"/>
-              </a:rPr>
-              <a:t>SELECT</a:t>
-            </a:r>
-            <a:r>
-              <a:rPr lang="en-US" sz="2400" b="0" i="0" dirty="0">
-                <a:solidFill>
-                  <a:srgbClr val="000000"/>
-                </a:solidFill>
-                <a:effectLst/>
-                <a:latin typeface="+mj-lt"/>
-              </a:rPr>
-              <a:t> </a:t>
-            </a:r>
-            <a:r>
-              <a:rPr lang="en-US" sz="2400" b="0" i="1" dirty="0">
-                <a:solidFill>
-                  <a:srgbClr val="000000"/>
-                </a:solidFill>
-                <a:effectLst/>
-                <a:latin typeface="+mj-lt"/>
-              </a:rPr>
-              <a:t>column1</a:t>
-            </a:r>
-            <a:r>
-              <a:rPr lang="en-US" sz="2400" b="0" i="0" dirty="0">
-                <a:solidFill>
-                  <a:srgbClr val="000000"/>
-                </a:solidFill>
-                <a:effectLst/>
-                <a:latin typeface="+mj-lt"/>
-              </a:rPr>
-              <a:t>, </a:t>
-            </a:r>
-            <a:r>
-              <a:rPr lang="en-US" sz="2400" b="0" i="1" dirty="0">
-                <a:solidFill>
-                  <a:srgbClr val="000000"/>
-                </a:solidFill>
-                <a:effectLst/>
-                <a:latin typeface="+mj-lt"/>
-              </a:rPr>
-              <a:t>column2</a:t>
-            </a:r>
-            <a:r>
-              <a:rPr lang="en-US" sz="2400" b="0" i="0" dirty="0">
-                <a:solidFill>
-                  <a:srgbClr val="000000"/>
-                </a:solidFill>
-                <a:effectLst/>
-                <a:latin typeface="+mj-lt"/>
-              </a:rPr>
-              <a:t>, ...</a:t>
-            </a:r>
-            <a:br>
-              <a:rPr lang="en-US" sz="2400" dirty="0">
-                <a:latin typeface="+mj-lt"/>
-              </a:rPr>
-            </a:br>
-            <a:r>
-              <a:rPr lang="en-US" sz="2400" b="0" i="0" dirty="0">
-                <a:solidFill>
-                  <a:srgbClr val="0000CD"/>
-                </a:solidFill>
-                <a:effectLst/>
-                <a:latin typeface="+mj-lt"/>
-              </a:rPr>
-              <a:t>FROM</a:t>
-            </a:r>
-            <a:r>
-              <a:rPr lang="en-US" sz="2400" b="0" i="0" dirty="0">
-                <a:solidFill>
-                  <a:srgbClr val="000000"/>
-                </a:solidFill>
-                <a:effectLst/>
-                <a:latin typeface="+mj-lt"/>
-              </a:rPr>
-              <a:t> </a:t>
-            </a:r>
-            <a:r>
-              <a:rPr lang="en-US" sz="2400" b="0" i="1" dirty="0" err="1">
-                <a:solidFill>
-                  <a:srgbClr val="000000"/>
-                </a:solidFill>
-                <a:effectLst/>
-                <a:latin typeface="+mj-lt"/>
-              </a:rPr>
-              <a:t>table_name</a:t>
-            </a:r>
-            <a:br>
-              <a:rPr lang="en-US" sz="2400" dirty="0">
-                <a:latin typeface="+mj-lt"/>
-              </a:rPr>
-            </a:br>
-            <a:r>
-              <a:rPr lang="en-US" sz="2400" b="0" i="0" dirty="0">
-                <a:solidFill>
-                  <a:srgbClr val="0000CD"/>
-                </a:solidFill>
-                <a:effectLst/>
-                <a:latin typeface="+mj-lt"/>
-              </a:rPr>
-              <a:t>WHERE</a:t>
-            </a:r>
-            <a:r>
-              <a:rPr lang="en-US" sz="2400" b="0" i="0" dirty="0">
-                <a:solidFill>
-                  <a:srgbClr val="000000"/>
-                </a:solidFill>
-                <a:effectLst/>
-                <a:latin typeface="+mj-lt"/>
-              </a:rPr>
-              <a:t> </a:t>
-            </a:r>
-            <a:r>
-              <a:rPr lang="en-US" sz="2400" b="0" i="1" dirty="0">
-                <a:solidFill>
-                  <a:srgbClr val="000000"/>
-                </a:solidFill>
-                <a:effectLst/>
-                <a:latin typeface="+mj-lt"/>
-              </a:rPr>
-              <a:t>condition</a:t>
-            </a:r>
-            <a:r>
-              <a:rPr lang="en-US" sz="2400" b="0" i="0" dirty="0">
-                <a:solidFill>
-                  <a:srgbClr val="000000"/>
-                </a:solidFill>
-                <a:effectLst/>
-                <a:latin typeface="+mj-lt"/>
-              </a:rPr>
-              <a:t>;</a:t>
-            </a:r>
-            <a:endParaRPr lang="en-US" sz="2400" dirty="0"/>
+                <a:latin typeface="Segoe UI" panose="020B0502040204020203" pitchFamily="34" charset="0"/>
+              </a:rPr>
+              <a:t>HAVING sum(Quantity) &gt; 180;</a:t>
+            </a:r>
           </a:p>
         </p:txBody>
       </p:sp>
     </p:spTree>
     <p:extLst>
       <p:ext uri="{BB962C8B-B14F-4D97-AF65-F5344CB8AC3E}">
-        <p14:creationId xmlns:p14="http://schemas.microsoft.com/office/powerpoint/2010/main" val="2511191926"/>
+        <p14:creationId xmlns:p14="http://schemas.microsoft.com/office/powerpoint/2010/main" val="3820915904"/>
       </p:ext>
     </p:extLst>
   </p:cSld>
@@ -52099,7 +52093,7 @@
           <a:p>
             <a:fld id="{0C62BD34-D5E2-4C87-AA2A-F8D5808875C3}" type="datetime1">
               <a:rPr lang="en-US" smtClean="0"/>
-              <a:t>9/2/2022</a:t>
+              <a:t>9/3/2022</a:t>
             </a:fld>
             <a:endParaRPr lang="en-US"/>
           </a:p>
@@ -52346,7 +52340,7 @@
           <a:p>
             <a:fld id="{0C62BD34-D5E2-4C87-AA2A-F8D5808875C3}" type="datetime1">
               <a:rPr lang="en-US" smtClean="0"/>
-              <a:t>9/2/2022</a:t>
+              <a:t>9/3/2022</a:t>
             </a:fld>
             <a:endParaRPr lang="en-US"/>
           </a:p>
@@ -52650,10 +52644,112 @@
           </a:p>
         </p:txBody>
       </p:sp>
+      <p:sp>
+        <p:nvSpPr>
+          <p:cNvPr id="9" name="TextBox 8">
+            <a:extLst>
+              <a:ext uri="{FF2B5EF4-FFF2-40B4-BE49-F238E27FC236}">
+                <a16:creationId xmlns:a16="http://schemas.microsoft.com/office/drawing/2014/main" id="{B4E206B6-6334-4542-A62E-88191F56AFE0}"/>
+              </a:ext>
+            </a:extLst>
+          </p:cNvPr>
+          <p:cNvSpPr txBox="1"/>
+          <p:nvPr/>
+        </p:nvSpPr>
+        <p:spPr>
+          <a:xfrm>
+            <a:off x="5205845" y="3545276"/>
+            <a:ext cx="4572000" cy="369332"/>
+          </a:xfrm>
+          <a:prstGeom prst="rect">
+            <a:avLst/>
+          </a:prstGeom>
+          <a:noFill/>
+        </p:spPr>
+        <p:txBody>
+          <a:bodyPr wrap="square">
+            <a:spAutoFit/>
+          </a:bodyPr>
+          <a:lstStyle/>
+          <a:p>
+            <a:r>
+              <a:rPr lang="en-US" sz="1800" dirty="0">
+                <a:solidFill>
+                  <a:schemeClr val="bg2"/>
+                </a:solidFill>
+              </a:rPr>
+              <a:t>SELECT * FROM</a:t>
+            </a:r>
+            <a:r>
+              <a:rPr lang="en-US" sz="1800" dirty="0">
+                <a:solidFill>
+                  <a:srgbClr val="00B050"/>
+                </a:solidFill>
+              </a:rPr>
+              <a:t> </a:t>
+            </a:r>
+            <a:r>
+              <a:rPr lang="en-US" sz="1800" b="1" dirty="0">
+                <a:solidFill>
+                  <a:srgbClr val="00B050"/>
+                </a:solidFill>
+              </a:rPr>
+              <a:t>qty_gt_180</a:t>
+            </a:r>
+            <a:r>
+              <a:rPr lang="en-US" sz="1800" dirty="0">
+                <a:solidFill>
+                  <a:srgbClr val="00B050"/>
+                </a:solidFill>
+              </a:rPr>
+              <a:t>;</a:t>
+            </a:r>
+          </a:p>
+        </p:txBody>
+      </p:sp>
+      <p:sp>
+        <p:nvSpPr>
+          <p:cNvPr id="10" name="TextBox 9">
+            <a:extLst>
+              <a:ext uri="{FF2B5EF4-FFF2-40B4-BE49-F238E27FC236}">
+                <a16:creationId xmlns:a16="http://schemas.microsoft.com/office/drawing/2014/main" id="{5059CF5B-97AD-4E96-B39A-A413971AD675}"/>
+              </a:ext>
+            </a:extLst>
+          </p:cNvPr>
+          <p:cNvSpPr txBox="1"/>
+          <p:nvPr/>
+        </p:nvSpPr>
+        <p:spPr>
+          <a:xfrm>
+            <a:off x="5205845" y="3104120"/>
+            <a:ext cx="3296095" cy="307777"/>
+          </a:xfrm>
+          <a:prstGeom prst="rect">
+            <a:avLst/>
+          </a:prstGeom>
+          <a:noFill/>
+        </p:spPr>
+        <p:txBody>
+          <a:bodyPr wrap="none" rtlCol="0">
+            <a:spAutoFit/>
+          </a:bodyPr>
+          <a:lstStyle/>
+          <a:p>
+            <a:r>
+              <a:rPr lang="en-US" b="1" u="sng" dirty="0">
+                <a:solidFill>
+                  <a:schemeClr val="bg2"/>
+                </a:solidFill>
+              </a:rPr>
+              <a:t>Now Query the View to get the result</a:t>
+            </a:r>
+          </a:p>
+        </p:txBody>
+      </p:sp>
     </p:spTree>
     <p:extLst>
       <p:ext uri="{BB962C8B-B14F-4D97-AF65-F5344CB8AC3E}">
-        <p14:creationId xmlns:p14="http://schemas.microsoft.com/office/powerpoint/2010/main" val="3820915904"/>
+        <p14:creationId xmlns:p14="http://schemas.microsoft.com/office/powerpoint/2010/main" val="2483129219"/>
       </p:ext>
     </p:extLst>
   </p:cSld>
@@ -52708,7 +52804,7 @@
           <a:p>
             <a:r>
               <a:rPr lang="en-US" dirty="0"/>
-              <a:t>Views</a:t>
+              <a:t>Dropping a View</a:t>
             </a:r>
           </a:p>
         </p:txBody>
@@ -52736,7 +52832,7 @@
           <a:p>
             <a:fld id="{0C62BD34-D5E2-4C87-AA2A-F8D5808875C3}" type="datetime1">
               <a:rPr lang="en-US" smtClean="0"/>
-              <a:t>9/2/2022</a:t>
+              <a:t>9/3/2022</a:t>
             </a:fld>
             <a:endParaRPr lang="en-US"/>
           </a:p>
@@ -52803,498 +52899,6 @@
             <a:fld id="{00000000-1234-1234-1234-123412341234}" type="slidenum">
               <a:rPr lang="en-US" smtClean="0"/>
               <a:t>81</a:t>
-            </a:fld>
-            <a:endParaRPr lang="en-US"/>
-          </a:p>
-        </p:txBody>
-      </p:sp>
-      <p:sp>
-        <p:nvSpPr>
-          <p:cNvPr id="7" name="Text Placeholder 6">
-            <a:extLst>
-              <a:ext uri="{FF2B5EF4-FFF2-40B4-BE49-F238E27FC236}">
-                <a16:creationId xmlns:a16="http://schemas.microsoft.com/office/drawing/2014/main" id="{253AA530-1FD7-4A13-9FEB-0F1D8322C720}"/>
-              </a:ext>
-            </a:extLst>
-          </p:cNvPr>
-          <p:cNvSpPr>
-            <a:spLocks noGrp="1"/>
-          </p:cNvSpPr>
-          <p:nvPr>
-            <p:ph type="body" idx="1"/>
-          </p:nvPr>
-        </p:nvSpPr>
-        <p:spPr>
-          <a:xfrm>
-            <a:off x="457200" y="1165950"/>
-            <a:ext cx="8229600" cy="4526100"/>
-          </a:xfrm>
-        </p:spPr>
-        <p:txBody>
-          <a:bodyPr/>
-          <a:lstStyle/>
-          <a:p>
-            <a:pPr marL="114300" indent="0">
-              <a:buNone/>
-            </a:pPr>
-            <a:r>
-              <a:rPr lang="en-US" sz="2000" b="0" i="0" dirty="0">
-                <a:solidFill>
-                  <a:srgbClr val="000000"/>
-                </a:solidFill>
-                <a:effectLst/>
-                <a:latin typeface="Segoe UI" panose="020B0502040204020203" pitchFamily="34" charset="0"/>
-              </a:rPr>
-              <a:t>Example: </a:t>
-            </a:r>
-          </a:p>
-          <a:p>
-            <a:pPr marL="114300" indent="0">
-              <a:buNone/>
-            </a:pPr>
-            <a:r>
-              <a:rPr lang="en-US" sz="2000" b="0" i="0" dirty="0">
-                <a:solidFill>
-                  <a:srgbClr val="000000"/>
-                </a:solidFill>
-                <a:effectLst/>
-                <a:latin typeface="Segoe UI" panose="020B0502040204020203" pitchFamily="34" charset="0"/>
-              </a:rPr>
-              <a:t>Create a View which gives Order ID with greater than 180 Order qty</a:t>
-            </a:r>
-          </a:p>
-          <a:p>
-            <a:pPr marL="114300" indent="0">
-              <a:buNone/>
-            </a:pPr>
-            <a:endParaRPr lang="en-US" sz="2000" dirty="0">
-              <a:solidFill>
-                <a:srgbClr val="000000"/>
-              </a:solidFill>
-              <a:latin typeface="Segoe UI" panose="020B0502040204020203" pitchFamily="34" charset="0"/>
-            </a:endParaRPr>
-          </a:p>
-          <a:p>
-            <a:pPr marL="114300" indent="0">
-              <a:buNone/>
-            </a:pPr>
-            <a:r>
-              <a:rPr lang="en-US" sz="2000" dirty="0">
-                <a:solidFill>
-                  <a:srgbClr val="FF0000"/>
-                </a:solidFill>
-                <a:latin typeface="Segoe UI" panose="020B0502040204020203" pitchFamily="34" charset="0"/>
-              </a:rPr>
-              <a:t>CREATE VIEW</a:t>
-            </a:r>
-            <a:r>
-              <a:rPr lang="en-US" sz="2000" dirty="0">
-                <a:solidFill>
-                  <a:srgbClr val="000000"/>
-                </a:solidFill>
-                <a:latin typeface="Segoe UI" panose="020B0502040204020203" pitchFamily="34" charset="0"/>
-              </a:rPr>
-              <a:t> qty_gt_180 </a:t>
-            </a:r>
-            <a:r>
-              <a:rPr lang="en-US" sz="2000" dirty="0">
-                <a:solidFill>
-                  <a:srgbClr val="FF0000"/>
-                </a:solidFill>
-                <a:latin typeface="Segoe UI" panose="020B0502040204020203" pitchFamily="34" charset="0"/>
-              </a:rPr>
-              <a:t>AS</a:t>
-            </a:r>
-          </a:p>
-          <a:p>
-            <a:pPr marL="114300" indent="0">
-              <a:buNone/>
-            </a:pPr>
-            <a:r>
-              <a:rPr lang="en-US" sz="2000" dirty="0">
-                <a:solidFill>
-                  <a:srgbClr val="000000"/>
-                </a:solidFill>
-                <a:latin typeface="Segoe UI" panose="020B0502040204020203" pitchFamily="34" charset="0"/>
-              </a:rPr>
-              <a:t>SELECT</a:t>
-            </a:r>
-          </a:p>
-          <a:p>
-            <a:pPr marL="114300" indent="0">
-              <a:buNone/>
-            </a:pPr>
-            <a:r>
-              <a:rPr lang="en-US" sz="2000" dirty="0">
-                <a:solidFill>
-                  <a:srgbClr val="000000"/>
-                </a:solidFill>
-                <a:latin typeface="Segoe UI" panose="020B0502040204020203" pitchFamily="34" charset="0"/>
-              </a:rPr>
-              <a:t>	</a:t>
-            </a:r>
-            <a:r>
-              <a:rPr lang="en-US" sz="2000" dirty="0" err="1">
-                <a:solidFill>
-                  <a:srgbClr val="FF0000"/>
-                </a:solidFill>
-                <a:latin typeface="Segoe UI" panose="020B0502040204020203" pitchFamily="34" charset="0"/>
-              </a:rPr>
-              <a:t>OrderID</a:t>
-            </a:r>
-            <a:r>
-              <a:rPr lang="en-US" sz="2000" dirty="0">
-                <a:solidFill>
-                  <a:srgbClr val="FF0000"/>
-                </a:solidFill>
-                <a:latin typeface="Segoe UI" panose="020B0502040204020203" pitchFamily="34" charset="0"/>
-              </a:rPr>
-              <a:t>,</a:t>
-            </a:r>
-          </a:p>
-          <a:p>
-            <a:pPr marL="114300" indent="0">
-              <a:buNone/>
-            </a:pPr>
-            <a:r>
-              <a:rPr lang="en-US" sz="2000" dirty="0">
-                <a:solidFill>
-                  <a:srgbClr val="FF0000"/>
-                </a:solidFill>
-                <a:latin typeface="Segoe UI" panose="020B0502040204020203" pitchFamily="34" charset="0"/>
-              </a:rPr>
-              <a:t>	sum(Quantity)</a:t>
-            </a:r>
-          </a:p>
-          <a:p>
-            <a:pPr marL="114300" indent="0">
-              <a:buNone/>
-            </a:pPr>
-            <a:r>
-              <a:rPr lang="en-US" sz="2000" dirty="0">
-                <a:solidFill>
-                  <a:srgbClr val="000000"/>
-                </a:solidFill>
-                <a:latin typeface="Segoe UI" panose="020B0502040204020203" pitchFamily="34" charset="0"/>
-              </a:rPr>
-              <a:t>FROM </a:t>
-            </a:r>
-            <a:r>
-              <a:rPr lang="en-US" sz="2000" dirty="0" err="1">
-                <a:solidFill>
-                  <a:srgbClr val="000000"/>
-                </a:solidFill>
-                <a:latin typeface="Segoe UI" panose="020B0502040204020203" pitchFamily="34" charset="0"/>
-              </a:rPr>
-              <a:t>order_details</a:t>
-            </a:r>
-            <a:endParaRPr lang="en-US" sz="2000" dirty="0">
-              <a:solidFill>
-                <a:srgbClr val="000000"/>
-              </a:solidFill>
-              <a:latin typeface="Segoe UI" panose="020B0502040204020203" pitchFamily="34" charset="0"/>
-            </a:endParaRPr>
-          </a:p>
-          <a:p>
-            <a:pPr marL="114300" indent="0">
-              <a:buNone/>
-            </a:pPr>
-            <a:r>
-              <a:rPr lang="en-US" sz="2000" dirty="0">
-                <a:solidFill>
-                  <a:srgbClr val="FF0000"/>
-                </a:solidFill>
-                <a:latin typeface="Segoe UI" panose="020B0502040204020203" pitchFamily="34" charset="0"/>
-              </a:rPr>
-              <a:t>GROUP BY </a:t>
-            </a:r>
-            <a:r>
-              <a:rPr lang="en-US" sz="2000" dirty="0" err="1">
-                <a:solidFill>
-                  <a:srgbClr val="FF0000"/>
-                </a:solidFill>
-                <a:latin typeface="Segoe UI" panose="020B0502040204020203" pitchFamily="34" charset="0"/>
-              </a:rPr>
-              <a:t>OrderID</a:t>
-            </a:r>
-            <a:endParaRPr lang="en-US" sz="2000" dirty="0">
-              <a:solidFill>
-                <a:srgbClr val="FF0000"/>
-              </a:solidFill>
-              <a:latin typeface="Segoe UI" panose="020B0502040204020203" pitchFamily="34" charset="0"/>
-            </a:endParaRPr>
-          </a:p>
-          <a:p>
-            <a:pPr marL="114300" indent="0">
-              <a:buNone/>
-            </a:pPr>
-            <a:r>
-              <a:rPr lang="en-US" sz="2000" dirty="0">
-                <a:solidFill>
-                  <a:srgbClr val="FF0000"/>
-                </a:solidFill>
-                <a:latin typeface="Segoe UI" panose="020B0502040204020203" pitchFamily="34" charset="0"/>
-              </a:rPr>
-              <a:t>HAVING sum(Quantity) &gt; 180;</a:t>
-            </a:r>
-          </a:p>
-        </p:txBody>
-      </p:sp>
-      <p:sp>
-        <p:nvSpPr>
-          <p:cNvPr id="9" name="TextBox 8">
-            <a:extLst>
-              <a:ext uri="{FF2B5EF4-FFF2-40B4-BE49-F238E27FC236}">
-                <a16:creationId xmlns:a16="http://schemas.microsoft.com/office/drawing/2014/main" id="{B4E206B6-6334-4542-A62E-88191F56AFE0}"/>
-              </a:ext>
-            </a:extLst>
-          </p:cNvPr>
-          <p:cNvSpPr txBox="1"/>
-          <p:nvPr/>
-        </p:nvSpPr>
-        <p:spPr>
-          <a:xfrm>
-            <a:off x="5205845" y="3545276"/>
-            <a:ext cx="4572000" cy="369332"/>
-          </a:xfrm>
-          <a:prstGeom prst="rect">
-            <a:avLst/>
-          </a:prstGeom>
-          <a:noFill/>
-        </p:spPr>
-        <p:txBody>
-          <a:bodyPr wrap="square">
-            <a:spAutoFit/>
-          </a:bodyPr>
-          <a:lstStyle/>
-          <a:p>
-            <a:r>
-              <a:rPr lang="en-US" sz="1800" dirty="0">
-                <a:solidFill>
-                  <a:schemeClr val="bg2"/>
-                </a:solidFill>
-              </a:rPr>
-              <a:t>SELECT * FROM</a:t>
-            </a:r>
-            <a:r>
-              <a:rPr lang="en-US" sz="1800" dirty="0">
-                <a:solidFill>
-                  <a:srgbClr val="00B050"/>
-                </a:solidFill>
-              </a:rPr>
-              <a:t> </a:t>
-            </a:r>
-            <a:r>
-              <a:rPr lang="en-US" sz="1800" b="1" dirty="0">
-                <a:solidFill>
-                  <a:srgbClr val="00B050"/>
-                </a:solidFill>
-              </a:rPr>
-              <a:t>qty_gt_180</a:t>
-            </a:r>
-            <a:r>
-              <a:rPr lang="en-US" sz="1800" dirty="0">
-                <a:solidFill>
-                  <a:srgbClr val="00B050"/>
-                </a:solidFill>
-              </a:rPr>
-              <a:t>;</a:t>
-            </a:r>
-          </a:p>
-        </p:txBody>
-      </p:sp>
-      <p:sp>
-        <p:nvSpPr>
-          <p:cNvPr id="10" name="TextBox 9">
-            <a:extLst>
-              <a:ext uri="{FF2B5EF4-FFF2-40B4-BE49-F238E27FC236}">
-                <a16:creationId xmlns:a16="http://schemas.microsoft.com/office/drawing/2014/main" id="{5059CF5B-97AD-4E96-B39A-A413971AD675}"/>
-              </a:ext>
-            </a:extLst>
-          </p:cNvPr>
-          <p:cNvSpPr txBox="1"/>
-          <p:nvPr/>
-        </p:nvSpPr>
-        <p:spPr>
-          <a:xfrm>
-            <a:off x="5205845" y="3104120"/>
-            <a:ext cx="3296095" cy="307777"/>
-          </a:xfrm>
-          <a:prstGeom prst="rect">
-            <a:avLst/>
-          </a:prstGeom>
-          <a:noFill/>
-        </p:spPr>
-        <p:txBody>
-          <a:bodyPr wrap="none" rtlCol="0">
-            <a:spAutoFit/>
-          </a:bodyPr>
-          <a:lstStyle/>
-          <a:p>
-            <a:r>
-              <a:rPr lang="en-US" b="1" u="sng" dirty="0">
-                <a:solidFill>
-                  <a:schemeClr val="bg2"/>
-                </a:solidFill>
-              </a:rPr>
-              <a:t>Now Query the View to get the result</a:t>
-            </a:r>
-          </a:p>
-        </p:txBody>
-      </p:sp>
-    </p:spTree>
-    <p:extLst>
-      <p:ext uri="{BB962C8B-B14F-4D97-AF65-F5344CB8AC3E}">
-        <p14:creationId xmlns:p14="http://schemas.microsoft.com/office/powerpoint/2010/main" val="2483129219"/>
-      </p:ext>
-    </p:extLst>
-  </p:cSld>
-  <p:clrMapOvr>
-    <a:masterClrMapping/>
-  </p:clrMapOvr>
-</p:sld>
-</file>
-
-<file path=ppt/slides/slide82.xml><?xml version="1.0" encoding="utf-8"?>
-<p:sld xmlns:a="http://schemas.openxmlformats.org/drawingml/2006/main" xmlns:r="http://schemas.openxmlformats.org/officeDocument/2006/relationships" xmlns:p="http://schemas.openxmlformats.org/presentationml/2006/main">
-  <p:cSld>
-    <p:spTree>
-      <p:nvGrpSpPr>
-        <p:cNvPr id="1" name=""/>
-        <p:cNvGrpSpPr/>
-        <p:nvPr/>
-      </p:nvGrpSpPr>
-      <p:grpSpPr>
-        <a:xfrm>
-          <a:off x="0" y="0"/>
-          <a:ext cx="0" cy="0"/>
-          <a:chOff x="0" y="0"/>
-          <a:chExt cx="0" cy="0"/>
-        </a:xfrm>
-      </p:grpSpPr>
-      <p:sp>
-        <p:nvSpPr>
-          <p:cNvPr id="2" name="Title 1">
-            <a:extLst>
-              <a:ext uri="{FF2B5EF4-FFF2-40B4-BE49-F238E27FC236}">
-                <a16:creationId xmlns:a16="http://schemas.microsoft.com/office/drawing/2014/main" id="{E48B3E39-BF9F-414E-8996-FE28138A5AA4}"/>
-              </a:ext>
-            </a:extLst>
-          </p:cNvPr>
-          <p:cNvSpPr>
-            <a:spLocks noGrp="1"/>
-          </p:cNvSpPr>
-          <p:nvPr>
-            <p:ph type="title"/>
-          </p:nvPr>
-        </p:nvSpPr>
-        <p:spPr>
-          <a:xfrm>
-            <a:off x="457200" y="155369"/>
-            <a:ext cx="8229600" cy="1143000"/>
-          </a:xfrm>
-        </p:spPr>
-        <p:txBody>
-          <a:bodyPr/>
-          <a:lstStyle/>
-          <a:p>
-            <a:r>
-              <a:rPr lang="en-US" dirty="0"/>
-              <a:t>Dropping a View</a:t>
-            </a:r>
-          </a:p>
-        </p:txBody>
-      </p:sp>
-      <p:sp>
-        <p:nvSpPr>
-          <p:cNvPr id="4" name="Date Placeholder 3">
-            <a:extLst>
-              <a:ext uri="{FF2B5EF4-FFF2-40B4-BE49-F238E27FC236}">
-                <a16:creationId xmlns:a16="http://schemas.microsoft.com/office/drawing/2014/main" id="{2FCB3F9E-7251-48F0-B13B-5B110A6B7640}"/>
-              </a:ext>
-            </a:extLst>
-          </p:cNvPr>
-          <p:cNvSpPr>
-            <a:spLocks noGrp="1"/>
-          </p:cNvSpPr>
-          <p:nvPr>
-            <p:ph type="dt" idx="10"/>
-          </p:nvPr>
-        </p:nvSpPr>
-        <p:spPr/>
-        <p:txBody>
-          <a:bodyPr/>
-          <a:lstStyle/>
-          <a:p>
-            <a:fld id="{0C62BD34-D5E2-4C87-AA2A-F8D5808875C3}" type="datetime1">
-              <a:rPr lang="en-US" smtClean="0"/>
-              <a:t>9/2/2022</a:t>
-            </a:fld>
-            <a:endParaRPr lang="en-US"/>
-          </a:p>
-        </p:txBody>
-      </p:sp>
-      <p:sp>
-        <p:nvSpPr>
-          <p:cNvPr id="5" name="Footer Placeholder 4">
-            <a:extLst>
-              <a:ext uri="{FF2B5EF4-FFF2-40B4-BE49-F238E27FC236}">
-                <a16:creationId xmlns:a16="http://schemas.microsoft.com/office/drawing/2014/main" id="{A05E6C2A-0676-4166-A0E4-5E1FCF337867}"/>
-              </a:ext>
-            </a:extLst>
-          </p:cNvPr>
-          <p:cNvSpPr>
-            <a:spLocks noGrp="1"/>
-          </p:cNvSpPr>
-          <p:nvPr>
-            <p:ph type="ftr" idx="11"/>
-          </p:nvPr>
-        </p:nvSpPr>
-        <p:spPr/>
-        <p:txBody>
-          <a:bodyPr/>
-          <a:lstStyle/>
-          <a:p>
-            <a:r>
-              <a:rPr lang="en-US"/>
-              <a:t>Ankit Velani, MBA-SIT,Tumkur</a:t>
-            </a:r>
-          </a:p>
-        </p:txBody>
-      </p:sp>
-      <p:sp>
-        <p:nvSpPr>
-          <p:cNvPr id="6" name="Slide Number Placeholder 5">
-            <a:extLst>
-              <a:ext uri="{FF2B5EF4-FFF2-40B4-BE49-F238E27FC236}">
-                <a16:creationId xmlns:a16="http://schemas.microsoft.com/office/drawing/2014/main" id="{89933161-E0E1-4B21-A600-F078B5EA203B}"/>
-              </a:ext>
-            </a:extLst>
-          </p:cNvPr>
-          <p:cNvSpPr>
-            <a:spLocks noGrp="1"/>
-          </p:cNvSpPr>
-          <p:nvPr>
-            <p:ph type="sldNum" idx="12"/>
-          </p:nvPr>
-        </p:nvSpPr>
-        <p:spPr/>
-        <p:txBody>
-          <a:bodyPr/>
-          <a:lstStyle/>
-          <a:p>
-            <a:pPr marL="0" lvl="0" indent="0" algn="r" rtl="0">
-              <a:spcBef>
-                <a:spcPts val="0"/>
-              </a:spcBef>
-              <a:spcAft>
-                <a:spcPts val="0"/>
-              </a:spcAft>
-              <a:buNone/>
-            </a:pPr>
-            <a:fld id="{00000000-1234-1234-1234-123412341234}" type="slidenum">
-              <a:rPr lang="en-US" smtClean="0"/>
-              <a:t>82</a:t>
             </a:fld>
             <a:endParaRPr lang="en-US"/>
           </a:p>
@@ -53573,7 +53177,7 @@
           <a:p>
             <a:fld id="{0C62BD34-D5E2-4C87-AA2A-F8D5808875C3}" type="datetime1">
               <a:rPr lang="en-US" smtClean="0"/>
-              <a:t>9/2/2022</a:t>
+              <a:t>9/3/2022</a:t>
             </a:fld>
             <a:endParaRPr lang="en-US"/>
           </a:p>
